--- a/Presentacion/El principio de la sabiduría es el temor.pptx
+++ b/Presentacion/El principio de la sabiduría es el temor.pptx
@@ -12,28 +12,15 @@
     <p:sldId id="262" r:id="rId6"/>
     <p:sldId id="259" r:id="rId7"/>
     <p:sldId id="260" r:id="rId8"/>
-    <p:sldId id="265" r:id="rId9"/>
-    <p:sldId id="297" r:id="rId10"/>
-    <p:sldId id="266" r:id="rId11"/>
-    <p:sldId id="267" r:id="rId12"/>
-    <p:sldId id="268" r:id="rId13"/>
-    <p:sldId id="269" r:id="rId14"/>
-    <p:sldId id="274" r:id="rId15"/>
-    <p:sldId id="275" r:id="rId16"/>
-    <p:sldId id="276" r:id="rId17"/>
-    <p:sldId id="280" r:id="rId18"/>
-    <p:sldId id="282" r:id="rId19"/>
-    <p:sldId id="285" r:id="rId20"/>
-    <p:sldId id="287" r:id="rId21"/>
-    <p:sldId id="288" r:id="rId22"/>
-    <p:sldId id="292" r:id="rId23"/>
-    <p:sldId id="294" r:id="rId24"/>
-    <p:sldId id="296" r:id="rId25"/>
-    <p:sldId id="300" r:id="rId26"/>
-    <p:sldId id="312" r:id="rId27"/>
-    <p:sldId id="313" r:id="rId28"/>
-    <p:sldId id="314" r:id="rId29"/>
-    <p:sldId id="310" r:id="rId30"/>
+    <p:sldId id="315" r:id="rId9"/>
+    <p:sldId id="316" r:id="rId10"/>
+    <p:sldId id="317" r:id="rId11"/>
+    <p:sldId id="312" r:id="rId12"/>
+    <p:sldId id="313" r:id="rId13"/>
+    <p:sldId id="314" r:id="rId14"/>
+    <p:sldId id="318" r:id="rId15"/>
+    <p:sldId id="319" r:id="rId16"/>
+    <p:sldId id="310" r:id="rId17"/>
   </p:sldIdLst>
   <p:sldSz cx="12192000" cy="6858000"/>
   <p:notesSz cx="6858000" cy="9144000"/>
@@ -7772,7 +7759,7 @@
       </p:grpSpPr>
       <p:sp>
         <p:nvSpPr>
-          <p:cNvPr id="4" name="Título 3"/>
+          <p:cNvPr id="2" name="Título 1"/>
           <p:cNvSpPr>
             <a:spLocks noGrp="1"/>
           </p:cNvSpPr>
@@ -7782,191 +7769,23 @@
         </p:nvSpPr>
         <p:spPr>
           <a:xfrm>
-            <a:off x="1136468" y="195943"/>
-            <a:ext cx="10776857" cy="6426926"/>
+            <a:off x="1939782" y="597984"/>
+            <a:ext cx="8911687" cy="1280890"/>
           </a:xfrm>
         </p:spPr>
         <p:txBody>
           <a:bodyPr>
-            <a:noAutofit/>
+            <a:normAutofit/>
           </a:bodyPr>
           <a:lstStyle/>
           <a:p>
-            <a:pPr algn="ctr"/>
-            <a:r>
-              <a:rPr lang="es-ES" sz="2400" b="1" dirty="0" smtClean="0"/>
-              <a:t>¿Cuáles son?</a:t>
-            </a:r>
-            <a:br>
-              <a:rPr lang="es-ES" sz="2400" b="1" dirty="0" smtClean="0"/>
-            </a:br>
-            <a:r>
-              <a:rPr lang="en-US" sz="1800" dirty="0" smtClean="0"/>
-              <a:t/>
-            </a:r>
-            <a:br>
-              <a:rPr lang="en-US" sz="1800" dirty="0" smtClean="0"/>
-            </a:br>
-            <a:r>
-              <a:rPr lang="es-ES" sz="2000" dirty="0" smtClean="0">
+            <a:r>
+              <a:rPr lang="es-NI" sz="2000" dirty="0">
                 <a:latin typeface="Arial" panose="020B0604020202020204" pitchFamily="34" charset="0"/>
                 <a:cs typeface="Arial" panose="020B0604020202020204" pitchFamily="34" charset="0"/>
               </a:rPr>
-              <a:t>1.    Sistemas de procesamiento básico de la información</a:t>
-            </a:r>
-            <a:br>
-              <a:rPr lang="es-ES" sz="2000" dirty="0" smtClean="0">
-                <a:latin typeface="Arial" panose="020B0604020202020204" pitchFamily="34" charset="0"/>
-                <a:cs typeface="Arial" panose="020B0604020202020204" pitchFamily="34" charset="0"/>
-              </a:rPr>
-            </a:br>
-            <a:r>
-              <a:rPr lang="en-US" sz="2000" dirty="0" smtClean="0">
-                <a:latin typeface="Arial" panose="020B0604020202020204" pitchFamily="34" charset="0"/>
-                <a:cs typeface="Arial" panose="020B0604020202020204" pitchFamily="34" charset="0"/>
-              </a:rPr>
-              <a:t/>
-            </a:r>
-            <a:br>
-              <a:rPr lang="en-US" sz="2000" dirty="0" smtClean="0">
-                <a:latin typeface="Arial" panose="020B0604020202020204" pitchFamily="34" charset="0"/>
-                <a:cs typeface="Arial" panose="020B0604020202020204" pitchFamily="34" charset="0"/>
-              </a:rPr>
-            </a:br>
-            <a:r>
-              <a:rPr lang="es-NI" sz="2000" i="1" dirty="0" smtClean="0">
-                <a:latin typeface="Arial" panose="020B0604020202020204" pitchFamily="34" charset="0"/>
-                <a:cs typeface="Arial" panose="020B0604020202020204" pitchFamily="34" charset="0"/>
-              </a:rPr>
-              <a:t>2.    Sistemas de apoyo a la toma de decisiones</a:t>
-            </a:r>
-            <a:r>
-              <a:rPr lang="en-US" sz="2000" i="1" dirty="0" smtClean="0">
-                <a:latin typeface="Arial" panose="020B0604020202020204" pitchFamily="34" charset="0"/>
-                <a:cs typeface="Arial" panose="020B0604020202020204" pitchFamily="34" charset="0"/>
-              </a:rPr>
-              <a:t/>
-            </a:r>
-            <a:br>
-              <a:rPr lang="en-US" sz="2000" i="1" dirty="0" smtClean="0">
-                <a:latin typeface="Arial" panose="020B0604020202020204" pitchFamily="34" charset="0"/>
-                <a:cs typeface="Arial" panose="020B0604020202020204" pitchFamily="34" charset="0"/>
-              </a:rPr>
-            </a:br>
-            <a:r>
-              <a:rPr lang="es-ES" sz="2000" dirty="0" smtClean="0">
-                <a:latin typeface="Arial" panose="020B0604020202020204" pitchFamily="34" charset="0"/>
-                <a:cs typeface="Arial" panose="020B0604020202020204" pitchFamily="34" charset="0"/>
-              </a:rPr>
-              <a:t/>
-            </a:r>
-            <a:br>
-              <a:rPr lang="es-ES" sz="2000" dirty="0" smtClean="0">
-                <a:latin typeface="Arial" panose="020B0604020202020204" pitchFamily="34" charset="0"/>
-                <a:cs typeface="Arial" panose="020B0604020202020204" pitchFamily="34" charset="0"/>
-              </a:rPr>
-            </a:br>
-            <a:r>
-              <a:rPr lang="es-NI" sz="2000" i="1" dirty="0" smtClean="0">
-                <a:latin typeface="Arial" panose="020B0604020202020204" pitchFamily="34" charset="0"/>
-                <a:cs typeface="Arial" panose="020B0604020202020204" pitchFamily="34" charset="0"/>
-              </a:rPr>
-              <a:t>3.    Sistemas basados en la inteligencia artificial</a:t>
-            </a:r>
-            <a:r>
-              <a:rPr lang="en-US" sz="2000" i="1" dirty="0" smtClean="0">
-                <a:latin typeface="Arial" panose="020B0604020202020204" pitchFamily="34" charset="0"/>
-                <a:cs typeface="Arial" panose="020B0604020202020204" pitchFamily="34" charset="0"/>
-              </a:rPr>
-              <a:t/>
-            </a:r>
-            <a:br>
-              <a:rPr lang="en-US" sz="2000" i="1" dirty="0" smtClean="0">
-                <a:latin typeface="Arial" panose="020B0604020202020204" pitchFamily="34" charset="0"/>
-                <a:cs typeface="Arial" panose="020B0604020202020204" pitchFamily="34" charset="0"/>
-              </a:rPr>
-            </a:br>
-            <a:r>
-              <a:rPr lang="en-US" sz="2000" dirty="0" smtClean="0">
-                <a:latin typeface="Arial" panose="020B0604020202020204" pitchFamily="34" charset="0"/>
-                <a:cs typeface="Arial" panose="020B0604020202020204" pitchFamily="34" charset="0"/>
-              </a:rPr>
-              <a:t/>
-            </a:r>
-            <a:br>
-              <a:rPr lang="en-US" sz="2000" dirty="0" smtClean="0">
-                <a:latin typeface="Arial" panose="020B0604020202020204" pitchFamily="34" charset="0"/>
-                <a:cs typeface="Arial" panose="020B0604020202020204" pitchFamily="34" charset="0"/>
-              </a:rPr>
-            </a:br>
-            <a:r>
-              <a:rPr lang="es-NI" sz="2000" i="1" dirty="0" smtClean="0">
-                <a:latin typeface="Arial" panose="020B0604020202020204" pitchFamily="34" charset="0"/>
-                <a:cs typeface="Arial" panose="020B0604020202020204" pitchFamily="34" charset="0"/>
-              </a:rPr>
-              <a:t>4.    Sistemas basados en técnicas web</a:t>
-            </a:r>
-            <a:r>
-              <a:rPr lang="en-US" sz="2000" i="1" dirty="0" smtClean="0">
-                <a:latin typeface="Arial" panose="020B0604020202020204" pitchFamily="34" charset="0"/>
-                <a:cs typeface="Arial" panose="020B0604020202020204" pitchFamily="34" charset="0"/>
-              </a:rPr>
-              <a:t/>
-            </a:r>
-            <a:br>
-              <a:rPr lang="en-US" sz="2000" i="1" dirty="0" smtClean="0">
-                <a:latin typeface="Arial" panose="020B0604020202020204" pitchFamily="34" charset="0"/>
-                <a:cs typeface="Arial" panose="020B0604020202020204" pitchFamily="34" charset="0"/>
-              </a:rPr>
-            </a:br>
-            <a:r>
-              <a:rPr lang="es-ES" sz="2000" dirty="0" smtClean="0">
-                <a:latin typeface="Arial" panose="020B0604020202020204" pitchFamily="34" charset="0"/>
-                <a:cs typeface="Arial" panose="020B0604020202020204" pitchFamily="34" charset="0"/>
-              </a:rPr>
-              <a:t> </a:t>
-            </a:r>
-            <a:r>
-              <a:rPr lang="en-US" sz="2000" dirty="0" smtClean="0">
-                <a:latin typeface="Arial" panose="020B0604020202020204" pitchFamily="34" charset="0"/>
-                <a:cs typeface="Arial" panose="020B0604020202020204" pitchFamily="34" charset="0"/>
-              </a:rPr>
-              <a:t/>
-            </a:r>
-            <a:br>
-              <a:rPr lang="en-US" sz="2000" dirty="0" smtClean="0">
-                <a:latin typeface="Arial" panose="020B0604020202020204" pitchFamily="34" charset="0"/>
-                <a:cs typeface="Arial" panose="020B0604020202020204" pitchFamily="34" charset="0"/>
-              </a:rPr>
-            </a:br>
-            <a:r>
-              <a:rPr lang="es-NI" sz="2000" i="1" dirty="0" smtClean="0">
-                <a:latin typeface="Arial" panose="020B0604020202020204" pitchFamily="34" charset="0"/>
-                <a:ea typeface="Times New Roman" panose="02020603050405020304" pitchFamily="18" charset="0"/>
-                <a:cs typeface="Arial" panose="020B0604020202020204" pitchFamily="34" charset="0"/>
-              </a:rPr>
-              <a:t>5.    Sistemas de gestión de conocimiento</a:t>
-            </a:r>
-            <a:br>
-              <a:rPr lang="es-NI" sz="2000" i="1" dirty="0" smtClean="0">
-                <a:latin typeface="Arial" panose="020B0604020202020204" pitchFamily="34" charset="0"/>
-                <a:ea typeface="Times New Roman" panose="02020603050405020304" pitchFamily="18" charset="0"/>
-                <a:cs typeface="Arial" panose="020B0604020202020204" pitchFamily="34" charset="0"/>
-              </a:rPr>
-            </a:br>
-            <a:r>
-              <a:rPr lang="en-US" sz="2000" dirty="0" smtClean="0">
-                <a:latin typeface="Arial" panose="020B0604020202020204" pitchFamily="34" charset="0"/>
-                <a:cs typeface="Arial" panose="020B0604020202020204" pitchFamily="34" charset="0"/>
-              </a:rPr>
-              <a:t/>
-            </a:r>
-            <a:br>
-              <a:rPr lang="en-US" sz="2000" dirty="0" smtClean="0">
-                <a:latin typeface="Arial" panose="020B0604020202020204" pitchFamily="34" charset="0"/>
-                <a:cs typeface="Arial" panose="020B0604020202020204" pitchFamily="34" charset="0"/>
-              </a:rPr>
-            </a:br>
+              <a:t>Universidad Martín Lutero a nivel nacional aún no cuenta con alguna plataforma que pueda satisfacer las necesidades informativas </a:t>
+            </a:r>
             <a:endParaRPr lang="en-US" sz="2000" dirty="0">
               <a:latin typeface="Arial" panose="020B0604020202020204" pitchFamily="34" charset="0"/>
               <a:cs typeface="Arial" panose="020B0604020202020204" pitchFamily="34" charset="0"/>
@@ -7974,23 +7793,45 @@
           </a:p>
         </p:txBody>
       </p:sp>
+      <p:pic>
+        <p:nvPicPr>
+          <p:cNvPr id="4" name="Marcador de contenido 3"/>
+          <p:cNvPicPr>
+            <a:picLocks noGrp="1" noChangeAspect="1"/>
+          </p:cNvPicPr>
+          <p:nvPr>
+            <p:ph idx="1"/>
+          </p:nvPr>
+        </p:nvPicPr>
+        <p:blipFill>
+          <a:blip r:embed="rId2" cstate="print">
+            <a:extLst>
+              <a:ext uri="{28A0092B-C50C-407E-A947-70E740481C1C}">
+                <a14:useLocalDpi xmlns:a14="http://schemas.microsoft.com/office/drawing/2010/main" val="0"/>
+              </a:ext>
+            </a:extLst>
+          </a:blip>
+          <a:stretch>
+            <a:fillRect/>
+          </a:stretch>
+        </p:blipFill>
+        <p:spPr>
+          <a:xfrm>
+            <a:off x="3722914" y="2265549"/>
+            <a:ext cx="5460275" cy="3873994"/>
+          </a:xfrm>
+        </p:spPr>
+      </p:pic>
     </p:spTree>
     <p:extLst>
       <p:ext uri="{BB962C8B-B14F-4D97-AF65-F5344CB8AC3E}">
-        <p14:creationId xmlns:p14="http://schemas.microsoft.com/office/powerpoint/2010/main" val="2258060754"/>
+        <p14:creationId xmlns:p14="http://schemas.microsoft.com/office/powerpoint/2010/main" val="3075509817"/>
       </p:ext>
     </p:extLst>
   </p:cSld>
   <p:clrMapOvr>
     <a:masterClrMapping/>
   </p:clrMapOvr>
-  <p:timing>
-    <p:tnLst>
-      <p:par>
-        <p:cTn id="1" dur="indefinite" restart="never" nodeType="tmRoot"/>
-      </p:par>
-    </p:tnLst>
-  </p:timing>
 </p:sld>
 </file>
 
@@ -8013,7 +7854,7 @@
       </p:grpSpPr>
       <p:sp>
         <p:nvSpPr>
-          <p:cNvPr id="4" name="Título 3"/>
+          <p:cNvPr id="2" name="Título 1"/>
           <p:cNvSpPr>
             <a:spLocks noGrp="1"/>
           </p:cNvSpPr>
@@ -8023,171 +7864,79 @@
         </p:nvSpPr>
         <p:spPr>
           <a:xfrm>
-            <a:off x="894806" y="1089796"/>
-            <a:ext cx="10709366" cy="2900794"/>
+            <a:off x="1273576" y="1254034"/>
+            <a:ext cx="8911687" cy="2847703"/>
           </a:xfrm>
-          <a:prstGeom prst="rect">
-            <a:avLst/>
-          </a:prstGeom>
         </p:spPr>
         <p:txBody>
-          <a:bodyPr wrap="square">
-            <a:spAutoFit/>
+          <a:bodyPr>
+            <a:normAutofit fontScale="90000"/>
           </a:bodyPr>
           <a:lstStyle/>
           <a:p>
-            <a:pPr algn="ctr">
-              <a:lnSpc>
-                <a:spcPct val="150000"/>
-              </a:lnSpc>
-              <a:spcBef>
-                <a:spcPts val="2250"/>
-              </a:spcBef>
-              <a:spcAft>
-                <a:spcPts val="1500"/>
-              </a:spcAft>
-            </a:pPr>
-            <a:r>
-              <a:rPr lang="es-ES" sz="2000" dirty="0" smtClean="0">
+            <a:r>
+              <a:rPr lang="es-NI" sz="2200" b="1" dirty="0" smtClean="0">
                 <a:latin typeface="Arial" panose="020B0604020202020204" pitchFamily="34" charset="0"/>
-                <a:ea typeface="Times New Roman" panose="02020603050405020304" pitchFamily="18" charset="0"/>
+                <a:cs typeface="Arial" panose="020B0604020202020204" pitchFamily="34" charset="0"/>
+              </a:rPr>
+              <a:t>Metodología</a:t>
+            </a:r>
+            <a:r>
+              <a:rPr lang="en-US" sz="2200" b="1" dirty="0">
+                <a:latin typeface="Arial" panose="020B0604020202020204" pitchFamily="34" charset="0"/>
+                <a:cs typeface="Arial" panose="020B0604020202020204" pitchFamily="34" charset="0"/>
               </a:rPr>
               <a:t/>
             </a:r>
             <a:br>
-              <a:rPr lang="es-ES" sz="2000" dirty="0" smtClean="0">
+              <a:rPr lang="en-US" sz="2200" b="1" dirty="0">
                 <a:latin typeface="Arial" panose="020B0604020202020204" pitchFamily="34" charset="0"/>
-                <a:ea typeface="Times New Roman" panose="02020603050405020304" pitchFamily="18" charset="0"/>
+                <a:cs typeface="Arial" panose="020B0604020202020204" pitchFamily="34" charset="0"/>
               </a:rPr>
             </a:br>
             <a:r>
-              <a:rPr lang="es-ES" sz="2000" dirty="0">
+              <a:rPr lang="es-NI" sz="2200" dirty="0">
                 <a:latin typeface="Arial" panose="020B0604020202020204" pitchFamily="34" charset="0"/>
-                <a:ea typeface="Times New Roman" panose="02020603050405020304" pitchFamily="18" charset="0"/>
+                <a:cs typeface="Arial" panose="020B0604020202020204" pitchFamily="34" charset="0"/>
+              </a:rPr>
+              <a:t>Al hablar de la implementación de nuestro proyecto nos enfocamos en el campo administrativo, en el cual deseamos optimizar los procesos de control de notas, por el cual deducimos que esto mejorara de gran manera la calidad de los procesos mencionados y ayudara a llevar un mejor control de lo anteriormente estipulado.</a:t>
+            </a:r>
+            <a:r>
+              <a:rPr lang="en-US" sz="2200" dirty="0">
+                <a:latin typeface="Arial" panose="020B0604020202020204" pitchFamily="34" charset="0"/>
+                <a:cs typeface="Arial" panose="020B0604020202020204" pitchFamily="34" charset="0"/>
               </a:rPr>
               <a:t/>
             </a:r>
             <a:br>
-              <a:rPr lang="es-ES" sz="2000" dirty="0">
+              <a:rPr lang="en-US" sz="2200" dirty="0">
                 <a:latin typeface="Arial" panose="020B0604020202020204" pitchFamily="34" charset="0"/>
-                <a:ea typeface="Times New Roman" panose="02020603050405020304" pitchFamily="18" charset="0"/>
+                <a:cs typeface="Arial" panose="020B0604020202020204" pitchFamily="34" charset="0"/>
               </a:rPr>
             </a:br>
             <a:r>
-              <a:rPr lang="es-ES" sz="2000" b="1" dirty="0" smtClean="0">
-                <a:effectLst/>
+              <a:rPr lang="es-NI" sz="2200" b="1" dirty="0">
                 <a:latin typeface="Arial" panose="020B0604020202020204" pitchFamily="34" charset="0"/>
-                <a:ea typeface="Times New Roman" panose="02020603050405020304" pitchFamily="18" charset="0"/>
+                <a:cs typeface="Arial" panose="020B0604020202020204" pitchFamily="34" charset="0"/>
               </a:rPr>
-              <a:t>¿Qué importancia tienen los sistemas de información?</a:t>
-            </a:r>
-            <a:endParaRPr lang="en-US" sz="2000" dirty="0" smtClean="0">
-              <a:latin typeface="Times New Roman" panose="02020603050405020304" pitchFamily="18" charset="0"/>
-              <a:ea typeface="Times New Roman" panose="02020603050405020304" pitchFamily="18" charset="0"/>
-            </a:endParaRPr>
-          </a:p>
-          <a:p>
-            <a:pPr algn="ctr"/>
-            <a:r>
-              <a:rPr lang="es-ES" sz="2000" dirty="0" smtClean="0">
+              <a:t> </a:t>
+            </a:r>
+            <a:r>
+              <a:rPr lang="en-US" sz="2200" dirty="0">
                 <a:latin typeface="Arial" panose="020B0604020202020204" pitchFamily="34" charset="0"/>
-                <a:ea typeface="Times New Roman" panose="02020603050405020304" pitchFamily="18" charset="0"/>
+                <a:cs typeface="Arial" panose="020B0604020202020204" pitchFamily="34" charset="0"/>
               </a:rPr>
-              <a:t>Cuando muchas personas se preguntan por qué estudiar sobre los sistemas de información, es lo mismo que preguntar por qué debería estudiar alguien </a:t>
-            </a:r>
-            <a:r>
-              <a:rPr lang="es-ES" sz="2000" u="sng" dirty="0" smtClean="0">
+              <a:t/>
+            </a:r>
+            <a:br>
+              <a:rPr lang="en-US" sz="2200" dirty="0">
                 <a:latin typeface="Arial" panose="020B0604020202020204" pitchFamily="34" charset="0"/>
-                <a:ea typeface="Times New Roman" panose="02020603050405020304" pitchFamily="18" charset="0"/>
-                <a:hlinkClick r:id="rId2"/>
+                <a:cs typeface="Arial" panose="020B0604020202020204" pitchFamily="34" charset="0"/>
               </a:rPr>
-              <a:t>contabilidad</a:t>
-            </a:r>
-            <a:r>
-              <a:rPr lang="es-ES" sz="2000" dirty="0" smtClean="0">
-                <a:latin typeface="Arial" panose="020B0604020202020204" pitchFamily="34" charset="0"/>
-                <a:ea typeface="Times New Roman" panose="02020603050405020304" pitchFamily="18" charset="0"/>
-              </a:rPr>
-              <a:t>, </a:t>
-            </a:r>
-            <a:r>
-              <a:rPr lang="es-ES" sz="2000" u="sng" dirty="0" smtClean="0">
-                <a:latin typeface="Arial" panose="020B0604020202020204" pitchFamily="34" charset="0"/>
-                <a:ea typeface="Times New Roman" panose="02020603050405020304" pitchFamily="18" charset="0"/>
-                <a:hlinkClick r:id="rId3"/>
-              </a:rPr>
-              <a:t>finanzas</a:t>
-            </a:r>
-            <a:r>
-              <a:rPr lang="es-ES" sz="2000" dirty="0" smtClean="0">
-                <a:latin typeface="Arial" panose="020B0604020202020204" pitchFamily="34" charset="0"/>
-                <a:ea typeface="Times New Roman" panose="02020603050405020304" pitchFamily="18" charset="0"/>
-              </a:rPr>
-              <a:t>, </a:t>
-            </a:r>
-            <a:r>
-              <a:rPr lang="es-ES" sz="2000" u="sng" dirty="0" smtClean="0">
-                <a:latin typeface="Arial" panose="020B0604020202020204" pitchFamily="34" charset="0"/>
-                <a:ea typeface="Times New Roman" panose="02020603050405020304" pitchFamily="18" charset="0"/>
-                <a:hlinkClick r:id="rId4"/>
-              </a:rPr>
-              <a:t>gestión</a:t>
-            </a:r>
-            <a:r>
-              <a:rPr lang="es-ES" sz="2000" dirty="0" smtClean="0">
-                <a:latin typeface="Arial" panose="020B0604020202020204" pitchFamily="34" charset="0"/>
-                <a:ea typeface="Times New Roman" panose="02020603050405020304" pitchFamily="18" charset="0"/>
-              </a:rPr>
-              <a:t> de </a:t>
-            </a:r>
-            <a:r>
-              <a:rPr lang="es-ES" sz="2000" u="sng" dirty="0" smtClean="0">
-                <a:latin typeface="Arial" panose="020B0604020202020204" pitchFamily="34" charset="0"/>
-                <a:ea typeface="Times New Roman" panose="02020603050405020304" pitchFamily="18" charset="0"/>
-                <a:hlinkClick r:id="rId5"/>
-              </a:rPr>
-              <a:t>operaciones</a:t>
-            </a:r>
-            <a:r>
-              <a:rPr lang="es-ES" sz="2000" dirty="0" smtClean="0">
-                <a:latin typeface="Arial" panose="020B0604020202020204" pitchFamily="34" charset="0"/>
-                <a:ea typeface="Times New Roman" panose="02020603050405020304" pitchFamily="18" charset="0"/>
-              </a:rPr>
-              <a:t>, </a:t>
-            </a:r>
-            <a:r>
-              <a:rPr lang="es-ES" sz="2000" u="sng" dirty="0" smtClean="0">
-                <a:latin typeface="Arial" panose="020B0604020202020204" pitchFamily="34" charset="0"/>
-                <a:ea typeface="Times New Roman" panose="02020603050405020304" pitchFamily="18" charset="0"/>
-                <a:hlinkClick r:id="rId6"/>
-              </a:rPr>
-              <a:t>marketing</a:t>
-            </a:r>
-            <a:r>
-              <a:rPr lang="es-ES" sz="2000" dirty="0" smtClean="0">
-                <a:latin typeface="Arial" panose="020B0604020202020204" pitchFamily="34" charset="0"/>
-                <a:ea typeface="Times New Roman" panose="02020603050405020304" pitchFamily="18" charset="0"/>
-              </a:rPr>
-              <a:t>, </a:t>
-            </a:r>
-            <a:r>
-              <a:rPr lang="es-ES" sz="2000" u="sng" dirty="0" smtClean="0">
-                <a:latin typeface="Arial" panose="020B0604020202020204" pitchFamily="34" charset="0"/>
-                <a:ea typeface="Times New Roman" panose="02020603050405020304" pitchFamily="18" charset="0"/>
-                <a:hlinkClick r:id="rId7"/>
-              </a:rPr>
-              <a:t>administración de recursos humanos</a:t>
-            </a:r>
-            <a:r>
-              <a:rPr lang="es-ES" sz="2000" dirty="0" smtClean="0">
-                <a:latin typeface="Arial" panose="020B0604020202020204" pitchFamily="34" charset="0"/>
-                <a:ea typeface="Times New Roman" panose="02020603050405020304" pitchFamily="18" charset="0"/>
-              </a:rPr>
-              <a:t> o cualquier otra función empresarial importante. </a:t>
-            </a:r>
-            <a:endParaRPr lang="en-US" sz="1600" dirty="0">
-              <a:latin typeface="Times New Roman" panose="02020603050405020304" pitchFamily="18" charset="0"/>
-              <a:ea typeface="Times New Roman" panose="02020603050405020304" pitchFamily="18" charset="0"/>
+            </a:br>
+            <a:endParaRPr lang="en-US" dirty="0">
+              <a:latin typeface="Arial" panose="020B0604020202020204" pitchFamily="34" charset="0"/>
+              <a:cs typeface="Arial" panose="020B0604020202020204" pitchFamily="34" charset="0"/>
             </a:endParaRPr>
           </a:p>
         </p:txBody>
@@ -8195,7 +7944,7 @@
     </p:spTree>
     <p:extLst>
       <p:ext uri="{BB962C8B-B14F-4D97-AF65-F5344CB8AC3E}">
-        <p14:creationId xmlns:p14="http://schemas.microsoft.com/office/powerpoint/2010/main" val="2490702273"/>
+        <p14:creationId xmlns:p14="http://schemas.microsoft.com/office/powerpoint/2010/main" val="1223225423"/>
       </p:ext>
     </p:extLst>
   </p:cSld>
@@ -8241,70 +7990,238 @@
         </p:nvSpPr>
         <p:spPr>
           <a:xfrm>
-            <a:off x="1489166" y="822325"/>
-            <a:ext cx="10515600" cy="1325563"/>
+            <a:off x="1456455" y="1018904"/>
+            <a:ext cx="8911687" cy="1238794"/>
           </a:xfrm>
         </p:spPr>
         <p:txBody>
           <a:bodyPr>
-            <a:noAutofit/>
+            <a:normAutofit fontScale="90000"/>
           </a:bodyPr>
           <a:lstStyle/>
           <a:p>
             <a:r>
-              <a:rPr lang="en-US" sz="1800" dirty="0" smtClean="0">
+              <a:rPr lang="es-NI" sz="2200" b="1" dirty="0">
                 <a:latin typeface="Arial" panose="020B0604020202020204" pitchFamily="34" charset="0"/>
-                <a:ea typeface="Calibri" panose="020F0502020204030204" pitchFamily="34" charset="0"/>
-                <a:cs typeface="Times New Roman" panose="02020603050405020304" pitchFamily="18" charset="0"/>
+                <a:cs typeface="Arial" panose="020B0604020202020204" pitchFamily="34" charset="0"/>
+              </a:rPr>
+              <a:t>Tipo de Investigación</a:t>
+            </a:r>
+            <a:r>
+              <a:rPr lang="en-US" sz="2200" b="1" dirty="0">
+                <a:latin typeface="Arial" panose="020B0604020202020204" pitchFamily="34" charset="0"/>
+                <a:cs typeface="Arial" panose="020B0604020202020204" pitchFamily="34" charset="0"/>
               </a:rPr>
               <a:t/>
             </a:r>
             <a:br>
-              <a:rPr lang="en-US" sz="1800" dirty="0" smtClean="0">
+              <a:rPr lang="en-US" sz="2200" b="1" dirty="0">
                 <a:latin typeface="Arial" panose="020B0604020202020204" pitchFamily="34" charset="0"/>
-                <a:ea typeface="Calibri" panose="020F0502020204030204" pitchFamily="34" charset="0"/>
-                <a:cs typeface="Times New Roman" panose="02020603050405020304" pitchFamily="18" charset="0"/>
+                <a:cs typeface="Arial" panose="020B0604020202020204" pitchFamily="34" charset="0"/>
               </a:rPr>
             </a:br>
             <a:r>
-              <a:rPr lang="es-NI" sz="2000" b="1" dirty="0" smtClean="0">
-                <a:effectLst/>
+              <a:rPr lang="es-NI" sz="2200" dirty="0">
                 <a:latin typeface="Arial" panose="020B0604020202020204" pitchFamily="34" charset="0"/>
-                <a:ea typeface="Calibri" panose="020F0502020204030204" pitchFamily="34" charset="0"/>
                 <a:cs typeface="Arial" panose="020B0604020202020204" pitchFamily="34" charset="0"/>
               </a:rPr>
-              <a:t>¿Qué es bases de datos?</a:t>
-            </a:r>
-            <a:r>
-              <a:rPr lang="en-US" sz="2000" dirty="0" smtClean="0">
+              <a:t>El tipo de investigación es Mixta</a:t>
+            </a:r>
+            <a:r>
+              <a:rPr lang="en-US" sz="2200" dirty="0">
                 <a:latin typeface="Arial" panose="020B0604020202020204" pitchFamily="34" charset="0"/>
-                <a:ea typeface="Calibri" panose="020F0502020204030204" pitchFamily="34" charset="0"/>
-                <a:cs typeface="Times New Roman" panose="02020603050405020304" pitchFamily="18" charset="0"/>
+                <a:cs typeface="Arial" panose="020B0604020202020204" pitchFamily="34" charset="0"/>
               </a:rPr>
               <a:t/>
             </a:r>
             <a:br>
-              <a:rPr lang="en-US" sz="2000" dirty="0" smtClean="0">
+              <a:rPr lang="en-US" sz="2200" dirty="0">
                 <a:latin typeface="Arial" panose="020B0604020202020204" pitchFamily="34" charset="0"/>
-                <a:ea typeface="Calibri" panose="020F0502020204030204" pitchFamily="34" charset="0"/>
-                <a:cs typeface="Times New Roman" panose="02020603050405020304" pitchFamily="18" charset="0"/>
+                <a:cs typeface="Arial" panose="020B0604020202020204" pitchFamily="34" charset="0"/>
               </a:rPr>
             </a:br>
             <a:r>
-              <a:rPr lang="es-ES" sz="2000" dirty="0" smtClean="0">
+              <a:rPr lang="es-NI" sz="2200" dirty="0">
                 <a:latin typeface="Arial" panose="020B0604020202020204" pitchFamily="34" charset="0"/>
-                <a:ea typeface="Times New Roman" panose="02020603050405020304" pitchFamily="18" charset="0"/>
+                <a:cs typeface="Arial" panose="020B0604020202020204" pitchFamily="34" charset="0"/>
               </a:rPr>
-              <a:t>Una base de datos es un conjunto de datos pertenecientes a un mismo contexto y almacenados sistemáticamente para su posterior uso. En este sentido; una biblioteca puede considerarse una base de datos compuesta en su mayoría por documentos y textos impresos en papel e indexados para su consulta</a:t>
-            </a:r>
-            <a:endParaRPr lang="en-US" sz="2000" dirty="0"/>
+              <a:t>Por la naturaleza es de tipo exploratorio y descriptivo.</a:t>
+            </a:r>
+            <a:r>
+              <a:rPr lang="en-US" sz="2200" dirty="0">
+                <a:latin typeface="Arial" panose="020B0604020202020204" pitchFamily="34" charset="0"/>
+                <a:cs typeface="Arial" panose="020B0604020202020204" pitchFamily="34" charset="0"/>
+              </a:rPr>
+              <a:t/>
+            </a:r>
+            <a:br>
+              <a:rPr lang="en-US" sz="2200" dirty="0">
+                <a:latin typeface="Arial" panose="020B0604020202020204" pitchFamily="34" charset="0"/>
+                <a:cs typeface="Arial" panose="020B0604020202020204" pitchFamily="34" charset="0"/>
+              </a:rPr>
+            </a:br>
+            <a:r>
+              <a:rPr lang="es-NI" sz="2200" dirty="0">
+                <a:latin typeface="Arial" panose="020B0604020202020204" pitchFamily="34" charset="0"/>
+                <a:cs typeface="Arial" panose="020B0604020202020204" pitchFamily="34" charset="0"/>
+              </a:rPr>
+              <a:t>Por su aplicación es factible.</a:t>
+            </a:r>
+            <a:r>
+              <a:rPr lang="en-US" sz="2200" dirty="0">
+                <a:latin typeface="Arial" panose="020B0604020202020204" pitchFamily="34" charset="0"/>
+                <a:cs typeface="Arial" panose="020B0604020202020204" pitchFamily="34" charset="0"/>
+              </a:rPr>
+              <a:t/>
+            </a:r>
+            <a:br>
+              <a:rPr lang="en-US" sz="2200" dirty="0">
+                <a:latin typeface="Arial" panose="020B0604020202020204" pitchFamily="34" charset="0"/>
+                <a:cs typeface="Arial" panose="020B0604020202020204" pitchFamily="34" charset="0"/>
+              </a:rPr>
+            </a:br>
+            <a:r>
+              <a:rPr lang="es-NI" sz="2200" dirty="0">
+                <a:latin typeface="Arial" panose="020B0604020202020204" pitchFamily="34" charset="0"/>
+                <a:cs typeface="Arial" panose="020B0604020202020204" pitchFamily="34" charset="0"/>
+              </a:rPr>
+              <a:t> </a:t>
+            </a:r>
+            <a:r>
+              <a:rPr lang="en-US" sz="2200" dirty="0">
+                <a:latin typeface="Arial" panose="020B0604020202020204" pitchFamily="34" charset="0"/>
+                <a:cs typeface="Arial" panose="020B0604020202020204" pitchFamily="34" charset="0"/>
+              </a:rPr>
+              <a:t/>
+            </a:r>
+            <a:br>
+              <a:rPr lang="en-US" sz="2200" dirty="0">
+                <a:latin typeface="Arial" panose="020B0604020202020204" pitchFamily="34" charset="0"/>
+                <a:cs typeface="Arial" panose="020B0604020202020204" pitchFamily="34" charset="0"/>
+              </a:rPr>
+            </a:br>
+            <a:r>
+              <a:rPr lang="es-NI" sz="2200" dirty="0">
+                <a:latin typeface="Arial" panose="020B0604020202020204" pitchFamily="34" charset="0"/>
+                <a:cs typeface="Arial" panose="020B0604020202020204" pitchFamily="34" charset="0"/>
+              </a:rPr>
+              <a:t>De igual manera, hubo factibilidad en cuanto al tiempo disponible para la investigación y en cuanto a los recursos necesarios para la aplicación de instrumentos de recolección de datos.</a:t>
+            </a:r>
+            <a:r>
+              <a:rPr lang="en-US" sz="2200" dirty="0">
+                <a:latin typeface="Arial" panose="020B0604020202020204" pitchFamily="34" charset="0"/>
+                <a:cs typeface="Arial" panose="020B0604020202020204" pitchFamily="34" charset="0"/>
+              </a:rPr>
+              <a:t/>
+            </a:r>
+            <a:br>
+              <a:rPr lang="en-US" sz="2200" dirty="0">
+                <a:latin typeface="Arial" panose="020B0604020202020204" pitchFamily="34" charset="0"/>
+                <a:cs typeface="Arial" panose="020B0604020202020204" pitchFamily="34" charset="0"/>
+              </a:rPr>
+            </a:br>
+            <a:r>
+              <a:rPr lang="es-NI" sz="2200" dirty="0">
+                <a:latin typeface="Arial" panose="020B0604020202020204" pitchFamily="34" charset="0"/>
+                <a:cs typeface="Arial" panose="020B0604020202020204" pitchFamily="34" charset="0"/>
+              </a:rPr>
+              <a:t> </a:t>
+            </a:r>
+            <a:r>
+              <a:rPr lang="en-US" sz="2200" dirty="0">
+                <a:latin typeface="Arial" panose="020B0604020202020204" pitchFamily="34" charset="0"/>
+                <a:cs typeface="Arial" panose="020B0604020202020204" pitchFamily="34" charset="0"/>
+              </a:rPr>
+              <a:t/>
+            </a:r>
+            <a:br>
+              <a:rPr lang="en-US" sz="2200" dirty="0">
+                <a:latin typeface="Arial" panose="020B0604020202020204" pitchFamily="34" charset="0"/>
+                <a:cs typeface="Arial" panose="020B0604020202020204" pitchFamily="34" charset="0"/>
+              </a:rPr>
+            </a:br>
+            <a:r>
+              <a:rPr lang="es-NI" sz="2200" b="1" dirty="0">
+                <a:latin typeface="Arial" panose="020B0604020202020204" pitchFamily="34" charset="0"/>
+                <a:cs typeface="Arial" panose="020B0604020202020204" pitchFamily="34" charset="0"/>
+              </a:rPr>
+              <a:t>Métodos</a:t>
+            </a:r>
+            <a:r>
+              <a:rPr lang="en-US" sz="2200" b="1" dirty="0">
+                <a:latin typeface="Arial" panose="020B0604020202020204" pitchFamily="34" charset="0"/>
+                <a:cs typeface="Arial" panose="020B0604020202020204" pitchFamily="34" charset="0"/>
+              </a:rPr>
+              <a:t/>
+            </a:r>
+            <a:br>
+              <a:rPr lang="en-US" sz="2200" b="1" dirty="0">
+                <a:latin typeface="Arial" panose="020B0604020202020204" pitchFamily="34" charset="0"/>
+                <a:cs typeface="Arial" panose="020B0604020202020204" pitchFamily="34" charset="0"/>
+              </a:rPr>
+            </a:br>
+            <a:r>
+              <a:rPr lang="es-NI" sz="2200" dirty="0">
+                <a:latin typeface="Arial" panose="020B0604020202020204" pitchFamily="34" charset="0"/>
+                <a:cs typeface="Arial" panose="020B0604020202020204" pitchFamily="34" charset="0"/>
+              </a:rPr>
+              <a:t>Método, es poner en relación de manera práctica, pero inteligente los medios y procedimientos con los objetivos propuestos y resultados adquiridos.</a:t>
+            </a:r>
+            <a:r>
+              <a:rPr lang="en-US" sz="2200" dirty="0">
+                <a:latin typeface="Arial" panose="020B0604020202020204" pitchFamily="34" charset="0"/>
+                <a:cs typeface="Arial" panose="020B0604020202020204" pitchFamily="34" charset="0"/>
+              </a:rPr>
+              <a:t/>
+            </a:r>
+            <a:br>
+              <a:rPr lang="en-US" sz="2200" dirty="0">
+                <a:latin typeface="Arial" panose="020B0604020202020204" pitchFamily="34" charset="0"/>
+                <a:cs typeface="Arial" panose="020B0604020202020204" pitchFamily="34" charset="0"/>
+              </a:rPr>
+            </a:br>
+            <a:r>
+              <a:rPr lang="es-NI" sz="2200" dirty="0">
+                <a:latin typeface="Arial" panose="020B0604020202020204" pitchFamily="34" charset="0"/>
+                <a:cs typeface="Arial" panose="020B0604020202020204" pitchFamily="34" charset="0"/>
+              </a:rPr>
+              <a:t> </a:t>
+            </a:r>
+            <a:r>
+              <a:rPr lang="en-US" sz="2200" dirty="0">
+                <a:latin typeface="Arial" panose="020B0604020202020204" pitchFamily="34" charset="0"/>
+                <a:cs typeface="Arial" panose="020B0604020202020204" pitchFamily="34" charset="0"/>
+              </a:rPr>
+              <a:t/>
+            </a:r>
+            <a:br>
+              <a:rPr lang="en-US" sz="2200" dirty="0">
+                <a:latin typeface="Arial" panose="020B0604020202020204" pitchFamily="34" charset="0"/>
+                <a:cs typeface="Arial" panose="020B0604020202020204" pitchFamily="34" charset="0"/>
+              </a:rPr>
+            </a:br>
+            <a:r>
+              <a:rPr lang="es-NI" sz="2200" dirty="0">
+                <a:latin typeface="Arial" panose="020B0604020202020204" pitchFamily="34" charset="0"/>
+                <a:cs typeface="Arial" panose="020B0604020202020204" pitchFamily="34" charset="0"/>
+              </a:rPr>
+              <a:t>El método nos indica el camino, es más amplio, a diferencia de la técnica que nos enseña a reconocer ese camino.</a:t>
+            </a:r>
+            <a:r>
+              <a:rPr lang="en-US" dirty="0"/>
+              <a:t/>
+            </a:r>
+            <a:br>
+              <a:rPr lang="en-US" dirty="0"/>
+            </a:br>
+            <a:endParaRPr lang="en-US" dirty="0"/>
           </a:p>
         </p:txBody>
       </p:sp>
     </p:spTree>
     <p:extLst>
       <p:ext uri="{BB962C8B-B14F-4D97-AF65-F5344CB8AC3E}">
-        <p14:creationId xmlns:p14="http://schemas.microsoft.com/office/powerpoint/2010/main" val="223788663"/>
+        <p14:creationId xmlns:p14="http://schemas.microsoft.com/office/powerpoint/2010/main" val="1363403946"/>
       </p:ext>
     </p:extLst>
   </p:cSld>
@@ -8350,1665 +8267,30 @@
         </p:nvSpPr>
         <p:spPr>
           <a:xfrm>
-            <a:off x="1190895" y="1514653"/>
-            <a:ext cx="10515600" cy="1325563"/>
+            <a:off x="1990112" y="3630103"/>
+            <a:ext cx="8911687" cy="1280890"/>
           </a:xfrm>
         </p:spPr>
         <p:txBody>
-          <a:bodyPr>
-            <a:noAutofit/>
-          </a:bodyPr>
+          <a:bodyPr/>
           <a:lstStyle/>
           <a:p>
-            <a:r>
-              <a:rPr lang="es-ES" sz="2000" b="1" dirty="0"/>
-              <a:t>Diferencias entre una base de datos y un sistema de gestión de datos</a:t>
-            </a:r>
-            <a:r>
-              <a:rPr lang="en-US" sz="2000" dirty="0"/>
-              <a:t/>
-            </a:r>
-            <a:br>
-              <a:rPr lang="en-US" sz="2000" dirty="0"/>
-            </a:br>
-            <a:r>
-              <a:rPr lang="es-ES" sz="2000" b="1" dirty="0"/>
-              <a:t>UNA BASE DE DATOS:</a:t>
-            </a:r>
-            <a:r>
-              <a:rPr lang="es-ES" sz="2000" dirty="0"/>
-              <a:t> es un conjunto de datos pertenecientes a un mismo contexto y almacenados sistemáticamente para su posterior uso, y un </a:t>
-            </a:r>
-            <a:r>
-              <a:rPr lang="es-ES" sz="2000" b="1" dirty="0"/>
-              <a:t>SISTEMA DE GESTION DE DATOS: </a:t>
-            </a:r>
-            <a:r>
-              <a:rPr lang="es-ES" sz="2000" dirty="0"/>
-              <a:t>son un tipo de software muy específico, dedicado a servir de interfaz entre la base de datos, el usuario y las aplicaciones que la utilizan. </a:t>
-            </a:r>
-            <a:r>
-              <a:rPr lang="es-ES" sz="2000" dirty="0" smtClean="0"/>
-              <a:t/>
-            </a:r>
-            <a:br>
-              <a:rPr lang="es-ES" sz="2000" dirty="0" smtClean="0"/>
-            </a:br>
-            <a:endParaRPr lang="en-US" sz="2000" dirty="0"/>
-          </a:p>
-        </p:txBody>
-      </p:sp>
-    </p:spTree>
-    <p:extLst>
-      <p:ext uri="{BB962C8B-B14F-4D97-AF65-F5344CB8AC3E}">
-        <p14:creationId xmlns:p14="http://schemas.microsoft.com/office/powerpoint/2010/main" val="1976956058"/>
-      </p:ext>
-    </p:extLst>
-  </p:cSld>
-  <p:clrMapOvr>
-    <a:masterClrMapping/>
-  </p:clrMapOvr>
-  <p:timing>
-    <p:tnLst>
-      <p:par>
-        <p:cTn id="1" dur="indefinite" restart="never" nodeType="tmRoot"/>
-      </p:par>
-    </p:tnLst>
-  </p:timing>
-</p:sld>
-</file>
-
-<file path=ppt/slides/slide14.xml><?xml version="1.0" encoding="utf-8"?>
-<p:sld xmlns:a="http://schemas.openxmlformats.org/drawingml/2006/main" xmlns:r="http://schemas.openxmlformats.org/officeDocument/2006/relationships" xmlns:p="http://schemas.openxmlformats.org/presentationml/2006/main">
-  <p:cSld>
-    <p:spTree>
-      <p:nvGrpSpPr>
-        <p:cNvPr id="1" name=""/>
-        <p:cNvGrpSpPr/>
-        <p:nvPr/>
-      </p:nvGrpSpPr>
-      <p:grpSpPr>
-        <a:xfrm>
-          <a:off x="0" y="0"/>
-          <a:ext cx="0" cy="0"/>
-          <a:chOff x="0" y="0"/>
-          <a:chExt cx="0" cy="0"/>
-        </a:xfrm>
-      </p:grpSpPr>
-      <p:sp>
-        <p:nvSpPr>
-          <p:cNvPr id="2" name="Título 1"/>
-          <p:cNvSpPr>
-            <a:spLocks noGrp="1"/>
-          </p:cNvSpPr>
-          <p:nvPr>
-            <p:ph type="title"/>
-          </p:nvPr>
-        </p:nvSpPr>
-        <p:spPr>
-          <a:xfrm>
-            <a:off x="1439091" y="352061"/>
-            <a:ext cx="10515600" cy="1325563"/>
-          </a:xfrm>
-        </p:spPr>
-        <p:txBody>
-          <a:bodyPr>
-            <a:normAutofit fontScale="90000"/>
-          </a:bodyPr>
-          <a:lstStyle/>
-          <a:p>
-            <a:pPr lvl="0"/>
-            <a:r>
-              <a:rPr lang="es-NI" sz="1800" b="1" i="1" dirty="0" smtClean="0"/>
-              <a:t>Bases </a:t>
-            </a:r>
-            <a:r>
-              <a:rPr lang="es-NI" sz="1800" b="1" i="1" dirty="0"/>
-              <a:t>de datos deductivas</a:t>
-            </a:r>
-            <a:r>
-              <a:rPr lang="en-US" sz="1800" b="1" i="1" dirty="0"/>
-              <a:t/>
-            </a:r>
-            <a:br>
-              <a:rPr lang="en-US" sz="1800" b="1" i="1" dirty="0"/>
-            </a:br>
-            <a:r>
-              <a:rPr lang="es-ES" sz="1800" dirty="0"/>
-              <a:t>Conocidas también como bases de datos lógicas. Se utilizan generalmente en buscadores, pero pueden usarse de otras formas.</a:t>
-            </a:r>
-            <a:r>
-              <a:rPr lang="en-US" sz="1800" dirty="0"/>
-              <a:t/>
-            </a:r>
-            <a:br>
-              <a:rPr lang="en-US" sz="1800" dirty="0"/>
-            </a:br>
-            <a:r>
-              <a:rPr lang="es-ES" sz="1800" dirty="0"/>
-              <a:t>Permiten almacenar los datos y consultarlos a través de búsquedas que utilizan reglas y normas previamente almacenadas.</a:t>
-            </a:r>
-            <a:r>
-              <a:rPr lang="en-US" sz="1800" dirty="0"/>
-              <a:t/>
-            </a:r>
-            <a:br>
-              <a:rPr lang="en-US" sz="1800" dirty="0"/>
-            </a:br>
-            <a:r>
-              <a:rPr lang="es-NI" sz="1800" b="1" i="1" dirty="0" smtClean="0"/>
-              <a:t>Bases </a:t>
-            </a:r>
-            <a:r>
-              <a:rPr lang="es-NI" sz="1800" b="1" i="1" dirty="0"/>
-              <a:t>de datos multidimensionales.</a:t>
-            </a:r>
-            <a:r>
-              <a:rPr lang="en-US" sz="1800" b="1" i="1" dirty="0"/>
-              <a:t/>
-            </a:r>
-            <a:br>
-              <a:rPr lang="en-US" sz="1800" b="1" i="1" dirty="0"/>
-            </a:br>
-            <a:r>
-              <a:rPr lang="es-ES" sz="1800" dirty="0"/>
-              <a:t>Estas bases de datos utilizan conceptualmente la idea de un cubo de datos. Donde las informaciones se almacenan en la intersección de tres o más atributos. Esta concepción puede ser algo compleja pero su uso es bastante simple.</a:t>
-            </a:r>
-            <a:r>
-              <a:rPr lang="en-US" sz="1800" dirty="0"/>
-              <a:t/>
-            </a:r>
-            <a:br>
-              <a:rPr lang="en-US" sz="1800" dirty="0"/>
-            </a:br>
-            <a:r>
-              <a:rPr lang="es-NI" sz="1800" b="1" dirty="0" smtClean="0"/>
-              <a:t>Arquitectura </a:t>
-            </a:r>
-            <a:r>
-              <a:rPr lang="es-NI" sz="1800" b="1" dirty="0"/>
-              <a:t>básica de un sistema</a:t>
-            </a:r>
-            <a:r>
-              <a:rPr lang="en-US" sz="1800" dirty="0"/>
-              <a:t/>
-            </a:r>
-            <a:br>
-              <a:rPr lang="en-US" sz="1800" dirty="0"/>
-            </a:br>
-            <a:r>
-              <a:rPr lang="es-NI" sz="1800" dirty="0"/>
-              <a:t>Para que un sitio web funcione mostrándose al público es necesaria una arquitectura que disponga como mínimo los siguientes elementos:</a:t>
-            </a:r>
-            <a:r>
-              <a:rPr lang="en-US" sz="1800" dirty="0"/>
-              <a:t/>
-            </a:r>
-            <a:br>
-              <a:rPr lang="en-US" sz="1800" dirty="0"/>
-            </a:br>
-            <a:r>
-              <a:rPr lang="es-NI" sz="1800" b="1" dirty="0"/>
-              <a:t>El navegador:</a:t>
-            </a:r>
-            <a:r>
-              <a:rPr lang="es-NI" sz="1800" dirty="0"/>
-              <a:t> Representa el concepto de cliente realizando peticiones solicitando recursos a diferentes servidores web a través de URL. </a:t>
-            </a:r>
             <a:endParaRPr lang="en-US" dirty="0"/>
           </a:p>
         </p:txBody>
       </p:sp>
-    </p:spTree>
-    <p:extLst>
-      <p:ext uri="{BB962C8B-B14F-4D97-AF65-F5344CB8AC3E}">
-        <p14:creationId xmlns:p14="http://schemas.microsoft.com/office/powerpoint/2010/main" val="2652342150"/>
-      </p:ext>
-    </p:extLst>
-  </p:cSld>
-  <p:clrMapOvr>
-    <a:masterClrMapping/>
-  </p:clrMapOvr>
-  <p:timing>
-    <p:tnLst>
-      <p:par>
-        <p:cTn id="1" dur="indefinite" restart="never" nodeType="tmRoot"/>
-      </p:par>
-    </p:tnLst>
-  </p:timing>
-</p:sld>
-</file>
-
-<file path=ppt/slides/slide15.xml><?xml version="1.0" encoding="utf-8"?>
-<p:sld xmlns:a="http://schemas.openxmlformats.org/drawingml/2006/main" xmlns:r="http://schemas.openxmlformats.org/officeDocument/2006/relationships" xmlns:p="http://schemas.openxmlformats.org/presentationml/2006/main">
-  <p:cSld>
-    <p:spTree>
-      <p:nvGrpSpPr>
-        <p:cNvPr id="1" name=""/>
-        <p:cNvGrpSpPr/>
-        <p:nvPr/>
-      </p:nvGrpSpPr>
-      <p:grpSpPr>
-        <a:xfrm>
-          <a:off x="0" y="0"/>
-          <a:ext cx="0" cy="0"/>
-          <a:chOff x="0" y="0"/>
-          <a:chExt cx="0" cy="0"/>
-        </a:xfrm>
-      </p:grpSpPr>
-      <p:sp>
-        <p:nvSpPr>
-          <p:cNvPr id="2" name="Título 1"/>
-          <p:cNvSpPr>
-            <a:spLocks noGrp="1"/>
-          </p:cNvSpPr>
-          <p:nvPr>
-            <p:ph type="title"/>
-          </p:nvPr>
-        </p:nvSpPr>
-        <p:spPr>
-          <a:xfrm>
-            <a:off x="1125583" y="0"/>
-            <a:ext cx="10515600" cy="1325563"/>
-          </a:xfrm>
-        </p:spPr>
-        <p:txBody>
-          <a:bodyPr>
-            <a:normAutofit fontScale="90000"/>
-          </a:bodyPr>
-          <a:lstStyle/>
-          <a:p>
-            <a:r>
-              <a:rPr lang="es-NI" sz="2000" b="1" dirty="0" smtClean="0"/>
-              <a:t/>
-            </a:r>
-            <a:br>
-              <a:rPr lang="es-NI" sz="2000" b="1" dirty="0" smtClean="0"/>
-            </a:br>
-            <a:r>
-              <a:rPr lang="es-NI" sz="2000" b="1" dirty="0"/>
-              <a:t/>
-            </a:r>
-            <a:br>
-              <a:rPr lang="es-NI" sz="2000" b="1" dirty="0"/>
-            </a:br>
-            <a:r>
-              <a:rPr lang="es-NI" sz="2000" b="1" dirty="0" smtClean="0"/>
-              <a:t/>
-            </a:r>
-            <a:br>
-              <a:rPr lang="es-NI" sz="2000" b="1" dirty="0" smtClean="0"/>
-            </a:br>
-            <a:r>
-              <a:rPr lang="es-NI" sz="2000" b="1" dirty="0"/>
-              <a:t/>
-            </a:r>
-            <a:br>
-              <a:rPr lang="es-NI" sz="2000" b="1" dirty="0"/>
-            </a:br>
-            <a:r>
-              <a:rPr lang="es-NI" sz="2000" b="1" dirty="0" smtClean="0"/>
-              <a:t/>
-            </a:r>
-            <a:br>
-              <a:rPr lang="es-NI" sz="2000" b="1" dirty="0" smtClean="0"/>
-            </a:br>
-            <a:r>
-              <a:rPr lang="es-NI" sz="2000" b="1" u="sng" dirty="0"/>
-              <a:t> </a:t>
-            </a:r>
-            <a:r>
-              <a:rPr lang="en-US" sz="2000" dirty="0"/>
-              <a:t/>
-            </a:r>
-            <a:br>
-              <a:rPr lang="en-US" sz="2000" dirty="0"/>
-            </a:br>
-            <a:r>
-              <a:rPr lang="es-NI" sz="2200" b="1" dirty="0">
-                <a:latin typeface="Arial" panose="020B0604020202020204" pitchFamily="34" charset="0"/>
-                <a:cs typeface="Arial" panose="020B0604020202020204" pitchFamily="34" charset="0"/>
-              </a:rPr>
-              <a:t>HTML:</a:t>
-            </a:r>
-            <a:r>
-              <a:rPr lang="es-NI" sz="2200" dirty="0">
-                <a:latin typeface="Arial" panose="020B0604020202020204" pitchFamily="34" charset="0"/>
-                <a:cs typeface="Arial" panose="020B0604020202020204" pitchFamily="34" charset="0"/>
-              </a:rPr>
-              <a:t> Es el formato básico de los documentos que componen las páginas web, está basado en etiquetas y sirve para estructurar la forma de mostrar los  contenidos de las páginas. (José, 2016-2017)</a:t>
-            </a:r>
-            <a:r>
-              <a:rPr lang="en-US" sz="2200" dirty="0">
-                <a:latin typeface="Arial" panose="020B0604020202020204" pitchFamily="34" charset="0"/>
-                <a:cs typeface="Arial" panose="020B0604020202020204" pitchFamily="34" charset="0"/>
-              </a:rPr>
-              <a:t/>
-            </a:r>
-            <a:br>
-              <a:rPr lang="en-US" sz="2200" dirty="0">
-                <a:latin typeface="Arial" panose="020B0604020202020204" pitchFamily="34" charset="0"/>
-                <a:cs typeface="Arial" panose="020B0604020202020204" pitchFamily="34" charset="0"/>
-              </a:rPr>
-            </a:br>
-            <a:r>
-              <a:rPr lang="es-NI" sz="2200" b="1" u="sng" dirty="0">
-                <a:latin typeface="Arial" panose="020B0604020202020204" pitchFamily="34" charset="0"/>
-                <a:cs typeface="Arial" panose="020B0604020202020204" pitchFamily="34" charset="0"/>
-              </a:rPr>
-              <a:t> </a:t>
-            </a:r>
-            <a:r>
-              <a:rPr lang="en-US" sz="2200" dirty="0">
-                <a:latin typeface="Arial" panose="020B0604020202020204" pitchFamily="34" charset="0"/>
-                <a:cs typeface="Arial" panose="020B0604020202020204" pitchFamily="34" charset="0"/>
-              </a:rPr>
-              <a:t/>
-            </a:r>
-            <a:br>
-              <a:rPr lang="en-US" sz="2200" dirty="0">
-                <a:latin typeface="Arial" panose="020B0604020202020204" pitchFamily="34" charset="0"/>
-                <a:cs typeface="Arial" panose="020B0604020202020204" pitchFamily="34" charset="0"/>
-              </a:rPr>
-            </a:br>
-            <a:r>
-              <a:rPr lang="es-NI" sz="2200" b="1" dirty="0">
-                <a:latin typeface="Arial" panose="020B0604020202020204" pitchFamily="34" charset="0"/>
-                <a:cs typeface="Arial" panose="020B0604020202020204" pitchFamily="34" charset="0"/>
-              </a:rPr>
-              <a:t>CSS:</a:t>
-            </a:r>
-            <a:r>
-              <a:rPr lang="es-NI" sz="2200" dirty="0">
-                <a:latin typeface="Arial" panose="020B0604020202020204" pitchFamily="34" charset="0"/>
-                <a:cs typeface="Arial" panose="020B0604020202020204" pitchFamily="34" charset="0"/>
-              </a:rPr>
-              <a:t> Las hojas de estilo en cascada sirven para favorecer estéticamente los elementos y contenidos estructurados a través de las etiquetas HTML, dotándoles de personalidad en cuanto a su diseño, forma y colores. (José, 2016-2017)</a:t>
-            </a:r>
-            <a:r>
-              <a:rPr lang="en-US" sz="2200" dirty="0">
-                <a:latin typeface="Arial" panose="020B0604020202020204" pitchFamily="34" charset="0"/>
-                <a:cs typeface="Arial" panose="020B0604020202020204" pitchFamily="34" charset="0"/>
-              </a:rPr>
-              <a:t/>
-            </a:r>
-            <a:br>
-              <a:rPr lang="en-US" sz="2200" dirty="0">
-                <a:latin typeface="Arial" panose="020B0604020202020204" pitchFamily="34" charset="0"/>
-                <a:cs typeface="Arial" panose="020B0604020202020204" pitchFamily="34" charset="0"/>
-              </a:rPr>
-            </a:br>
-            <a:r>
-              <a:rPr lang="es-ES" sz="2200" b="1" u="sng" dirty="0">
-                <a:latin typeface="Arial" panose="020B0604020202020204" pitchFamily="34" charset="0"/>
-                <a:cs typeface="Arial" panose="020B0604020202020204" pitchFamily="34" charset="0"/>
-              </a:rPr>
-              <a:t> </a:t>
-            </a:r>
-            <a:r>
-              <a:rPr lang="en-US" sz="2200" dirty="0">
-                <a:latin typeface="Arial" panose="020B0604020202020204" pitchFamily="34" charset="0"/>
-                <a:cs typeface="Arial" panose="020B0604020202020204" pitchFamily="34" charset="0"/>
-              </a:rPr>
-              <a:t/>
-            </a:r>
-            <a:br>
-              <a:rPr lang="en-US" sz="2200" dirty="0">
-                <a:latin typeface="Arial" panose="020B0604020202020204" pitchFamily="34" charset="0"/>
-                <a:cs typeface="Arial" panose="020B0604020202020204" pitchFamily="34" charset="0"/>
-              </a:rPr>
-            </a:br>
-            <a:r>
-              <a:rPr lang="es-ES" sz="2200" b="1" u="sng" cap="all" dirty="0">
-                <a:latin typeface="Arial" panose="020B0604020202020204" pitchFamily="34" charset="0"/>
-                <a:cs typeface="Arial" panose="020B0604020202020204" pitchFamily="34" charset="0"/>
-              </a:rPr>
-              <a:t>¿</a:t>
-            </a:r>
-            <a:r>
-              <a:rPr lang="es-ES" sz="2200" b="1" dirty="0">
-                <a:latin typeface="Arial" panose="020B0604020202020204" pitchFamily="34" charset="0"/>
-                <a:cs typeface="Arial" panose="020B0604020202020204" pitchFamily="34" charset="0"/>
-              </a:rPr>
-              <a:t>Qué es el HTML?</a:t>
-            </a:r>
-            <a:r>
-              <a:rPr lang="en-US" sz="2200" dirty="0">
-                <a:latin typeface="Arial" panose="020B0604020202020204" pitchFamily="34" charset="0"/>
-                <a:cs typeface="Arial" panose="020B0604020202020204" pitchFamily="34" charset="0"/>
-              </a:rPr>
-              <a:t/>
-            </a:r>
-            <a:br>
-              <a:rPr lang="en-US" sz="2200" dirty="0">
-                <a:latin typeface="Arial" panose="020B0604020202020204" pitchFamily="34" charset="0"/>
-                <a:cs typeface="Arial" panose="020B0604020202020204" pitchFamily="34" charset="0"/>
-              </a:rPr>
-            </a:br>
-            <a:r>
-              <a:rPr lang="es-NI" sz="2200" dirty="0">
-                <a:latin typeface="Arial" panose="020B0604020202020204" pitchFamily="34" charset="0"/>
-                <a:cs typeface="Arial" panose="020B0604020202020204" pitchFamily="34" charset="0"/>
-              </a:rPr>
-              <a:t>El HTML, </a:t>
-            </a:r>
-            <a:r>
-              <a:rPr lang="es-NI" sz="2200" dirty="0" err="1">
-                <a:latin typeface="Arial" panose="020B0604020202020204" pitchFamily="34" charset="0"/>
-                <a:cs typeface="Arial" panose="020B0604020202020204" pitchFamily="34" charset="0"/>
-              </a:rPr>
-              <a:t>Hyper</a:t>
-            </a:r>
-            <a:r>
-              <a:rPr lang="es-NI" sz="2200" dirty="0">
-                <a:latin typeface="Arial" panose="020B0604020202020204" pitchFamily="34" charset="0"/>
-                <a:cs typeface="Arial" panose="020B0604020202020204" pitchFamily="34" charset="0"/>
-              </a:rPr>
-              <a:t> Text </a:t>
-            </a:r>
-            <a:r>
-              <a:rPr lang="es-NI" sz="2200" dirty="0" err="1">
-                <a:latin typeface="Arial" panose="020B0604020202020204" pitchFamily="34" charset="0"/>
-                <a:cs typeface="Arial" panose="020B0604020202020204" pitchFamily="34" charset="0"/>
-              </a:rPr>
-              <a:t>Markup</a:t>
-            </a:r>
-            <a:r>
-              <a:rPr lang="es-NI" sz="2200" dirty="0">
-                <a:latin typeface="Arial" panose="020B0604020202020204" pitchFamily="34" charset="0"/>
-                <a:cs typeface="Arial" panose="020B0604020202020204" pitchFamily="34" charset="0"/>
-              </a:rPr>
-              <a:t> </a:t>
-            </a:r>
-            <a:r>
-              <a:rPr lang="es-NI" sz="2200" dirty="0" err="1">
-                <a:latin typeface="Arial" panose="020B0604020202020204" pitchFamily="34" charset="0"/>
-                <a:cs typeface="Arial" panose="020B0604020202020204" pitchFamily="34" charset="0"/>
-              </a:rPr>
-              <a:t>Language</a:t>
-            </a:r>
-            <a:r>
-              <a:rPr lang="es-NI" sz="2200" dirty="0">
-                <a:latin typeface="Arial" panose="020B0604020202020204" pitchFamily="34" charset="0"/>
-                <a:cs typeface="Arial" panose="020B0604020202020204" pitchFamily="34" charset="0"/>
-              </a:rPr>
-              <a:t> (Lenguaje de marcación de Hipertexto) es el lenguaje de marcas de </a:t>
-            </a:r>
-            <a:r>
-              <a:rPr lang="es-NI" sz="2200" dirty="0">
-                <a:latin typeface="Arial" panose="020B0604020202020204" pitchFamily="34" charset="0"/>
-                <a:cs typeface="Arial" panose="020B0604020202020204" pitchFamily="34" charset="0"/>
-                <a:hlinkClick r:id="rId2"/>
-              </a:rPr>
-              <a:t>texto</a:t>
-            </a:r>
-            <a:r>
-              <a:rPr lang="es-NI" sz="2200" dirty="0">
-                <a:latin typeface="Arial" panose="020B0604020202020204" pitchFamily="34" charset="0"/>
-                <a:cs typeface="Arial" panose="020B0604020202020204" pitchFamily="34" charset="0"/>
-              </a:rPr>
-              <a:t> utilizado normalmente en la www (</a:t>
-            </a:r>
-            <a:r>
-              <a:rPr lang="es-NI" sz="2200" dirty="0" err="1">
-                <a:latin typeface="Arial" panose="020B0604020202020204" pitchFamily="34" charset="0"/>
-                <a:cs typeface="Arial" panose="020B0604020202020204" pitchFamily="34" charset="0"/>
-                <a:hlinkClick r:id="rId3"/>
-              </a:rPr>
-              <a:t>World</a:t>
-            </a:r>
-            <a:r>
-              <a:rPr lang="es-NI" sz="2200" dirty="0">
-                <a:latin typeface="Arial" panose="020B0604020202020204" pitchFamily="34" charset="0"/>
-                <a:cs typeface="Arial" panose="020B0604020202020204" pitchFamily="34" charset="0"/>
-                <a:hlinkClick r:id="rId3"/>
-              </a:rPr>
-              <a:t> Wide Web</a:t>
-            </a:r>
-            <a:r>
-              <a:rPr lang="es-NI" sz="2200" dirty="0">
-                <a:latin typeface="Arial" panose="020B0604020202020204" pitchFamily="34" charset="0"/>
-                <a:cs typeface="Arial" panose="020B0604020202020204" pitchFamily="34" charset="0"/>
-              </a:rPr>
-              <a:t>).  </a:t>
-            </a:r>
-            <a:r>
-              <a:rPr lang="en-US" sz="2200" dirty="0">
-                <a:latin typeface="Arial" panose="020B0604020202020204" pitchFamily="34" charset="0"/>
-                <a:cs typeface="Arial" panose="020B0604020202020204" pitchFamily="34" charset="0"/>
-              </a:rPr>
-              <a:t/>
-            </a:r>
-            <a:br>
-              <a:rPr lang="en-US" sz="2200" dirty="0">
-                <a:latin typeface="Arial" panose="020B0604020202020204" pitchFamily="34" charset="0"/>
-                <a:cs typeface="Arial" panose="020B0604020202020204" pitchFamily="34" charset="0"/>
-              </a:rPr>
-            </a:br>
-            <a:endParaRPr lang="en-US" sz="2200" dirty="0">
-              <a:latin typeface="Arial" panose="020B0604020202020204" pitchFamily="34" charset="0"/>
-              <a:cs typeface="Arial" panose="020B0604020202020204" pitchFamily="34" charset="0"/>
-            </a:endParaRPr>
-          </a:p>
-        </p:txBody>
-      </p:sp>
-    </p:spTree>
-    <p:extLst>
-      <p:ext uri="{BB962C8B-B14F-4D97-AF65-F5344CB8AC3E}">
-        <p14:creationId xmlns:p14="http://schemas.microsoft.com/office/powerpoint/2010/main" val="2085566542"/>
-      </p:ext>
-    </p:extLst>
-  </p:cSld>
-  <p:clrMapOvr>
-    <a:masterClrMapping/>
-  </p:clrMapOvr>
-  <p:timing>
-    <p:tnLst>
-      <p:par>
-        <p:cTn id="1" dur="indefinite" restart="never" nodeType="tmRoot"/>
-      </p:par>
-    </p:tnLst>
-  </p:timing>
-</p:sld>
-</file>
-
-<file path=ppt/slides/slide16.xml><?xml version="1.0" encoding="utf-8"?>
-<p:sld xmlns:a="http://schemas.openxmlformats.org/drawingml/2006/main" xmlns:r="http://schemas.openxmlformats.org/officeDocument/2006/relationships" xmlns:p="http://schemas.openxmlformats.org/presentationml/2006/main">
-  <p:cSld>
-    <p:spTree>
-      <p:nvGrpSpPr>
-        <p:cNvPr id="1" name=""/>
-        <p:cNvGrpSpPr/>
-        <p:nvPr/>
-      </p:nvGrpSpPr>
-      <p:grpSpPr>
-        <a:xfrm>
-          <a:off x="0" y="0"/>
-          <a:ext cx="0" cy="0"/>
-          <a:chOff x="0" y="0"/>
-          <a:chExt cx="0" cy="0"/>
-        </a:xfrm>
-      </p:grpSpPr>
-      <p:sp>
-        <p:nvSpPr>
-          <p:cNvPr id="2" name="Título 1"/>
-          <p:cNvSpPr>
-            <a:spLocks noGrp="1"/>
-          </p:cNvSpPr>
-          <p:nvPr>
-            <p:ph type="title"/>
-          </p:nvPr>
-        </p:nvSpPr>
-        <p:spPr>
-          <a:xfrm>
-            <a:off x="812074" y="299811"/>
-            <a:ext cx="10515600" cy="1325563"/>
-          </a:xfrm>
-        </p:spPr>
-        <p:txBody>
-          <a:bodyPr>
-            <a:noAutofit/>
-          </a:bodyPr>
-          <a:lstStyle/>
-          <a:p>
-            <a:r>
-              <a:rPr lang="es-NI" sz="1800" b="1" u="sng" dirty="0" smtClean="0"/>
-              <a:t>Creación </a:t>
-            </a:r>
-            <a:r>
-              <a:rPr lang="es-NI" sz="1800" b="1" u="sng" dirty="0"/>
-              <a:t>de</a:t>
-            </a:r>
-            <a:r>
-              <a:rPr lang="es-NI" sz="1800" b="1" dirty="0"/>
-              <a:t> páginas web con lenguaje HTML</a:t>
-            </a:r>
-            <a:r>
-              <a:rPr lang="en-US" sz="1800" b="1" dirty="0"/>
-              <a:t/>
-            </a:r>
-            <a:br>
-              <a:rPr lang="en-US" sz="1800" b="1" dirty="0"/>
-            </a:br>
-            <a:r>
-              <a:rPr lang="es-NI" sz="1800" dirty="0"/>
-              <a:t>Para crear una </a:t>
-            </a:r>
-            <a:r>
-              <a:rPr lang="es-NI" sz="1800" dirty="0">
-                <a:hlinkClick r:id="rId2"/>
-              </a:rPr>
-              <a:t>página web</a:t>
-            </a:r>
-            <a:r>
-              <a:rPr lang="es-NI" sz="1800" dirty="0"/>
-              <a:t> se pueden utilizar varios </a:t>
-            </a:r>
-            <a:r>
-              <a:rPr lang="es-NI" sz="1800" dirty="0">
-                <a:hlinkClick r:id="rId3"/>
-              </a:rPr>
-              <a:t>programas</a:t>
-            </a:r>
-            <a:r>
-              <a:rPr lang="es-NI" sz="1800" dirty="0"/>
-              <a:t> especializados en esto, como por ejemplo, el Microsoft Front Page o el Macromedia </a:t>
-            </a:r>
-            <a:r>
-              <a:rPr lang="es-NI" sz="1800" dirty="0">
-                <a:hlinkClick r:id="rId4"/>
-              </a:rPr>
-              <a:t>Dreamweaver</a:t>
-            </a:r>
-            <a:r>
-              <a:rPr lang="es-NI" sz="1800" dirty="0"/>
-              <a:t>  </a:t>
-            </a:r>
-            <a:r>
-              <a:rPr lang="en-US" sz="1800" dirty="0"/>
-              <a:t/>
-            </a:r>
-            <a:br>
-              <a:rPr lang="en-US" sz="1800" dirty="0"/>
-            </a:br>
-            <a:r>
-              <a:rPr lang="es-NI" sz="1800" dirty="0"/>
-              <a:t> </a:t>
-            </a:r>
-            <a:r>
-              <a:rPr lang="en-US" sz="1800" dirty="0"/>
-              <a:t/>
-            </a:r>
-            <a:br>
-              <a:rPr lang="en-US" sz="1800" dirty="0"/>
-            </a:br>
-            <a:r>
-              <a:rPr lang="es-NI" sz="1800" b="1" u="sng" dirty="0"/>
-              <a:t>Estructura de los documentos de HTML</a:t>
-            </a:r>
-            <a:r>
-              <a:rPr lang="en-US" sz="1800" b="1" dirty="0"/>
-              <a:t/>
-            </a:r>
-            <a:br>
-              <a:rPr lang="en-US" sz="1800" b="1" dirty="0"/>
-            </a:br>
-            <a:r>
-              <a:rPr lang="es-NI" sz="1800" dirty="0" smtClean="0"/>
-              <a:t>Un </a:t>
-            </a:r>
-            <a:r>
-              <a:rPr lang="es-NI" sz="1800" dirty="0"/>
-              <a:t>documento de HTML empieza con la etiqueta &lt;HTML&gt;, que es la que encerrará el documento actual. Contiene dos secciones primordiales: la cabecera y el cuerpo encerrados </a:t>
-            </a:r>
-            <a:r>
-              <a:rPr lang="es-NI" sz="1800" dirty="0" smtClean="0"/>
-              <a:t/>
-            </a:r>
-            <a:br>
-              <a:rPr lang="es-NI" sz="1800" dirty="0" smtClean="0"/>
-            </a:br>
-            <a:endParaRPr lang="en-US" sz="1800" dirty="0"/>
-          </a:p>
-        </p:txBody>
-      </p:sp>
-      <p:pic>
-        <p:nvPicPr>
-          <p:cNvPr id="3" name="Marcador de posición de imagen 13"/>
-          <p:cNvPicPr>
-            <a:picLocks noChangeAspect="1"/>
-          </p:cNvPicPr>
+      <p:sp>
+        <p:nvSpPr>
+          <p:cNvPr id="5" name="Rectangle 5"/>
+          <p:cNvSpPr>
+            <a:spLocks noChangeArrowheads="1"/>
+          </p:cNvSpPr>
           <p:nvPr/>
-        </p:nvPicPr>
-        <p:blipFill>
-          <a:blip r:embed="rId5">
-            <a:extLst>
-              <a:ext uri="{28A0092B-C50C-407E-A947-70E740481C1C}">
-                <a14:useLocalDpi xmlns:a14="http://schemas.microsoft.com/office/drawing/2010/main" val="0"/>
-              </a:ext>
-            </a:extLst>
-          </a:blip>
-          <a:srcRect t="11551" b="11551"/>
-          <a:stretch>
-            <a:fillRect/>
-          </a:stretch>
-        </p:blipFill>
-        <p:spPr>
-          <a:xfrm>
-            <a:off x="1481545" y="2650376"/>
-            <a:ext cx="8915400" cy="3854970"/>
-          </a:xfrm>
-          <a:prstGeom prst="rect">
-            <a:avLst/>
-          </a:prstGeom>
-        </p:spPr>
-      </p:pic>
-    </p:spTree>
-    <p:extLst>
-      <p:ext uri="{BB962C8B-B14F-4D97-AF65-F5344CB8AC3E}">
-        <p14:creationId xmlns:p14="http://schemas.microsoft.com/office/powerpoint/2010/main" val="3579736256"/>
-      </p:ext>
-    </p:extLst>
-  </p:cSld>
-  <p:clrMapOvr>
-    <a:masterClrMapping/>
-  </p:clrMapOvr>
-  <p:timing>
-    <p:tnLst>
-      <p:par>
-        <p:cTn id="1" dur="indefinite" restart="never" nodeType="tmRoot"/>
-      </p:par>
-    </p:tnLst>
-  </p:timing>
-</p:sld>
-</file>
-
-<file path=ppt/slides/slide17.xml><?xml version="1.0" encoding="utf-8"?>
-<p:sld xmlns:a="http://schemas.openxmlformats.org/drawingml/2006/main" xmlns:r="http://schemas.openxmlformats.org/officeDocument/2006/relationships" xmlns:p="http://schemas.openxmlformats.org/presentationml/2006/main">
-  <p:cSld>
-    <p:spTree>
-      <p:nvGrpSpPr>
-        <p:cNvPr id="1" name=""/>
-        <p:cNvGrpSpPr/>
-        <p:nvPr/>
-      </p:nvGrpSpPr>
-      <p:grpSpPr>
-        <a:xfrm>
-          <a:off x="0" y="0"/>
-          <a:ext cx="0" cy="0"/>
-          <a:chOff x="0" y="0"/>
-          <a:chExt cx="0" cy="0"/>
-        </a:xfrm>
-      </p:grpSpPr>
-      <p:graphicFrame>
-        <p:nvGraphicFramePr>
-          <p:cNvPr id="3" name="Tabla 2"/>
-          <p:cNvGraphicFramePr>
-            <a:graphicFrameLocks noGrp="1"/>
-          </p:cNvGraphicFramePr>
-          <p:nvPr>
-            <p:extLst>
-              <p:ext uri="{D42A27DB-BD31-4B8C-83A1-F6EECF244321}">
-                <p14:modId xmlns:p14="http://schemas.microsoft.com/office/powerpoint/2010/main" val="2697563479"/>
-              </p:ext>
-            </p:extLst>
-          </p:nvPr>
-        </p:nvGraphicFramePr>
-        <p:xfrm>
-          <a:off x="759387" y="3434725"/>
-          <a:ext cx="10305288" cy="2499360"/>
-        </p:xfrm>
-        <a:graphic>
-          <a:graphicData uri="http://schemas.openxmlformats.org/drawingml/2006/table">
-            <a:tbl>
-              <a:tblPr firstRow="1" firstCol="1" bandRow="1">
-                <a:tableStyleId>{5C22544A-7EE6-4342-B048-85BDC9FD1C3A}</a:tableStyleId>
-              </a:tblPr>
-              <a:tblGrid>
-                <a:gridCol w="6655155">
-                  <a:extLst>
-                    <a:ext uri="{9D8B030D-6E8A-4147-A177-3AD203B41FA5}">
-                      <a16:colId xmlns:a16="http://schemas.microsoft.com/office/drawing/2014/main" val="2004456262"/>
-                    </a:ext>
-                  </a:extLst>
-                </a:gridCol>
-                <a:gridCol w="1939455">
-                  <a:extLst>
-                    <a:ext uri="{9D8B030D-6E8A-4147-A177-3AD203B41FA5}">
-                      <a16:colId xmlns:a16="http://schemas.microsoft.com/office/drawing/2014/main" val="3446009670"/>
-                    </a:ext>
-                  </a:extLst>
-                </a:gridCol>
-                <a:gridCol w="1710678">
-                  <a:extLst>
-                    <a:ext uri="{9D8B030D-6E8A-4147-A177-3AD203B41FA5}">
-                      <a16:colId xmlns:a16="http://schemas.microsoft.com/office/drawing/2014/main" val="2239060156"/>
-                    </a:ext>
-                  </a:extLst>
-                </a:gridCol>
-              </a:tblGrid>
-              <a:tr h="173355">
-                <a:tc>
-                  <a:txBody>
-                    <a:bodyPr/>
-                    <a:lstStyle/>
-                    <a:p>
-                      <a:pPr algn="just">
-                        <a:lnSpc>
-                          <a:spcPct val="150000"/>
-                        </a:lnSpc>
-                        <a:spcBef>
-                          <a:spcPts val="675"/>
-                        </a:spcBef>
-                        <a:spcAft>
-                          <a:spcPts val="675"/>
-                        </a:spcAft>
-                      </a:pPr>
-                      <a:r>
-                        <a:rPr lang="en-US" sz="1200">
-                          <a:effectLst/>
-                        </a:rPr>
-                        <a:t>&lt;FONT COLOR="WHITE"&gt;Blanco&lt;/FONT&gt;</a:t>
-                      </a:r>
-                      <a:endParaRPr lang="en-US" sz="1200">
-                        <a:effectLst/>
-                        <a:latin typeface="Arial" panose="020B0604020202020204" pitchFamily="34" charset="0"/>
-                        <a:ea typeface="Calibri" panose="020F0502020204030204" pitchFamily="34" charset="0"/>
-                        <a:cs typeface="Times New Roman" panose="02020603050405020304" pitchFamily="18" charset="0"/>
-                      </a:endParaRPr>
-                    </a:p>
-                  </a:txBody>
-                  <a:tcPr marL="19050" marR="19050" marT="19050" marB="19050"/>
-                </a:tc>
-                <a:tc>
-                  <a:txBody>
-                    <a:bodyPr/>
-                    <a:lstStyle/>
-                    <a:p>
-                      <a:pPr algn="just">
-                        <a:lnSpc>
-                          <a:spcPct val="150000"/>
-                        </a:lnSpc>
-                        <a:spcBef>
-                          <a:spcPts val="675"/>
-                        </a:spcBef>
-                        <a:spcAft>
-                          <a:spcPts val="675"/>
-                        </a:spcAft>
-                      </a:pPr>
-                      <a:r>
-                        <a:rPr lang="es-NI" sz="1200" dirty="0">
-                          <a:effectLst/>
-                        </a:rPr>
-                        <a:t>Blanco</a:t>
-                      </a:r>
-                      <a:endParaRPr lang="en-US" sz="1200" dirty="0">
-                        <a:effectLst/>
-                        <a:latin typeface="Arial" panose="020B0604020202020204" pitchFamily="34" charset="0"/>
-                        <a:ea typeface="Calibri" panose="020F0502020204030204" pitchFamily="34" charset="0"/>
-                        <a:cs typeface="Times New Roman" panose="02020603050405020304" pitchFamily="18" charset="0"/>
-                      </a:endParaRPr>
-                    </a:p>
-                  </a:txBody>
-                  <a:tcPr marL="19050" marR="19050" marT="19050" marB="19050"/>
-                </a:tc>
-                <a:tc>
-                  <a:txBody>
-                    <a:bodyPr/>
-                    <a:lstStyle/>
-                    <a:p>
-                      <a:pPr algn="just">
-                        <a:lnSpc>
-                          <a:spcPct val="150000"/>
-                        </a:lnSpc>
-                        <a:spcBef>
-                          <a:spcPts val="675"/>
-                        </a:spcBef>
-                        <a:spcAft>
-                          <a:spcPts val="675"/>
-                        </a:spcAft>
-                      </a:pPr>
-                      <a:r>
-                        <a:rPr lang="es-NI" sz="1200">
-                          <a:effectLst/>
-                        </a:rPr>
-                        <a:t>#FFFFFF</a:t>
-                      </a:r>
-                      <a:endParaRPr lang="en-US" sz="1200">
-                        <a:effectLst/>
-                        <a:latin typeface="Arial" panose="020B0604020202020204" pitchFamily="34" charset="0"/>
-                        <a:ea typeface="Calibri" panose="020F0502020204030204" pitchFamily="34" charset="0"/>
-                        <a:cs typeface="Times New Roman" panose="02020603050405020304" pitchFamily="18" charset="0"/>
-                      </a:endParaRPr>
-                    </a:p>
-                  </a:txBody>
-                  <a:tcPr marL="19050" marR="19050" marT="19050" marB="19050"/>
-                </a:tc>
-                <a:extLst>
-                  <a:ext uri="{0D108BD9-81ED-4DB2-BD59-A6C34878D82A}">
-                    <a16:rowId xmlns:a16="http://schemas.microsoft.com/office/drawing/2014/main" val="4267592705"/>
-                  </a:ext>
-                </a:extLst>
-              </a:tr>
-              <a:tr h="178435">
-                <a:tc>
-                  <a:txBody>
-                    <a:bodyPr/>
-                    <a:lstStyle/>
-                    <a:p>
-                      <a:pPr algn="just">
-                        <a:lnSpc>
-                          <a:spcPct val="150000"/>
-                        </a:lnSpc>
-                        <a:spcBef>
-                          <a:spcPts val="675"/>
-                        </a:spcBef>
-                        <a:spcAft>
-                          <a:spcPts val="675"/>
-                        </a:spcAft>
-                      </a:pPr>
-                      <a:r>
-                        <a:rPr lang="en-US" sz="1200">
-                          <a:effectLst/>
-                        </a:rPr>
-                        <a:t>&lt;FONT COLOR="BLACK"&gt;Negro&lt;/FONT&gt;</a:t>
-                      </a:r>
-                      <a:endParaRPr lang="en-US" sz="1200">
-                        <a:effectLst/>
-                        <a:latin typeface="Arial" panose="020B0604020202020204" pitchFamily="34" charset="0"/>
-                        <a:ea typeface="Calibri" panose="020F0502020204030204" pitchFamily="34" charset="0"/>
-                        <a:cs typeface="Times New Roman" panose="02020603050405020304" pitchFamily="18" charset="0"/>
-                      </a:endParaRPr>
-                    </a:p>
-                  </a:txBody>
-                  <a:tcPr marL="19050" marR="19050" marT="19050" marB="19050"/>
-                </a:tc>
-                <a:tc>
-                  <a:txBody>
-                    <a:bodyPr/>
-                    <a:lstStyle/>
-                    <a:p>
-                      <a:pPr algn="just">
-                        <a:lnSpc>
-                          <a:spcPct val="150000"/>
-                        </a:lnSpc>
-                        <a:spcBef>
-                          <a:spcPts val="675"/>
-                        </a:spcBef>
-                        <a:spcAft>
-                          <a:spcPts val="675"/>
-                        </a:spcAft>
-                      </a:pPr>
-                      <a:r>
-                        <a:rPr lang="es-NI" sz="1200">
-                          <a:effectLst/>
-                        </a:rPr>
-                        <a:t>Negro</a:t>
-                      </a:r>
-                      <a:endParaRPr lang="en-US" sz="1200">
-                        <a:effectLst/>
-                        <a:latin typeface="Arial" panose="020B0604020202020204" pitchFamily="34" charset="0"/>
-                        <a:ea typeface="Calibri" panose="020F0502020204030204" pitchFamily="34" charset="0"/>
-                        <a:cs typeface="Times New Roman" panose="02020603050405020304" pitchFamily="18" charset="0"/>
-                      </a:endParaRPr>
-                    </a:p>
-                  </a:txBody>
-                  <a:tcPr marL="19050" marR="19050" marT="19050" marB="19050"/>
-                </a:tc>
-                <a:tc>
-                  <a:txBody>
-                    <a:bodyPr/>
-                    <a:lstStyle/>
-                    <a:p>
-                      <a:pPr algn="just">
-                        <a:lnSpc>
-                          <a:spcPct val="150000"/>
-                        </a:lnSpc>
-                        <a:spcBef>
-                          <a:spcPts val="675"/>
-                        </a:spcBef>
-                        <a:spcAft>
-                          <a:spcPts val="675"/>
-                        </a:spcAft>
-                      </a:pPr>
-                      <a:r>
-                        <a:rPr lang="es-NI" sz="1200">
-                          <a:effectLst/>
-                        </a:rPr>
-                        <a:t>#000000</a:t>
-                      </a:r>
-                      <a:endParaRPr lang="en-US" sz="1200">
-                        <a:effectLst/>
-                        <a:latin typeface="Arial" panose="020B0604020202020204" pitchFamily="34" charset="0"/>
-                        <a:ea typeface="Calibri" panose="020F0502020204030204" pitchFamily="34" charset="0"/>
-                        <a:cs typeface="Times New Roman" panose="02020603050405020304" pitchFamily="18" charset="0"/>
-                      </a:endParaRPr>
-                    </a:p>
-                  </a:txBody>
-                  <a:tcPr marL="19050" marR="19050" marT="19050" marB="19050"/>
-                </a:tc>
-                <a:extLst>
-                  <a:ext uri="{0D108BD9-81ED-4DB2-BD59-A6C34878D82A}">
-                    <a16:rowId xmlns:a16="http://schemas.microsoft.com/office/drawing/2014/main" val="4215528117"/>
-                  </a:ext>
-                </a:extLst>
-              </a:tr>
-              <a:tr h="173355">
-                <a:tc>
-                  <a:txBody>
-                    <a:bodyPr/>
-                    <a:lstStyle/>
-                    <a:p>
-                      <a:pPr algn="just">
-                        <a:lnSpc>
-                          <a:spcPct val="150000"/>
-                        </a:lnSpc>
-                        <a:spcBef>
-                          <a:spcPts val="675"/>
-                        </a:spcBef>
-                        <a:spcAft>
-                          <a:spcPts val="675"/>
-                        </a:spcAft>
-                      </a:pPr>
-                      <a:r>
-                        <a:rPr lang="es-NI" sz="1200">
-                          <a:effectLst/>
-                        </a:rPr>
-                        <a:t>&lt;FONT COLOR="RED"&gt;Rojo&lt;/FONT&gt;</a:t>
-                      </a:r>
-                      <a:endParaRPr lang="en-US" sz="1200">
-                        <a:effectLst/>
-                        <a:latin typeface="Arial" panose="020B0604020202020204" pitchFamily="34" charset="0"/>
-                        <a:ea typeface="Calibri" panose="020F0502020204030204" pitchFamily="34" charset="0"/>
-                        <a:cs typeface="Times New Roman" panose="02020603050405020304" pitchFamily="18" charset="0"/>
-                      </a:endParaRPr>
-                    </a:p>
-                  </a:txBody>
-                  <a:tcPr marL="19050" marR="19050" marT="19050" marB="19050"/>
-                </a:tc>
-                <a:tc>
-                  <a:txBody>
-                    <a:bodyPr/>
-                    <a:lstStyle/>
-                    <a:p>
-                      <a:pPr algn="just">
-                        <a:lnSpc>
-                          <a:spcPct val="150000"/>
-                        </a:lnSpc>
-                        <a:spcBef>
-                          <a:spcPts val="675"/>
-                        </a:spcBef>
-                        <a:spcAft>
-                          <a:spcPts val="675"/>
-                        </a:spcAft>
-                      </a:pPr>
-                      <a:r>
-                        <a:rPr lang="es-NI" sz="1200">
-                          <a:effectLst/>
-                        </a:rPr>
-                        <a:t>Rojo</a:t>
-                      </a:r>
-                      <a:endParaRPr lang="en-US" sz="1200">
-                        <a:effectLst/>
-                        <a:latin typeface="Arial" panose="020B0604020202020204" pitchFamily="34" charset="0"/>
-                        <a:ea typeface="Calibri" panose="020F0502020204030204" pitchFamily="34" charset="0"/>
-                        <a:cs typeface="Times New Roman" panose="02020603050405020304" pitchFamily="18" charset="0"/>
-                      </a:endParaRPr>
-                    </a:p>
-                  </a:txBody>
-                  <a:tcPr marL="19050" marR="19050" marT="19050" marB="19050"/>
-                </a:tc>
-                <a:tc>
-                  <a:txBody>
-                    <a:bodyPr/>
-                    <a:lstStyle/>
-                    <a:p>
-                      <a:pPr algn="just">
-                        <a:lnSpc>
-                          <a:spcPct val="150000"/>
-                        </a:lnSpc>
-                        <a:spcBef>
-                          <a:spcPts val="675"/>
-                        </a:spcBef>
-                        <a:spcAft>
-                          <a:spcPts val="675"/>
-                        </a:spcAft>
-                      </a:pPr>
-                      <a:r>
-                        <a:rPr lang="es-NI" sz="1200" dirty="0">
-                          <a:effectLst/>
-                        </a:rPr>
-                        <a:t>#FF0000</a:t>
-                      </a:r>
-                      <a:endParaRPr lang="en-US" sz="1200" dirty="0">
-                        <a:effectLst/>
-                        <a:latin typeface="Arial" panose="020B0604020202020204" pitchFamily="34" charset="0"/>
-                        <a:ea typeface="Calibri" panose="020F0502020204030204" pitchFamily="34" charset="0"/>
-                        <a:cs typeface="Times New Roman" panose="02020603050405020304" pitchFamily="18" charset="0"/>
-                      </a:endParaRPr>
-                    </a:p>
-                  </a:txBody>
-                  <a:tcPr marL="19050" marR="19050" marT="19050" marB="19050"/>
-                </a:tc>
-                <a:extLst>
-                  <a:ext uri="{0D108BD9-81ED-4DB2-BD59-A6C34878D82A}">
-                    <a16:rowId xmlns:a16="http://schemas.microsoft.com/office/drawing/2014/main" val="563958263"/>
-                  </a:ext>
-                </a:extLst>
-              </a:tr>
-              <a:tr h="178435">
-                <a:tc>
-                  <a:txBody>
-                    <a:bodyPr/>
-                    <a:lstStyle/>
-                    <a:p>
-                      <a:pPr algn="just">
-                        <a:lnSpc>
-                          <a:spcPct val="150000"/>
-                        </a:lnSpc>
-                        <a:spcBef>
-                          <a:spcPts val="675"/>
-                        </a:spcBef>
-                        <a:spcAft>
-                          <a:spcPts val="675"/>
-                        </a:spcAft>
-                      </a:pPr>
-                      <a:r>
-                        <a:rPr lang="es-NI" sz="1200">
-                          <a:effectLst/>
-                        </a:rPr>
-                        <a:t>&lt;FONT COLOR="GREEN"&gt;Verde&lt;/FONT&gt;</a:t>
-                      </a:r>
-                      <a:endParaRPr lang="en-US" sz="1200">
-                        <a:effectLst/>
-                        <a:latin typeface="Arial" panose="020B0604020202020204" pitchFamily="34" charset="0"/>
-                        <a:ea typeface="Calibri" panose="020F0502020204030204" pitchFamily="34" charset="0"/>
-                        <a:cs typeface="Times New Roman" panose="02020603050405020304" pitchFamily="18" charset="0"/>
-                      </a:endParaRPr>
-                    </a:p>
-                  </a:txBody>
-                  <a:tcPr marL="19050" marR="19050" marT="19050" marB="19050"/>
-                </a:tc>
-                <a:tc>
-                  <a:txBody>
-                    <a:bodyPr/>
-                    <a:lstStyle/>
-                    <a:p>
-                      <a:pPr algn="just">
-                        <a:lnSpc>
-                          <a:spcPct val="150000"/>
-                        </a:lnSpc>
-                        <a:spcBef>
-                          <a:spcPts val="675"/>
-                        </a:spcBef>
-                        <a:spcAft>
-                          <a:spcPts val="675"/>
-                        </a:spcAft>
-                      </a:pPr>
-                      <a:r>
-                        <a:rPr lang="es-NI" sz="1200">
-                          <a:effectLst/>
-                        </a:rPr>
-                        <a:t>Verde</a:t>
-                      </a:r>
-                      <a:endParaRPr lang="en-US" sz="1200">
-                        <a:effectLst/>
-                        <a:latin typeface="Arial" panose="020B0604020202020204" pitchFamily="34" charset="0"/>
-                        <a:ea typeface="Calibri" panose="020F0502020204030204" pitchFamily="34" charset="0"/>
-                        <a:cs typeface="Times New Roman" panose="02020603050405020304" pitchFamily="18" charset="0"/>
-                      </a:endParaRPr>
-                    </a:p>
-                  </a:txBody>
-                  <a:tcPr marL="19050" marR="19050" marT="19050" marB="19050"/>
-                </a:tc>
-                <a:tc>
-                  <a:txBody>
-                    <a:bodyPr/>
-                    <a:lstStyle/>
-                    <a:p>
-                      <a:pPr algn="just">
-                        <a:lnSpc>
-                          <a:spcPct val="150000"/>
-                        </a:lnSpc>
-                        <a:spcBef>
-                          <a:spcPts val="675"/>
-                        </a:spcBef>
-                        <a:spcAft>
-                          <a:spcPts val="675"/>
-                        </a:spcAft>
-                      </a:pPr>
-                      <a:r>
-                        <a:rPr lang="es-NI" sz="1200">
-                          <a:effectLst/>
-                        </a:rPr>
-                        <a:t>#00FF00</a:t>
-                      </a:r>
-                      <a:endParaRPr lang="en-US" sz="1200">
-                        <a:effectLst/>
-                        <a:latin typeface="Arial" panose="020B0604020202020204" pitchFamily="34" charset="0"/>
-                        <a:ea typeface="Calibri" panose="020F0502020204030204" pitchFamily="34" charset="0"/>
-                        <a:cs typeface="Times New Roman" panose="02020603050405020304" pitchFamily="18" charset="0"/>
-                      </a:endParaRPr>
-                    </a:p>
-                  </a:txBody>
-                  <a:tcPr marL="19050" marR="19050" marT="19050" marB="19050"/>
-                </a:tc>
-                <a:extLst>
-                  <a:ext uri="{0D108BD9-81ED-4DB2-BD59-A6C34878D82A}">
-                    <a16:rowId xmlns:a16="http://schemas.microsoft.com/office/drawing/2014/main" val="3900952047"/>
-                  </a:ext>
-                </a:extLst>
-              </a:tr>
-              <a:tr h="173355">
-                <a:tc>
-                  <a:txBody>
-                    <a:bodyPr/>
-                    <a:lstStyle/>
-                    <a:p>
-                      <a:pPr algn="just">
-                        <a:lnSpc>
-                          <a:spcPct val="150000"/>
-                        </a:lnSpc>
-                        <a:spcBef>
-                          <a:spcPts val="675"/>
-                        </a:spcBef>
-                        <a:spcAft>
-                          <a:spcPts val="675"/>
-                        </a:spcAft>
-                      </a:pPr>
-                      <a:r>
-                        <a:rPr lang="en-US" sz="1200">
-                          <a:effectLst/>
-                        </a:rPr>
-                        <a:t>&lt;FONT COLOR="BLUE"&gt;Azul&lt;/FONT&gt;</a:t>
-                      </a:r>
-                      <a:endParaRPr lang="en-US" sz="1200">
-                        <a:effectLst/>
-                        <a:latin typeface="Arial" panose="020B0604020202020204" pitchFamily="34" charset="0"/>
-                        <a:ea typeface="Calibri" panose="020F0502020204030204" pitchFamily="34" charset="0"/>
-                        <a:cs typeface="Times New Roman" panose="02020603050405020304" pitchFamily="18" charset="0"/>
-                      </a:endParaRPr>
-                    </a:p>
-                  </a:txBody>
-                  <a:tcPr marL="19050" marR="19050" marT="19050" marB="19050"/>
-                </a:tc>
-                <a:tc>
-                  <a:txBody>
-                    <a:bodyPr/>
-                    <a:lstStyle/>
-                    <a:p>
-                      <a:pPr algn="just">
-                        <a:lnSpc>
-                          <a:spcPct val="150000"/>
-                        </a:lnSpc>
-                        <a:spcBef>
-                          <a:spcPts val="675"/>
-                        </a:spcBef>
-                        <a:spcAft>
-                          <a:spcPts val="675"/>
-                        </a:spcAft>
-                      </a:pPr>
-                      <a:r>
-                        <a:rPr lang="es-NI" sz="1200">
-                          <a:effectLst/>
-                        </a:rPr>
-                        <a:t>Azul</a:t>
-                      </a:r>
-                      <a:endParaRPr lang="en-US" sz="1200">
-                        <a:effectLst/>
-                        <a:latin typeface="Arial" panose="020B0604020202020204" pitchFamily="34" charset="0"/>
-                        <a:ea typeface="Calibri" panose="020F0502020204030204" pitchFamily="34" charset="0"/>
-                        <a:cs typeface="Times New Roman" panose="02020603050405020304" pitchFamily="18" charset="0"/>
-                      </a:endParaRPr>
-                    </a:p>
-                  </a:txBody>
-                  <a:tcPr marL="19050" marR="19050" marT="19050" marB="19050"/>
-                </a:tc>
-                <a:tc>
-                  <a:txBody>
-                    <a:bodyPr/>
-                    <a:lstStyle/>
-                    <a:p>
-                      <a:pPr algn="just">
-                        <a:lnSpc>
-                          <a:spcPct val="150000"/>
-                        </a:lnSpc>
-                        <a:spcBef>
-                          <a:spcPts val="675"/>
-                        </a:spcBef>
-                        <a:spcAft>
-                          <a:spcPts val="675"/>
-                        </a:spcAft>
-                      </a:pPr>
-                      <a:r>
-                        <a:rPr lang="es-NI" sz="1200">
-                          <a:effectLst/>
-                        </a:rPr>
-                        <a:t>#0000FF</a:t>
-                      </a:r>
-                      <a:endParaRPr lang="en-US" sz="1200">
-                        <a:effectLst/>
-                        <a:latin typeface="Arial" panose="020B0604020202020204" pitchFamily="34" charset="0"/>
-                        <a:ea typeface="Calibri" panose="020F0502020204030204" pitchFamily="34" charset="0"/>
-                        <a:cs typeface="Times New Roman" panose="02020603050405020304" pitchFamily="18" charset="0"/>
-                      </a:endParaRPr>
-                    </a:p>
-                  </a:txBody>
-                  <a:tcPr marL="19050" marR="19050" marT="19050" marB="19050"/>
-                </a:tc>
-                <a:extLst>
-                  <a:ext uri="{0D108BD9-81ED-4DB2-BD59-A6C34878D82A}">
-                    <a16:rowId xmlns:a16="http://schemas.microsoft.com/office/drawing/2014/main" val="2353430355"/>
-                  </a:ext>
-                </a:extLst>
-              </a:tr>
-              <a:tr h="173355">
-                <a:tc>
-                  <a:txBody>
-                    <a:bodyPr/>
-                    <a:lstStyle/>
-                    <a:p>
-                      <a:pPr algn="just">
-                        <a:lnSpc>
-                          <a:spcPct val="150000"/>
-                        </a:lnSpc>
-                        <a:spcBef>
-                          <a:spcPts val="675"/>
-                        </a:spcBef>
-                        <a:spcAft>
-                          <a:spcPts val="675"/>
-                        </a:spcAft>
-                      </a:pPr>
-                      <a:r>
-                        <a:rPr lang="en-US" sz="1200">
-                          <a:effectLst/>
-                        </a:rPr>
-                        <a:t>&lt;FONT COLOR="YELLOW"&gt;Amarillo&lt;/FONT&gt;</a:t>
-                      </a:r>
-                      <a:endParaRPr lang="en-US" sz="1200">
-                        <a:effectLst/>
-                        <a:latin typeface="Arial" panose="020B0604020202020204" pitchFamily="34" charset="0"/>
-                        <a:ea typeface="Calibri" panose="020F0502020204030204" pitchFamily="34" charset="0"/>
-                        <a:cs typeface="Times New Roman" panose="02020603050405020304" pitchFamily="18" charset="0"/>
-                      </a:endParaRPr>
-                    </a:p>
-                  </a:txBody>
-                  <a:tcPr marL="19050" marR="19050" marT="19050" marB="19050"/>
-                </a:tc>
-                <a:tc>
-                  <a:txBody>
-                    <a:bodyPr/>
-                    <a:lstStyle/>
-                    <a:p>
-                      <a:pPr algn="just">
-                        <a:lnSpc>
-                          <a:spcPct val="150000"/>
-                        </a:lnSpc>
-                        <a:spcBef>
-                          <a:spcPts val="675"/>
-                        </a:spcBef>
-                        <a:spcAft>
-                          <a:spcPts val="675"/>
-                        </a:spcAft>
-                      </a:pPr>
-                      <a:r>
-                        <a:rPr lang="es-NI" sz="1200">
-                          <a:effectLst/>
-                        </a:rPr>
-                        <a:t>Amarillo</a:t>
-                      </a:r>
-                      <a:endParaRPr lang="en-US" sz="1200">
-                        <a:effectLst/>
-                        <a:latin typeface="Arial" panose="020B0604020202020204" pitchFamily="34" charset="0"/>
-                        <a:ea typeface="Calibri" panose="020F0502020204030204" pitchFamily="34" charset="0"/>
-                        <a:cs typeface="Times New Roman" panose="02020603050405020304" pitchFamily="18" charset="0"/>
-                      </a:endParaRPr>
-                    </a:p>
-                  </a:txBody>
-                  <a:tcPr marL="19050" marR="19050" marT="19050" marB="19050"/>
-                </a:tc>
-                <a:tc>
-                  <a:txBody>
-                    <a:bodyPr/>
-                    <a:lstStyle/>
-                    <a:p>
-                      <a:pPr algn="just">
-                        <a:lnSpc>
-                          <a:spcPct val="150000"/>
-                        </a:lnSpc>
-                        <a:spcBef>
-                          <a:spcPts val="675"/>
-                        </a:spcBef>
-                        <a:spcAft>
-                          <a:spcPts val="675"/>
-                        </a:spcAft>
-                      </a:pPr>
-                      <a:r>
-                        <a:rPr lang="es-NI" sz="1200">
-                          <a:effectLst/>
-                        </a:rPr>
-                        <a:t>#FFFF00</a:t>
-                      </a:r>
-                      <a:endParaRPr lang="en-US" sz="1200">
-                        <a:effectLst/>
-                        <a:latin typeface="Arial" panose="020B0604020202020204" pitchFamily="34" charset="0"/>
-                        <a:ea typeface="Calibri" panose="020F0502020204030204" pitchFamily="34" charset="0"/>
-                        <a:cs typeface="Times New Roman" panose="02020603050405020304" pitchFamily="18" charset="0"/>
-                      </a:endParaRPr>
-                    </a:p>
-                  </a:txBody>
-                  <a:tcPr marL="19050" marR="19050" marT="19050" marB="19050"/>
-                </a:tc>
-                <a:extLst>
-                  <a:ext uri="{0D108BD9-81ED-4DB2-BD59-A6C34878D82A}">
-                    <a16:rowId xmlns:a16="http://schemas.microsoft.com/office/drawing/2014/main" val="3874041584"/>
-                  </a:ext>
-                </a:extLst>
-              </a:tr>
-              <a:tr h="178435">
-                <a:tc>
-                  <a:txBody>
-                    <a:bodyPr/>
-                    <a:lstStyle/>
-                    <a:p>
-                      <a:pPr algn="just">
-                        <a:lnSpc>
-                          <a:spcPct val="150000"/>
-                        </a:lnSpc>
-                        <a:spcBef>
-                          <a:spcPts val="675"/>
-                        </a:spcBef>
-                        <a:spcAft>
-                          <a:spcPts val="675"/>
-                        </a:spcAft>
-                      </a:pPr>
-                      <a:r>
-                        <a:rPr lang="en-US" sz="1200">
-                          <a:effectLst/>
-                        </a:rPr>
-                        <a:t>&lt;FONT COLOR="CYAN"&gt;Cyan&lt;/FONT&gt;</a:t>
-                      </a:r>
-                      <a:endParaRPr lang="en-US" sz="1200">
-                        <a:effectLst/>
-                        <a:latin typeface="Arial" panose="020B0604020202020204" pitchFamily="34" charset="0"/>
-                        <a:ea typeface="Calibri" panose="020F0502020204030204" pitchFamily="34" charset="0"/>
-                        <a:cs typeface="Times New Roman" panose="02020603050405020304" pitchFamily="18" charset="0"/>
-                      </a:endParaRPr>
-                    </a:p>
-                  </a:txBody>
-                  <a:tcPr marL="19050" marR="19050" marT="19050" marB="19050"/>
-                </a:tc>
-                <a:tc>
-                  <a:txBody>
-                    <a:bodyPr/>
-                    <a:lstStyle/>
-                    <a:p>
-                      <a:pPr algn="just">
-                        <a:lnSpc>
-                          <a:spcPct val="150000"/>
-                        </a:lnSpc>
-                        <a:spcBef>
-                          <a:spcPts val="675"/>
-                        </a:spcBef>
-                        <a:spcAft>
-                          <a:spcPts val="675"/>
-                        </a:spcAft>
-                      </a:pPr>
-                      <a:r>
-                        <a:rPr lang="es-NI" sz="1200">
-                          <a:effectLst/>
-                        </a:rPr>
-                        <a:t>Cyan</a:t>
-                      </a:r>
-                      <a:endParaRPr lang="en-US" sz="1200">
-                        <a:effectLst/>
-                        <a:latin typeface="Arial" panose="020B0604020202020204" pitchFamily="34" charset="0"/>
-                        <a:ea typeface="Calibri" panose="020F0502020204030204" pitchFamily="34" charset="0"/>
-                        <a:cs typeface="Times New Roman" panose="02020603050405020304" pitchFamily="18" charset="0"/>
-                      </a:endParaRPr>
-                    </a:p>
-                  </a:txBody>
-                  <a:tcPr marL="19050" marR="19050" marT="19050" marB="19050"/>
-                </a:tc>
-                <a:tc>
-                  <a:txBody>
-                    <a:bodyPr/>
-                    <a:lstStyle/>
-                    <a:p>
-                      <a:pPr algn="just">
-                        <a:lnSpc>
-                          <a:spcPct val="150000"/>
-                        </a:lnSpc>
-                        <a:spcBef>
-                          <a:spcPts val="675"/>
-                        </a:spcBef>
-                        <a:spcAft>
-                          <a:spcPts val="675"/>
-                        </a:spcAft>
-                      </a:pPr>
-                      <a:r>
-                        <a:rPr lang="es-NI" sz="1200">
-                          <a:effectLst/>
-                        </a:rPr>
-                        <a:t>#00FFFF</a:t>
-                      </a:r>
-                      <a:endParaRPr lang="en-US" sz="1200">
-                        <a:effectLst/>
-                        <a:latin typeface="Arial" panose="020B0604020202020204" pitchFamily="34" charset="0"/>
-                        <a:ea typeface="Calibri" panose="020F0502020204030204" pitchFamily="34" charset="0"/>
-                        <a:cs typeface="Times New Roman" panose="02020603050405020304" pitchFamily="18" charset="0"/>
-                      </a:endParaRPr>
-                    </a:p>
-                  </a:txBody>
-                  <a:tcPr marL="19050" marR="19050" marT="19050" marB="19050"/>
-                </a:tc>
-                <a:extLst>
-                  <a:ext uri="{0D108BD9-81ED-4DB2-BD59-A6C34878D82A}">
-                    <a16:rowId xmlns:a16="http://schemas.microsoft.com/office/drawing/2014/main" val="2569200524"/>
-                  </a:ext>
-                </a:extLst>
-              </a:tr>
-              <a:tr h="173355">
-                <a:tc>
-                  <a:txBody>
-                    <a:bodyPr/>
-                    <a:lstStyle/>
-                    <a:p>
-                      <a:pPr algn="just">
-                        <a:lnSpc>
-                          <a:spcPct val="150000"/>
-                        </a:lnSpc>
-                        <a:spcBef>
-                          <a:spcPts val="675"/>
-                        </a:spcBef>
-                        <a:spcAft>
-                          <a:spcPts val="675"/>
-                        </a:spcAft>
-                      </a:pPr>
-                      <a:r>
-                        <a:rPr lang="es-NI" sz="1200">
-                          <a:effectLst/>
-                        </a:rPr>
-                        <a:t>&lt;FONT COLOR="MAGENTA"&gt;Magenta&lt;/FONT&gt;</a:t>
-                      </a:r>
-                      <a:endParaRPr lang="en-US" sz="1200">
-                        <a:effectLst/>
-                        <a:latin typeface="Arial" panose="020B0604020202020204" pitchFamily="34" charset="0"/>
-                        <a:ea typeface="Calibri" panose="020F0502020204030204" pitchFamily="34" charset="0"/>
-                        <a:cs typeface="Times New Roman" panose="02020603050405020304" pitchFamily="18" charset="0"/>
-                      </a:endParaRPr>
-                    </a:p>
-                  </a:txBody>
-                  <a:tcPr marL="19050" marR="19050" marT="19050" marB="19050"/>
-                </a:tc>
-                <a:tc>
-                  <a:txBody>
-                    <a:bodyPr/>
-                    <a:lstStyle/>
-                    <a:p>
-                      <a:pPr algn="just">
-                        <a:lnSpc>
-                          <a:spcPct val="150000"/>
-                        </a:lnSpc>
-                        <a:spcBef>
-                          <a:spcPts val="675"/>
-                        </a:spcBef>
-                        <a:spcAft>
-                          <a:spcPts val="675"/>
-                        </a:spcAft>
-                      </a:pPr>
-                      <a:r>
-                        <a:rPr lang="es-NI" sz="1200">
-                          <a:effectLst/>
-                        </a:rPr>
-                        <a:t>Magenta</a:t>
-                      </a:r>
-                      <a:endParaRPr lang="en-US" sz="1200">
-                        <a:effectLst/>
-                        <a:latin typeface="Arial" panose="020B0604020202020204" pitchFamily="34" charset="0"/>
-                        <a:ea typeface="Calibri" panose="020F0502020204030204" pitchFamily="34" charset="0"/>
-                        <a:cs typeface="Times New Roman" panose="02020603050405020304" pitchFamily="18" charset="0"/>
-                      </a:endParaRPr>
-                    </a:p>
-                  </a:txBody>
-                  <a:tcPr marL="19050" marR="19050" marT="19050" marB="19050"/>
-                </a:tc>
-                <a:tc>
-                  <a:txBody>
-                    <a:bodyPr/>
-                    <a:lstStyle/>
-                    <a:p>
-                      <a:pPr algn="just">
-                        <a:lnSpc>
-                          <a:spcPct val="150000"/>
-                        </a:lnSpc>
-                        <a:spcBef>
-                          <a:spcPts val="675"/>
-                        </a:spcBef>
-                        <a:spcAft>
-                          <a:spcPts val="675"/>
-                        </a:spcAft>
-                      </a:pPr>
-                      <a:r>
-                        <a:rPr lang="es-NI" sz="1200" dirty="0">
-                          <a:effectLst/>
-                        </a:rPr>
-                        <a:t>#FF00FF</a:t>
-                      </a:r>
-                      <a:endParaRPr lang="en-US" sz="1200" dirty="0">
-                        <a:effectLst/>
-                        <a:latin typeface="Arial" panose="020B0604020202020204" pitchFamily="34" charset="0"/>
-                        <a:ea typeface="Calibri" panose="020F0502020204030204" pitchFamily="34" charset="0"/>
-                        <a:cs typeface="Times New Roman" panose="02020603050405020304" pitchFamily="18" charset="0"/>
-                      </a:endParaRPr>
-                    </a:p>
-                  </a:txBody>
-                  <a:tcPr marL="19050" marR="19050" marT="19050" marB="19050"/>
-                </a:tc>
-                <a:extLst>
-                  <a:ext uri="{0D108BD9-81ED-4DB2-BD59-A6C34878D82A}">
-                    <a16:rowId xmlns:a16="http://schemas.microsoft.com/office/drawing/2014/main" val="3191382328"/>
-                  </a:ext>
-                </a:extLst>
-              </a:tr>
-            </a:tbl>
-          </a:graphicData>
-        </a:graphic>
-      </p:graphicFrame>
-      <p:sp>
-        <p:nvSpPr>
-          <p:cNvPr id="4" name="Rectangle 1"/>
-          <p:cNvSpPr>
-            <a:spLocks noGrp="1" noChangeArrowheads="1"/>
-          </p:cNvSpPr>
-          <p:nvPr>
-            <p:ph type="title"/>
-          </p:nvPr>
         </p:nvSpPr>
         <p:spPr bwMode="auto">
           <a:xfrm>
-            <a:off x="515469" y="769441"/>
-            <a:ext cx="11237259" cy="2554545"/>
+            <a:off x="716537" y="1199393"/>
+            <a:ext cx="11262103" cy="3688181"/>
           </a:xfrm>
           <a:prstGeom prst="rect">
             <a:avLst/>
@@ -10048,7 +8330,7 @@
           </a:extLst>
         </p:spPr>
         <p:txBody>
-          <a:bodyPr vert="horz" wrap="square" lIns="91440" tIns="45720" rIns="91440" bIns="45720" numCol="1" anchor="ctr" anchorCtr="0" compatLnSpc="1">
+          <a:bodyPr vert="horz" wrap="square" lIns="91440" tIns="25392" rIns="91440" bIns="0" numCol="1" anchor="ctr" anchorCtr="0" compatLnSpc="1">
             <a:prstTxWarp prst="textNoShape">
               <a:avLst/>
             </a:prstTxWarp>
@@ -10082,13 +8364,12 @@
                 </a:solidFill>
                 <a:effectLst/>
                 <a:latin typeface="Arial" panose="020B0604020202020204" pitchFamily="34" charset="0"/>
-                <a:ea typeface="Times New Roman" panose="02020603050405020304" pitchFamily="18" charset="0"/>
                 <a:cs typeface="Arial" panose="020B0604020202020204" pitchFamily="34" charset="0"/>
               </a:rPr>
-              <a:t>Ejemplo:</a:t>
-            </a:r>
-            <a:br>
-              <a:rPr kumimoji="0" lang="es-NI" altLang="en-US" sz="2000" b="0" i="0" u="none" strike="noStrike" cap="none" normalizeH="0" baseline="0" dirty="0" smtClean="0">
+              <a:t>P</a:t>
+            </a:r>
+            <a:r>
+              <a:rPr kumimoji="0" lang="es-NI" altLang="en-US" sz="2000" b="0" i="0" u="none" strike="noStrike" cap="none" normalizeH="0" baseline="0" dirty="0" smtClean="0" bmk="">
                 <a:ln>
                   <a:noFill/>
                 </a:ln>
@@ -10097,33 +8378,20 @@
                 </a:solidFill>
                 <a:effectLst/>
                 <a:latin typeface="Arial" panose="020B0604020202020204" pitchFamily="34" charset="0"/>
-                <a:ea typeface="Times New Roman" panose="02020603050405020304" pitchFamily="18" charset="0"/>
                 <a:cs typeface="Arial" panose="020B0604020202020204" pitchFamily="34" charset="0"/>
               </a:rPr>
-            </a:br>
-            <a:r>
-              <a:rPr kumimoji="0" lang="es-NI" altLang="en-US" sz="2000" b="0" i="0" u="none" strike="noStrike" cap="none" normalizeH="0" baseline="0" dirty="0" smtClean="0">
-                <a:ln>
-                  <a:noFill/>
-                </a:ln>
-                <a:solidFill>
-                  <a:srgbClr val="000000"/>
-                </a:solidFill>
-                <a:effectLst/>
-                <a:latin typeface="Arial" panose="020B0604020202020204" pitchFamily="34" charset="0"/>
-                <a:ea typeface="Times New Roman" panose="02020603050405020304" pitchFamily="18" charset="0"/>
-                <a:cs typeface="Arial" panose="020B0604020202020204" pitchFamily="34" charset="0"/>
-              </a:rPr>
-              <a:t>&lt;FONT&gt; texto…&lt;/FACE&gt;</a:t>
-            </a:r>
-            <a:endParaRPr kumimoji="0" lang="en-US" altLang="en-US" sz="2000" b="0" i="0" u="none" strike="noStrike" cap="none" normalizeH="0" baseline="0" dirty="0" smtClean="0">
+              <a:t>oblación</a:t>
+            </a:r>
+            <a:endParaRPr kumimoji="0" lang="es-NI" altLang="en-US" sz="2000" b="0" i="0" u="none" strike="noStrike" cap="none" normalizeH="0" baseline="0" dirty="0" smtClean="0">
               <a:ln>
                 <a:noFill/>
               </a:ln>
               <a:solidFill>
-                <a:schemeClr val="tx1"/>
+                <a:srgbClr val="000000"/>
               </a:solidFill>
               <a:effectLst/>
+              <a:latin typeface="Arial" panose="020B0604020202020204" pitchFamily="34" charset="0"/>
+              <a:cs typeface="Arial" panose="020B0604020202020204" pitchFamily="34" charset="0"/>
             </a:endParaRPr>
           </a:p>
           <a:p>
@@ -10149,61 +8417,14 @@
                   <a:noFill/>
                 </a:ln>
                 <a:solidFill>
-                  <a:srgbClr val="000000"/>
+                  <a:schemeClr val="tx1"/>
                 </a:solidFill>
                 <a:effectLst/>
                 <a:latin typeface="Arial" panose="020B0604020202020204" pitchFamily="34" charset="0"/>
-                <a:ea typeface="Times New Roman" panose="02020603050405020304" pitchFamily="18" charset="0"/>
-                <a:cs typeface="Arial" panose="020B0604020202020204" pitchFamily="34" charset="0"/>
-                <a:hlinkClick r:id="rId2"/>
-              </a:rPr>
-              <a:t>Color</a:t>
-            </a:r>
-            <a:r>
-              <a:rPr kumimoji="0" lang="es-NI" altLang="en-US" sz="2000" b="0" i="0" u="none" strike="noStrike" cap="none" normalizeH="0" baseline="0" dirty="0" smtClean="0">
-                <a:ln>
-                  <a:noFill/>
-                </a:ln>
-                <a:solidFill>
-                  <a:srgbClr val="000000"/>
-                </a:solidFill>
-                <a:effectLst/>
-                <a:latin typeface="Arial" panose="020B0604020202020204" pitchFamily="34" charset="0"/>
-                <a:ea typeface="Times New Roman" panose="02020603050405020304" pitchFamily="18" charset="0"/>
+                <a:ea typeface="Arial" panose="020B0604020202020204" pitchFamily="34" charset="0"/>
                 <a:cs typeface="Arial" panose="020B0604020202020204" pitchFamily="34" charset="0"/>
               </a:rPr>
-              <a:t>: Regula el color de los caracteres. En principio existen dos posibilidades para definir los </a:t>
-            </a:r>
-            <a:r>
-              <a:rPr kumimoji="0" lang="es-NI" altLang="en-US" sz="2000" b="0" i="0" u="none" strike="noStrike" cap="none" normalizeH="0" baseline="0" dirty="0" smtClean="0">
-                <a:ln>
-                  <a:noFill/>
-                </a:ln>
-                <a:solidFill>
-                  <a:srgbClr val="000000"/>
-                </a:solidFill>
-                <a:effectLst/>
-                <a:latin typeface="Arial" panose="020B0604020202020204" pitchFamily="34" charset="0"/>
-                <a:ea typeface="Times New Roman" panose="02020603050405020304" pitchFamily="18" charset="0"/>
-                <a:cs typeface="Arial" panose="020B0604020202020204" pitchFamily="34" charset="0"/>
-                <a:hlinkClick r:id="rId2"/>
-              </a:rPr>
-              <a:t>colores</a:t>
-            </a:r>
-            <a:r>
-              <a:rPr kumimoji="0" lang="es-NI" altLang="en-US" sz="2000" b="0" i="0" u="none" strike="noStrike" cap="none" normalizeH="0" baseline="0" dirty="0" smtClean="0">
-                <a:ln>
-                  <a:noFill/>
-                </a:ln>
-                <a:solidFill>
-                  <a:srgbClr val="000000"/>
-                </a:solidFill>
-                <a:effectLst/>
-                <a:latin typeface="Arial" panose="020B0604020202020204" pitchFamily="34" charset="0"/>
-                <a:ea typeface="Times New Roman" panose="02020603050405020304" pitchFamily="18" charset="0"/>
-                <a:cs typeface="Arial" panose="020B0604020202020204" pitchFamily="34" charset="0"/>
-              </a:rPr>
-              <a:t> en HTML:</a:t>
+              <a:t>Para realizar una investigación, no es necesario abarcar la totalidad de una población basta con elegir una muestra representativa de la misma. En nuestro caso con fines de incluir a los involucrados en el proceso que tiene que ver con el registro de notas de los estudiantes, entrevistamos a 12 docentes de un total de 12, esto corresponde a una muestra del 100%, administrativos entrevistamos al 100%. </a:t>
             </a:r>
             <a:endParaRPr kumimoji="0" lang="en-US" altLang="en-US" sz="2000" b="0" i="0" u="none" strike="noStrike" cap="none" normalizeH="0" baseline="0" dirty="0" smtClean="0">
               <a:ln>
@@ -10213,6 +8434,8 @@
                 <a:schemeClr val="tx1"/>
               </a:solidFill>
               <a:effectLst/>
+              <a:latin typeface="Arial" panose="020B0604020202020204" pitchFamily="34" charset="0"/>
+              <a:cs typeface="Arial" panose="020B0604020202020204" pitchFamily="34" charset="0"/>
             </a:endParaRPr>
           </a:p>
           <a:p>
@@ -10238,14 +8461,29 @@
                   <a:noFill/>
                 </a:ln>
                 <a:solidFill>
-                  <a:srgbClr val="000000"/>
+                  <a:schemeClr val="tx1"/>
                 </a:solidFill>
                 <a:effectLst/>
                 <a:latin typeface="Arial" panose="020B0604020202020204" pitchFamily="34" charset="0"/>
-                <a:ea typeface="Times New Roman" panose="02020603050405020304" pitchFamily="18" charset="0"/>
+                <a:ea typeface="Arial" panose="020B0604020202020204" pitchFamily="34" charset="0"/>
                 <a:cs typeface="Arial" panose="020B0604020202020204" pitchFamily="34" charset="0"/>
               </a:rPr>
-              <a:t>1. Mediante la especificación de </a:t>
+              <a:t>Las entrevistas se aplicaron a mediados del tercer trimestre del año lectivo 2020, fueron hechas de manera personal en forma de entrevista, a docentes, personal administrativo y a el director de UML </a:t>
+            </a:r>
+            <a:r>
+              <a:rPr kumimoji="0" lang="es-NI" altLang="en-US" sz="2000" b="0" i="0" u="none" strike="noStrike" cap="none" normalizeH="0" baseline="0" dirty="0" err="1" smtClean="0">
+                <a:ln>
+                  <a:noFill/>
+                </a:ln>
+                <a:solidFill>
+                  <a:schemeClr val="tx1"/>
+                </a:solidFill>
+                <a:effectLst/>
+                <a:latin typeface="Arial" panose="020B0604020202020204" pitchFamily="34" charset="0"/>
+                <a:ea typeface="Arial" panose="020B0604020202020204" pitchFamily="34" charset="0"/>
+                <a:cs typeface="Arial" panose="020B0604020202020204" pitchFamily="34" charset="0"/>
+              </a:rPr>
+              <a:t>Quilalí</a:t>
             </a:r>
             <a:r>
               <a:rPr kumimoji="0" lang="es-NI" altLang="en-US" sz="2000" b="0" i="0" u="none" strike="noStrike" cap="none" normalizeH="0" baseline="0" dirty="0" smtClean="0">
@@ -10253,92 +8491,14 @@
                   <a:noFill/>
                 </a:ln>
                 <a:solidFill>
-                  <a:srgbClr val="000000"/>
+                  <a:schemeClr val="tx1"/>
                 </a:solidFill>
                 <a:effectLst/>
                 <a:latin typeface="Arial" panose="020B0604020202020204" pitchFamily="34" charset="0"/>
-                <a:ea typeface="Times New Roman" panose="02020603050405020304" pitchFamily="18" charset="0"/>
-                <a:cs typeface="Arial" panose="020B0604020202020204" pitchFamily="34" charset="0"/>
-                <a:hlinkClick r:id="rId3"/>
-              </a:rPr>
-              <a:t>los valores</a:t>
-            </a:r>
-            <a:r>
-              <a:rPr kumimoji="0" lang="es-NI" altLang="en-US" sz="2000" b="0" i="0" u="none" strike="noStrike" cap="none" normalizeH="0" baseline="0" dirty="0" smtClean="0">
-                <a:ln>
-                  <a:noFill/>
-                </a:ln>
-                <a:solidFill>
-                  <a:srgbClr val="000000"/>
-                </a:solidFill>
-                <a:effectLst/>
-                <a:latin typeface="Arial" panose="020B0604020202020204" pitchFamily="34" charset="0"/>
-                <a:ea typeface="Times New Roman" panose="02020603050405020304" pitchFamily="18" charset="0"/>
+                <a:ea typeface="Arial" panose="020B0604020202020204" pitchFamily="34" charset="0"/>
                 <a:cs typeface="Arial" panose="020B0604020202020204" pitchFamily="34" charset="0"/>
               </a:rPr>
-              <a:t> RGB del color deseado en forma hexadecimal (RGB=</a:t>
-            </a:r>
-            <a:r>
-              <a:rPr kumimoji="0" lang="es-NI" altLang="en-US" sz="2000" b="0" i="0" u="none" strike="noStrike" cap="none" normalizeH="0" baseline="0" dirty="0" smtClean="0">
-                <a:ln>
-                  <a:noFill/>
-                </a:ln>
-                <a:solidFill>
-                  <a:srgbClr val="000000"/>
-                </a:solidFill>
-                <a:effectLst/>
-                <a:latin typeface="Arial" panose="020B0604020202020204" pitchFamily="34" charset="0"/>
-                <a:ea typeface="Times New Roman" panose="02020603050405020304" pitchFamily="18" charset="0"/>
-                <a:cs typeface="Arial" panose="020B0604020202020204" pitchFamily="34" charset="0"/>
-                <a:hlinkClick r:id="rId4"/>
-              </a:rPr>
-              <a:t>Red</a:t>
-            </a:r>
-            <a:r>
-              <a:rPr kumimoji="0" lang="es-NI" altLang="en-US" sz="2000" b="0" i="0" u="none" strike="noStrike" cap="none" normalizeH="0" baseline="0" dirty="0" smtClean="0">
-                <a:ln>
-                  <a:noFill/>
-                </a:ln>
-                <a:solidFill>
-                  <a:srgbClr val="000000"/>
-                </a:solidFill>
-                <a:effectLst/>
-                <a:latin typeface="Arial" panose="020B0604020202020204" pitchFamily="34" charset="0"/>
-                <a:ea typeface="Times New Roman" panose="02020603050405020304" pitchFamily="18" charset="0"/>
-                <a:cs typeface="Arial" panose="020B0604020202020204" pitchFamily="34" charset="0"/>
-              </a:rPr>
-              <a:t>/Green/Blue, </a:t>
-            </a:r>
-            <a:r>
-              <a:rPr kumimoji="0" lang="es-NI" altLang="en-US" sz="2000" b="0" i="0" u="none" strike="noStrike" cap="none" normalizeH="0" baseline="0" dirty="0" smtClean="0">
-                <a:ln>
-                  <a:noFill/>
-                </a:ln>
-                <a:solidFill>
-                  <a:srgbClr val="000000"/>
-                </a:solidFill>
-                <a:effectLst/>
-                <a:latin typeface="Arial" panose="020B0604020202020204" pitchFamily="34" charset="0"/>
-                <a:ea typeface="Times New Roman" panose="02020603050405020304" pitchFamily="18" charset="0"/>
-                <a:cs typeface="Arial" panose="020B0604020202020204" pitchFamily="34" charset="0"/>
-                <a:hlinkClick r:id="rId3"/>
-              </a:rPr>
-              <a:t>valores</a:t>
-            </a:r>
-            <a:r>
-              <a:rPr kumimoji="0" lang="es-NI" altLang="en-US" sz="2000" b="0" i="0" u="none" strike="noStrike" cap="none" normalizeH="0" baseline="0" dirty="0" smtClean="0">
-                <a:ln>
-                  <a:noFill/>
-                </a:ln>
-                <a:solidFill>
-                  <a:srgbClr val="000000"/>
-                </a:solidFill>
-                <a:effectLst/>
-                <a:latin typeface="Arial" panose="020B0604020202020204" pitchFamily="34" charset="0"/>
-                <a:ea typeface="Times New Roman" panose="02020603050405020304" pitchFamily="18" charset="0"/>
-                <a:cs typeface="Arial" panose="020B0604020202020204" pitchFamily="34" charset="0"/>
-              </a:rPr>
-              <a:t> Rojo/Verde/Azul)</a:t>
+              <a:t>. </a:t>
             </a:r>
             <a:endParaRPr kumimoji="0" lang="en-US" altLang="en-US" sz="2000" b="0" i="0" u="none" strike="noStrike" cap="none" normalizeH="0" baseline="0" dirty="0" smtClean="0">
               <a:ln>
@@ -10348,6 +8508,8 @@
                 <a:schemeClr val="tx1"/>
               </a:solidFill>
               <a:effectLst/>
+              <a:latin typeface="Arial" panose="020B0604020202020204" pitchFamily="34" charset="0"/>
+              <a:cs typeface="Arial" panose="020B0604020202020204" pitchFamily="34" charset="0"/>
             </a:endParaRPr>
           </a:p>
           <a:p>
@@ -10373,14 +8535,14 @@
                   <a:noFill/>
                 </a:ln>
                 <a:solidFill>
-                  <a:srgbClr val="000000"/>
+                  <a:schemeClr val="tx1"/>
                 </a:solidFill>
                 <a:effectLst/>
                 <a:latin typeface="Arial" panose="020B0604020202020204" pitchFamily="34" charset="0"/>
-                <a:ea typeface="Times New Roman" panose="02020603050405020304" pitchFamily="18" charset="0"/>
+                <a:ea typeface="Arial" panose="020B0604020202020204" pitchFamily="34" charset="0"/>
                 <a:cs typeface="Arial" panose="020B0604020202020204" pitchFamily="34" charset="0"/>
               </a:rPr>
-              <a:t>2. Mediante la especificación del nombre del color en ingles</a:t>
+              <a:t>De acuerdo a todo esto, se elaboró satisfactoriamente el sistema “SIS Universidad”.</a:t>
             </a:r>
             <a:endParaRPr kumimoji="0" lang="en-US" altLang="en-US" sz="2000" b="0" i="0" u="none" strike="noStrike" cap="none" normalizeH="0" baseline="0" dirty="0" smtClean="0">
               <a:ln>
@@ -10390,6 +8552,8 @@
                 <a:schemeClr val="tx1"/>
               </a:solidFill>
               <a:effectLst/>
+              <a:latin typeface="Arial" panose="020B0604020202020204" pitchFamily="34" charset="0"/>
+              <a:cs typeface="Arial" panose="020B0604020202020204" pitchFamily="34" charset="0"/>
             </a:endParaRPr>
           </a:p>
           <a:p>
@@ -10415,14 +8579,14 @@
                   <a:noFill/>
                 </a:ln>
                 <a:solidFill>
-                  <a:srgbClr val="000000"/>
+                  <a:schemeClr val="tx1"/>
                 </a:solidFill>
                 <a:effectLst/>
                 <a:latin typeface="Arial" panose="020B0604020202020204" pitchFamily="34" charset="0"/>
-                <a:ea typeface="Times New Roman" panose="02020603050405020304" pitchFamily="18" charset="0"/>
+                <a:ea typeface="Arial" panose="020B0604020202020204" pitchFamily="34" charset="0"/>
                 <a:cs typeface="Arial" panose="020B0604020202020204" pitchFamily="34" charset="0"/>
               </a:rPr>
-              <a:t>Ejemplos:</a:t>
+              <a:t>Cálculo de la muestra, se realizó con la siguiente ecuación:</a:t>
             </a:r>
             <a:endParaRPr kumimoji="0" lang="en-US" altLang="en-US" sz="2000" b="0" i="0" u="none" strike="noStrike" cap="none" normalizeH="0" baseline="0" dirty="0" smtClean="0">
               <a:ln>
@@ -10432,14 +8596,148 @@
                 <a:schemeClr val="tx1"/>
               </a:solidFill>
               <a:effectLst/>
+              <a:latin typeface="Arial" panose="020B0604020202020204" pitchFamily="34" charset="0"/>
+              <a:cs typeface="Arial" panose="020B0604020202020204" pitchFamily="34" charset="0"/>
             </a:endParaRPr>
+          </a:p>
+          <a:p>
+            <a:pPr marL="0" marR="0" lvl="0" indent="0" algn="l" defTabSz="914400" rtl="0" eaLnBrk="0" fontAlgn="base" latinLnBrk="0" hangingPunct="0">
+              <a:lnSpc>
+                <a:spcPct val="100000"/>
+              </a:lnSpc>
+              <a:spcBef>
+                <a:spcPct val="0"/>
+              </a:spcBef>
+              <a:spcAft>
+                <a:spcPct val="0"/>
+              </a:spcAft>
+              <a:buClrTx/>
+              <a:buSzTx/>
+              <a:buFontTx/>
+              <a:buNone/>
+              <a:tabLst/>
+            </a:pPr>
+            <a:endParaRPr kumimoji="0" lang="en-US" altLang="en-US" sz="1800" b="0" i="0" u="none" strike="noStrike" cap="none" normalizeH="0" baseline="0" dirty="0" smtClean="0">
+              <a:ln>
+                <a:noFill/>
+              </a:ln>
+              <a:solidFill>
+                <a:schemeClr val="tx1"/>
+              </a:solidFill>
+              <a:effectLst/>
+              <a:latin typeface="Arial" panose="020B0604020202020204" pitchFamily="34" charset="0"/>
+            </a:endParaRPr>
+          </a:p>
+        </p:txBody>
+      </p:sp>
+      <p:pic>
+        <p:nvPicPr>
+          <p:cNvPr id="1028" name="Imagen 2"/>
+          <p:cNvPicPr>
+            <a:picLocks noChangeAspect="1" noChangeArrowheads="1"/>
+          </p:cNvPicPr>
+          <p:nvPr/>
+        </p:nvPicPr>
+        <p:blipFill>
+          <a:blip r:embed="rId2">
+            <a:extLst>
+              <a:ext uri="{28A0092B-C50C-407E-A947-70E740481C1C}">
+                <a14:useLocalDpi xmlns:a14="http://schemas.microsoft.com/office/drawing/2010/main" val="0"/>
+              </a:ext>
+            </a:extLst>
+          </a:blip>
+          <a:srcRect/>
+          <a:stretch>
+            <a:fillRect/>
+          </a:stretch>
+        </p:blipFill>
+        <p:spPr bwMode="auto">
+          <a:xfrm>
+            <a:off x="4491702" y="5021740"/>
+            <a:ext cx="2505075" cy="923925"/>
+          </a:xfrm>
+          <a:prstGeom prst="rect">
+            <a:avLst/>
+          </a:prstGeom>
+          <a:noFill/>
+          <a:extLst>
+            <a:ext uri="{909E8E84-426E-40DD-AFC4-6F175D3DCCD1}">
+              <a14:hiddenFill xmlns:a14="http://schemas.microsoft.com/office/drawing/2010/main">
+                <a:solidFill>
+                  <a:srgbClr val="FFFFFF"/>
+                </a:solidFill>
+              </a14:hiddenFill>
+            </a:ext>
+          </a:extLst>
+        </p:spPr>
+      </p:pic>
+      <p:sp>
+        <p:nvSpPr>
+          <p:cNvPr id="6" name="Rectangle 6"/>
+          <p:cNvSpPr>
+            <a:spLocks noChangeArrowheads="1"/>
+          </p:cNvSpPr>
+          <p:nvPr/>
+        </p:nvSpPr>
+        <p:spPr bwMode="auto">
+          <a:xfrm>
+            <a:off x="389965" y="3263713"/>
+            <a:ext cx="12192000" cy="0"/>
+          </a:xfrm>
+          <a:prstGeom prst="rect">
+            <a:avLst/>
+          </a:prstGeom>
+          <a:noFill/>
+          <a:ln>
+            <a:noFill/>
+          </a:ln>
+          <a:effectLst/>
+          <a:extLst>
+            <a:ext uri="{909E8E84-426E-40DD-AFC4-6F175D3DCCD1}">
+              <a14:hiddenFill xmlns:a14="http://schemas.microsoft.com/office/drawing/2010/main">
+                <a:solidFill>
+                  <a:schemeClr val="accent1"/>
+                </a:solidFill>
+              </a14:hiddenFill>
+            </a:ext>
+            <a:ext uri="{91240B29-F687-4F45-9708-019B960494DF}">
+              <a14:hiddenLine xmlns:a14="http://schemas.microsoft.com/office/drawing/2010/main" w="9525">
+                <a:solidFill>
+                  <a:schemeClr val="tx1"/>
+                </a:solidFill>
+                <a:miter lim="800000"/>
+                <a:headEnd/>
+                <a:tailEnd/>
+              </a14:hiddenLine>
+            </a:ext>
+            <a:ext uri="{AF507438-7753-43E0-B8FC-AC1667EBCBE1}">
+              <a14:hiddenEffects xmlns:a14="http://schemas.microsoft.com/office/drawing/2010/main">
+                <a:effectLst>
+                  <a:outerShdw dist="35921" dir="2700000" algn="ctr" rotWithShape="0">
+                    <a:schemeClr val="bg2"/>
+                  </a:outerShdw>
+                </a:effectLst>
+              </a14:hiddenEffects>
+            </a:ext>
+          </a:extLst>
+        </p:spPr>
+        <p:txBody>
+          <a:bodyPr vert="horz" wrap="none" lIns="91440" tIns="45720" rIns="91440" bIns="45720" numCol="1" anchor="ctr" anchorCtr="0" compatLnSpc="1">
+            <a:prstTxWarp prst="textNoShape">
+              <a:avLst/>
+            </a:prstTxWarp>
+            <a:spAutoFit/>
+          </a:bodyPr>
+          <a:lstStyle/>
+          <a:p>
+            <a:endParaRPr lang="en-US"/>
           </a:p>
         </p:txBody>
       </p:sp>
     </p:spTree>
     <p:extLst>
       <p:ext uri="{BB962C8B-B14F-4D97-AF65-F5344CB8AC3E}">
-        <p14:creationId xmlns:p14="http://schemas.microsoft.com/office/powerpoint/2010/main" val="612767795"/>
+        <p14:creationId xmlns:p14="http://schemas.microsoft.com/office/powerpoint/2010/main" val="470968171"/>
       </p:ext>
     </p:extLst>
   </p:cSld>
@@ -10456,7 +8754,7 @@
 </p:sld>
 </file>
 
-<file path=ppt/slides/slide18.xml><?xml version="1.0" encoding="utf-8"?>
+<file path=ppt/slides/slide14.xml><?xml version="1.0" encoding="utf-8"?>
 <p:sld xmlns:a="http://schemas.openxmlformats.org/drawingml/2006/main" xmlns:r="http://schemas.openxmlformats.org/officeDocument/2006/relationships" xmlns:p="http://schemas.openxmlformats.org/presentationml/2006/main">
   <p:cSld>
     <p:spTree>
@@ -10475,349 +8773,112 @@
       </p:grpSpPr>
       <p:sp>
         <p:nvSpPr>
-          <p:cNvPr id="2" name="Título 1"/>
+          <p:cNvPr id="3" name="Título 2"/>
           <p:cNvSpPr>
             <a:spLocks noGrp="1"/>
           </p:cNvSpPr>
           <p:nvPr>
             <p:ph type="title"/>
+          </p:nvPr>
+        </p:nvSpPr>
+        <p:spPr/>
+        <p:txBody>
+          <a:bodyPr/>
+          <a:lstStyle/>
+          <a:p>
+            <a:r>
+              <a:rPr lang="es-NI" b="1" dirty="0"/>
+              <a:t>Conclusiones</a:t>
+            </a:r>
+            <a:r>
+              <a:rPr lang="es-NI" dirty="0"/>
+              <a:t> </a:t>
+            </a:r>
+            <a:endParaRPr lang="en-US" dirty="0"/>
+          </a:p>
+        </p:txBody>
+      </p:sp>
+      <p:sp>
+        <p:nvSpPr>
+          <p:cNvPr id="4" name="Marcador de contenido 3"/>
+          <p:cNvSpPr>
+            <a:spLocks noGrp="1"/>
+          </p:cNvSpPr>
+          <p:nvPr>
+            <p:ph idx="1"/>
           </p:nvPr>
         </p:nvSpPr>
         <p:spPr>
           <a:xfrm>
-            <a:off x="746760" y="574765"/>
-            <a:ext cx="10515600" cy="1325563"/>
+            <a:off x="1400492" y="1506583"/>
+            <a:ext cx="8915400" cy="3777622"/>
           </a:xfrm>
         </p:spPr>
         <p:txBody>
           <a:bodyPr>
-            <a:normAutofit fontScale="90000"/>
+            <a:normAutofit/>
           </a:bodyPr>
           <a:lstStyle/>
           <a:p>
-            <a:r>
-              <a:rPr lang="es-NI" sz="2200" dirty="0">
+            <a:pPr marL="0" indent="0">
+              <a:buNone/>
+            </a:pPr>
+            <a:r>
+              <a:rPr lang="es-NI" sz="2000" dirty="0">
                 <a:latin typeface="Arial" panose="020B0604020202020204" pitchFamily="34" charset="0"/>
                 <a:cs typeface="Arial" panose="020B0604020202020204" pitchFamily="34" charset="0"/>
               </a:rPr>
-              <a:t>Ejemplo:</a:t>
-            </a:r>
-            <a:br>
-              <a:rPr lang="es-NI" sz="2200" dirty="0">
+              <a:t>Concluimos que el sistema de registro de notas fue una excelente experiencia y un buen desafío para nuestros </a:t>
+            </a:r>
+            <a:r>
+              <a:rPr lang="es-NI" sz="2000" dirty="0" smtClean="0">
                 <a:latin typeface="Arial" panose="020B0604020202020204" pitchFamily="34" charset="0"/>
                 <a:cs typeface="Arial" panose="020B0604020202020204" pitchFamily="34" charset="0"/>
               </a:rPr>
-            </a:br>
-            <a:r>
-              <a:rPr lang="es-NI" sz="2200" dirty="0">
+              <a:t>límites</a:t>
+            </a:r>
+          </a:p>
+          <a:p>
+            <a:pPr marL="0" indent="0">
+              <a:buNone/>
+            </a:pPr>
+            <a:endParaRPr lang="es-NI" sz="2000" dirty="0" smtClean="0">
+              <a:latin typeface="Arial" panose="020B0604020202020204" pitchFamily="34" charset="0"/>
+              <a:cs typeface="Arial" panose="020B0604020202020204" pitchFamily="34" charset="0"/>
+            </a:endParaRPr>
+          </a:p>
+          <a:p>
+            <a:pPr marL="0" indent="0">
+              <a:buNone/>
+            </a:pPr>
+            <a:r>
+              <a:rPr lang="es-NI" sz="2000" dirty="0">
                 <a:latin typeface="Arial" panose="020B0604020202020204" pitchFamily="34" charset="0"/>
                 <a:cs typeface="Arial" panose="020B0604020202020204" pitchFamily="34" charset="0"/>
               </a:rPr>
-              <a:t>&lt;</a:t>
-            </a:r>
-            <a:r>
-              <a:rPr lang="es-NI" sz="2200" dirty="0" err="1">
-                <a:latin typeface="Arial" panose="020B0604020202020204" pitchFamily="34" charset="0"/>
-                <a:cs typeface="Arial" panose="020B0604020202020204" pitchFamily="34" charset="0"/>
-              </a:rPr>
-              <a:t>body</a:t>
-            </a:r>
-            <a:r>
-              <a:rPr lang="es-NI" sz="2200" dirty="0">
-                <a:latin typeface="Arial" panose="020B0604020202020204" pitchFamily="34" charset="0"/>
-                <a:cs typeface="Arial" panose="020B0604020202020204" pitchFamily="34" charset="0"/>
-              </a:rPr>
-              <a:t> </a:t>
-            </a:r>
-            <a:r>
-              <a:rPr lang="es-NI" sz="2200" dirty="0" err="1">
-                <a:latin typeface="Arial" panose="020B0604020202020204" pitchFamily="34" charset="0"/>
-                <a:cs typeface="Arial" panose="020B0604020202020204" pitchFamily="34" charset="0"/>
-              </a:rPr>
-              <a:t>background</a:t>
-            </a:r>
-            <a:r>
-              <a:rPr lang="es-NI" sz="2200" dirty="0">
-                <a:latin typeface="Arial" panose="020B0604020202020204" pitchFamily="34" charset="0"/>
-                <a:cs typeface="Arial" panose="020B0604020202020204" pitchFamily="34" charset="0"/>
-              </a:rPr>
-              <a:t>="/documentos/</a:t>
-            </a:r>
-            <a:r>
-              <a:rPr lang="es-NI" sz="2200" dirty="0" err="1">
-                <a:latin typeface="Arial" panose="020B0604020202020204" pitchFamily="34" charset="0"/>
-                <a:cs typeface="Arial" panose="020B0604020202020204" pitchFamily="34" charset="0"/>
-              </a:rPr>
-              <a:t>html</a:t>
-            </a:r>
-            <a:r>
-              <a:rPr lang="es-NI" sz="2200" dirty="0">
-                <a:latin typeface="Arial" panose="020B0604020202020204" pitchFamily="34" charset="0"/>
-                <a:cs typeface="Arial" panose="020B0604020202020204" pitchFamily="34" charset="0"/>
-              </a:rPr>
-              <a:t>/</a:t>
-            </a:r>
-            <a:r>
-              <a:rPr lang="es-NI" sz="2200" dirty="0" err="1">
-                <a:latin typeface="Arial" panose="020B0604020202020204" pitchFamily="34" charset="0"/>
-                <a:cs typeface="Arial" panose="020B0604020202020204" pitchFamily="34" charset="0"/>
-              </a:rPr>
-              <a:t>gifs</a:t>
-            </a:r>
-            <a:r>
-              <a:rPr lang="es-NI" sz="2200" dirty="0">
-                <a:latin typeface="Arial" panose="020B0604020202020204" pitchFamily="34" charset="0"/>
-                <a:cs typeface="Arial" panose="020B0604020202020204" pitchFamily="34" charset="0"/>
-              </a:rPr>
-              <a:t>/ "&gt;</a:t>
-            </a:r>
-            <a:r>
-              <a:rPr lang="en-US" sz="2200" dirty="0">
-                <a:latin typeface="Arial" panose="020B0604020202020204" pitchFamily="34" charset="0"/>
-                <a:cs typeface="Arial" panose="020B0604020202020204" pitchFamily="34" charset="0"/>
-              </a:rPr>
-              <a:t/>
-            </a:r>
-            <a:br>
-              <a:rPr lang="en-US" sz="2200" dirty="0">
-                <a:latin typeface="Arial" panose="020B0604020202020204" pitchFamily="34" charset="0"/>
-                <a:cs typeface="Arial" panose="020B0604020202020204" pitchFamily="34" charset="0"/>
-              </a:rPr>
-            </a:br>
-            <a:r>
-              <a:rPr lang="es-NI" sz="2200" dirty="0">
-                <a:latin typeface="Arial" panose="020B0604020202020204" pitchFamily="34" charset="0"/>
-                <a:cs typeface="Arial" panose="020B0604020202020204" pitchFamily="34" charset="0"/>
-              </a:rPr>
-              <a:t>Con esto lograremos que la imagen aparezca como fondo en nuestra página. </a:t>
-            </a:r>
-            <a:r>
-              <a:rPr lang="es-ES" sz="2200" dirty="0">
-                <a:latin typeface="Arial" panose="020B0604020202020204" pitchFamily="34" charset="0"/>
-                <a:cs typeface="Arial" panose="020B0604020202020204" pitchFamily="34" charset="0"/>
-              </a:rPr>
-              <a:t>(Wikipedia, HTML)</a:t>
-            </a:r>
-            <a:r>
-              <a:rPr lang="en-US" sz="2200" dirty="0">
-                <a:latin typeface="Arial" panose="020B0604020202020204" pitchFamily="34" charset="0"/>
-                <a:cs typeface="Arial" panose="020B0604020202020204" pitchFamily="34" charset="0"/>
-              </a:rPr>
-              <a:t/>
-            </a:r>
-            <a:br>
-              <a:rPr lang="en-US" sz="2200" dirty="0">
-                <a:latin typeface="Arial" panose="020B0604020202020204" pitchFamily="34" charset="0"/>
-                <a:cs typeface="Arial" panose="020B0604020202020204" pitchFamily="34" charset="0"/>
-              </a:rPr>
-            </a:br>
-            <a:r>
-              <a:rPr lang="es-NI" sz="2200" b="1" u="sng" dirty="0">
-                <a:latin typeface="Arial" panose="020B0604020202020204" pitchFamily="34" charset="0"/>
-                <a:cs typeface="Arial" panose="020B0604020202020204" pitchFamily="34" charset="0"/>
-              </a:rPr>
-              <a:t>Como insertar una imagen</a:t>
-            </a:r>
-            <a:r>
-              <a:rPr lang="en-US" sz="2200" b="1" dirty="0">
-                <a:latin typeface="Arial" panose="020B0604020202020204" pitchFamily="34" charset="0"/>
-                <a:cs typeface="Arial" panose="020B0604020202020204" pitchFamily="34" charset="0"/>
-              </a:rPr>
-              <a:t/>
-            </a:r>
-            <a:br>
-              <a:rPr lang="en-US" sz="2200" b="1" dirty="0">
-                <a:latin typeface="Arial" panose="020B0604020202020204" pitchFamily="34" charset="0"/>
-                <a:cs typeface="Arial" panose="020B0604020202020204" pitchFamily="34" charset="0"/>
-              </a:rPr>
-            </a:br>
-            <a:r>
-              <a:rPr lang="es-NI" sz="2200" dirty="0">
-                <a:latin typeface="Arial" panose="020B0604020202020204" pitchFamily="34" charset="0"/>
-                <a:cs typeface="Arial" panose="020B0604020202020204" pitchFamily="34" charset="0"/>
-              </a:rPr>
-              <a:t>A la hora de crear una página Web podemos introducir </a:t>
-            </a:r>
-            <a:r>
-              <a:rPr lang="es-NI" sz="2200" dirty="0">
-                <a:latin typeface="Arial" panose="020B0604020202020204" pitchFamily="34" charset="0"/>
-                <a:cs typeface="Arial" panose="020B0604020202020204" pitchFamily="34" charset="0"/>
-                <a:hlinkClick r:id="rId2"/>
-              </a:rPr>
-              <a:t>gráficos</a:t>
-            </a:r>
-            <a:r>
-              <a:rPr lang="es-NI" sz="2200" dirty="0">
-                <a:latin typeface="Arial" panose="020B0604020202020204" pitchFamily="34" charset="0"/>
-                <a:cs typeface="Arial" panose="020B0604020202020204" pitchFamily="34" charset="0"/>
-              </a:rPr>
-              <a:t> de forma muy sencilla, sólo hay que tener en cuenta que las imágenes deben tener formato </a:t>
-            </a:r>
-            <a:r>
-              <a:rPr lang="es-NI" sz="2200" dirty="0" err="1">
-                <a:latin typeface="Arial" panose="020B0604020202020204" pitchFamily="34" charset="0"/>
-                <a:cs typeface="Arial" panose="020B0604020202020204" pitchFamily="34" charset="0"/>
-              </a:rPr>
-              <a:t>Gif</a:t>
-            </a:r>
-            <a:r>
-              <a:rPr lang="es-NI" sz="2200" dirty="0">
-                <a:latin typeface="Arial" panose="020B0604020202020204" pitchFamily="34" charset="0"/>
-                <a:cs typeface="Arial" panose="020B0604020202020204" pitchFamily="34" charset="0"/>
-              </a:rPr>
-              <a:t> o JPEG.</a:t>
-            </a:r>
-            <a:br>
-              <a:rPr lang="es-NI" sz="2200" dirty="0">
-                <a:latin typeface="Arial" panose="020B0604020202020204" pitchFamily="34" charset="0"/>
-                <a:cs typeface="Arial" panose="020B0604020202020204" pitchFamily="34" charset="0"/>
-              </a:rPr>
-            </a:br>
-            <a:r>
-              <a:rPr lang="en-US" sz="2200" dirty="0">
-                <a:latin typeface="Arial" panose="020B0604020202020204" pitchFamily="34" charset="0"/>
-                <a:cs typeface="Arial" panose="020B0604020202020204" pitchFamily="34" charset="0"/>
-              </a:rPr>
-              <a:t/>
-            </a:r>
-            <a:br>
-              <a:rPr lang="en-US" sz="2200" dirty="0">
-                <a:latin typeface="Arial" panose="020B0604020202020204" pitchFamily="34" charset="0"/>
-                <a:cs typeface="Arial" panose="020B0604020202020204" pitchFamily="34" charset="0"/>
-              </a:rPr>
-            </a:br>
-            <a:r>
-              <a:rPr lang="es-NI" sz="2200" dirty="0">
-                <a:latin typeface="Arial" panose="020B0604020202020204" pitchFamily="34" charset="0"/>
-                <a:cs typeface="Arial" panose="020B0604020202020204" pitchFamily="34" charset="0"/>
-              </a:rPr>
-              <a:t>La etiqueta utilizada para agregar imágenes a una página Web es &lt;IMG&gt; y va acompañada de un atributo fundamental "SRC", que indica la ruta donde se encuentra el archivo que contiene la imagen a insertar.</a:t>
-            </a:r>
-            <a:r>
-              <a:rPr lang="en-US" sz="2200" dirty="0">
-                <a:latin typeface="Arial" panose="020B0604020202020204" pitchFamily="34" charset="0"/>
-                <a:cs typeface="Arial" panose="020B0604020202020204" pitchFamily="34" charset="0"/>
-              </a:rPr>
-              <a:t/>
-            </a:r>
-            <a:br>
-              <a:rPr lang="en-US" sz="2200" dirty="0">
-                <a:latin typeface="Arial" panose="020B0604020202020204" pitchFamily="34" charset="0"/>
-                <a:cs typeface="Arial" panose="020B0604020202020204" pitchFamily="34" charset="0"/>
-              </a:rPr>
-            </a:br>
-            <a:r>
-              <a:rPr lang="es-NI" sz="2200" dirty="0">
-                <a:latin typeface="Arial" panose="020B0604020202020204" pitchFamily="34" charset="0"/>
-                <a:cs typeface="Arial" panose="020B0604020202020204" pitchFamily="34" charset="0"/>
-              </a:rPr>
-              <a:t>Es decir:</a:t>
-            </a:r>
-            <a:r>
-              <a:rPr lang="en-US" sz="2200" dirty="0">
-                <a:latin typeface="Arial" panose="020B0604020202020204" pitchFamily="34" charset="0"/>
-                <a:cs typeface="Arial" panose="020B0604020202020204" pitchFamily="34" charset="0"/>
-              </a:rPr>
-              <a:t/>
-            </a:r>
-            <a:br>
-              <a:rPr lang="en-US" sz="2200" dirty="0">
-                <a:latin typeface="Arial" panose="020B0604020202020204" pitchFamily="34" charset="0"/>
-                <a:cs typeface="Arial" panose="020B0604020202020204" pitchFamily="34" charset="0"/>
-              </a:rPr>
-            </a:br>
-            <a:r>
-              <a:rPr lang="es-NI" sz="2200" dirty="0">
-                <a:latin typeface="Arial" panose="020B0604020202020204" pitchFamily="34" charset="0"/>
-                <a:cs typeface="Arial" panose="020B0604020202020204" pitchFamily="34" charset="0"/>
-              </a:rPr>
-              <a:t/>
-            </a:r>
-            <a:br>
-              <a:rPr lang="es-NI" sz="2200" dirty="0">
-                <a:latin typeface="Arial" panose="020B0604020202020204" pitchFamily="34" charset="0"/>
-                <a:cs typeface="Arial" panose="020B0604020202020204" pitchFamily="34" charset="0"/>
-              </a:rPr>
-            </a:br>
-            <a:r>
-              <a:rPr lang="es-NI" sz="2200" dirty="0">
-                <a:latin typeface="Arial" panose="020B0604020202020204" pitchFamily="34" charset="0"/>
-                <a:cs typeface="Arial" panose="020B0604020202020204" pitchFamily="34" charset="0"/>
-              </a:rPr>
-              <a:t>&lt;IMG SRC="lugar donde guardo la imagen"&gt;</a:t>
-            </a:r>
-            <a:r>
-              <a:rPr lang="en-US" sz="2200" dirty="0">
-                <a:latin typeface="Arial" panose="020B0604020202020204" pitchFamily="34" charset="0"/>
-                <a:cs typeface="Arial" panose="020B0604020202020204" pitchFamily="34" charset="0"/>
-              </a:rPr>
-              <a:t/>
-            </a:r>
-            <a:br>
-              <a:rPr lang="en-US" sz="2200" dirty="0">
-                <a:latin typeface="Arial" panose="020B0604020202020204" pitchFamily="34" charset="0"/>
-                <a:cs typeface="Arial" panose="020B0604020202020204" pitchFamily="34" charset="0"/>
-              </a:rPr>
-            </a:br>
-            <a:r>
-              <a:rPr lang="es-NI" sz="2200" dirty="0">
-                <a:latin typeface="Arial" panose="020B0604020202020204" pitchFamily="34" charset="0"/>
-                <a:cs typeface="Arial" panose="020B0604020202020204" pitchFamily="34" charset="0"/>
-              </a:rPr>
-              <a:t>Supongamos que tenemos la imagen https://cms.protestantedigital.com/upload/imagenes/55e592c1af82f_noname.jpeg, que está presente en el mismo directorio en donde está la página y que la queremos insertar. La etiqueta apropiada sería:</a:t>
-            </a:r>
-            <a:r>
-              <a:rPr lang="en-US" sz="2200" dirty="0">
-                <a:latin typeface="Arial" panose="020B0604020202020204" pitchFamily="34" charset="0"/>
-                <a:cs typeface="Arial" panose="020B0604020202020204" pitchFamily="34" charset="0"/>
-              </a:rPr>
-              <a:t/>
-            </a:r>
-            <a:br>
-              <a:rPr lang="en-US" sz="2200" dirty="0">
-                <a:latin typeface="Arial" panose="020B0604020202020204" pitchFamily="34" charset="0"/>
-                <a:cs typeface="Arial" panose="020B0604020202020204" pitchFamily="34" charset="0"/>
-              </a:rPr>
-            </a:br>
-            <a:r>
-              <a:rPr lang="es-NI" sz="2000" dirty="0"/>
-              <a:t/>
-            </a:r>
-            <a:br>
-              <a:rPr lang="es-NI" sz="2000" dirty="0"/>
-            </a:br>
-            <a:r>
-              <a:rPr lang="en-US" dirty="0"/>
-              <a:t/>
-            </a:r>
-            <a:br>
-              <a:rPr lang="en-US" dirty="0"/>
-            </a:br>
-            <a:endParaRPr lang="en-US" dirty="0"/>
+              <a:t>Creado el sistema en línea “SIS Universidad”, para que los docentes puedan realizar el registro de notas de los alumnos, inclusive desde su casa, en caso de no tener los medios tecnológicos</a:t>
+            </a:r>
+            <a:endParaRPr lang="en-US" sz="2000" dirty="0">
+              <a:latin typeface="Arial" panose="020B0604020202020204" pitchFamily="34" charset="0"/>
+              <a:cs typeface="Arial" panose="020B0604020202020204" pitchFamily="34" charset="0"/>
+            </a:endParaRPr>
           </a:p>
         </p:txBody>
       </p:sp>
     </p:spTree>
     <p:extLst>
       <p:ext uri="{BB962C8B-B14F-4D97-AF65-F5344CB8AC3E}">
-        <p14:creationId xmlns:p14="http://schemas.microsoft.com/office/powerpoint/2010/main" val="3679954776"/>
+        <p14:creationId xmlns:p14="http://schemas.microsoft.com/office/powerpoint/2010/main" val="1925791048"/>
       </p:ext>
     </p:extLst>
   </p:cSld>
   <p:clrMapOvr>
     <a:masterClrMapping/>
   </p:clrMapOvr>
-  <p:timing>
-    <p:tnLst>
-      <p:par>
-        <p:cTn id="1" dur="indefinite" restart="never" nodeType="tmRoot"/>
-      </p:par>
-    </p:tnLst>
-  </p:timing>
 </p:sld>
 </file>
 
-<file path=ppt/slides/slide19.xml><?xml version="1.0" encoding="utf-8"?>
+<file path=ppt/slides/slide15.xml><?xml version="1.0" encoding="utf-8"?>
 <p:sld xmlns:a="http://schemas.openxmlformats.org/drawingml/2006/main" xmlns:r="http://schemas.openxmlformats.org/officeDocument/2006/relationships" xmlns:p="http://schemas.openxmlformats.org/presentationml/2006/main">
   <p:cSld>
     <p:spTree>
@@ -10844,425 +8905,196 @@
             <p:ph type="title"/>
           </p:nvPr>
         </p:nvSpPr>
+        <p:spPr/>
+        <p:txBody>
+          <a:bodyPr/>
+          <a:lstStyle/>
+          <a:p>
+            <a:r>
+              <a:rPr lang="es-NI" b="1" dirty="0"/>
+              <a:t>Recomendaciones</a:t>
+            </a:r>
+            <a:r>
+              <a:rPr lang="en-US" b="1" dirty="0"/>
+              <a:t/>
+            </a:r>
+            <a:br>
+              <a:rPr lang="en-US" b="1" dirty="0"/>
+            </a:br>
+            <a:endParaRPr lang="en-US" dirty="0"/>
+          </a:p>
+        </p:txBody>
+      </p:sp>
+      <p:sp>
+        <p:nvSpPr>
+          <p:cNvPr id="3" name="Marcador de contenido 2"/>
+          <p:cNvSpPr>
+            <a:spLocks noGrp="1"/>
+          </p:cNvSpPr>
+          <p:nvPr>
+            <p:ph idx="1"/>
+          </p:nvPr>
+        </p:nvSpPr>
         <p:spPr>
           <a:xfrm>
-            <a:off x="851263" y="0"/>
+            <a:off x="1504995" y="1767840"/>
+            <a:ext cx="8915400" cy="4724400"/>
+          </a:xfrm>
+        </p:spPr>
+        <p:txBody>
+          <a:bodyPr>
+            <a:normAutofit/>
+          </a:bodyPr>
+          <a:lstStyle/>
+          <a:p>
+            <a:pPr marL="0" indent="0">
+              <a:buNone/>
+            </a:pPr>
+            <a:r>
+              <a:rPr lang="es-NI" dirty="0"/>
+              <a:t> </a:t>
+            </a:r>
+            <a:endParaRPr lang="en-US" sz="3200" dirty="0"/>
+          </a:p>
+          <a:p>
+            <a:pPr marL="0" indent="0">
+              <a:buNone/>
+            </a:pPr>
+            <a:r>
+              <a:rPr lang="es-NI" sz="2400" dirty="0">
+                <a:latin typeface="Arial" panose="020B0604020202020204" pitchFamily="34" charset="0"/>
+                <a:cs typeface="Arial" panose="020B0604020202020204" pitchFamily="34" charset="0"/>
+              </a:rPr>
+              <a:t>Se recomienda el uso del sistema “SIS Universidad”, para que digitalicen el registro de notas.</a:t>
+            </a:r>
+            <a:endParaRPr lang="en-US" sz="2400" dirty="0">
+              <a:latin typeface="Arial" panose="020B0604020202020204" pitchFamily="34" charset="0"/>
+              <a:cs typeface="Arial" panose="020B0604020202020204" pitchFamily="34" charset="0"/>
+            </a:endParaRPr>
+          </a:p>
+          <a:p>
+            <a:endParaRPr lang="en-US" sz="2400" dirty="0">
+              <a:latin typeface="Arial" panose="020B0604020202020204" pitchFamily="34" charset="0"/>
+              <a:cs typeface="Arial" panose="020B0604020202020204" pitchFamily="34" charset="0"/>
+            </a:endParaRPr>
+          </a:p>
+          <a:p>
+            <a:pPr marL="0" indent="0">
+              <a:buNone/>
+            </a:pPr>
+            <a:r>
+              <a:rPr lang="es-NI" sz="2400" dirty="0">
+                <a:latin typeface="Arial" panose="020B0604020202020204" pitchFamily="34" charset="0"/>
+                <a:cs typeface="Arial" panose="020B0604020202020204" pitchFamily="34" charset="0"/>
+              </a:rPr>
+              <a:t>Capacitar a docente en el correcto uso del sistema, para que se garantice el ingreso íntegro de los datos.</a:t>
+            </a:r>
+            <a:endParaRPr lang="en-US" sz="2400" dirty="0">
+              <a:latin typeface="Arial" panose="020B0604020202020204" pitchFamily="34" charset="0"/>
+              <a:cs typeface="Arial" panose="020B0604020202020204" pitchFamily="34" charset="0"/>
+            </a:endParaRPr>
+          </a:p>
+          <a:p>
+            <a:endParaRPr lang="en-US" sz="2400" dirty="0">
+              <a:latin typeface="Arial" panose="020B0604020202020204" pitchFamily="34" charset="0"/>
+              <a:cs typeface="Arial" panose="020B0604020202020204" pitchFamily="34" charset="0"/>
+            </a:endParaRPr>
+          </a:p>
+          <a:p>
+            <a:pPr marL="0" indent="0">
+              <a:buNone/>
+            </a:pPr>
+            <a:r>
+              <a:rPr lang="es-NI" sz="2400" dirty="0">
+                <a:latin typeface="Arial" panose="020B0604020202020204" pitchFamily="34" charset="0"/>
+                <a:cs typeface="Arial" panose="020B0604020202020204" pitchFamily="34" charset="0"/>
+              </a:rPr>
+              <a:t>Establecer respaldo de información digital de la base de datos del sistema periódicamente.</a:t>
+            </a:r>
+            <a:endParaRPr lang="en-US" sz="2400" dirty="0">
+              <a:latin typeface="Arial" panose="020B0604020202020204" pitchFamily="34" charset="0"/>
+              <a:cs typeface="Arial" panose="020B0604020202020204" pitchFamily="34" charset="0"/>
+            </a:endParaRPr>
+          </a:p>
+          <a:p>
+            <a:pPr marL="0" indent="0">
+              <a:buNone/>
+            </a:pPr>
+            <a:r>
+              <a:rPr lang="es-NI" sz="3200" dirty="0"/>
+              <a:t> </a:t>
+            </a:r>
+            <a:endParaRPr lang="en-US" sz="3200" dirty="0"/>
+          </a:p>
+          <a:p>
+            <a:endParaRPr lang="en-US" dirty="0"/>
+          </a:p>
+        </p:txBody>
+      </p:sp>
+    </p:spTree>
+    <p:extLst>
+      <p:ext uri="{BB962C8B-B14F-4D97-AF65-F5344CB8AC3E}">
+        <p14:creationId xmlns:p14="http://schemas.microsoft.com/office/powerpoint/2010/main" val="3463648447"/>
+      </p:ext>
+    </p:extLst>
+  </p:cSld>
+  <p:clrMapOvr>
+    <a:masterClrMapping/>
+  </p:clrMapOvr>
+</p:sld>
+</file>
+
+<file path=ppt/slides/slide16.xml><?xml version="1.0" encoding="utf-8"?>
+<p:sld xmlns:a="http://schemas.openxmlformats.org/drawingml/2006/main" xmlns:r="http://schemas.openxmlformats.org/officeDocument/2006/relationships" xmlns:p="http://schemas.openxmlformats.org/presentationml/2006/main">
+  <p:cSld>
+    <p:spTree>
+      <p:nvGrpSpPr>
+        <p:cNvPr id="1" name=""/>
+        <p:cNvGrpSpPr/>
+        <p:nvPr/>
+      </p:nvGrpSpPr>
+      <p:grpSpPr>
+        <a:xfrm>
+          <a:off x="0" y="0"/>
+          <a:ext cx="0" cy="0"/>
+          <a:chOff x="0" y="0"/>
+          <a:chExt cx="0" cy="0"/>
+        </a:xfrm>
+      </p:grpSpPr>
+      <p:sp>
+        <p:nvSpPr>
+          <p:cNvPr id="2" name="Título 1"/>
+          <p:cNvSpPr>
+            <a:spLocks noGrp="1"/>
+          </p:cNvSpPr>
+          <p:nvPr>
+            <p:ph type="title"/>
+          </p:nvPr>
+        </p:nvSpPr>
+        <p:spPr>
+          <a:xfrm>
+            <a:off x="1491343" y="2703377"/>
             <a:ext cx="10515600" cy="1325563"/>
           </a:xfrm>
         </p:spPr>
         <p:txBody>
           <a:bodyPr>
-            <a:noAutofit/>
+            <a:normAutofit fontScale="90000"/>
           </a:bodyPr>
           <a:lstStyle/>
           <a:p>
             <a:r>
-              <a:rPr lang="es-NI" sz="2000" dirty="0" smtClean="0">
-                <a:latin typeface="Arial" panose="020B0604020202020204" pitchFamily="34" charset="0"/>
-                <a:cs typeface="Arial" panose="020B0604020202020204" pitchFamily="34" charset="0"/>
-              </a:rPr>
-              <a:t/>
-            </a:r>
-            <a:br>
-              <a:rPr lang="es-NI" sz="2000" dirty="0" smtClean="0">
-                <a:latin typeface="Arial" panose="020B0604020202020204" pitchFamily="34" charset="0"/>
-                <a:cs typeface="Arial" panose="020B0604020202020204" pitchFamily="34" charset="0"/>
-              </a:rPr>
-            </a:br>
-            <a:r>
-              <a:rPr lang="es-NI" sz="2000" dirty="0" smtClean="0">
-                <a:latin typeface="Arial" panose="020B0604020202020204" pitchFamily="34" charset="0"/>
-                <a:cs typeface="Arial" panose="020B0604020202020204" pitchFamily="34" charset="0"/>
-              </a:rPr>
-              <a:t>El </a:t>
-            </a:r>
-            <a:r>
-              <a:rPr lang="es-NI" sz="2000" dirty="0">
-                <a:latin typeface="Arial" panose="020B0604020202020204" pitchFamily="34" charset="0"/>
-                <a:cs typeface="Arial" panose="020B0604020202020204" pitchFamily="34" charset="0"/>
-              </a:rPr>
-              <a:t>lenguaje de HTML abrió una puerta al mundo permitiéndoles a las personas expresar sus ideas por medio de páginas y mostrárselas a todas las personas de todos los países. </a:t>
-            </a:r>
-            <a:r>
-              <a:rPr lang="es-ES" sz="2000" dirty="0">
-                <a:latin typeface="Arial" panose="020B0604020202020204" pitchFamily="34" charset="0"/>
-                <a:cs typeface="Arial" panose="020B0604020202020204" pitchFamily="34" charset="0"/>
-              </a:rPr>
-              <a:t>(Wikipedia, HTML)</a:t>
-            </a:r>
-            <a:r>
-              <a:rPr lang="en-US" sz="2000" dirty="0">
-                <a:latin typeface="Arial" panose="020B0604020202020204" pitchFamily="34" charset="0"/>
-                <a:cs typeface="Arial" panose="020B0604020202020204" pitchFamily="34" charset="0"/>
-              </a:rPr>
-              <a:t/>
-            </a:r>
-            <a:br>
-              <a:rPr lang="en-US" sz="2000" dirty="0">
-                <a:latin typeface="Arial" panose="020B0604020202020204" pitchFamily="34" charset="0"/>
-                <a:cs typeface="Arial" panose="020B0604020202020204" pitchFamily="34" charset="0"/>
-              </a:rPr>
-            </a:br>
-            <a:r>
-              <a:rPr lang="es-NI" sz="2000" dirty="0">
-                <a:latin typeface="Arial" panose="020B0604020202020204" pitchFamily="34" charset="0"/>
-                <a:cs typeface="Arial" panose="020B0604020202020204" pitchFamily="34" charset="0"/>
-              </a:rPr>
-              <a:t> </a:t>
-            </a:r>
-            <a:r>
-              <a:rPr lang="en-US" sz="2000" dirty="0">
-                <a:latin typeface="Arial" panose="020B0604020202020204" pitchFamily="34" charset="0"/>
-                <a:cs typeface="Arial" panose="020B0604020202020204" pitchFamily="34" charset="0"/>
-              </a:rPr>
-              <a:t/>
-            </a:r>
-            <a:br>
-              <a:rPr lang="en-US" sz="2000" dirty="0">
-                <a:latin typeface="Arial" panose="020B0604020202020204" pitchFamily="34" charset="0"/>
-                <a:cs typeface="Arial" panose="020B0604020202020204" pitchFamily="34" charset="0"/>
-              </a:rPr>
-            </a:br>
-            <a:r>
-              <a:rPr lang="es-NI" sz="2000" dirty="0">
-                <a:latin typeface="Arial" panose="020B0604020202020204" pitchFamily="34" charset="0"/>
-                <a:cs typeface="Arial" panose="020B0604020202020204" pitchFamily="34" charset="0"/>
-              </a:rPr>
-              <a:t>Con el HTML se logró un gran </a:t>
-            </a:r>
-            <a:r>
-              <a:rPr lang="es-NI" sz="2000" dirty="0">
-                <a:latin typeface="Arial" panose="020B0604020202020204" pitchFamily="34" charset="0"/>
-                <a:cs typeface="Arial" panose="020B0604020202020204" pitchFamily="34" charset="0"/>
-                <a:hlinkClick r:id="rId2"/>
-              </a:rPr>
-              <a:t>movimiento</a:t>
-            </a:r>
-            <a:r>
-              <a:rPr lang="es-NI" sz="2000" dirty="0">
-                <a:latin typeface="Arial" panose="020B0604020202020204" pitchFamily="34" charset="0"/>
-                <a:cs typeface="Arial" panose="020B0604020202020204" pitchFamily="34" charset="0"/>
-              </a:rPr>
-              <a:t> económico ya que muchísimas </a:t>
-            </a:r>
-            <a:r>
-              <a:rPr lang="es-NI" sz="2000" dirty="0">
-                <a:latin typeface="Arial" panose="020B0604020202020204" pitchFamily="34" charset="0"/>
-                <a:cs typeface="Arial" panose="020B0604020202020204" pitchFamily="34" charset="0"/>
-                <a:hlinkClick r:id="rId3"/>
-              </a:rPr>
-              <a:t>empresas</a:t>
-            </a:r>
-            <a:r>
-              <a:rPr lang="es-NI" sz="2000" dirty="0">
-                <a:latin typeface="Arial" panose="020B0604020202020204" pitchFamily="34" charset="0"/>
-                <a:cs typeface="Arial" panose="020B0604020202020204" pitchFamily="34" charset="0"/>
-              </a:rPr>
-              <a:t> publican, venden, y ofrecen sus </a:t>
-            </a:r>
-            <a:r>
-              <a:rPr lang="es-NI" sz="2000" dirty="0">
-                <a:latin typeface="Arial" panose="020B0604020202020204" pitchFamily="34" charset="0"/>
-                <a:cs typeface="Arial" panose="020B0604020202020204" pitchFamily="34" charset="0"/>
-                <a:hlinkClick r:id="rId4"/>
-              </a:rPr>
-              <a:t>productos</a:t>
-            </a:r>
-            <a:r>
-              <a:rPr lang="es-NI" sz="2000" dirty="0">
-                <a:latin typeface="Arial" panose="020B0604020202020204" pitchFamily="34" charset="0"/>
-                <a:cs typeface="Arial" panose="020B0604020202020204" pitchFamily="34" charset="0"/>
-              </a:rPr>
-              <a:t>, sus </a:t>
-            </a:r>
-            <a:r>
-              <a:rPr lang="es-NI" sz="2000" dirty="0">
-                <a:latin typeface="Arial" panose="020B0604020202020204" pitchFamily="34" charset="0"/>
-                <a:cs typeface="Arial" panose="020B0604020202020204" pitchFamily="34" charset="0"/>
-                <a:hlinkClick r:id="rId5"/>
-              </a:rPr>
-              <a:t>servicios</a:t>
-            </a:r>
-            <a:r>
-              <a:rPr lang="es-NI" sz="2000" dirty="0">
-                <a:latin typeface="Arial" panose="020B0604020202020204" pitchFamily="34" charset="0"/>
-                <a:cs typeface="Arial" panose="020B0604020202020204" pitchFamily="34" charset="0"/>
-              </a:rPr>
-              <a:t> y sus ofertas atrayendo a mayor cantidad de personas. </a:t>
-            </a:r>
-            <a:r>
-              <a:rPr lang="es-NI" sz="2000" dirty="0" smtClean="0">
-                <a:latin typeface="Arial" panose="020B0604020202020204" pitchFamily="34" charset="0"/>
-                <a:cs typeface="Arial" panose="020B0604020202020204" pitchFamily="34" charset="0"/>
-              </a:rPr>
-              <a:t/>
-            </a:r>
-            <a:br>
-              <a:rPr lang="es-NI" sz="2000" dirty="0" smtClean="0">
-                <a:latin typeface="Arial" panose="020B0604020202020204" pitchFamily="34" charset="0"/>
-                <a:cs typeface="Arial" panose="020B0604020202020204" pitchFamily="34" charset="0"/>
-              </a:rPr>
-            </a:br>
-            <a:r>
-              <a:rPr lang="es-NI" sz="2000" dirty="0">
-                <a:latin typeface="Arial" panose="020B0604020202020204" pitchFamily="34" charset="0"/>
-                <a:cs typeface="Arial" panose="020B0604020202020204" pitchFamily="34" charset="0"/>
-              </a:rPr>
-              <a:t> </a:t>
-            </a:r>
-            <a:r>
-              <a:rPr lang="en-US" sz="2000" dirty="0">
-                <a:latin typeface="Arial" panose="020B0604020202020204" pitchFamily="34" charset="0"/>
-                <a:cs typeface="Arial" panose="020B0604020202020204" pitchFamily="34" charset="0"/>
-              </a:rPr>
-              <a:t/>
-            </a:r>
-            <a:br>
-              <a:rPr lang="en-US" sz="2000" dirty="0">
-                <a:latin typeface="Arial" panose="020B0604020202020204" pitchFamily="34" charset="0"/>
-                <a:cs typeface="Arial" panose="020B0604020202020204" pitchFamily="34" charset="0"/>
-              </a:rPr>
-            </a:br>
-            <a:r>
-              <a:rPr lang="es-NI" sz="2000" dirty="0">
-                <a:latin typeface="Arial" panose="020B0604020202020204" pitchFamily="34" charset="0"/>
-                <a:cs typeface="Arial" panose="020B0604020202020204" pitchFamily="34" charset="0"/>
-              </a:rPr>
-              <a:t>Infinitas son las posibilidades que te brindan las páginas WEB ya que no solo te dan la posibilidad de pasar el </a:t>
-            </a:r>
-            <a:r>
-              <a:rPr lang="es-NI" sz="2000" dirty="0">
-                <a:latin typeface="Arial" panose="020B0604020202020204" pitchFamily="34" charset="0"/>
-                <a:cs typeface="Arial" panose="020B0604020202020204" pitchFamily="34" charset="0"/>
-                <a:hlinkClick r:id="rId6"/>
-              </a:rPr>
-              <a:t>tiempo</a:t>
-            </a:r>
-            <a:r>
-              <a:rPr lang="es-NI" sz="2000" dirty="0">
-                <a:latin typeface="Arial" panose="020B0604020202020204" pitchFamily="34" charset="0"/>
-                <a:cs typeface="Arial" panose="020B0604020202020204" pitchFamily="34" charset="0"/>
-              </a:rPr>
-              <a:t> navegando, sino que también hasta se puede comprar un auto por </a:t>
-            </a:r>
-            <a:r>
-              <a:rPr lang="es-NI" sz="2000" dirty="0" smtClean="0">
-                <a:latin typeface="Arial" panose="020B0604020202020204" pitchFamily="34" charset="0"/>
-                <a:cs typeface="Arial" panose="020B0604020202020204" pitchFamily="34" charset="0"/>
-              </a:rPr>
-              <a:t>Internet.</a:t>
-            </a:r>
-            <a:r>
-              <a:rPr lang="en-US" sz="2000" dirty="0">
-                <a:latin typeface="Arial" panose="020B0604020202020204" pitchFamily="34" charset="0"/>
-                <a:cs typeface="Arial" panose="020B0604020202020204" pitchFamily="34" charset="0"/>
-              </a:rPr>
-              <a:t/>
-            </a:r>
-            <a:br>
-              <a:rPr lang="en-US" sz="2000" dirty="0">
-                <a:latin typeface="Arial" panose="020B0604020202020204" pitchFamily="34" charset="0"/>
-                <a:cs typeface="Arial" panose="020B0604020202020204" pitchFamily="34" charset="0"/>
-              </a:rPr>
-            </a:br>
-            <a:r>
-              <a:rPr lang="es-NI" sz="2000" dirty="0">
-                <a:latin typeface="Arial" panose="020B0604020202020204" pitchFamily="34" charset="0"/>
-                <a:cs typeface="Arial" panose="020B0604020202020204" pitchFamily="34" charset="0"/>
-              </a:rPr>
-              <a:t/>
-            </a:r>
-            <a:br>
-              <a:rPr lang="es-NI" sz="2000" dirty="0">
-                <a:latin typeface="Arial" panose="020B0604020202020204" pitchFamily="34" charset="0"/>
-                <a:cs typeface="Arial" panose="020B0604020202020204" pitchFamily="34" charset="0"/>
-              </a:rPr>
-            </a:br>
-            <a:r>
-              <a:rPr lang="es-NI" sz="2000" dirty="0">
-                <a:latin typeface="Arial" panose="020B0604020202020204" pitchFamily="34" charset="0"/>
-                <a:cs typeface="Arial" panose="020B0604020202020204" pitchFamily="34" charset="0"/>
-              </a:rPr>
-              <a:t>Todo </a:t>
-            </a:r>
-            <a:r>
-              <a:rPr lang="es-NI" sz="2000" dirty="0">
-                <a:latin typeface="Arial" panose="020B0604020202020204" pitchFamily="34" charset="0"/>
-                <a:cs typeface="Arial" panose="020B0604020202020204" pitchFamily="34" charset="0"/>
-                <a:hlinkClick r:id="rId7"/>
-              </a:rPr>
-              <a:t>el universo</a:t>
-            </a:r>
-            <a:r>
-              <a:rPr lang="es-NI" sz="2000" dirty="0">
-                <a:latin typeface="Arial" panose="020B0604020202020204" pitchFamily="34" charset="0"/>
-                <a:cs typeface="Arial" panose="020B0604020202020204" pitchFamily="34" charset="0"/>
-              </a:rPr>
-              <a:t> de Internet se lo debemos al HTML, ya que todas las páginas con las que se compone la </a:t>
-            </a:r>
-            <a:r>
-              <a:rPr lang="es-NI" sz="2000" dirty="0" err="1">
-                <a:latin typeface="Arial" panose="020B0604020202020204" pitchFamily="34" charset="0"/>
-                <a:cs typeface="Arial" panose="020B0604020202020204" pitchFamily="34" charset="0"/>
-              </a:rPr>
-              <a:t>World</a:t>
-            </a:r>
-            <a:r>
-              <a:rPr lang="es-NI" sz="2000" dirty="0">
-                <a:latin typeface="Arial" panose="020B0604020202020204" pitchFamily="34" charset="0"/>
-                <a:cs typeface="Arial" panose="020B0604020202020204" pitchFamily="34" charset="0"/>
-              </a:rPr>
-              <a:t> Wide Web están hechas con el </a:t>
-            </a:r>
-            <a:r>
-              <a:rPr lang="es-NI" sz="2000" dirty="0">
-                <a:latin typeface="Arial" panose="020B0604020202020204" pitchFamily="34" charset="0"/>
-                <a:cs typeface="Arial" panose="020B0604020202020204" pitchFamily="34" charset="0"/>
-                <a:hlinkClick r:id="rId8"/>
-              </a:rPr>
-              <a:t>lenguaje de programación</a:t>
-            </a:r>
-            <a:r>
-              <a:rPr lang="es-NI" sz="2000" dirty="0">
-                <a:latin typeface="Arial" panose="020B0604020202020204" pitchFamily="34" charset="0"/>
-                <a:cs typeface="Arial" panose="020B0604020202020204" pitchFamily="34" charset="0"/>
-              </a:rPr>
-              <a:t> HTML. </a:t>
-            </a:r>
-            <a:r>
-              <a:rPr lang="es-ES" sz="2000" dirty="0">
-                <a:latin typeface="Arial" panose="020B0604020202020204" pitchFamily="34" charset="0"/>
-                <a:cs typeface="Arial" panose="020B0604020202020204" pitchFamily="34" charset="0"/>
-              </a:rPr>
-              <a:t>(Wikipedia, HTML</a:t>
-            </a:r>
-            <a:r>
-              <a:rPr lang="es-ES" sz="2000" dirty="0" smtClean="0">
-                <a:latin typeface="Arial" panose="020B0604020202020204" pitchFamily="34" charset="0"/>
-                <a:cs typeface="Arial" panose="020B0604020202020204" pitchFamily="34" charset="0"/>
-              </a:rPr>
-              <a:t>)</a:t>
-            </a:r>
-            <a:br>
-              <a:rPr lang="es-ES" sz="2000" dirty="0" smtClean="0">
-                <a:latin typeface="Arial" panose="020B0604020202020204" pitchFamily="34" charset="0"/>
-                <a:cs typeface="Arial" panose="020B0604020202020204" pitchFamily="34" charset="0"/>
-              </a:rPr>
-            </a:br>
-            <a:r>
-              <a:rPr lang="en-US" sz="2000" dirty="0">
-                <a:latin typeface="Arial" panose="020B0604020202020204" pitchFamily="34" charset="0"/>
-                <a:cs typeface="Arial" panose="020B0604020202020204" pitchFamily="34" charset="0"/>
-              </a:rPr>
-              <a:t/>
-            </a:r>
-            <a:br>
-              <a:rPr lang="en-US" sz="2000" dirty="0">
-                <a:latin typeface="Arial" panose="020B0604020202020204" pitchFamily="34" charset="0"/>
-                <a:cs typeface="Arial" panose="020B0604020202020204" pitchFamily="34" charset="0"/>
-              </a:rPr>
-            </a:br>
-            <a:r>
-              <a:rPr lang="es-NI" sz="2000" b="1" u="sng" dirty="0">
-                <a:latin typeface="Arial" panose="020B0604020202020204" pitchFamily="34" charset="0"/>
-                <a:cs typeface="Arial" panose="020B0604020202020204" pitchFamily="34" charset="0"/>
-              </a:rPr>
-              <a:t>¿Qué es CSS?</a:t>
-            </a:r>
-            <a:r>
-              <a:rPr lang="es-NI" sz="2000" b="1" dirty="0">
-                <a:latin typeface="Arial" panose="020B0604020202020204" pitchFamily="34" charset="0"/>
-                <a:cs typeface="Arial" panose="020B0604020202020204" pitchFamily="34" charset="0"/>
-              </a:rPr>
-              <a:t> </a:t>
-            </a:r>
-            <a:r>
-              <a:rPr lang="es-NI" sz="2000" b="1" dirty="0" smtClean="0">
-                <a:latin typeface="Arial" panose="020B0604020202020204" pitchFamily="34" charset="0"/>
-                <a:cs typeface="Arial" panose="020B0604020202020204" pitchFamily="34" charset="0"/>
-              </a:rPr>
-              <a:t/>
-            </a:r>
-            <a:br>
-              <a:rPr lang="es-NI" sz="2000" b="1" dirty="0" smtClean="0">
-                <a:latin typeface="Arial" panose="020B0604020202020204" pitchFamily="34" charset="0"/>
-                <a:cs typeface="Arial" panose="020B0604020202020204" pitchFamily="34" charset="0"/>
-              </a:rPr>
-            </a:br>
-            <a:r>
-              <a:rPr lang="en-US" sz="2000" b="1" dirty="0">
-                <a:latin typeface="Arial" panose="020B0604020202020204" pitchFamily="34" charset="0"/>
-                <a:cs typeface="Arial" panose="020B0604020202020204" pitchFamily="34" charset="0"/>
-              </a:rPr>
-              <a:t/>
-            </a:r>
-            <a:br>
-              <a:rPr lang="en-US" sz="2000" b="1" dirty="0">
-                <a:latin typeface="Arial" panose="020B0604020202020204" pitchFamily="34" charset="0"/>
-                <a:cs typeface="Arial" panose="020B0604020202020204" pitchFamily="34" charset="0"/>
-              </a:rPr>
-            </a:br>
-            <a:r>
-              <a:rPr lang="es-NI" sz="2000" dirty="0">
-                <a:latin typeface="Arial" panose="020B0604020202020204" pitchFamily="34" charset="0"/>
-                <a:cs typeface="Arial" panose="020B0604020202020204" pitchFamily="34" charset="0"/>
-              </a:rPr>
-              <a:t>Tecnología que nos permite controlar la apariencia de una página </a:t>
-            </a:r>
-            <a:r>
-              <a:rPr lang="es-NI" sz="2000" u="sng" dirty="0">
-                <a:latin typeface="Arial" panose="020B0604020202020204" pitchFamily="34" charset="0"/>
-                <a:cs typeface="Arial" panose="020B0604020202020204" pitchFamily="34" charset="0"/>
-                <a:hlinkClick r:id="rId9"/>
-              </a:rPr>
-              <a:t>web</a:t>
-            </a:r>
-            <a:r>
-              <a:rPr lang="es-NI" sz="2000" dirty="0">
-                <a:latin typeface="Arial" panose="020B0604020202020204" pitchFamily="34" charset="0"/>
-                <a:cs typeface="Arial" panose="020B0604020202020204" pitchFamily="34" charset="0"/>
-              </a:rPr>
-              <a:t>. CSS (</a:t>
-            </a:r>
-            <a:r>
-              <a:rPr lang="es-NI" sz="2000" dirty="0" err="1">
-                <a:latin typeface="Arial" panose="020B0604020202020204" pitchFamily="34" charset="0"/>
-                <a:cs typeface="Arial" panose="020B0604020202020204" pitchFamily="34" charset="0"/>
-              </a:rPr>
-              <a:t>Cascade</a:t>
-            </a:r>
-            <a:r>
-              <a:rPr lang="es-NI" sz="2000" dirty="0">
-                <a:latin typeface="Arial" panose="020B0604020202020204" pitchFamily="34" charset="0"/>
-                <a:cs typeface="Arial" panose="020B0604020202020204" pitchFamily="34" charset="0"/>
-              </a:rPr>
-              <a:t> Style </a:t>
-            </a:r>
-            <a:r>
-              <a:rPr lang="es-NI" sz="2000" dirty="0" err="1">
-                <a:latin typeface="Arial" panose="020B0604020202020204" pitchFamily="34" charset="0"/>
-                <a:cs typeface="Arial" panose="020B0604020202020204" pitchFamily="34" charset="0"/>
-              </a:rPr>
-              <a:t>Sheet</a:t>
-            </a:r>
-            <a:r>
-              <a:rPr lang="es-NI" sz="2000" dirty="0">
-                <a:latin typeface="Arial" panose="020B0604020202020204" pitchFamily="34" charset="0"/>
-                <a:cs typeface="Arial" panose="020B0604020202020204" pitchFamily="34" charset="0"/>
-              </a:rPr>
-              <a:t>) describe como los elementos dispuestos en la página son presentados al usuario. </a:t>
-            </a:r>
-            <a:endParaRPr lang="en-US" sz="2000" dirty="0">
-              <a:latin typeface="Arial" panose="020B0604020202020204" pitchFamily="34" charset="0"/>
-              <a:cs typeface="Arial" panose="020B0604020202020204" pitchFamily="34" charset="0"/>
-            </a:endParaRPr>
+              <a:rPr lang="es-ES" sz="6000" dirty="0" smtClean="0"/>
+              <a:t>GRACIAS POR SU ATENCION</a:t>
+            </a:r>
+            <a:endParaRPr lang="en-US" sz="6000" dirty="0"/>
           </a:p>
         </p:txBody>
       </p:sp>
     </p:spTree>
     <p:extLst>
       <p:ext uri="{BB962C8B-B14F-4D97-AF65-F5344CB8AC3E}">
-        <p14:creationId xmlns:p14="http://schemas.microsoft.com/office/powerpoint/2010/main" val="2016016433"/>
+        <p14:creationId xmlns:p14="http://schemas.microsoft.com/office/powerpoint/2010/main" val="3714943575"/>
       </p:ext>
     </p:extLst>
   </p:cSld>
@@ -12254,2796 +10086,6 @@
 </p:sld>
 </file>
 
-<file path=ppt/slides/slide20.xml><?xml version="1.0" encoding="utf-8"?>
-<p:sld xmlns:a="http://schemas.openxmlformats.org/drawingml/2006/main" xmlns:r="http://schemas.openxmlformats.org/officeDocument/2006/relationships" xmlns:p="http://schemas.openxmlformats.org/presentationml/2006/main">
-  <p:cSld>
-    <p:spTree>
-      <p:nvGrpSpPr>
-        <p:cNvPr id="1" name=""/>
-        <p:cNvGrpSpPr/>
-        <p:nvPr/>
-      </p:nvGrpSpPr>
-      <p:grpSpPr>
-        <a:xfrm>
-          <a:off x="0" y="0"/>
-          <a:ext cx="0" cy="0"/>
-          <a:chOff x="0" y="0"/>
-          <a:chExt cx="0" cy="0"/>
-        </a:xfrm>
-      </p:grpSpPr>
-      <p:sp>
-        <p:nvSpPr>
-          <p:cNvPr id="3" name="Rectangle 1"/>
-          <p:cNvSpPr>
-            <a:spLocks noGrp="1" noChangeArrowheads="1"/>
-          </p:cNvSpPr>
-          <p:nvPr>
-            <p:ph type="title"/>
-          </p:nvPr>
-        </p:nvSpPr>
-        <p:spPr bwMode="auto">
-          <a:xfrm>
-            <a:off x="903515" y="1234068"/>
-            <a:ext cx="10970622" cy="1938992"/>
-          </a:xfrm>
-          <a:prstGeom prst="rect">
-            <a:avLst/>
-          </a:prstGeom>
-          <a:noFill/>
-          <a:ln>
-            <a:noFill/>
-          </a:ln>
-          <a:effectLst/>
-          <a:extLst>
-            <a:ext uri="{909E8E84-426E-40DD-AFC4-6F175D3DCCD1}">
-              <a14:hiddenFill xmlns:a14="http://schemas.microsoft.com/office/drawing/2010/main">
-                <a:solidFill>
-                  <a:schemeClr val="accent1"/>
-                </a:solidFill>
-              </a14:hiddenFill>
-            </a:ext>
-            <a:ext uri="{91240B29-F687-4F45-9708-019B960494DF}">
-              <a14:hiddenLine xmlns:a14="http://schemas.microsoft.com/office/drawing/2010/main" w="9525">
-                <a:solidFill>
-                  <a:schemeClr val="tx1"/>
-                </a:solidFill>
-                <a:miter lim="800000"/>
-                <a:headEnd/>
-                <a:tailEnd/>
-              </a14:hiddenLine>
-            </a:ext>
-            <a:ext uri="{AF507438-7753-43E0-B8FC-AC1667EBCBE1}">
-              <a14:hiddenEffects xmlns:a14="http://schemas.microsoft.com/office/drawing/2010/main">
-                <a:effectLst>
-                  <a:outerShdw dist="35921" dir="2700000" algn="ctr" rotWithShape="0">
-                    <a:schemeClr val="bg2"/>
-                  </a:outerShdw>
-                </a:effectLst>
-              </a14:hiddenEffects>
-            </a:ext>
-          </a:extLst>
-        </p:spPr>
-        <p:txBody>
-          <a:bodyPr vert="horz" wrap="square" lIns="91440" tIns="45720" rIns="91440" bIns="45720" numCol="1" anchor="ctr" anchorCtr="0" compatLnSpc="1">
-            <a:prstTxWarp prst="textNoShape">
-              <a:avLst/>
-            </a:prstTxWarp>
-            <a:spAutoFit/>
-          </a:bodyPr>
-          <a:lstStyle/>
-          <a:p>
-            <a:pPr marL="0" marR="0" lvl="0" indent="0" defTabSz="914400" rtl="0" eaLnBrk="0" fontAlgn="base" latinLnBrk="0" hangingPunct="0">
-              <a:lnSpc>
-                <a:spcPct val="100000"/>
-              </a:lnSpc>
-              <a:spcBef>
-                <a:spcPct val="0"/>
-              </a:spcBef>
-              <a:spcAft>
-                <a:spcPct val="0"/>
-              </a:spcAft>
-              <a:buClrTx/>
-              <a:buSzTx/>
-              <a:buFontTx/>
-              <a:buNone/>
-              <a:tabLst/>
-            </a:pPr>
-            <a:r>
-              <a:rPr kumimoji="0" lang="es-ES" altLang="en-US" sz="2000" b="0" i="0" u="none" strike="noStrike" cap="none" normalizeH="0" baseline="0" dirty="0" smtClean="0">
-                <a:ln>
-                  <a:noFill/>
-                </a:ln>
-                <a:solidFill>
-                  <a:srgbClr val="000000"/>
-                </a:solidFill>
-                <a:effectLst/>
-                <a:latin typeface="Arial" panose="020B0604020202020204" pitchFamily="34" charset="0"/>
-                <a:ea typeface="Times New Roman" panose="02020603050405020304" pitchFamily="18" charset="0"/>
-                <a:cs typeface="Arial" panose="020B0604020202020204" pitchFamily="34" charset="0"/>
-              </a:rPr>
-              <a:t>CSS está diseñado principalmente para marcar la separación del contenido del documento y la forma de presentación de este, características tales como las capas o </a:t>
-            </a:r>
-            <a:r>
-              <a:rPr kumimoji="0" lang="es-ES" altLang="en-US" sz="2000" b="0" i="1" u="none" strike="noStrike" cap="none" normalizeH="0" baseline="0" dirty="0" err="1" smtClean="0">
-                <a:ln>
-                  <a:noFill/>
-                </a:ln>
-                <a:solidFill>
-                  <a:srgbClr val="000000"/>
-                </a:solidFill>
-                <a:effectLst/>
-                <a:latin typeface="Arial" panose="020B0604020202020204" pitchFamily="34" charset="0"/>
-                <a:ea typeface="Times New Roman" panose="02020603050405020304" pitchFamily="18" charset="0"/>
-                <a:cs typeface="Arial" panose="020B0604020202020204" pitchFamily="34" charset="0"/>
-              </a:rPr>
-              <a:t>layouts</a:t>
-            </a:r>
-            <a:r>
-              <a:rPr kumimoji="0" lang="es-ES" altLang="en-US" sz="2000" b="0" i="0" u="none" strike="noStrike" cap="none" normalizeH="0" baseline="0" dirty="0" smtClean="0">
-                <a:ln>
-                  <a:noFill/>
-                </a:ln>
-                <a:solidFill>
-                  <a:srgbClr val="000000"/>
-                </a:solidFill>
-                <a:effectLst/>
-                <a:latin typeface="Arial" panose="020B0604020202020204" pitchFamily="34" charset="0"/>
-                <a:ea typeface="Times New Roman" panose="02020603050405020304" pitchFamily="18" charset="0"/>
-                <a:cs typeface="Arial" panose="020B0604020202020204" pitchFamily="34" charset="0"/>
-              </a:rPr>
-              <a:t>, los colores y las fuentes. Esta separación busca mejorar la accesibilidad del documento, proveer más flexibilidad y control en la especificación de características </a:t>
-            </a:r>
-            <a:r>
-              <a:rPr kumimoji="0" lang="es-ES" altLang="en-US" sz="2000" b="0" i="0" u="none" strike="noStrike" cap="none" normalizeH="0" baseline="0" dirty="0" err="1" smtClean="0">
-                <a:ln>
-                  <a:noFill/>
-                </a:ln>
-                <a:solidFill>
-                  <a:srgbClr val="000000"/>
-                </a:solidFill>
-                <a:effectLst/>
-                <a:latin typeface="Arial" panose="020B0604020202020204" pitchFamily="34" charset="0"/>
-                <a:ea typeface="Times New Roman" panose="02020603050405020304" pitchFamily="18" charset="0"/>
-                <a:cs typeface="Arial" panose="020B0604020202020204" pitchFamily="34" charset="0"/>
-              </a:rPr>
-              <a:t>presentacionales</a:t>
-            </a:r>
-            <a:r>
-              <a:rPr kumimoji="0" lang="es-ES" altLang="en-US" sz="2000" b="0" i="0" u="none" strike="noStrike" cap="none" normalizeH="0" baseline="0" dirty="0" smtClean="0">
-                <a:ln>
-                  <a:noFill/>
-                </a:ln>
-                <a:solidFill>
-                  <a:srgbClr val="000000"/>
-                </a:solidFill>
-                <a:effectLst/>
-                <a:latin typeface="Arial" panose="020B0604020202020204" pitchFamily="34" charset="0"/>
-                <a:ea typeface="Times New Roman" panose="02020603050405020304" pitchFamily="18" charset="0"/>
-                <a:cs typeface="Arial" panose="020B0604020202020204" pitchFamily="34" charset="0"/>
-              </a:rPr>
-              <a:t>, permitir que varios documentos HTML compartan un mismo estilo usando una sola hoja de estilos separada en un archivo .</a:t>
-            </a:r>
-            <a:r>
-              <a:rPr kumimoji="0" lang="es-ES" altLang="en-US" sz="2000" b="0" i="0" u="none" strike="noStrike" cap="none" normalizeH="0" baseline="0" dirty="0" err="1" smtClean="0">
-                <a:ln>
-                  <a:noFill/>
-                </a:ln>
-                <a:solidFill>
-                  <a:srgbClr val="000000"/>
-                </a:solidFill>
-                <a:effectLst/>
-                <a:latin typeface="Arial" panose="020B0604020202020204" pitchFamily="34" charset="0"/>
-                <a:ea typeface="Times New Roman" panose="02020603050405020304" pitchFamily="18" charset="0"/>
-                <a:cs typeface="Arial" panose="020B0604020202020204" pitchFamily="34" charset="0"/>
-              </a:rPr>
-              <a:t>css</a:t>
-            </a:r>
-            <a:r>
-              <a:rPr kumimoji="0" lang="es-ES" altLang="en-US" sz="2000" b="0" i="0" u="none" strike="noStrike" cap="none" normalizeH="0" baseline="0" dirty="0" smtClean="0">
-                <a:ln>
-                  <a:noFill/>
-                </a:ln>
-                <a:solidFill>
-                  <a:srgbClr val="000000"/>
-                </a:solidFill>
-                <a:effectLst/>
-                <a:latin typeface="Arial" panose="020B0604020202020204" pitchFamily="34" charset="0"/>
-                <a:ea typeface="Times New Roman" panose="02020603050405020304" pitchFamily="18" charset="0"/>
-                <a:cs typeface="Arial" panose="020B0604020202020204" pitchFamily="34" charset="0"/>
-              </a:rPr>
-              <a:t>, y reducir la complejidad y la repetición de código en la estructura del documento. </a:t>
-            </a:r>
-            <a:endParaRPr kumimoji="0" lang="en-US" altLang="en-US" sz="2000" b="0" i="0" u="none" strike="noStrike" cap="none" normalizeH="0" baseline="0" dirty="0" smtClean="0">
-              <a:ln>
-                <a:noFill/>
-              </a:ln>
-              <a:solidFill>
-                <a:schemeClr val="tx1"/>
-              </a:solidFill>
-              <a:effectLst/>
-              <a:latin typeface="Arial" panose="020B0604020202020204" pitchFamily="34" charset="0"/>
-            </a:endParaRPr>
-          </a:p>
-        </p:txBody>
-      </p:sp>
-    </p:spTree>
-    <p:extLst>
-      <p:ext uri="{BB962C8B-B14F-4D97-AF65-F5344CB8AC3E}">
-        <p14:creationId xmlns:p14="http://schemas.microsoft.com/office/powerpoint/2010/main" val="2105726843"/>
-      </p:ext>
-    </p:extLst>
-  </p:cSld>
-  <p:clrMapOvr>
-    <a:masterClrMapping/>
-  </p:clrMapOvr>
-  <p:timing>
-    <p:tnLst>
-      <p:par>
-        <p:cTn id="1" dur="indefinite" restart="never" nodeType="tmRoot"/>
-      </p:par>
-    </p:tnLst>
-  </p:timing>
-</p:sld>
-</file>
-
-<file path=ppt/slides/slide21.xml><?xml version="1.0" encoding="utf-8"?>
-<p:sld xmlns:a="http://schemas.openxmlformats.org/drawingml/2006/main" xmlns:r="http://schemas.openxmlformats.org/officeDocument/2006/relationships" xmlns:p="http://schemas.openxmlformats.org/presentationml/2006/main">
-  <p:cSld>
-    <p:spTree>
-      <p:nvGrpSpPr>
-        <p:cNvPr id="1" name=""/>
-        <p:cNvGrpSpPr/>
-        <p:nvPr/>
-      </p:nvGrpSpPr>
-      <p:grpSpPr>
-        <a:xfrm>
-          <a:off x="0" y="0"/>
-          <a:ext cx="0" cy="0"/>
-          <a:chOff x="0" y="0"/>
-          <a:chExt cx="0" cy="0"/>
-        </a:xfrm>
-      </p:grpSpPr>
-      <p:sp>
-        <p:nvSpPr>
-          <p:cNvPr id="3" name="Rectangle 1"/>
-          <p:cNvSpPr>
-            <a:spLocks noGrp="1" noChangeArrowheads="1"/>
-          </p:cNvSpPr>
-          <p:nvPr>
-            <p:ph type="title"/>
-          </p:nvPr>
-        </p:nvSpPr>
-        <p:spPr bwMode="auto">
-          <a:xfrm>
-            <a:off x="903514" y="1344187"/>
-            <a:ext cx="9925595" cy="2862322"/>
-          </a:xfrm>
-          <a:prstGeom prst="rect">
-            <a:avLst/>
-          </a:prstGeom>
-          <a:solidFill>
-            <a:srgbClr val="FFFFFF"/>
-          </a:solidFill>
-          <a:ln>
-            <a:noFill/>
-          </a:ln>
-          <a:effectLst/>
-          <a:extLst>
-            <a:ext uri="{91240B29-F687-4F45-9708-019B960494DF}">
-              <a14:hiddenLine xmlns:a14="http://schemas.microsoft.com/office/drawing/2010/main" w="9525">
-                <a:solidFill>
-                  <a:schemeClr val="tx1"/>
-                </a:solidFill>
-                <a:miter lim="800000"/>
-                <a:headEnd/>
-                <a:tailEnd/>
-              </a14:hiddenLine>
-            </a:ext>
-            <a:ext uri="{AF507438-7753-43E0-B8FC-AC1667EBCBE1}">
-              <a14:hiddenEffects xmlns:a14="http://schemas.microsoft.com/office/drawing/2010/main">
-                <a:effectLst>
-                  <a:outerShdw dist="35921" dir="2700000" algn="ctr" rotWithShape="0">
-                    <a:schemeClr val="bg2"/>
-                  </a:outerShdw>
-                </a:effectLst>
-              </a14:hiddenEffects>
-            </a:ext>
-          </a:extLst>
-        </p:spPr>
-        <p:txBody>
-          <a:bodyPr vert="horz" wrap="square" lIns="91440" tIns="45720" rIns="91440" bIns="45720" numCol="1" anchor="ctr" anchorCtr="0" compatLnSpc="1">
-            <a:prstTxWarp prst="textNoShape">
-              <a:avLst/>
-            </a:prstTxWarp>
-            <a:spAutoFit/>
-          </a:bodyPr>
-          <a:lstStyle/>
-          <a:p>
-            <a:pPr marL="0" marR="0" lvl="0" indent="0" algn="l" defTabSz="914400" rtl="0" eaLnBrk="0" fontAlgn="base" latinLnBrk="0" hangingPunct="0">
-              <a:lnSpc>
-                <a:spcPct val="100000"/>
-              </a:lnSpc>
-              <a:spcBef>
-                <a:spcPct val="0"/>
-              </a:spcBef>
-              <a:spcAft>
-                <a:spcPct val="0"/>
-              </a:spcAft>
-              <a:buClrTx/>
-              <a:buSzTx/>
-              <a:buFontTx/>
-              <a:buNone/>
-              <a:tabLst/>
-            </a:pPr>
-            <a:r>
-              <a:rPr kumimoji="0" lang="es-ES" altLang="en-US" sz="2000" b="1" i="0" u="none" strike="noStrike" cap="none" normalizeH="0" baseline="0" dirty="0" smtClean="0" bmk="_Toc23968511">
-                <a:ln>
-                  <a:noFill/>
-                </a:ln>
-                <a:solidFill>
-                  <a:srgbClr val="000000"/>
-                </a:solidFill>
-                <a:effectLst/>
-                <a:latin typeface="Arial" panose="020B0604020202020204" pitchFamily="34" charset="0"/>
-                <a:ea typeface="Times New Roman" panose="02020603050405020304" pitchFamily="18" charset="0"/>
-                <a:cs typeface="Arial" panose="020B0604020202020204" pitchFamily="34" charset="0"/>
-              </a:rPr>
-              <a:t>Uso</a:t>
-            </a:r>
-            <a:endParaRPr kumimoji="0" lang="en-US" altLang="en-US" sz="2000" b="0" i="0" u="none" strike="noStrike" cap="none" normalizeH="0" baseline="0" dirty="0" smtClean="0">
-              <a:ln>
-                <a:noFill/>
-              </a:ln>
-              <a:solidFill>
-                <a:schemeClr val="tx1"/>
-              </a:solidFill>
-              <a:effectLst/>
-              <a:latin typeface="Arial" panose="020B0604020202020204" pitchFamily="34" charset="0"/>
-              <a:ea typeface="Times New Roman" panose="02020603050405020304" pitchFamily="18" charset="0"/>
-              <a:cs typeface="Arial" panose="020B0604020202020204" pitchFamily="34" charset="0"/>
-            </a:endParaRPr>
-          </a:p>
-          <a:p>
-            <a:pPr lvl="0" eaLnBrk="0" fontAlgn="base" hangingPunct="0">
-              <a:lnSpc>
-                <a:spcPct val="100000"/>
-              </a:lnSpc>
-              <a:spcAft>
-                <a:spcPct val="0"/>
-              </a:spcAft>
-            </a:pPr>
-            <a:r>
-              <a:rPr kumimoji="0" lang="es-ES" altLang="en-US" sz="2000" i="0" u="none" strike="noStrike" cap="none" normalizeH="0" baseline="0" dirty="0" smtClean="0">
-                <a:ln>
-                  <a:noFill/>
-                </a:ln>
-                <a:solidFill>
-                  <a:schemeClr val="tx1"/>
-                </a:solidFill>
-                <a:effectLst/>
-                <a:latin typeface="Arial" panose="020B0604020202020204" pitchFamily="34" charset="0"/>
-                <a:ea typeface="Times New Roman" panose="02020603050405020304" pitchFamily="18" charset="0"/>
-                <a:cs typeface="Arial" panose="020B0604020202020204" pitchFamily="34" charset="0"/>
-              </a:rPr>
-              <a:t>Antes del desarrollo de CSS, toda la información </a:t>
-            </a:r>
-            <a:r>
-              <a:rPr kumimoji="0" lang="es-ES" altLang="en-US" sz="2000" i="0" u="none" strike="noStrike" cap="none" normalizeH="0" baseline="0" dirty="0" err="1" smtClean="0">
-                <a:ln>
-                  <a:noFill/>
-                </a:ln>
-                <a:solidFill>
-                  <a:schemeClr val="tx1"/>
-                </a:solidFill>
-                <a:effectLst/>
-                <a:latin typeface="Arial" panose="020B0604020202020204" pitchFamily="34" charset="0"/>
-                <a:ea typeface="Times New Roman" panose="02020603050405020304" pitchFamily="18" charset="0"/>
-                <a:cs typeface="Arial" panose="020B0604020202020204" pitchFamily="34" charset="0"/>
-              </a:rPr>
-              <a:t>presentacional</a:t>
-            </a:r>
-            <a:r>
-              <a:rPr kumimoji="0" lang="es-ES" altLang="en-US" sz="2000" i="0" u="none" strike="noStrike" cap="none" normalizeH="0" baseline="0" dirty="0" smtClean="0">
-                <a:ln>
-                  <a:noFill/>
-                </a:ln>
-                <a:solidFill>
-                  <a:schemeClr val="tx1"/>
-                </a:solidFill>
-                <a:effectLst/>
-                <a:latin typeface="Arial" panose="020B0604020202020204" pitchFamily="34" charset="0"/>
-                <a:ea typeface="Times New Roman" panose="02020603050405020304" pitchFamily="18" charset="0"/>
-                <a:cs typeface="Arial" panose="020B0604020202020204" pitchFamily="34" charset="0"/>
-              </a:rPr>
-              <a:t> de los documentos HTML era incluida en el código HTML. Los colores de las fuentes, los estilos de fondo, la alineación de los elementos, los bordes y tamaños eran descritos explícitamente.</a:t>
-            </a:r>
-            <a:r>
-              <a:rPr lang="es-ES" sz="2000" dirty="0">
-                <a:latin typeface="Arial" panose="020B0604020202020204" pitchFamily="34" charset="0"/>
-                <a:cs typeface="Arial" panose="020B0604020202020204" pitchFamily="34" charset="0"/>
-              </a:rPr>
-              <a:t> </a:t>
-            </a:r>
-            <a:r>
-              <a:rPr lang="es-ES" sz="2000" dirty="0" smtClean="0">
-                <a:latin typeface="Arial" panose="020B0604020202020204" pitchFamily="34" charset="0"/>
-                <a:cs typeface="Arial" panose="020B0604020202020204" pitchFamily="34" charset="0"/>
-              </a:rPr>
-              <a:t/>
-            </a:r>
-            <a:br>
-              <a:rPr lang="es-ES" sz="2000" dirty="0" smtClean="0">
-                <a:latin typeface="Arial" panose="020B0604020202020204" pitchFamily="34" charset="0"/>
-                <a:cs typeface="Arial" panose="020B0604020202020204" pitchFamily="34" charset="0"/>
-              </a:rPr>
-            </a:br>
-            <a:r>
-              <a:rPr lang="es-ES" sz="2000" dirty="0">
-                <a:latin typeface="Arial" panose="020B0604020202020204" pitchFamily="34" charset="0"/>
-                <a:cs typeface="Arial" panose="020B0604020202020204" pitchFamily="34" charset="0"/>
-              </a:rPr>
-              <a:t/>
-            </a:r>
-            <a:br>
-              <a:rPr lang="es-ES" sz="2000" dirty="0">
-                <a:latin typeface="Arial" panose="020B0604020202020204" pitchFamily="34" charset="0"/>
-                <a:cs typeface="Arial" panose="020B0604020202020204" pitchFamily="34" charset="0"/>
-              </a:rPr>
-            </a:br>
-            <a:r>
-              <a:rPr lang="es-ES" sz="2000" dirty="0" smtClean="0">
-                <a:latin typeface="Arial" panose="020B0604020202020204" pitchFamily="34" charset="0"/>
-                <a:cs typeface="Arial" panose="020B0604020202020204" pitchFamily="34" charset="0"/>
-              </a:rPr>
-              <a:t>CSS </a:t>
-            </a:r>
-            <a:r>
-              <a:rPr lang="es-ES" sz="2000" dirty="0">
-                <a:latin typeface="Arial" panose="020B0604020202020204" pitchFamily="34" charset="0"/>
-                <a:cs typeface="Arial" panose="020B0604020202020204" pitchFamily="34" charset="0"/>
-              </a:rPr>
-              <a:t>permite a los diseñadores mover toda la información </a:t>
-            </a:r>
-            <a:r>
-              <a:rPr lang="es-ES" sz="2000" dirty="0" err="1">
-                <a:latin typeface="Arial" panose="020B0604020202020204" pitchFamily="34" charset="0"/>
-                <a:cs typeface="Arial" panose="020B0604020202020204" pitchFamily="34" charset="0"/>
-              </a:rPr>
-              <a:t>presentacional</a:t>
-            </a:r>
-            <a:r>
-              <a:rPr lang="es-ES" sz="2000" dirty="0">
-                <a:latin typeface="Arial" panose="020B0604020202020204" pitchFamily="34" charset="0"/>
-                <a:cs typeface="Arial" panose="020B0604020202020204" pitchFamily="34" charset="0"/>
-              </a:rPr>
-              <a:t> a otro archivo, la </a:t>
-            </a:r>
-            <a:r>
-              <a:rPr lang="es-ES" sz="2000" u="sng" dirty="0">
-                <a:latin typeface="Arial" panose="020B0604020202020204" pitchFamily="34" charset="0"/>
-                <a:cs typeface="Arial" panose="020B0604020202020204" pitchFamily="34" charset="0"/>
-                <a:hlinkClick r:id="rId2" tooltip="Hoja de estilo"/>
-              </a:rPr>
-              <a:t>hoja de estilos</a:t>
-            </a:r>
-            <a:r>
-              <a:rPr lang="es-ES" sz="2000" dirty="0">
-                <a:latin typeface="Arial" panose="020B0604020202020204" pitchFamily="34" charset="0"/>
-                <a:cs typeface="Arial" panose="020B0604020202020204" pitchFamily="34" charset="0"/>
-              </a:rPr>
-              <a:t>, resultando en un código HTML notablemente más simple</a:t>
-            </a:r>
-            <a:r>
-              <a:rPr lang="es-ES" sz="2000" dirty="0" smtClean="0">
-                <a:latin typeface="Arial" panose="020B0604020202020204" pitchFamily="34" charset="0"/>
-                <a:cs typeface="Arial" panose="020B0604020202020204" pitchFamily="34" charset="0"/>
-              </a:rPr>
-              <a:t>.</a:t>
-            </a:r>
-            <a:br>
-              <a:rPr lang="es-ES" sz="2000" dirty="0" smtClean="0">
-                <a:latin typeface="Arial" panose="020B0604020202020204" pitchFamily="34" charset="0"/>
-                <a:cs typeface="Arial" panose="020B0604020202020204" pitchFamily="34" charset="0"/>
-              </a:rPr>
-            </a:br>
-            <a:r>
-              <a:rPr lang="es-ES" sz="2000" dirty="0">
-                <a:latin typeface="Arial" panose="020B0604020202020204" pitchFamily="34" charset="0"/>
-                <a:cs typeface="Arial" panose="020B0604020202020204" pitchFamily="34" charset="0"/>
-              </a:rPr>
-              <a:t>CSS permite a los diseñadores mover toda la información </a:t>
-            </a:r>
-            <a:r>
-              <a:rPr lang="es-ES" sz="2000" dirty="0" err="1">
-                <a:latin typeface="Arial" panose="020B0604020202020204" pitchFamily="34" charset="0"/>
-                <a:cs typeface="Arial" panose="020B0604020202020204" pitchFamily="34" charset="0"/>
-              </a:rPr>
-              <a:t>presentacional</a:t>
-            </a:r>
-            <a:r>
-              <a:rPr lang="es-ES" sz="2000" dirty="0">
-                <a:latin typeface="Arial" panose="020B0604020202020204" pitchFamily="34" charset="0"/>
-                <a:cs typeface="Arial" panose="020B0604020202020204" pitchFamily="34" charset="0"/>
-              </a:rPr>
-              <a:t> a otro archivo, la </a:t>
-            </a:r>
-            <a:r>
-              <a:rPr lang="es-ES" sz="2000" u="sng" dirty="0">
-                <a:latin typeface="Arial" panose="020B0604020202020204" pitchFamily="34" charset="0"/>
-                <a:cs typeface="Arial" panose="020B0604020202020204" pitchFamily="34" charset="0"/>
-                <a:hlinkClick r:id="rId2" tooltip="Hoja de estilo"/>
-              </a:rPr>
-              <a:t>hoja de estilos</a:t>
-            </a:r>
-            <a:r>
-              <a:rPr lang="es-ES" sz="2000" dirty="0">
-                <a:latin typeface="Arial" panose="020B0604020202020204" pitchFamily="34" charset="0"/>
-                <a:cs typeface="Arial" panose="020B0604020202020204" pitchFamily="34" charset="0"/>
-              </a:rPr>
-              <a:t>, resultando en un código HTML notablemente más simple.</a:t>
-            </a:r>
-            <a:endParaRPr kumimoji="0" lang="en-US" altLang="en-US" sz="2000" i="0" u="none" strike="noStrike" cap="none" normalizeH="0" baseline="0" dirty="0" smtClean="0">
-              <a:ln>
-                <a:noFill/>
-              </a:ln>
-              <a:solidFill>
-                <a:schemeClr val="tx1"/>
-              </a:solidFill>
-              <a:effectLst/>
-              <a:latin typeface="Arial" panose="020B0604020202020204" pitchFamily="34" charset="0"/>
-              <a:cs typeface="Arial" panose="020B0604020202020204" pitchFamily="34" charset="0"/>
-            </a:endParaRPr>
-          </a:p>
-        </p:txBody>
-      </p:sp>
-    </p:spTree>
-    <p:extLst>
-      <p:ext uri="{BB962C8B-B14F-4D97-AF65-F5344CB8AC3E}">
-        <p14:creationId xmlns:p14="http://schemas.microsoft.com/office/powerpoint/2010/main" val="3029259720"/>
-      </p:ext>
-    </p:extLst>
-  </p:cSld>
-  <p:clrMapOvr>
-    <a:masterClrMapping/>
-  </p:clrMapOvr>
-  <p:timing>
-    <p:tnLst>
-      <p:par>
-        <p:cTn id="1" dur="indefinite" restart="never" nodeType="tmRoot"/>
-      </p:par>
-    </p:tnLst>
-  </p:timing>
-</p:sld>
-</file>
-
-<file path=ppt/slides/slide22.xml><?xml version="1.0" encoding="utf-8"?>
-<p:sld xmlns:a="http://schemas.openxmlformats.org/drawingml/2006/main" xmlns:r="http://schemas.openxmlformats.org/officeDocument/2006/relationships" xmlns:p="http://schemas.openxmlformats.org/presentationml/2006/main">
-  <p:cSld>
-    <p:spTree>
-      <p:nvGrpSpPr>
-        <p:cNvPr id="1" name=""/>
-        <p:cNvGrpSpPr/>
-        <p:nvPr/>
-      </p:nvGrpSpPr>
-      <p:grpSpPr>
-        <a:xfrm>
-          <a:off x="0" y="0"/>
-          <a:ext cx="0" cy="0"/>
-          <a:chOff x="0" y="0"/>
-          <a:chExt cx="0" cy="0"/>
-        </a:xfrm>
-      </p:grpSpPr>
-      <p:sp>
-        <p:nvSpPr>
-          <p:cNvPr id="3" name="Rectangle 1"/>
-          <p:cNvSpPr>
-            <a:spLocks noGrp="1" noChangeArrowheads="1"/>
-          </p:cNvSpPr>
-          <p:nvPr>
-            <p:ph type="title"/>
-          </p:nvPr>
-        </p:nvSpPr>
-        <p:spPr bwMode="auto">
-          <a:xfrm>
-            <a:off x="838200" y="1402162"/>
-            <a:ext cx="9416143" cy="4401205"/>
-          </a:xfrm>
-          <a:prstGeom prst="rect">
-            <a:avLst/>
-          </a:prstGeom>
-          <a:noFill/>
-          <a:ln>
-            <a:noFill/>
-          </a:ln>
-          <a:effectLst/>
-          <a:extLst>
-            <a:ext uri="{909E8E84-426E-40DD-AFC4-6F175D3DCCD1}">
-              <a14:hiddenFill xmlns:a14="http://schemas.microsoft.com/office/drawing/2010/main">
-                <a:solidFill>
-                  <a:schemeClr val="accent1"/>
-                </a:solidFill>
-              </a14:hiddenFill>
-            </a:ext>
-            <a:ext uri="{91240B29-F687-4F45-9708-019B960494DF}">
-              <a14:hiddenLine xmlns:a14="http://schemas.microsoft.com/office/drawing/2010/main" w="9525">
-                <a:solidFill>
-                  <a:schemeClr val="tx1"/>
-                </a:solidFill>
-                <a:miter lim="800000"/>
-                <a:headEnd/>
-                <a:tailEnd/>
-              </a14:hiddenLine>
-            </a:ext>
-            <a:ext uri="{AF507438-7753-43E0-B8FC-AC1667EBCBE1}">
-              <a14:hiddenEffects xmlns:a14="http://schemas.microsoft.com/office/drawing/2010/main">
-                <a:effectLst>
-                  <a:outerShdw dist="35921" dir="2700000" algn="ctr" rotWithShape="0">
-                    <a:schemeClr val="bg2"/>
-                  </a:outerShdw>
-                </a:effectLst>
-              </a14:hiddenEffects>
-            </a:ext>
-          </a:extLst>
-        </p:spPr>
-        <p:txBody>
-          <a:bodyPr vert="horz" wrap="square" lIns="91440" tIns="45720" rIns="91440" bIns="45720" numCol="1" anchor="ctr" anchorCtr="0" compatLnSpc="1">
-            <a:prstTxWarp prst="textNoShape">
-              <a:avLst/>
-            </a:prstTxWarp>
-            <a:spAutoFit/>
-          </a:bodyPr>
-          <a:lstStyle/>
-          <a:p>
-            <a:pPr lvl="0" defTabSz="914400" eaLnBrk="0" fontAlgn="base" hangingPunct="0">
-              <a:spcAft>
-                <a:spcPct val="0"/>
-              </a:spcAft>
-            </a:pPr>
-            <a:r>
-              <a:rPr kumimoji="0" lang="es-ES" altLang="en-US" sz="2000" b="0" i="0" u="none" strike="noStrike" cap="none" normalizeH="0" baseline="0" dirty="0" smtClean="0">
-                <a:ln>
-                  <a:noFill/>
-                </a:ln>
-                <a:solidFill>
-                  <a:schemeClr val="tx1"/>
-                </a:solidFill>
-                <a:effectLst/>
-                <a:latin typeface="Arial" panose="020B0604020202020204" pitchFamily="34" charset="0"/>
-                <a:ea typeface="Calibri" panose="020F0502020204030204" pitchFamily="34" charset="0"/>
-                <a:cs typeface="Arial" panose="020B0604020202020204" pitchFamily="34" charset="0"/>
-              </a:rPr>
-              <a:t>Antes de CSS, los diseñadores que deseaban asignar características tipográficas, por ejemplo, a todos los elementos h2 tenían que repetir el código </a:t>
-            </a:r>
-            <a:r>
-              <a:rPr kumimoji="0" lang="es-ES" altLang="en-US" sz="2000" b="0" i="0" u="none" strike="noStrike" cap="none" normalizeH="0" baseline="0" dirty="0" err="1" smtClean="0">
-                <a:ln>
-                  <a:noFill/>
-                </a:ln>
-                <a:solidFill>
-                  <a:schemeClr val="tx1"/>
-                </a:solidFill>
-                <a:effectLst/>
-                <a:latin typeface="Arial" panose="020B0604020202020204" pitchFamily="34" charset="0"/>
-                <a:ea typeface="Calibri" panose="020F0502020204030204" pitchFamily="34" charset="0"/>
-                <a:cs typeface="Arial" panose="020B0604020202020204" pitchFamily="34" charset="0"/>
-              </a:rPr>
-              <a:t>presentacional</a:t>
-            </a:r>
-            <a:r>
-              <a:rPr kumimoji="0" lang="es-ES" altLang="en-US" sz="2000" b="0" i="0" u="none" strike="noStrike" cap="none" normalizeH="0" baseline="0" dirty="0" smtClean="0">
-                <a:ln>
-                  <a:noFill/>
-                </a:ln>
-                <a:solidFill>
-                  <a:schemeClr val="tx1"/>
-                </a:solidFill>
-                <a:effectLst/>
-                <a:latin typeface="Arial" panose="020B0604020202020204" pitchFamily="34" charset="0"/>
-                <a:ea typeface="Calibri" panose="020F0502020204030204" pitchFamily="34" charset="0"/>
-                <a:cs typeface="Arial" panose="020B0604020202020204" pitchFamily="34" charset="0"/>
-              </a:rPr>
-              <a:t> HTML por cada elemento al que se le deseaba aplicar ese estilo. Esto creaba documentos más complejos, largos, más propensos a errores y difíciles de mantener. CSS permite la separación entre la presentación y la estructura. </a:t>
-            </a:r>
-            <a:br>
-              <a:rPr kumimoji="0" lang="es-ES" altLang="en-US" sz="2000" b="0" i="0" u="none" strike="noStrike" cap="none" normalizeH="0" baseline="0" dirty="0" smtClean="0">
-                <a:ln>
-                  <a:noFill/>
-                </a:ln>
-                <a:solidFill>
-                  <a:schemeClr val="tx1"/>
-                </a:solidFill>
-                <a:effectLst/>
-                <a:latin typeface="Arial" panose="020B0604020202020204" pitchFamily="34" charset="0"/>
-                <a:ea typeface="Calibri" panose="020F0502020204030204" pitchFamily="34" charset="0"/>
-                <a:cs typeface="Arial" panose="020B0604020202020204" pitchFamily="34" charset="0"/>
-              </a:rPr>
-            </a:br>
-            <a:r>
-              <a:rPr lang="es-ES" altLang="en-US" sz="2000" dirty="0">
-                <a:solidFill>
-                  <a:schemeClr val="tx1"/>
-                </a:solidFill>
-                <a:latin typeface="Arial" panose="020B0604020202020204" pitchFamily="34" charset="0"/>
-                <a:ea typeface="Calibri" panose="020F0502020204030204" pitchFamily="34" charset="0"/>
-                <a:cs typeface="Arial" panose="020B0604020202020204" pitchFamily="34" charset="0"/>
-              </a:rPr>
-              <a:t/>
-            </a:r>
-            <a:br>
-              <a:rPr lang="es-ES" altLang="en-US" sz="2000" dirty="0">
-                <a:solidFill>
-                  <a:schemeClr val="tx1"/>
-                </a:solidFill>
-                <a:latin typeface="Arial" panose="020B0604020202020204" pitchFamily="34" charset="0"/>
-                <a:ea typeface="Calibri" panose="020F0502020204030204" pitchFamily="34" charset="0"/>
-                <a:cs typeface="Arial" panose="020B0604020202020204" pitchFamily="34" charset="0"/>
-              </a:rPr>
-            </a:br>
-            <a:r>
-              <a:rPr lang="es-ES" altLang="en-US" sz="2000" dirty="0">
-                <a:solidFill>
-                  <a:schemeClr val="tx1"/>
-                </a:solidFill>
-                <a:latin typeface="Arial" panose="020B0604020202020204" pitchFamily="34" charset="0"/>
-                <a:ea typeface="Calibri" panose="020F0502020204030204" pitchFamily="34" charset="0"/>
-                <a:cs typeface="Arial" panose="020B0604020202020204" pitchFamily="34" charset="0"/>
-              </a:rPr>
-              <a:t/>
-            </a:r>
-            <a:br>
-              <a:rPr lang="es-ES" altLang="en-US" sz="2000" dirty="0">
-                <a:solidFill>
-                  <a:schemeClr val="tx1"/>
-                </a:solidFill>
-                <a:latin typeface="Arial" panose="020B0604020202020204" pitchFamily="34" charset="0"/>
-                <a:ea typeface="Calibri" panose="020F0502020204030204" pitchFamily="34" charset="0"/>
-                <a:cs typeface="Arial" panose="020B0604020202020204" pitchFamily="34" charset="0"/>
-              </a:rPr>
-            </a:br>
-            <a:r>
-              <a:rPr lang="es-ES" altLang="en-US" sz="2000" dirty="0">
-                <a:solidFill>
-                  <a:schemeClr val="tx1"/>
-                </a:solidFill>
-                <a:latin typeface="Arial" panose="020B0604020202020204" pitchFamily="34" charset="0"/>
-                <a:ea typeface="Times New Roman" panose="02020603050405020304" pitchFamily="18" charset="0"/>
-                <a:cs typeface="Arial" panose="020B0604020202020204" pitchFamily="34" charset="0"/>
-              </a:rPr>
-              <a:t>Por ejemplo, aplicando estilos mediante etiquetas </a:t>
-            </a:r>
-            <a:r>
-              <a:rPr lang="es-ES" altLang="en-US" sz="2000" dirty="0" err="1">
-                <a:solidFill>
-                  <a:schemeClr val="tx1"/>
-                </a:solidFill>
-                <a:latin typeface="Arial" panose="020B0604020202020204" pitchFamily="34" charset="0"/>
-                <a:ea typeface="Times New Roman" panose="02020603050405020304" pitchFamily="18" charset="0"/>
-                <a:cs typeface="Arial" panose="020B0604020202020204" pitchFamily="34" charset="0"/>
-              </a:rPr>
-              <a:t>presentacionales</a:t>
-            </a:r>
-            <a:r>
-              <a:rPr lang="es-ES" altLang="en-US" sz="2000" dirty="0">
-                <a:solidFill>
-                  <a:schemeClr val="tx1"/>
-                </a:solidFill>
-                <a:latin typeface="Arial" panose="020B0604020202020204" pitchFamily="34" charset="0"/>
-                <a:ea typeface="Times New Roman" panose="02020603050405020304" pitchFamily="18" charset="0"/>
-                <a:cs typeface="Arial" panose="020B0604020202020204" pitchFamily="34" charset="0"/>
-              </a:rPr>
-              <a:t> HTML, un elemento h1 definido con texto rojo se puede representar como:</a:t>
-            </a:r>
-            <a:r>
-              <a:rPr lang="en-US" altLang="en-US" sz="2000" dirty="0">
-                <a:solidFill>
-                  <a:schemeClr val="tx1"/>
-                </a:solidFill>
-                <a:latin typeface="Arial" panose="020B0604020202020204" pitchFamily="34" charset="0"/>
-                <a:cs typeface="Arial" panose="020B0604020202020204" pitchFamily="34" charset="0"/>
-              </a:rPr>
-              <a:t/>
-            </a:r>
-            <a:br>
-              <a:rPr lang="en-US" altLang="en-US" sz="2000" dirty="0">
-                <a:solidFill>
-                  <a:schemeClr val="tx1"/>
-                </a:solidFill>
-                <a:latin typeface="Arial" panose="020B0604020202020204" pitchFamily="34" charset="0"/>
-                <a:cs typeface="Arial" panose="020B0604020202020204" pitchFamily="34" charset="0"/>
-              </a:rPr>
-            </a:br>
-            <a:r>
-              <a:rPr lang="es-ES" altLang="en-US" sz="2000" dirty="0">
-                <a:solidFill>
-                  <a:srgbClr val="000000"/>
-                </a:solidFill>
-                <a:latin typeface="Arial" panose="020B0604020202020204" pitchFamily="34" charset="0"/>
-                <a:ea typeface="Times New Roman" panose="02020603050405020304" pitchFamily="18" charset="0"/>
-                <a:cs typeface="Arial" panose="020B0604020202020204" pitchFamily="34" charset="0"/>
-              </a:rPr>
-              <a:t>&lt;</a:t>
-            </a:r>
-            <a:r>
-              <a:rPr lang="es-ES" altLang="en-US" sz="2000" b="1" dirty="0">
-                <a:solidFill>
-                  <a:srgbClr val="008000"/>
-                </a:solidFill>
-                <a:latin typeface="Arial" panose="020B0604020202020204" pitchFamily="34" charset="0"/>
-                <a:ea typeface="Times New Roman" panose="02020603050405020304" pitchFamily="18" charset="0"/>
-                <a:cs typeface="Arial" panose="020B0604020202020204" pitchFamily="34" charset="0"/>
-              </a:rPr>
-              <a:t>h1</a:t>
-            </a:r>
-            <a:r>
-              <a:rPr lang="es-ES" altLang="en-US" sz="2000" dirty="0">
-                <a:solidFill>
-                  <a:srgbClr val="000000"/>
-                </a:solidFill>
-                <a:latin typeface="Arial" panose="020B0604020202020204" pitchFamily="34" charset="0"/>
-                <a:ea typeface="Times New Roman" panose="02020603050405020304" pitchFamily="18" charset="0"/>
-                <a:cs typeface="Arial" panose="020B0604020202020204" pitchFamily="34" charset="0"/>
-              </a:rPr>
-              <a:t>&gt;&lt;</a:t>
-            </a:r>
-            <a:r>
-              <a:rPr lang="es-ES" altLang="en-US" sz="2000" b="1" dirty="0" err="1">
-                <a:solidFill>
-                  <a:srgbClr val="008000"/>
-                </a:solidFill>
-                <a:latin typeface="Arial" panose="020B0604020202020204" pitchFamily="34" charset="0"/>
-                <a:ea typeface="Times New Roman" panose="02020603050405020304" pitchFamily="18" charset="0"/>
-                <a:cs typeface="Arial" panose="020B0604020202020204" pitchFamily="34" charset="0"/>
-              </a:rPr>
-              <a:t>font</a:t>
-            </a:r>
-            <a:r>
-              <a:rPr lang="es-ES" altLang="en-US" sz="2000" dirty="0">
-                <a:solidFill>
-                  <a:srgbClr val="000000"/>
-                </a:solidFill>
-                <a:latin typeface="Arial" panose="020B0604020202020204" pitchFamily="34" charset="0"/>
-                <a:ea typeface="Times New Roman" panose="02020603050405020304" pitchFamily="18" charset="0"/>
-                <a:cs typeface="Arial" panose="020B0604020202020204" pitchFamily="34" charset="0"/>
-              </a:rPr>
-              <a:t> </a:t>
-            </a:r>
-            <a:r>
-              <a:rPr lang="es-ES" altLang="en-US" sz="2000" dirty="0">
-                <a:solidFill>
-                  <a:srgbClr val="7D9029"/>
-                </a:solidFill>
-                <a:latin typeface="Arial" panose="020B0604020202020204" pitchFamily="34" charset="0"/>
-                <a:ea typeface="Times New Roman" panose="02020603050405020304" pitchFamily="18" charset="0"/>
-                <a:cs typeface="Arial" panose="020B0604020202020204" pitchFamily="34" charset="0"/>
-              </a:rPr>
-              <a:t>color</a:t>
-            </a:r>
-            <a:r>
-              <a:rPr lang="es-ES" altLang="en-US" sz="2000" dirty="0">
-                <a:solidFill>
-                  <a:srgbClr val="666666"/>
-                </a:solidFill>
-                <a:latin typeface="Arial" panose="020B0604020202020204" pitchFamily="34" charset="0"/>
-                <a:cs typeface="Arial" panose="020B0604020202020204" pitchFamily="34" charset="0"/>
-              </a:rPr>
-              <a:t>=</a:t>
-            </a:r>
-            <a:r>
-              <a:rPr lang="es-ES" altLang="en-US" sz="2000" dirty="0">
-                <a:solidFill>
-                  <a:srgbClr val="BA2121"/>
-                </a:solidFill>
-                <a:latin typeface="Arial" panose="020B0604020202020204" pitchFamily="34" charset="0"/>
-                <a:ea typeface="Times New Roman" panose="02020603050405020304" pitchFamily="18" charset="0"/>
-                <a:cs typeface="Arial" panose="020B0604020202020204" pitchFamily="34" charset="0"/>
-              </a:rPr>
-              <a:t>"red"</a:t>
-            </a:r>
-            <a:r>
-              <a:rPr lang="es-ES" altLang="en-US" sz="2000" dirty="0">
-                <a:solidFill>
-                  <a:srgbClr val="000000"/>
-                </a:solidFill>
-                <a:latin typeface="Arial" panose="020B0604020202020204" pitchFamily="34" charset="0"/>
-                <a:ea typeface="Times New Roman" panose="02020603050405020304" pitchFamily="18" charset="0"/>
-                <a:cs typeface="Arial" panose="020B0604020202020204" pitchFamily="34" charset="0"/>
-              </a:rPr>
-              <a:t>&gt; Capítulo 1. &lt;/</a:t>
-            </a:r>
-            <a:r>
-              <a:rPr lang="es-ES" altLang="en-US" sz="2000" b="1" dirty="0" err="1">
-                <a:solidFill>
-                  <a:srgbClr val="008000"/>
-                </a:solidFill>
-                <a:latin typeface="Arial" panose="020B0604020202020204" pitchFamily="34" charset="0"/>
-                <a:ea typeface="Times New Roman" panose="02020603050405020304" pitchFamily="18" charset="0"/>
-                <a:cs typeface="Arial" panose="020B0604020202020204" pitchFamily="34" charset="0"/>
-              </a:rPr>
-              <a:t>font</a:t>
-            </a:r>
-            <a:r>
-              <a:rPr lang="es-ES" altLang="en-US" sz="2000" dirty="0">
-                <a:solidFill>
-                  <a:srgbClr val="000000"/>
-                </a:solidFill>
-                <a:latin typeface="Arial" panose="020B0604020202020204" pitchFamily="34" charset="0"/>
-                <a:ea typeface="Times New Roman" panose="02020603050405020304" pitchFamily="18" charset="0"/>
-                <a:cs typeface="Arial" panose="020B0604020202020204" pitchFamily="34" charset="0"/>
-              </a:rPr>
-              <a:t>&gt;&lt;/</a:t>
-            </a:r>
-            <a:r>
-              <a:rPr lang="es-ES" altLang="en-US" sz="2000" b="1" dirty="0">
-                <a:solidFill>
-                  <a:srgbClr val="008000"/>
-                </a:solidFill>
-                <a:latin typeface="Arial" panose="020B0604020202020204" pitchFamily="34" charset="0"/>
-                <a:ea typeface="Times New Roman" panose="02020603050405020304" pitchFamily="18" charset="0"/>
-                <a:cs typeface="Arial" panose="020B0604020202020204" pitchFamily="34" charset="0"/>
-              </a:rPr>
-              <a:t>h1</a:t>
-            </a:r>
-            <a:r>
-              <a:rPr lang="es-ES" altLang="en-US" sz="2000" dirty="0">
-                <a:solidFill>
-                  <a:srgbClr val="000000"/>
-                </a:solidFill>
-                <a:latin typeface="Arial" panose="020B0604020202020204" pitchFamily="34" charset="0"/>
-                <a:ea typeface="Times New Roman" panose="02020603050405020304" pitchFamily="18" charset="0"/>
-                <a:cs typeface="Arial" panose="020B0604020202020204" pitchFamily="34" charset="0"/>
-              </a:rPr>
-              <a:t>&gt;</a:t>
-            </a:r>
-            <a:r>
-              <a:rPr lang="en-US" altLang="en-US" sz="2000" dirty="0">
-                <a:solidFill>
-                  <a:schemeClr val="tx1"/>
-                </a:solidFill>
-                <a:latin typeface="Arial" panose="020B0604020202020204" pitchFamily="34" charset="0"/>
-                <a:ea typeface="Times New Roman" panose="02020603050405020304" pitchFamily="18" charset="0"/>
-                <a:cs typeface="Arial" panose="020B0604020202020204" pitchFamily="34" charset="0"/>
-              </a:rPr>
-              <a:t/>
-            </a:r>
-            <a:br>
-              <a:rPr lang="en-US" altLang="en-US" sz="2000" dirty="0">
-                <a:solidFill>
-                  <a:schemeClr val="tx1"/>
-                </a:solidFill>
-                <a:latin typeface="Arial" panose="020B0604020202020204" pitchFamily="34" charset="0"/>
-                <a:ea typeface="Times New Roman" panose="02020603050405020304" pitchFamily="18" charset="0"/>
-                <a:cs typeface="Arial" panose="020B0604020202020204" pitchFamily="34" charset="0"/>
-              </a:rPr>
-            </a:br>
-            <a:r>
-              <a:rPr lang="es-ES" altLang="en-US" sz="2000" dirty="0">
-                <a:solidFill>
-                  <a:srgbClr val="222222"/>
-                </a:solidFill>
-                <a:latin typeface="Arial" panose="020B0604020202020204" pitchFamily="34" charset="0"/>
-                <a:ea typeface="Times New Roman" panose="02020603050405020304" pitchFamily="18" charset="0"/>
-                <a:cs typeface="Arial" panose="020B0604020202020204" pitchFamily="34" charset="0"/>
-              </a:rPr>
-              <a:t>Usando CSS, el mismo elemento puede escribirse usando propiedades de estilo </a:t>
-            </a:r>
-            <a:r>
-              <a:rPr lang="es-ES" altLang="en-US" sz="2000" i="1" dirty="0" err="1">
-                <a:solidFill>
-                  <a:srgbClr val="222222"/>
-                </a:solidFill>
-                <a:latin typeface="Arial" panose="020B0604020202020204" pitchFamily="34" charset="0"/>
-                <a:ea typeface="Times New Roman" panose="02020603050405020304" pitchFamily="18" charset="0"/>
-                <a:cs typeface="Arial" panose="020B0604020202020204" pitchFamily="34" charset="0"/>
-              </a:rPr>
-              <a:t>inline</a:t>
-            </a:r>
-            <a:r>
-              <a:rPr lang="es-ES" altLang="en-US" sz="2000" dirty="0">
-                <a:solidFill>
-                  <a:srgbClr val="222222"/>
-                </a:solidFill>
-                <a:latin typeface="Arial" panose="020B0604020202020204" pitchFamily="34" charset="0"/>
-                <a:ea typeface="Times New Roman" panose="02020603050405020304" pitchFamily="18" charset="0"/>
-                <a:cs typeface="Arial" panose="020B0604020202020204" pitchFamily="34" charset="0"/>
-              </a:rPr>
-              <a:t> en vez de atributos y etiquetas de presentación:</a:t>
-            </a:r>
-            <a:r>
-              <a:rPr lang="en-US" altLang="en-US" sz="2000" dirty="0">
-                <a:solidFill>
-                  <a:schemeClr val="tx1"/>
-                </a:solidFill>
-                <a:latin typeface="Arial" panose="020B0604020202020204" pitchFamily="34" charset="0"/>
-                <a:cs typeface="Arial" panose="020B0604020202020204" pitchFamily="34" charset="0"/>
-              </a:rPr>
-              <a:t/>
-            </a:r>
-            <a:br>
-              <a:rPr lang="en-US" altLang="en-US" sz="2000" dirty="0">
-                <a:solidFill>
-                  <a:schemeClr val="tx1"/>
-                </a:solidFill>
-                <a:latin typeface="Arial" panose="020B0604020202020204" pitchFamily="34" charset="0"/>
-                <a:cs typeface="Arial" panose="020B0604020202020204" pitchFamily="34" charset="0"/>
-              </a:rPr>
-            </a:br>
-            <a:r>
-              <a:rPr lang="es-ES" altLang="en-US" sz="2000" dirty="0">
-                <a:solidFill>
-                  <a:srgbClr val="000000"/>
-                </a:solidFill>
-                <a:latin typeface="Arial" panose="020B0604020202020204" pitchFamily="34" charset="0"/>
-                <a:ea typeface="Times New Roman" panose="02020603050405020304" pitchFamily="18" charset="0"/>
-                <a:cs typeface="Arial" panose="020B0604020202020204" pitchFamily="34" charset="0"/>
-              </a:rPr>
-              <a:t>&lt;</a:t>
-            </a:r>
-            <a:r>
-              <a:rPr lang="es-ES" altLang="en-US" sz="2000" b="1" dirty="0">
-                <a:solidFill>
-                  <a:srgbClr val="008000"/>
-                </a:solidFill>
-                <a:latin typeface="Arial" panose="020B0604020202020204" pitchFamily="34" charset="0"/>
-                <a:ea typeface="Times New Roman" panose="02020603050405020304" pitchFamily="18" charset="0"/>
-                <a:cs typeface="Arial" panose="020B0604020202020204" pitchFamily="34" charset="0"/>
-              </a:rPr>
-              <a:t>h1</a:t>
-            </a:r>
-            <a:r>
-              <a:rPr lang="es-ES" altLang="en-US" sz="2000" dirty="0">
-                <a:solidFill>
-                  <a:srgbClr val="000000"/>
-                </a:solidFill>
-                <a:latin typeface="Arial" panose="020B0604020202020204" pitchFamily="34" charset="0"/>
-                <a:ea typeface="Times New Roman" panose="02020603050405020304" pitchFamily="18" charset="0"/>
-                <a:cs typeface="Arial" panose="020B0604020202020204" pitchFamily="34" charset="0"/>
-              </a:rPr>
-              <a:t> </a:t>
-            </a:r>
-            <a:r>
-              <a:rPr lang="es-ES" altLang="en-US" sz="2000" dirty="0" err="1">
-                <a:solidFill>
-                  <a:srgbClr val="7D9029"/>
-                </a:solidFill>
-                <a:latin typeface="Arial" panose="020B0604020202020204" pitchFamily="34" charset="0"/>
-                <a:ea typeface="Times New Roman" panose="02020603050405020304" pitchFamily="18" charset="0"/>
-                <a:cs typeface="Arial" panose="020B0604020202020204" pitchFamily="34" charset="0"/>
-              </a:rPr>
-              <a:t>style</a:t>
-            </a:r>
-            <a:r>
-              <a:rPr lang="es-ES" altLang="en-US" sz="2000" dirty="0">
-                <a:solidFill>
-                  <a:srgbClr val="666666"/>
-                </a:solidFill>
-                <a:latin typeface="Arial" panose="020B0604020202020204" pitchFamily="34" charset="0"/>
-                <a:cs typeface="Arial" panose="020B0604020202020204" pitchFamily="34" charset="0"/>
-              </a:rPr>
-              <a:t>=</a:t>
-            </a:r>
-            <a:r>
-              <a:rPr lang="es-ES" altLang="en-US" sz="2000" dirty="0">
-                <a:solidFill>
-                  <a:srgbClr val="BA2121"/>
-                </a:solidFill>
-                <a:latin typeface="Arial" panose="020B0604020202020204" pitchFamily="34" charset="0"/>
-                <a:ea typeface="Times New Roman" panose="02020603050405020304" pitchFamily="18" charset="0"/>
-                <a:cs typeface="Arial" panose="020B0604020202020204" pitchFamily="34" charset="0"/>
-              </a:rPr>
-              <a:t>"color: red;"</a:t>
-            </a:r>
-            <a:r>
-              <a:rPr lang="es-ES" altLang="en-US" sz="2000" dirty="0">
-                <a:solidFill>
-                  <a:srgbClr val="000000"/>
-                </a:solidFill>
-                <a:latin typeface="Arial" panose="020B0604020202020204" pitchFamily="34" charset="0"/>
-                <a:ea typeface="Times New Roman" panose="02020603050405020304" pitchFamily="18" charset="0"/>
-                <a:cs typeface="Arial" panose="020B0604020202020204" pitchFamily="34" charset="0"/>
-              </a:rPr>
-              <a:t>&gt; Capítulo 1. &lt;/</a:t>
-            </a:r>
-            <a:r>
-              <a:rPr lang="es-ES" altLang="en-US" sz="2000" b="1" dirty="0">
-                <a:solidFill>
-                  <a:srgbClr val="008000"/>
-                </a:solidFill>
-                <a:latin typeface="Arial" panose="020B0604020202020204" pitchFamily="34" charset="0"/>
-                <a:ea typeface="Times New Roman" panose="02020603050405020304" pitchFamily="18" charset="0"/>
-                <a:cs typeface="Arial" panose="020B0604020202020204" pitchFamily="34" charset="0"/>
-              </a:rPr>
-              <a:t>h1</a:t>
-            </a:r>
-            <a:r>
-              <a:rPr lang="es-ES" altLang="en-US" sz="2000" dirty="0">
-                <a:solidFill>
-                  <a:srgbClr val="000000"/>
-                </a:solidFill>
-                <a:latin typeface="Arial" panose="020B0604020202020204" pitchFamily="34" charset="0"/>
-                <a:ea typeface="Times New Roman" panose="02020603050405020304" pitchFamily="18" charset="0"/>
-                <a:cs typeface="Arial" panose="020B0604020202020204" pitchFamily="34" charset="0"/>
-              </a:rPr>
-              <a:t>&gt;</a:t>
-            </a:r>
-            <a:endParaRPr kumimoji="0" lang="es-ES" altLang="en-US" sz="2000" b="0" i="0" u="none" strike="noStrike" cap="none" normalizeH="0" baseline="0" dirty="0" smtClean="0">
-              <a:ln>
-                <a:noFill/>
-              </a:ln>
-              <a:solidFill>
-                <a:schemeClr val="tx1"/>
-              </a:solidFill>
-              <a:effectLst/>
-              <a:latin typeface="Arial" panose="020B0604020202020204" pitchFamily="34" charset="0"/>
-              <a:cs typeface="Arial" panose="020B0604020202020204" pitchFamily="34" charset="0"/>
-            </a:endParaRPr>
-          </a:p>
-        </p:txBody>
-      </p:sp>
-    </p:spTree>
-    <p:extLst>
-      <p:ext uri="{BB962C8B-B14F-4D97-AF65-F5344CB8AC3E}">
-        <p14:creationId xmlns:p14="http://schemas.microsoft.com/office/powerpoint/2010/main" val="3543684581"/>
-      </p:ext>
-    </p:extLst>
-  </p:cSld>
-  <p:clrMapOvr>
-    <a:masterClrMapping/>
-  </p:clrMapOvr>
-  <p:timing>
-    <p:tnLst>
-      <p:par>
-        <p:cTn id="1" dur="indefinite" restart="never" nodeType="tmRoot"/>
-      </p:par>
-    </p:tnLst>
-  </p:timing>
-</p:sld>
-</file>
-
-<file path=ppt/slides/slide23.xml><?xml version="1.0" encoding="utf-8"?>
-<p:sld xmlns:a="http://schemas.openxmlformats.org/drawingml/2006/main" xmlns:r="http://schemas.openxmlformats.org/officeDocument/2006/relationships" xmlns:p="http://schemas.openxmlformats.org/presentationml/2006/main">
-  <p:cSld>
-    <p:spTree>
-      <p:nvGrpSpPr>
-        <p:cNvPr id="1" name=""/>
-        <p:cNvGrpSpPr/>
-        <p:nvPr/>
-      </p:nvGrpSpPr>
-      <p:grpSpPr>
-        <a:xfrm>
-          <a:off x="0" y="0"/>
-          <a:ext cx="0" cy="0"/>
-          <a:chOff x="0" y="0"/>
-          <a:chExt cx="0" cy="0"/>
-        </a:xfrm>
-      </p:grpSpPr>
-      <p:sp>
-        <p:nvSpPr>
-          <p:cNvPr id="2" name="Título 1"/>
-          <p:cNvSpPr>
-            <a:spLocks noGrp="1"/>
-          </p:cNvSpPr>
-          <p:nvPr>
-            <p:ph type="title"/>
-          </p:nvPr>
-        </p:nvSpPr>
-        <p:spPr>
-          <a:xfrm>
-            <a:off x="864326" y="1240971"/>
-            <a:ext cx="10147663" cy="5225143"/>
-          </a:xfrm>
-        </p:spPr>
-        <p:txBody>
-          <a:bodyPr>
-            <a:normAutofit fontScale="90000"/>
-          </a:bodyPr>
-          <a:lstStyle/>
-          <a:p>
-            <a:r>
-              <a:rPr lang="es-NI" sz="2000" b="1" dirty="0">
-                <a:latin typeface="Arial" panose="020B0604020202020204" pitchFamily="34" charset="0"/>
-                <a:cs typeface="Arial" panose="020B0604020202020204" pitchFamily="34" charset="0"/>
-              </a:rPr>
-              <a:t>Fuentes</a:t>
-            </a:r>
-            <a:r>
-              <a:rPr lang="en-US" sz="2000" b="1" dirty="0">
-                <a:latin typeface="Arial" panose="020B0604020202020204" pitchFamily="34" charset="0"/>
-                <a:cs typeface="Arial" panose="020B0604020202020204" pitchFamily="34" charset="0"/>
-              </a:rPr>
-              <a:t/>
-            </a:r>
-            <a:br>
-              <a:rPr lang="en-US" sz="2000" b="1" dirty="0">
-                <a:latin typeface="Arial" panose="020B0604020202020204" pitchFamily="34" charset="0"/>
-                <a:cs typeface="Arial" panose="020B0604020202020204" pitchFamily="34" charset="0"/>
-              </a:rPr>
-            </a:br>
-            <a:r>
-              <a:rPr lang="es-ES" sz="2000" dirty="0">
-                <a:latin typeface="Arial" panose="020B0604020202020204" pitchFamily="34" charset="0"/>
-                <a:cs typeface="Arial" panose="020B0604020202020204" pitchFamily="34" charset="0"/>
-              </a:rPr>
-              <a:t>Los estilos CSS pueden ser provistos desde varias fuentes. Esas fuentes pueden ser el navegador web, el usuario y el diseñador. </a:t>
-            </a:r>
-            <a:r>
-              <a:rPr lang="es-ES" sz="2000" dirty="0" smtClean="0">
-                <a:latin typeface="Arial" panose="020B0604020202020204" pitchFamily="34" charset="0"/>
-                <a:cs typeface="Arial" panose="020B0604020202020204" pitchFamily="34" charset="0"/>
-              </a:rPr>
-              <a:t/>
-            </a:r>
-            <a:br>
-              <a:rPr lang="es-ES" sz="2000" dirty="0" smtClean="0">
-                <a:latin typeface="Arial" panose="020B0604020202020204" pitchFamily="34" charset="0"/>
-                <a:cs typeface="Arial" panose="020B0604020202020204" pitchFamily="34" charset="0"/>
-              </a:rPr>
-            </a:br>
-            <a:r>
-              <a:rPr lang="es-ES" sz="2000" dirty="0">
-                <a:latin typeface="Arial" panose="020B0604020202020204" pitchFamily="34" charset="0"/>
-                <a:cs typeface="Arial" panose="020B0604020202020204" pitchFamily="34" charset="0"/>
-              </a:rPr>
-              <a:t>Una de las metas de CSS es permitir a los usuarios un mayor control sobre la presentación</a:t>
-            </a:r>
-            <a:r>
-              <a:rPr lang="es-ES" sz="2000" dirty="0" smtClean="0">
-                <a:latin typeface="Arial" panose="020B0604020202020204" pitchFamily="34" charset="0"/>
-                <a:cs typeface="Arial" panose="020B0604020202020204" pitchFamily="34" charset="0"/>
-              </a:rPr>
-              <a:t>.</a:t>
-            </a:r>
-            <a:br>
-              <a:rPr lang="es-ES" sz="2000" dirty="0" smtClean="0">
-                <a:latin typeface="Arial" panose="020B0604020202020204" pitchFamily="34" charset="0"/>
-                <a:cs typeface="Arial" panose="020B0604020202020204" pitchFamily="34" charset="0"/>
-              </a:rPr>
-            </a:br>
-            <a:r>
-              <a:rPr lang="es-NI" sz="2000" dirty="0">
-                <a:latin typeface="Arial" panose="020B0604020202020204" pitchFamily="34" charset="0"/>
-                <a:cs typeface="Arial" panose="020B0604020202020204" pitchFamily="34" charset="0"/>
-              </a:rPr>
-              <a:t>La herencia previene que algunas propiedades sean declaradas una y otra vez en la hoja de estilos, permitiendo a los diseñadores escribir menos código CSS. Mejora la carga rápida de los sitios por los usuarios, y permite a los clientes ahorrar dinero en los costos de desarrollo y ancho de banda</a:t>
-            </a:r>
-            <a:r>
-              <a:rPr lang="es-NI" sz="2000" dirty="0" smtClean="0">
-                <a:latin typeface="Arial" panose="020B0604020202020204" pitchFamily="34" charset="0"/>
-                <a:cs typeface="Arial" panose="020B0604020202020204" pitchFamily="34" charset="0"/>
-              </a:rPr>
-              <a:t>.</a:t>
-            </a:r>
-            <a:br>
-              <a:rPr lang="es-NI" sz="2000" dirty="0" smtClean="0">
-                <a:latin typeface="Arial" panose="020B0604020202020204" pitchFamily="34" charset="0"/>
-                <a:cs typeface="Arial" panose="020B0604020202020204" pitchFamily="34" charset="0"/>
-              </a:rPr>
-            </a:br>
-            <a:r>
-              <a:rPr lang="es-NI" sz="2000" dirty="0" smtClean="0">
-                <a:latin typeface="Arial" panose="020B0604020202020204" pitchFamily="34" charset="0"/>
-                <a:cs typeface="Arial" panose="020B0604020202020204" pitchFamily="34" charset="0"/>
-              </a:rPr>
-              <a:t/>
-            </a:r>
-            <a:br>
-              <a:rPr lang="es-NI" sz="2000" dirty="0" smtClean="0">
-                <a:latin typeface="Arial" panose="020B0604020202020204" pitchFamily="34" charset="0"/>
-                <a:cs typeface="Arial" panose="020B0604020202020204" pitchFamily="34" charset="0"/>
-              </a:rPr>
-            </a:br>
-            <a:r>
-              <a:rPr lang="es-NI" sz="2200" b="1" dirty="0">
-                <a:latin typeface="Arial" panose="020B0604020202020204" pitchFamily="34" charset="0"/>
-                <a:cs typeface="Arial" panose="020B0604020202020204" pitchFamily="34" charset="0"/>
-              </a:rPr>
-              <a:t>JavaScript</a:t>
-            </a:r>
-            <a:r>
-              <a:rPr lang="en-US" sz="2200" b="1" dirty="0">
-                <a:latin typeface="Arial" panose="020B0604020202020204" pitchFamily="34" charset="0"/>
-                <a:cs typeface="Arial" panose="020B0604020202020204" pitchFamily="34" charset="0"/>
-              </a:rPr>
-              <a:t/>
-            </a:r>
-            <a:br>
-              <a:rPr lang="en-US" sz="2200" b="1" dirty="0">
-                <a:latin typeface="Arial" panose="020B0604020202020204" pitchFamily="34" charset="0"/>
-                <a:cs typeface="Arial" panose="020B0604020202020204" pitchFamily="34" charset="0"/>
-              </a:rPr>
-            </a:br>
-            <a:r>
-              <a:rPr lang="es-NI" sz="2200" dirty="0">
-                <a:latin typeface="Arial" panose="020B0604020202020204" pitchFamily="34" charset="0"/>
-                <a:cs typeface="Arial" panose="020B0604020202020204" pitchFamily="34" charset="0"/>
-              </a:rPr>
-              <a:t> Abreviado comúnmente como “</a:t>
-            </a:r>
-            <a:r>
-              <a:rPr lang="es-NI" sz="2200" b="1" dirty="0">
-                <a:latin typeface="Arial" panose="020B0604020202020204" pitchFamily="34" charset="0"/>
-                <a:cs typeface="Arial" panose="020B0604020202020204" pitchFamily="34" charset="0"/>
-              </a:rPr>
-              <a:t>JS</a:t>
-            </a:r>
-            <a:r>
-              <a:rPr lang="es-NI" sz="2200" dirty="0">
-                <a:latin typeface="Arial" panose="020B0604020202020204" pitchFamily="34" charset="0"/>
-                <a:cs typeface="Arial" panose="020B0604020202020204" pitchFamily="34" charset="0"/>
-              </a:rPr>
-              <a:t>”, JavaScript es un lenguaje de programación interpretado, dialecto del estándar </a:t>
-            </a:r>
-            <a:r>
-              <a:rPr lang="es-NI" sz="2200" dirty="0" err="1">
-                <a:latin typeface="Arial" panose="020B0604020202020204" pitchFamily="34" charset="0"/>
-                <a:cs typeface="Arial" panose="020B0604020202020204" pitchFamily="34" charset="0"/>
-              </a:rPr>
-              <a:t>ECMAScript</a:t>
-            </a:r>
-            <a:r>
-              <a:rPr lang="es-NI" sz="2200" dirty="0">
-                <a:latin typeface="Arial" panose="020B0604020202020204" pitchFamily="34" charset="0"/>
-                <a:cs typeface="Arial" panose="020B0604020202020204" pitchFamily="34" charset="0"/>
-              </a:rPr>
-              <a:t>, utilizado para crear páginas Web dinámicas, con acciones y animaciones. Además, al ser un lenguaje interpretado, no es necesario compilar los programas ejecutados, es decir, un programa escrito en JavaScript se puede probar directamente sin necesidad de procesos intermedios y sin tener que instalar ningún otro programa para su visualización. </a:t>
-            </a:r>
-            <a:endParaRPr lang="en-US" sz="2200" dirty="0">
-              <a:latin typeface="Arial" panose="020B0604020202020204" pitchFamily="34" charset="0"/>
-              <a:cs typeface="Arial" panose="020B0604020202020204" pitchFamily="34" charset="0"/>
-            </a:endParaRPr>
-          </a:p>
-        </p:txBody>
-      </p:sp>
-    </p:spTree>
-    <p:extLst>
-      <p:ext uri="{BB962C8B-B14F-4D97-AF65-F5344CB8AC3E}">
-        <p14:creationId xmlns:p14="http://schemas.microsoft.com/office/powerpoint/2010/main" val="2316156401"/>
-      </p:ext>
-    </p:extLst>
-  </p:cSld>
-  <p:clrMapOvr>
-    <a:masterClrMapping/>
-  </p:clrMapOvr>
-  <p:timing>
-    <p:tnLst>
-      <p:par>
-        <p:cTn id="1" dur="indefinite" restart="never" nodeType="tmRoot"/>
-      </p:par>
-    </p:tnLst>
-  </p:timing>
-</p:sld>
-</file>
-
-<file path=ppt/slides/slide24.xml><?xml version="1.0" encoding="utf-8"?>
-<p:sld xmlns:a="http://schemas.openxmlformats.org/drawingml/2006/main" xmlns:r="http://schemas.openxmlformats.org/officeDocument/2006/relationships" xmlns:p="http://schemas.openxmlformats.org/presentationml/2006/main">
-  <p:cSld>
-    <p:spTree>
-      <p:nvGrpSpPr>
-        <p:cNvPr id="1" name=""/>
-        <p:cNvGrpSpPr/>
-        <p:nvPr/>
-      </p:nvGrpSpPr>
-      <p:grpSpPr>
-        <a:xfrm>
-          <a:off x="0" y="0"/>
-          <a:ext cx="0" cy="0"/>
-          <a:chOff x="0" y="0"/>
-          <a:chExt cx="0" cy="0"/>
-        </a:xfrm>
-      </p:grpSpPr>
-      <p:sp>
-        <p:nvSpPr>
-          <p:cNvPr id="2" name="Título 1"/>
-          <p:cNvSpPr>
-            <a:spLocks noGrp="1"/>
-          </p:cNvSpPr>
-          <p:nvPr>
-            <p:ph type="title"/>
-          </p:nvPr>
-        </p:nvSpPr>
-        <p:spPr>
-          <a:xfrm>
-            <a:off x="1243148" y="1175022"/>
-            <a:ext cx="10515600" cy="4272189"/>
-          </a:xfrm>
-        </p:spPr>
-        <p:txBody>
-          <a:bodyPr>
-            <a:noAutofit/>
-          </a:bodyPr>
-          <a:lstStyle/>
-          <a:p>
-            <a:r>
-              <a:rPr lang="es-NI" sz="2000" dirty="0">
-                <a:latin typeface="Arial" panose="020B0604020202020204" pitchFamily="34" charset="0"/>
-                <a:cs typeface="Arial" panose="020B0604020202020204" pitchFamily="34" charset="0"/>
-              </a:rPr>
-              <a:t>JavaScript es un lenguaje interpretado sin un tiempo de compilación, haciendo posible desplegar código o programas con errores. Por ello, muchas veces hace que el desarrollo sea un tanto difícil puesto que no dispone de un control mayor en su ejecución</a:t>
-            </a:r>
-            <a:r>
-              <a:rPr lang="es-NI" sz="2000" dirty="0" smtClean="0">
-                <a:latin typeface="Arial" panose="020B0604020202020204" pitchFamily="34" charset="0"/>
-                <a:cs typeface="Arial" panose="020B0604020202020204" pitchFamily="34" charset="0"/>
-              </a:rPr>
-              <a:t>.</a:t>
-            </a:r>
-            <a:br>
-              <a:rPr lang="es-NI" sz="2000" dirty="0" smtClean="0">
-                <a:latin typeface="Arial" panose="020B0604020202020204" pitchFamily="34" charset="0"/>
-                <a:cs typeface="Arial" panose="020B0604020202020204" pitchFamily="34" charset="0"/>
-              </a:rPr>
-            </a:br>
-            <a:r>
-              <a:rPr lang="es-NI" sz="2000" dirty="0" smtClean="0">
-                <a:latin typeface="Arial" panose="020B0604020202020204" pitchFamily="34" charset="0"/>
-                <a:cs typeface="Arial" panose="020B0604020202020204" pitchFamily="34" charset="0"/>
-              </a:rPr>
-              <a:t> </a:t>
-            </a:r>
-            <a:r>
-              <a:rPr lang="es-NI" sz="2000" u="sng" dirty="0">
-                <a:latin typeface="Arial" panose="020B0604020202020204" pitchFamily="34" charset="0"/>
-                <a:cs typeface="Arial" panose="020B0604020202020204" pitchFamily="34" charset="0"/>
-              </a:rPr>
-              <a:t>Framework7</a:t>
-            </a:r>
-            <a:r>
-              <a:rPr lang="es-NI" sz="2000" dirty="0">
-                <a:latin typeface="Arial" panose="020B0604020202020204" pitchFamily="34" charset="0"/>
-                <a:cs typeface="Arial" panose="020B0604020202020204" pitchFamily="34" charset="0"/>
-              </a:rPr>
-              <a:t>: Es un marco de </a:t>
-            </a:r>
-            <a:r>
-              <a:rPr lang="es-NI" sz="2000" dirty="0">
-                <a:latin typeface="Arial" panose="020B0604020202020204" pitchFamily="34" charset="0"/>
-                <a:cs typeface="Arial" panose="020B0604020202020204" pitchFamily="34" charset="0"/>
-                <a:hlinkClick r:id="rId2" tooltip="Fuente abierta"/>
-              </a:rPr>
-              <a:t>código abierto</a:t>
-            </a:r>
-            <a:r>
-              <a:rPr lang="es-NI" sz="2000" dirty="0">
-                <a:latin typeface="Arial" panose="020B0604020202020204" pitchFamily="34" charset="0"/>
-                <a:cs typeface="Arial" panose="020B0604020202020204" pitchFamily="34" charset="0"/>
-              </a:rPr>
-              <a:t> y gratuito para desarrollar aplicaciones móviles, de escritorio o </a:t>
-            </a:r>
-            <a:r>
-              <a:rPr lang="es-NI" sz="2000" dirty="0" smtClean="0">
-                <a:latin typeface="Arial" panose="020B0604020202020204" pitchFamily="34" charset="0"/>
-                <a:cs typeface="Arial" panose="020B0604020202020204" pitchFamily="34" charset="0"/>
-              </a:rPr>
-              <a:t>web</a:t>
-            </a:r>
-            <a:br>
-              <a:rPr lang="es-NI" sz="2000" dirty="0" smtClean="0">
-                <a:latin typeface="Arial" panose="020B0604020202020204" pitchFamily="34" charset="0"/>
-                <a:cs typeface="Arial" panose="020B0604020202020204" pitchFamily="34" charset="0"/>
-              </a:rPr>
-            </a:br>
-            <a:endParaRPr lang="en-US" sz="2000" dirty="0">
-              <a:latin typeface="Arial" panose="020B0604020202020204" pitchFamily="34" charset="0"/>
-              <a:cs typeface="Arial" panose="020B0604020202020204" pitchFamily="34" charset="0"/>
-            </a:endParaRPr>
-          </a:p>
-        </p:txBody>
-      </p:sp>
-    </p:spTree>
-    <p:extLst>
-      <p:ext uri="{BB962C8B-B14F-4D97-AF65-F5344CB8AC3E}">
-        <p14:creationId xmlns:p14="http://schemas.microsoft.com/office/powerpoint/2010/main" val="3949707192"/>
-      </p:ext>
-    </p:extLst>
-  </p:cSld>
-  <p:clrMapOvr>
-    <a:masterClrMapping/>
-  </p:clrMapOvr>
-  <p:timing>
-    <p:tnLst>
-      <p:par>
-        <p:cTn id="1" dur="indefinite" restart="never" nodeType="tmRoot"/>
-      </p:par>
-    </p:tnLst>
-  </p:timing>
-</p:sld>
-</file>
-
-<file path=ppt/slides/slide25.xml><?xml version="1.0" encoding="utf-8"?>
-<p:sld xmlns:a="http://schemas.openxmlformats.org/drawingml/2006/main" xmlns:r="http://schemas.openxmlformats.org/officeDocument/2006/relationships" xmlns:p="http://schemas.openxmlformats.org/presentationml/2006/main">
-  <p:cSld>
-    <p:spTree>
-      <p:nvGrpSpPr>
-        <p:cNvPr id="1" name=""/>
-        <p:cNvGrpSpPr/>
-        <p:nvPr/>
-      </p:nvGrpSpPr>
-      <p:grpSpPr>
-        <a:xfrm>
-          <a:off x="0" y="0"/>
-          <a:ext cx="0" cy="0"/>
-          <a:chOff x="0" y="0"/>
-          <a:chExt cx="0" cy="0"/>
-        </a:xfrm>
-      </p:grpSpPr>
-      <p:sp>
-        <p:nvSpPr>
-          <p:cNvPr id="2" name="Título 1"/>
-          <p:cNvSpPr>
-            <a:spLocks noGrp="1"/>
-          </p:cNvSpPr>
-          <p:nvPr>
-            <p:ph type="title"/>
-          </p:nvPr>
-        </p:nvSpPr>
-        <p:spPr>
-          <a:xfrm>
-            <a:off x="563881" y="730884"/>
-            <a:ext cx="10515600" cy="1325563"/>
-          </a:xfrm>
-        </p:spPr>
-        <p:txBody>
-          <a:bodyPr>
-            <a:normAutofit fontScale="90000"/>
-          </a:bodyPr>
-          <a:lstStyle/>
-          <a:p>
-            <a:r>
-              <a:rPr lang="es-NI" sz="2700" b="1" dirty="0"/>
-              <a:t>Escritura del Código de Programación</a:t>
-            </a:r>
-            <a:r>
-              <a:rPr lang="en-US" sz="2700" b="1" dirty="0"/>
-              <a:t/>
-            </a:r>
-            <a:br>
-              <a:rPr lang="en-US" sz="2700" b="1" dirty="0"/>
-            </a:br>
-            <a:r>
-              <a:rPr lang="es-NI" sz="2200" dirty="0">
-                <a:latin typeface="Arial" panose="020B0604020202020204" pitchFamily="34" charset="0"/>
-                <a:cs typeface="Arial" panose="020B0604020202020204" pitchFamily="34" charset="0"/>
-              </a:rPr>
-              <a:t>Para escribir el código de nuestro sistema, utilizamos el sistema Visual Studio </a:t>
-            </a:r>
-            <a:r>
-              <a:rPr lang="es-NI" sz="2200" dirty="0" err="1">
-                <a:latin typeface="Arial" panose="020B0604020202020204" pitchFamily="34" charset="0"/>
-                <a:cs typeface="Arial" panose="020B0604020202020204" pitchFamily="34" charset="0"/>
-              </a:rPr>
-              <a:t>Code</a:t>
-            </a:r>
-            <a:r>
-              <a:rPr lang="es-NI" sz="2200" dirty="0">
-                <a:latin typeface="Arial" panose="020B0604020202020204" pitchFamily="34" charset="0"/>
-                <a:cs typeface="Arial" panose="020B0604020202020204" pitchFamily="34" charset="0"/>
-              </a:rPr>
-              <a:t>, el cual nos brindó herramientas muy interesantes para la estructuración y desarrollo del sistema.</a:t>
-            </a:r>
-            <a:r>
-              <a:rPr lang="en-US" sz="2200" dirty="0">
-                <a:latin typeface="Arial" panose="020B0604020202020204" pitchFamily="34" charset="0"/>
-                <a:cs typeface="Arial" panose="020B0604020202020204" pitchFamily="34" charset="0"/>
-              </a:rPr>
-              <a:t/>
-            </a:r>
-            <a:br>
-              <a:rPr lang="en-US" sz="2200" dirty="0">
-                <a:latin typeface="Arial" panose="020B0604020202020204" pitchFamily="34" charset="0"/>
-                <a:cs typeface="Arial" panose="020B0604020202020204" pitchFamily="34" charset="0"/>
-              </a:rPr>
-            </a:br>
-            <a:r>
-              <a:rPr lang="es-NI" sz="2200" dirty="0">
-                <a:latin typeface="Arial" panose="020B0604020202020204" pitchFamily="34" charset="0"/>
-                <a:cs typeface="Arial" panose="020B0604020202020204" pitchFamily="34" charset="0"/>
-              </a:rPr>
-              <a:t> </a:t>
-            </a:r>
-            <a:r>
-              <a:rPr lang="en-US" sz="2200" dirty="0">
-                <a:latin typeface="Arial" panose="020B0604020202020204" pitchFamily="34" charset="0"/>
-                <a:cs typeface="Arial" panose="020B0604020202020204" pitchFamily="34" charset="0"/>
-              </a:rPr>
-              <a:t/>
-            </a:r>
-            <a:br>
-              <a:rPr lang="en-US" sz="2200" dirty="0">
-                <a:latin typeface="Arial" panose="020B0604020202020204" pitchFamily="34" charset="0"/>
-                <a:cs typeface="Arial" panose="020B0604020202020204" pitchFamily="34" charset="0"/>
-              </a:rPr>
-            </a:br>
-            <a:r>
-              <a:rPr lang="es-NI" sz="2200" dirty="0">
-                <a:latin typeface="Arial" panose="020B0604020202020204" pitchFamily="34" charset="0"/>
-                <a:cs typeface="Arial" panose="020B0604020202020204" pitchFamily="34" charset="0"/>
-              </a:rPr>
-              <a:t>Los estilos con CSS y la interacción con JavaScript también la implementamos, así como el uso de PHP para la comunicación del lado del servidor, específicamente con la base de datos</a:t>
-            </a:r>
-            <a:r>
-              <a:rPr lang="es-NI" sz="2200" dirty="0" smtClean="0">
-                <a:latin typeface="Arial" panose="020B0604020202020204" pitchFamily="34" charset="0"/>
-                <a:cs typeface="Arial" panose="020B0604020202020204" pitchFamily="34" charset="0"/>
-              </a:rPr>
-              <a:t>.</a:t>
-            </a:r>
-            <a:r>
-              <a:rPr lang="es-NI" sz="2200" dirty="0">
-                <a:latin typeface="Arial" panose="020B0604020202020204" pitchFamily="34" charset="0"/>
-                <a:cs typeface="Arial" panose="020B0604020202020204" pitchFamily="34" charset="0"/>
-              </a:rPr>
-              <a:t> </a:t>
-            </a:r>
-            <a:r>
-              <a:rPr lang="es-NI" sz="2200" dirty="0" smtClean="0">
-                <a:latin typeface="Arial" panose="020B0604020202020204" pitchFamily="34" charset="0"/>
-                <a:cs typeface="Arial" panose="020B0604020202020204" pitchFamily="34" charset="0"/>
-              </a:rPr>
-              <a:t/>
-            </a:r>
-            <a:br>
-              <a:rPr lang="es-NI" sz="2200" dirty="0" smtClean="0">
-                <a:latin typeface="Arial" panose="020B0604020202020204" pitchFamily="34" charset="0"/>
-                <a:cs typeface="Arial" panose="020B0604020202020204" pitchFamily="34" charset="0"/>
-              </a:rPr>
-            </a:br>
-            <a:r>
-              <a:rPr lang="es-NI" sz="2200" dirty="0" smtClean="0">
-                <a:latin typeface="Arial" panose="020B0604020202020204" pitchFamily="34" charset="0"/>
-                <a:cs typeface="Arial" panose="020B0604020202020204" pitchFamily="34" charset="0"/>
-              </a:rPr>
-              <a:t/>
-            </a:r>
-            <a:br>
-              <a:rPr lang="es-NI" sz="2200" dirty="0" smtClean="0">
-                <a:latin typeface="Arial" panose="020B0604020202020204" pitchFamily="34" charset="0"/>
-                <a:cs typeface="Arial" panose="020B0604020202020204" pitchFamily="34" charset="0"/>
-              </a:rPr>
-            </a:br>
-            <a:r>
-              <a:rPr lang="es-NI" sz="2200" dirty="0" smtClean="0">
-                <a:latin typeface="Arial" panose="020B0604020202020204" pitchFamily="34" charset="0"/>
-                <a:cs typeface="Arial" panose="020B0604020202020204" pitchFamily="34" charset="0"/>
-              </a:rPr>
-              <a:t>Integración</a:t>
-            </a:r>
-            <a:r>
-              <a:rPr lang="en-US" sz="2200" dirty="0">
-                <a:latin typeface="Arial" panose="020B0604020202020204" pitchFamily="34" charset="0"/>
-                <a:cs typeface="Arial" panose="020B0604020202020204" pitchFamily="34" charset="0"/>
-              </a:rPr>
-              <a:t/>
-            </a:r>
-            <a:br>
-              <a:rPr lang="en-US" sz="2200" dirty="0">
-                <a:latin typeface="Arial" panose="020B0604020202020204" pitchFamily="34" charset="0"/>
-                <a:cs typeface="Arial" panose="020B0604020202020204" pitchFamily="34" charset="0"/>
-              </a:rPr>
-            </a:br>
-            <a:r>
-              <a:rPr lang="es-NI" sz="2200" dirty="0">
-                <a:latin typeface="Arial" panose="020B0604020202020204" pitchFamily="34" charset="0"/>
-                <a:cs typeface="Arial" panose="020B0604020202020204" pitchFamily="34" charset="0"/>
-              </a:rPr>
-              <a:t>Se logró la integración con herramientas de control de versiones como </a:t>
-            </a:r>
-            <a:r>
-              <a:rPr lang="es-NI" sz="2200" dirty="0" err="1">
-                <a:latin typeface="Arial" panose="020B0604020202020204" pitchFamily="34" charset="0"/>
-                <a:cs typeface="Arial" panose="020B0604020202020204" pitchFamily="34" charset="0"/>
-              </a:rPr>
-              <a:t>Github</a:t>
-            </a:r>
-            <a:r>
-              <a:rPr lang="es-NI" sz="2200" dirty="0">
-                <a:latin typeface="Arial" panose="020B0604020202020204" pitchFamily="34" charset="0"/>
-                <a:cs typeface="Arial" panose="020B0604020202020204" pitchFamily="34" charset="0"/>
-              </a:rPr>
-              <a:t>, utilizando como cliente la aplicación </a:t>
-            </a:r>
-            <a:r>
-              <a:rPr lang="es-NI" sz="2200" dirty="0" err="1">
-                <a:latin typeface="Arial" panose="020B0604020202020204" pitchFamily="34" charset="0"/>
-                <a:cs typeface="Arial" panose="020B0604020202020204" pitchFamily="34" charset="0"/>
-              </a:rPr>
-              <a:t>Gitkraken</a:t>
-            </a:r>
-            <a:r>
-              <a:rPr lang="es-NI" sz="2200" dirty="0">
-                <a:latin typeface="Arial" panose="020B0604020202020204" pitchFamily="34" charset="0"/>
-                <a:cs typeface="Arial" panose="020B0604020202020204" pitchFamily="34" charset="0"/>
-              </a:rPr>
-              <a:t>, logramos aprender a usar el sistema y de esta forma conseguimos realizar un efectivo trabajo colaborativo.</a:t>
-            </a:r>
-            <a:r>
-              <a:rPr lang="en-US" sz="2200" dirty="0">
-                <a:latin typeface="Arial" panose="020B0604020202020204" pitchFamily="34" charset="0"/>
-                <a:cs typeface="Arial" panose="020B0604020202020204" pitchFamily="34" charset="0"/>
-              </a:rPr>
-              <a:t/>
-            </a:r>
-            <a:br>
-              <a:rPr lang="en-US" sz="2200" dirty="0">
-                <a:latin typeface="Arial" panose="020B0604020202020204" pitchFamily="34" charset="0"/>
-                <a:cs typeface="Arial" panose="020B0604020202020204" pitchFamily="34" charset="0"/>
-              </a:rPr>
-            </a:br>
-            <a:r>
-              <a:rPr lang="es-NI" sz="2200" dirty="0">
-                <a:latin typeface="Arial" panose="020B0604020202020204" pitchFamily="34" charset="0"/>
-                <a:cs typeface="Arial" panose="020B0604020202020204" pitchFamily="34" charset="0"/>
-              </a:rPr>
-              <a:t> </a:t>
-            </a:r>
-            <a:r>
-              <a:rPr lang="en-US" sz="2200" dirty="0">
-                <a:latin typeface="Arial" panose="020B0604020202020204" pitchFamily="34" charset="0"/>
-                <a:cs typeface="Arial" panose="020B0604020202020204" pitchFamily="34" charset="0"/>
-              </a:rPr>
-              <a:t/>
-            </a:r>
-            <a:br>
-              <a:rPr lang="en-US" sz="2200" dirty="0">
-                <a:latin typeface="Arial" panose="020B0604020202020204" pitchFamily="34" charset="0"/>
-                <a:cs typeface="Arial" panose="020B0604020202020204" pitchFamily="34" charset="0"/>
-              </a:rPr>
-            </a:br>
-            <a:r>
-              <a:rPr lang="es-NI" sz="2200" dirty="0">
-                <a:latin typeface="Arial" panose="020B0604020202020204" pitchFamily="34" charset="0"/>
-                <a:cs typeface="Arial" panose="020B0604020202020204" pitchFamily="34" charset="0"/>
-              </a:rPr>
-              <a:t>Base de Datos</a:t>
-            </a:r>
-            <a:r>
-              <a:rPr lang="en-US" sz="2200" dirty="0">
-                <a:latin typeface="Arial" panose="020B0604020202020204" pitchFamily="34" charset="0"/>
-                <a:cs typeface="Arial" panose="020B0604020202020204" pitchFamily="34" charset="0"/>
-              </a:rPr>
-              <a:t/>
-            </a:r>
-            <a:br>
-              <a:rPr lang="en-US" sz="2200" dirty="0">
-                <a:latin typeface="Arial" panose="020B0604020202020204" pitchFamily="34" charset="0"/>
-                <a:cs typeface="Arial" panose="020B0604020202020204" pitchFamily="34" charset="0"/>
-              </a:rPr>
-            </a:br>
-            <a:r>
-              <a:rPr lang="es-NI" sz="2200" dirty="0">
-                <a:latin typeface="Arial" panose="020B0604020202020204" pitchFamily="34" charset="0"/>
-                <a:cs typeface="Arial" panose="020B0604020202020204" pitchFamily="34" charset="0"/>
-              </a:rPr>
-              <a:t>Para fines de desarrollo, utilizamos el sistema XAMPP, para simular un servidor local y realizar los testeos necesarios y la comunicación con la base de datos.</a:t>
-            </a:r>
-            <a:r>
-              <a:rPr lang="en-US" sz="2200" dirty="0">
-                <a:latin typeface="Arial" panose="020B0604020202020204" pitchFamily="34" charset="0"/>
-                <a:cs typeface="Arial" panose="020B0604020202020204" pitchFamily="34" charset="0"/>
-              </a:rPr>
-              <a:t/>
-            </a:r>
-            <a:br>
-              <a:rPr lang="en-US" sz="2200" dirty="0">
-                <a:latin typeface="Arial" panose="020B0604020202020204" pitchFamily="34" charset="0"/>
-                <a:cs typeface="Arial" panose="020B0604020202020204" pitchFamily="34" charset="0"/>
-              </a:rPr>
-            </a:br>
-            <a:r>
-              <a:rPr lang="en-US" dirty="0"/>
-              <a:t/>
-            </a:r>
-            <a:br>
-              <a:rPr lang="en-US" dirty="0"/>
-            </a:br>
-            <a:endParaRPr lang="en-US" dirty="0"/>
-          </a:p>
-        </p:txBody>
-      </p:sp>
-    </p:spTree>
-    <p:extLst>
-      <p:ext uri="{BB962C8B-B14F-4D97-AF65-F5344CB8AC3E}">
-        <p14:creationId xmlns:p14="http://schemas.microsoft.com/office/powerpoint/2010/main" val="2039824945"/>
-      </p:ext>
-    </p:extLst>
-  </p:cSld>
-  <p:clrMapOvr>
-    <a:masterClrMapping/>
-  </p:clrMapOvr>
-  <p:timing>
-    <p:tnLst>
-      <p:par>
-        <p:cTn id="1" dur="indefinite" restart="never" nodeType="tmRoot"/>
-      </p:par>
-    </p:tnLst>
-  </p:timing>
-</p:sld>
-</file>
-
-<file path=ppt/slides/slide26.xml><?xml version="1.0" encoding="utf-8"?>
-<p:sld xmlns:a="http://schemas.openxmlformats.org/drawingml/2006/main" xmlns:r="http://schemas.openxmlformats.org/officeDocument/2006/relationships" xmlns:p="http://schemas.openxmlformats.org/presentationml/2006/main">
-  <p:cSld>
-    <p:spTree>
-      <p:nvGrpSpPr>
-        <p:cNvPr id="1" name=""/>
-        <p:cNvGrpSpPr/>
-        <p:nvPr/>
-      </p:nvGrpSpPr>
-      <p:grpSpPr>
-        <a:xfrm>
-          <a:off x="0" y="0"/>
-          <a:ext cx="0" cy="0"/>
-          <a:chOff x="0" y="0"/>
-          <a:chExt cx="0" cy="0"/>
-        </a:xfrm>
-      </p:grpSpPr>
-      <p:sp>
-        <p:nvSpPr>
-          <p:cNvPr id="2" name="Título 1"/>
-          <p:cNvSpPr>
-            <a:spLocks noGrp="1"/>
-          </p:cNvSpPr>
-          <p:nvPr>
-            <p:ph type="title"/>
-          </p:nvPr>
-        </p:nvSpPr>
-        <p:spPr>
-          <a:xfrm>
-            <a:off x="1273576" y="1254034"/>
-            <a:ext cx="8911687" cy="2847703"/>
-          </a:xfrm>
-        </p:spPr>
-        <p:txBody>
-          <a:bodyPr>
-            <a:normAutofit fontScale="90000"/>
-          </a:bodyPr>
-          <a:lstStyle/>
-          <a:p>
-            <a:r>
-              <a:rPr lang="es-NI" sz="2200" b="1" dirty="0" smtClean="0">
-                <a:latin typeface="Arial" panose="020B0604020202020204" pitchFamily="34" charset="0"/>
-                <a:cs typeface="Arial" panose="020B0604020202020204" pitchFamily="34" charset="0"/>
-              </a:rPr>
-              <a:t>Metodología</a:t>
-            </a:r>
-            <a:r>
-              <a:rPr lang="en-US" sz="2200" b="1" dirty="0">
-                <a:latin typeface="Arial" panose="020B0604020202020204" pitchFamily="34" charset="0"/>
-                <a:cs typeface="Arial" panose="020B0604020202020204" pitchFamily="34" charset="0"/>
-              </a:rPr>
-              <a:t/>
-            </a:r>
-            <a:br>
-              <a:rPr lang="en-US" sz="2200" b="1" dirty="0">
-                <a:latin typeface="Arial" panose="020B0604020202020204" pitchFamily="34" charset="0"/>
-                <a:cs typeface="Arial" panose="020B0604020202020204" pitchFamily="34" charset="0"/>
-              </a:rPr>
-            </a:br>
-            <a:r>
-              <a:rPr lang="es-NI" sz="2200" dirty="0">
-                <a:latin typeface="Arial" panose="020B0604020202020204" pitchFamily="34" charset="0"/>
-                <a:cs typeface="Arial" panose="020B0604020202020204" pitchFamily="34" charset="0"/>
-              </a:rPr>
-              <a:t>Al hablar de la implementación de nuestro proyecto nos enfocamos en el campo administrativo, en el cual deseamos optimizar los procesos de control de notas, por el cual deducimos que esto mejorara de gran manera la calidad de los procesos mencionados y ayudara a llevar un mejor control de lo anteriormente estipulado.</a:t>
-            </a:r>
-            <a:r>
-              <a:rPr lang="en-US" sz="2200" dirty="0">
-                <a:latin typeface="Arial" panose="020B0604020202020204" pitchFamily="34" charset="0"/>
-                <a:cs typeface="Arial" panose="020B0604020202020204" pitchFamily="34" charset="0"/>
-              </a:rPr>
-              <a:t/>
-            </a:r>
-            <a:br>
-              <a:rPr lang="en-US" sz="2200" dirty="0">
-                <a:latin typeface="Arial" panose="020B0604020202020204" pitchFamily="34" charset="0"/>
-                <a:cs typeface="Arial" panose="020B0604020202020204" pitchFamily="34" charset="0"/>
-              </a:rPr>
-            </a:br>
-            <a:r>
-              <a:rPr lang="es-NI" sz="2200" b="1" dirty="0">
-                <a:latin typeface="Arial" panose="020B0604020202020204" pitchFamily="34" charset="0"/>
-                <a:cs typeface="Arial" panose="020B0604020202020204" pitchFamily="34" charset="0"/>
-              </a:rPr>
-              <a:t> </a:t>
-            </a:r>
-            <a:r>
-              <a:rPr lang="en-US" sz="2200" dirty="0">
-                <a:latin typeface="Arial" panose="020B0604020202020204" pitchFamily="34" charset="0"/>
-                <a:cs typeface="Arial" panose="020B0604020202020204" pitchFamily="34" charset="0"/>
-              </a:rPr>
-              <a:t/>
-            </a:r>
-            <a:br>
-              <a:rPr lang="en-US" sz="2200" dirty="0">
-                <a:latin typeface="Arial" panose="020B0604020202020204" pitchFamily="34" charset="0"/>
-                <a:cs typeface="Arial" panose="020B0604020202020204" pitchFamily="34" charset="0"/>
-              </a:rPr>
-            </a:br>
-            <a:endParaRPr lang="en-US" dirty="0">
-              <a:latin typeface="Arial" panose="020B0604020202020204" pitchFamily="34" charset="0"/>
-              <a:cs typeface="Arial" panose="020B0604020202020204" pitchFamily="34" charset="0"/>
-            </a:endParaRPr>
-          </a:p>
-        </p:txBody>
-      </p:sp>
-    </p:spTree>
-    <p:extLst>
-      <p:ext uri="{BB962C8B-B14F-4D97-AF65-F5344CB8AC3E}">
-        <p14:creationId xmlns:p14="http://schemas.microsoft.com/office/powerpoint/2010/main" val="1223225423"/>
-      </p:ext>
-    </p:extLst>
-  </p:cSld>
-  <p:clrMapOvr>
-    <a:masterClrMapping/>
-  </p:clrMapOvr>
-  <p:timing>
-    <p:tnLst>
-      <p:par>
-        <p:cTn id="1" dur="indefinite" restart="never" nodeType="tmRoot"/>
-      </p:par>
-    </p:tnLst>
-  </p:timing>
-</p:sld>
-</file>
-
-<file path=ppt/slides/slide27.xml><?xml version="1.0" encoding="utf-8"?>
-<p:sld xmlns:a="http://schemas.openxmlformats.org/drawingml/2006/main" xmlns:r="http://schemas.openxmlformats.org/officeDocument/2006/relationships" xmlns:p="http://schemas.openxmlformats.org/presentationml/2006/main">
-  <p:cSld>
-    <p:spTree>
-      <p:nvGrpSpPr>
-        <p:cNvPr id="1" name=""/>
-        <p:cNvGrpSpPr/>
-        <p:nvPr/>
-      </p:nvGrpSpPr>
-      <p:grpSpPr>
-        <a:xfrm>
-          <a:off x="0" y="0"/>
-          <a:ext cx="0" cy="0"/>
-          <a:chOff x="0" y="0"/>
-          <a:chExt cx="0" cy="0"/>
-        </a:xfrm>
-      </p:grpSpPr>
-      <p:sp>
-        <p:nvSpPr>
-          <p:cNvPr id="2" name="Título 1"/>
-          <p:cNvSpPr>
-            <a:spLocks noGrp="1"/>
-          </p:cNvSpPr>
-          <p:nvPr>
-            <p:ph type="title"/>
-          </p:nvPr>
-        </p:nvSpPr>
-        <p:spPr>
-          <a:xfrm>
-            <a:off x="1456455" y="1018904"/>
-            <a:ext cx="8911687" cy="1238794"/>
-          </a:xfrm>
-        </p:spPr>
-        <p:txBody>
-          <a:bodyPr>
-            <a:normAutofit fontScale="90000"/>
-          </a:bodyPr>
-          <a:lstStyle/>
-          <a:p>
-            <a:r>
-              <a:rPr lang="es-NI" sz="2200" b="1" dirty="0">
-                <a:latin typeface="Arial" panose="020B0604020202020204" pitchFamily="34" charset="0"/>
-                <a:cs typeface="Arial" panose="020B0604020202020204" pitchFamily="34" charset="0"/>
-              </a:rPr>
-              <a:t>Tipo de Investigación</a:t>
-            </a:r>
-            <a:r>
-              <a:rPr lang="en-US" sz="2200" b="1" dirty="0">
-                <a:latin typeface="Arial" panose="020B0604020202020204" pitchFamily="34" charset="0"/>
-                <a:cs typeface="Arial" panose="020B0604020202020204" pitchFamily="34" charset="0"/>
-              </a:rPr>
-              <a:t/>
-            </a:r>
-            <a:br>
-              <a:rPr lang="en-US" sz="2200" b="1" dirty="0">
-                <a:latin typeface="Arial" panose="020B0604020202020204" pitchFamily="34" charset="0"/>
-                <a:cs typeface="Arial" panose="020B0604020202020204" pitchFamily="34" charset="0"/>
-              </a:rPr>
-            </a:br>
-            <a:r>
-              <a:rPr lang="es-NI" sz="2200" dirty="0">
-                <a:latin typeface="Arial" panose="020B0604020202020204" pitchFamily="34" charset="0"/>
-                <a:cs typeface="Arial" panose="020B0604020202020204" pitchFamily="34" charset="0"/>
-              </a:rPr>
-              <a:t>El tipo de investigación es Mixta</a:t>
-            </a:r>
-            <a:r>
-              <a:rPr lang="en-US" sz="2200" dirty="0">
-                <a:latin typeface="Arial" panose="020B0604020202020204" pitchFamily="34" charset="0"/>
-                <a:cs typeface="Arial" panose="020B0604020202020204" pitchFamily="34" charset="0"/>
-              </a:rPr>
-              <a:t/>
-            </a:r>
-            <a:br>
-              <a:rPr lang="en-US" sz="2200" dirty="0">
-                <a:latin typeface="Arial" panose="020B0604020202020204" pitchFamily="34" charset="0"/>
-                <a:cs typeface="Arial" panose="020B0604020202020204" pitchFamily="34" charset="0"/>
-              </a:rPr>
-            </a:br>
-            <a:r>
-              <a:rPr lang="es-NI" sz="2200" dirty="0">
-                <a:latin typeface="Arial" panose="020B0604020202020204" pitchFamily="34" charset="0"/>
-                <a:cs typeface="Arial" panose="020B0604020202020204" pitchFamily="34" charset="0"/>
-              </a:rPr>
-              <a:t>Por la naturaleza es de tipo exploratorio y descriptivo.</a:t>
-            </a:r>
-            <a:r>
-              <a:rPr lang="en-US" sz="2200" dirty="0">
-                <a:latin typeface="Arial" panose="020B0604020202020204" pitchFamily="34" charset="0"/>
-                <a:cs typeface="Arial" panose="020B0604020202020204" pitchFamily="34" charset="0"/>
-              </a:rPr>
-              <a:t/>
-            </a:r>
-            <a:br>
-              <a:rPr lang="en-US" sz="2200" dirty="0">
-                <a:latin typeface="Arial" panose="020B0604020202020204" pitchFamily="34" charset="0"/>
-                <a:cs typeface="Arial" panose="020B0604020202020204" pitchFamily="34" charset="0"/>
-              </a:rPr>
-            </a:br>
-            <a:r>
-              <a:rPr lang="es-NI" sz="2200" dirty="0">
-                <a:latin typeface="Arial" panose="020B0604020202020204" pitchFamily="34" charset="0"/>
-                <a:cs typeface="Arial" panose="020B0604020202020204" pitchFamily="34" charset="0"/>
-              </a:rPr>
-              <a:t>Por su aplicación es factible.</a:t>
-            </a:r>
-            <a:r>
-              <a:rPr lang="en-US" sz="2200" dirty="0">
-                <a:latin typeface="Arial" panose="020B0604020202020204" pitchFamily="34" charset="0"/>
-                <a:cs typeface="Arial" panose="020B0604020202020204" pitchFamily="34" charset="0"/>
-              </a:rPr>
-              <a:t/>
-            </a:r>
-            <a:br>
-              <a:rPr lang="en-US" sz="2200" dirty="0">
-                <a:latin typeface="Arial" panose="020B0604020202020204" pitchFamily="34" charset="0"/>
-                <a:cs typeface="Arial" panose="020B0604020202020204" pitchFamily="34" charset="0"/>
-              </a:rPr>
-            </a:br>
-            <a:r>
-              <a:rPr lang="es-NI" sz="2200" dirty="0">
-                <a:latin typeface="Arial" panose="020B0604020202020204" pitchFamily="34" charset="0"/>
-                <a:cs typeface="Arial" panose="020B0604020202020204" pitchFamily="34" charset="0"/>
-              </a:rPr>
-              <a:t> </a:t>
-            </a:r>
-            <a:r>
-              <a:rPr lang="en-US" sz="2200" dirty="0">
-                <a:latin typeface="Arial" panose="020B0604020202020204" pitchFamily="34" charset="0"/>
-                <a:cs typeface="Arial" panose="020B0604020202020204" pitchFamily="34" charset="0"/>
-              </a:rPr>
-              <a:t/>
-            </a:r>
-            <a:br>
-              <a:rPr lang="en-US" sz="2200" dirty="0">
-                <a:latin typeface="Arial" panose="020B0604020202020204" pitchFamily="34" charset="0"/>
-                <a:cs typeface="Arial" panose="020B0604020202020204" pitchFamily="34" charset="0"/>
-              </a:rPr>
-            </a:br>
-            <a:r>
-              <a:rPr lang="es-NI" sz="2200" dirty="0">
-                <a:latin typeface="Arial" panose="020B0604020202020204" pitchFamily="34" charset="0"/>
-                <a:cs typeface="Arial" panose="020B0604020202020204" pitchFamily="34" charset="0"/>
-              </a:rPr>
-              <a:t>De igual manera, hubo factibilidad en cuanto al tiempo disponible para la investigación y en cuanto a los recursos necesarios para la aplicación de instrumentos de recolección de datos.</a:t>
-            </a:r>
-            <a:r>
-              <a:rPr lang="en-US" sz="2200" dirty="0">
-                <a:latin typeface="Arial" panose="020B0604020202020204" pitchFamily="34" charset="0"/>
-                <a:cs typeface="Arial" panose="020B0604020202020204" pitchFamily="34" charset="0"/>
-              </a:rPr>
-              <a:t/>
-            </a:r>
-            <a:br>
-              <a:rPr lang="en-US" sz="2200" dirty="0">
-                <a:latin typeface="Arial" panose="020B0604020202020204" pitchFamily="34" charset="0"/>
-                <a:cs typeface="Arial" panose="020B0604020202020204" pitchFamily="34" charset="0"/>
-              </a:rPr>
-            </a:br>
-            <a:r>
-              <a:rPr lang="es-NI" sz="2200" dirty="0">
-                <a:latin typeface="Arial" panose="020B0604020202020204" pitchFamily="34" charset="0"/>
-                <a:cs typeface="Arial" panose="020B0604020202020204" pitchFamily="34" charset="0"/>
-              </a:rPr>
-              <a:t> </a:t>
-            </a:r>
-            <a:r>
-              <a:rPr lang="en-US" sz="2200" dirty="0">
-                <a:latin typeface="Arial" panose="020B0604020202020204" pitchFamily="34" charset="0"/>
-                <a:cs typeface="Arial" panose="020B0604020202020204" pitchFamily="34" charset="0"/>
-              </a:rPr>
-              <a:t/>
-            </a:r>
-            <a:br>
-              <a:rPr lang="en-US" sz="2200" dirty="0">
-                <a:latin typeface="Arial" panose="020B0604020202020204" pitchFamily="34" charset="0"/>
-                <a:cs typeface="Arial" panose="020B0604020202020204" pitchFamily="34" charset="0"/>
-              </a:rPr>
-            </a:br>
-            <a:r>
-              <a:rPr lang="es-NI" sz="2200" b="1" dirty="0">
-                <a:latin typeface="Arial" panose="020B0604020202020204" pitchFamily="34" charset="0"/>
-                <a:cs typeface="Arial" panose="020B0604020202020204" pitchFamily="34" charset="0"/>
-              </a:rPr>
-              <a:t>Métodos</a:t>
-            </a:r>
-            <a:r>
-              <a:rPr lang="en-US" sz="2200" b="1" dirty="0">
-                <a:latin typeface="Arial" panose="020B0604020202020204" pitchFamily="34" charset="0"/>
-                <a:cs typeface="Arial" panose="020B0604020202020204" pitchFamily="34" charset="0"/>
-              </a:rPr>
-              <a:t/>
-            </a:r>
-            <a:br>
-              <a:rPr lang="en-US" sz="2200" b="1" dirty="0">
-                <a:latin typeface="Arial" panose="020B0604020202020204" pitchFamily="34" charset="0"/>
-                <a:cs typeface="Arial" panose="020B0604020202020204" pitchFamily="34" charset="0"/>
-              </a:rPr>
-            </a:br>
-            <a:r>
-              <a:rPr lang="es-NI" sz="2200" dirty="0">
-                <a:latin typeface="Arial" panose="020B0604020202020204" pitchFamily="34" charset="0"/>
-                <a:cs typeface="Arial" panose="020B0604020202020204" pitchFamily="34" charset="0"/>
-              </a:rPr>
-              <a:t>Método, es poner en relación de manera práctica, pero inteligente los medios y procedimientos con los objetivos propuestos y resultados adquiridos.</a:t>
-            </a:r>
-            <a:r>
-              <a:rPr lang="en-US" sz="2200" dirty="0">
-                <a:latin typeface="Arial" panose="020B0604020202020204" pitchFamily="34" charset="0"/>
-                <a:cs typeface="Arial" panose="020B0604020202020204" pitchFamily="34" charset="0"/>
-              </a:rPr>
-              <a:t/>
-            </a:r>
-            <a:br>
-              <a:rPr lang="en-US" sz="2200" dirty="0">
-                <a:latin typeface="Arial" panose="020B0604020202020204" pitchFamily="34" charset="0"/>
-                <a:cs typeface="Arial" panose="020B0604020202020204" pitchFamily="34" charset="0"/>
-              </a:rPr>
-            </a:br>
-            <a:r>
-              <a:rPr lang="es-NI" sz="2200" dirty="0">
-                <a:latin typeface="Arial" panose="020B0604020202020204" pitchFamily="34" charset="0"/>
-                <a:cs typeface="Arial" panose="020B0604020202020204" pitchFamily="34" charset="0"/>
-              </a:rPr>
-              <a:t> </a:t>
-            </a:r>
-            <a:r>
-              <a:rPr lang="en-US" sz="2200" dirty="0">
-                <a:latin typeface="Arial" panose="020B0604020202020204" pitchFamily="34" charset="0"/>
-                <a:cs typeface="Arial" panose="020B0604020202020204" pitchFamily="34" charset="0"/>
-              </a:rPr>
-              <a:t/>
-            </a:r>
-            <a:br>
-              <a:rPr lang="en-US" sz="2200" dirty="0">
-                <a:latin typeface="Arial" panose="020B0604020202020204" pitchFamily="34" charset="0"/>
-                <a:cs typeface="Arial" panose="020B0604020202020204" pitchFamily="34" charset="0"/>
-              </a:rPr>
-            </a:br>
-            <a:r>
-              <a:rPr lang="es-NI" sz="2200" dirty="0">
-                <a:latin typeface="Arial" panose="020B0604020202020204" pitchFamily="34" charset="0"/>
-                <a:cs typeface="Arial" panose="020B0604020202020204" pitchFamily="34" charset="0"/>
-              </a:rPr>
-              <a:t>El método nos indica el camino, es más amplio, a diferencia de la técnica que nos enseña a reconocer ese camino.</a:t>
-            </a:r>
-            <a:r>
-              <a:rPr lang="en-US" dirty="0"/>
-              <a:t/>
-            </a:r>
-            <a:br>
-              <a:rPr lang="en-US" dirty="0"/>
-            </a:br>
-            <a:endParaRPr lang="en-US" dirty="0"/>
-          </a:p>
-        </p:txBody>
-      </p:sp>
-    </p:spTree>
-    <p:extLst>
-      <p:ext uri="{BB962C8B-B14F-4D97-AF65-F5344CB8AC3E}">
-        <p14:creationId xmlns:p14="http://schemas.microsoft.com/office/powerpoint/2010/main" val="1363403946"/>
-      </p:ext>
-    </p:extLst>
-  </p:cSld>
-  <p:clrMapOvr>
-    <a:masterClrMapping/>
-  </p:clrMapOvr>
-  <p:timing>
-    <p:tnLst>
-      <p:par>
-        <p:cTn id="1" dur="indefinite" restart="never" nodeType="tmRoot"/>
-      </p:par>
-    </p:tnLst>
-  </p:timing>
-</p:sld>
-</file>
-
-<file path=ppt/slides/slide28.xml><?xml version="1.0" encoding="utf-8"?>
-<p:sld xmlns:a="http://schemas.openxmlformats.org/drawingml/2006/main" xmlns:r="http://schemas.openxmlformats.org/officeDocument/2006/relationships" xmlns:p="http://schemas.openxmlformats.org/presentationml/2006/main">
-  <p:cSld>
-    <p:spTree>
-      <p:nvGrpSpPr>
-        <p:cNvPr id="1" name=""/>
-        <p:cNvGrpSpPr/>
-        <p:nvPr/>
-      </p:nvGrpSpPr>
-      <p:grpSpPr>
-        <a:xfrm>
-          <a:off x="0" y="0"/>
-          <a:ext cx="0" cy="0"/>
-          <a:chOff x="0" y="0"/>
-          <a:chExt cx="0" cy="0"/>
-        </a:xfrm>
-      </p:grpSpPr>
-      <p:sp>
-        <p:nvSpPr>
-          <p:cNvPr id="2" name="Título 1"/>
-          <p:cNvSpPr>
-            <a:spLocks noGrp="1"/>
-          </p:cNvSpPr>
-          <p:nvPr>
-            <p:ph type="title"/>
-          </p:nvPr>
-        </p:nvSpPr>
-        <p:spPr>
-          <a:xfrm>
-            <a:off x="1990112" y="3630103"/>
-            <a:ext cx="8911687" cy="1280890"/>
-          </a:xfrm>
-        </p:spPr>
-        <p:txBody>
-          <a:bodyPr/>
-          <a:lstStyle/>
-          <a:p>
-            <a:endParaRPr lang="en-US" dirty="0"/>
-          </a:p>
-        </p:txBody>
-      </p:sp>
-      <p:sp>
-        <p:nvSpPr>
-          <p:cNvPr id="5" name="Rectangle 5"/>
-          <p:cNvSpPr>
-            <a:spLocks noChangeArrowheads="1"/>
-          </p:cNvSpPr>
-          <p:nvPr/>
-        </p:nvSpPr>
-        <p:spPr bwMode="auto">
-          <a:xfrm>
-            <a:off x="716537" y="1199393"/>
-            <a:ext cx="11262103" cy="3688181"/>
-          </a:xfrm>
-          <a:prstGeom prst="rect">
-            <a:avLst/>
-          </a:prstGeom>
-          <a:noFill/>
-          <a:ln>
-            <a:noFill/>
-          </a:ln>
-          <a:effectLst/>
-          <a:extLst>
-            <a:ext uri="{909E8E84-426E-40DD-AFC4-6F175D3DCCD1}">
-              <a14:hiddenFill xmlns:a14="http://schemas.microsoft.com/office/drawing/2010/main">
-                <a:solidFill>
-                  <a:schemeClr val="accent1"/>
-                </a:solidFill>
-              </a14:hiddenFill>
-            </a:ext>
-            <a:ext uri="{91240B29-F687-4F45-9708-019B960494DF}">
-              <a14:hiddenLine xmlns:a14="http://schemas.microsoft.com/office/drawing/2010/main" w="9525">
-                <a:solidFill>
-                  <a:schemeClr val="tx1"/>
-                </a:solidFill>
-                <a:miter lim="800000"/>
-                <a:headEnd/>
-                <a:tailEnd/>
-              </a14:hiddenLine>
-            </a:ext>
-            <a:ext uri="{AF507438-7753-43E0-B8FC-AC1667EBCBE1}">
-              <a14:hiddenEffects xmlns:a14="http://schemas.microsoft.com/office/drawing/2010/main">
-                <a:effectLst>
-                  <a:outerShdw dist="35921" dir="2700000" algn="ctr" rotWithShape="0">
-                    <a:schemeClr val="bg2"/>
-                  </a:outerShdw>
-                </a:effectLst>
-              </a14:hiddenEffects>
-            </a:ext>
-          </a:extLst>
-        </p:spPr>
-        <p:txBody>
-          <a:bodyPr vert="horz" wrap="square" lIns="91440" tIns="25392" rIns="91440" bIns="0" numCol="1" anchor="ctr" anchorCtr="0" compatLnSpc="1">
-            <a:prstTxWarp prst="textNoShape">
-              <a:avLst/>
-            </a:prstTxWarp>
-            <a:spAutoFit/>
-          </a:bodyPr>
-          <a:lstStyle/>
-          <a:p>
-            <a:pPr marL="0" marR="0" lvl="0" indent="0" algn="l" defTabSz="914400" rtl="0" eaLnBrk="0" fontAlgn="base" latinLnBrk="0" hangingPunct="0">
-              <a:lnSpc>
-                <a:spcPct val="100000"/>
-              </a:lnSpc>
-              <a:spcBef>
-                <a:spcPct val="0"/>
-              </a:spcBef>
-              <a:spcAft>
-                <a:spcPct val="0"/>
-              </a:spcAft>
-              <a:buClrTx/>
-              <a:buSzTx/>
-              <a:buFontTx/>
-              <a:buNone/>
-              <a:tabLst/>
-            </a:pPr>
-            <a:r>
-              <a:rPr kumimoji="0" lang="es-NI" altLang="en-US" sz="2000" b="0" i="0" u="none" strike="noStrike" cap="none" normalizeH="0" baseline="0" dirty="0" smtClean="0">
-                <a:ln>
-                  <a:noFill/>
-                </a:ln>
-                <a:solidFill>
-                  <a:srgbClr val="000000"/>
-                </a:solidFill>
-                <a:effectLst/>
-                <a:latin typeface="Arial" panose="020B0604020202020204" pitchFamily="34" charset="0"/>
-                <a:cs typeface="Arial" panose="020B0604020202020204" pitchFamily="34" charset="0"/>
-              </a:rPr>
-              <a:t>P</a:t>
-            </a:r>
-            <a:r>
-              <a:rPr kumimoji="0" lang="es-NI" altLang="en-US" sz="2000" b="0" i="0" u="none" strike="noStrike" cap="none" normalizeH="0" baseline="0" dirty="0" smtClean="0" bmk="">
-                <a:ln>
-                  <a:noFill/>
-                </a:ln>
-                <a:solidFill>
-                  <a:srgbClr val="000000"/>
-                </a:solidFill>
-                <a:effectLst/>
-                <a:latin typeface="Arial" panose="020B0604020202020204" pitchFamily="34" charset="0"/>
-                <a:cs typeface="Arial" panose="020B0604020202020204" pitchFamily="34" charset="0"/>
-              </a:rPr>
-              <a:t>oblación</a:t>
-            </a:r>
-            <a:endParaRPr kumimoji="0" lang="es-NI" altLang="en-US" sz="2000" b="0" i="0" u="none" strike="noStrike" cap="none" normalizeH="0" baseline="0" dirty="0" smtClean="0">
-              <a:ln>
-                <a:noFill/>
-              </a:ln>
-              <a:solidFill>
-                <a:srgbClr val="000000"/>
-              </a:solidFill>
-              <a:effectLst/>
-              <a:latin typeface="Arial" panose="020B0604020202020204" pitchFamily="34" charset="0"/>
-              <a:cs typeface="Arial" panose="020B0604020202020204" pitchFamily="34" charset="0"/>
-            </a:endParaRPr>
-          </a:p>
-          <a:p>
-            <a:pPr marL="0" marR="0" lvl="0" indent="0" algn="l" defTabSz="914400" rtl="0" eaLnBrk="0" fontAlgn="base" latinLnBrk="0" hangingPunct="0">
-              <a:lnSpc>
-                <a:spcPct val="100000"/>
-              </a:lnSpc>
-              <a:spcBef>
-                <a:spcPct val="0"/>
-              </a:spcBef>
-              <a:spcAft>
-                <a:spcPct val="0"/>
-              </a:spcAft>
-              <a:buClrTx/>
-              <a:buSzTx/>
-              <a:buFontTx/>
-              <a:buNone/>
-              <a:tabLst/>
-            </a:pPr>
-            <a:r>
-              <a:rPr kumimoji="0" lang="es-NI" altLang="en-US" sz="2000" b="0" i="0" u="none" strike="noStrike" cap="none" normalizeH="0" baseline="0" dirty="0" smtClean="0">
-                <a:ln>
-                  <a:noFill/>
-                </a:ln>
-                <a:solidFill>
-                  <a:schemeClr val="tx1"/>
-                </a:solidFill>
-                <a:effectLst/>
-                <a:latin typeface="Arial" panose="020B0604020202020204" pitchFamily="34" charset="0"/>
-                <a:ea typeface="Arial" panose="020B0604020202020204" pitchFamily="34" charset="0"/>
-                <a:cs typeface="Arial" panose="020B0604020202020204" pitchFamily="34" charset="0"/>
-              </a:rPr>
-              <a:t>Para realizar una investigación, no es necesario abarcar la totalidad de una población basta con elegir una muestra representativa de la misma. En nuestro caso con fines de incluir a los involucrados en el proceso que tiene que ver con el registro de notas de los estudiantes, entrevistamos a 12 docentes de un total de 12, esto corresponde a una muestra del 100%, administrativos entrevistamos al 100%. </a:t>
-            </a:r>
-            <a:endParaRPr kumimoji="0" lang="en-US" altLang="en-US" sz="2000" b="0" i="0" u="none" strike="noStrike" cap="none" normalizeH="0" baseline="0" dirty="0" smtClean="0">
-              <a:ln>
-                <a:noFill/>
-              </a:ln>
-              <a:solidFill>
-                <a:schemeClr val="tx1"/>
-              </a:solidFill>
-              <a:effectLst/>
-              <a:latin typeface="Arial" panose="020B0604020202020204" pitchFamily="34" charset="0"/>
-              <a:cs typeface="Arial" panose="020B0604020202020204" pitchFamily="34" charset="0"/>
-            </a:endParaRPr>
-          </a:p>
-          <a:p>
-            <a:pPr marL="0" marR="0" lvl="0" indent="0" algn="l" defTabSz="914400" rtl="0" eaLnBrk="0" fontAlgn="base" latinLnBrk="0" hangingPunct="0">
-              <a:lnSpc>
-                <a:spcPct val="100000"/>
-              </a:lnSpc>
-              <a:spcBef>
-                <a:spcPct val="0"/>
-              </a:spcBef>
-              <a:spcAft>
-                <a:spcPct val="0"/>
-              </a:spcAft>
-              <a:buClrTx/>
-              <a:buSzTx/>
-              <a:buFontTx/>
-              <a:buNone/>
-              <a:tabLst/>
-            </a:pPr>
-            <a:r>
-              <a:rPr kumimoji="0" lang="es-NI" altLang="en-US" sz="2000" b="0" i="0" u="none" strike="noStrike" cap="none" normalizeH="0" baseline="0" dirty="0" smtClean="0">
-                <a:ln>
-                  <a:noFill/>
-                </a:ln>
-                <a:solidFill>
-                  <a:schemeClr val="tx1"/>
-                </a:solidFill>
-                <a:effectLst/>
-                <a:latin typeface="Arial" panose="020B0604020202020204" pitchFamily="34" charset="0"/>
-                <a:ea typeface="Arial" panose="020B0604020202020204" pitchFamily="34" charset="0"/>
-                <a:cs typeface="Arial" panose="020B0604020202020204" pitchFamily="34" charset="0"/>
-              </a:rPr>
-              <a:t>Las entrevistas se aplicaron a mediados del tercer trimestre del año lectivo 2020, fueron hechas de manera personal en forma de entrevista, a docentes, personal administrativo y a el director de UML </a:t>
-            </a:r>
-            <a:r>
-              <a:rPr kumimoji="0" lang="es-NI" altLang="en-US" sz="2000" b="0" i="0" u="none" strike="noStrike" cap="none" normalizeH="0" baseline="0" dirty="0" err="1" smtClean="0">
-                <a:ln>
-                  <a:noFill/>
-                </a:ln>
-                <a:solidFill>
-                  <a:schemeClr val="tx1"/>
-                </a:solidFill>
-                <a:effectLst/>
-                <a:latin typeface="Arial" panose="020B0604020202020204" pitchFamily="34" charset="0"/>
-                <a:ea typeface="Arial" panose="020B0604020202020204" pitchFamily="34" charset="0"/>
-                <a:cs typeface="Arial" panose="020B0604020202020204" pitchFamily="34" charset="0"/>
-              </a:rPr>
-              <a:t>Quilalí</a:t>
-            </a:r>
-            <a:r>
-              <a:rPr kumimoji="0" lang="es-NI" altLang="en-US" sz="2000" b="0" i="0" u="none" strike="noStrike" cap="none" normalizeH="0" baseline="0" dirty="0" smtClean="0">
-                <a:ln>
-                  <a:noFill/>
-                </a:ln>
-                <a:solidFill>
-                  <a:schemeClr val="tx1"/>
-                </a:solidFill>
-                <a:effectLst/>
-                <a:latin typeface="Arial" panose="020B0604020202020204" pitchFamily="34" charset="0"/>
-                <a:ea typeface="Arial" panose="020B0604020202020204" pitchFamily="34" charset="0"/>
-                <a:cs typeface="Arial" panose="020B0604020202020204" pitchFamily="34" charset="0"/>
-              </a:rPr>
-              <a:t>. </a:t>
-            </a:r>
-            <a:endParaRPr kumimoji="0" lang="en-US" altLang="en-US" sz="2000" b="0" i="0" u="none" strike="noStrike" cap="none" normalizeH="0" baseline="0" dirty="0" smtClean="0">
-              <a:ln>
-                <a:noFill/>
-              </a:ln>
-              <a:solidFill>
-                <a:schemeClr val="tx1"/>
-              </a:solidFill>
-              <a:effectLst/>
-              <a:latin typeface="Arial" panose="020B0604020202020204" pitchFamily="34" charset="0"/>
-              <a:cs typeface="Arial" panose="020B0604020202020204" pitchFamily="34" charset="0"/>
-            </a:endParaRPr>
-          </a:p>
-          <a:p>
-            <a:pPr marL="0" marR="0" lvl="0" indent="0" algn="l" defTabSz="914400" rtl="0" eaLnBrk="0" fontAlgn="base" latinLnBrk="0" hangingPunct="0">
-              <a:lnSpc>
-                <a:spcPct val="100000"/>
-              </a:lnSpc>
-              <a:spcBef>
-                <a:spcPct val="0"/>
-              </a:spcBef>
-              <a:spcAft>
-                <a:spcPct val="0"/>
-              </a:spcAft>
-              <a:buClrTx/>
-              <a:buSzTx/>
-              <a:buFontTx/>
-              <a:buNone/>
-              <a:tabLst/>
-            </a:pPr>
-            <a:r>
-              <a:rPr kumimoji="0" lang="es-NI" altLang="en-US" sz="2000" b="0" i="0" u="none" strike="noStrike" cap="none" normalizeH="0" baseline="0" dirty="0" smtClean="0">
-                <a:ln>
-                  <a:noFill/>
-                </a:ln>
-                <a:solidFill>
-                  <a:schemeClr val="tx1"/>
-                </a:solidFill>
-                <a:effectLst/>
-                <a:latin typeface="Arial" panose="020B0604020202020204" pitchFamily="34" charset="0"/>
-                <a:ea typeface="Arial" panose="020B0604020202020204" pitchFamily="34" charset="0"/>
-                <a:cs typeface="Arial" panose="020B0604020202020204" pitchFamily="34" charset="0"/>
-              </a:rPr>
-              <a:t>De acuerdo a todo esto, se elaboró satisfactoriamente el sistema “SIS Universidad”.</a:t>
-            </a:r>
-            <a:endParaRPr kumimoji="0" lang="en-US" altLang="en-US" sz="2000" b="0" i="0" u="none" strike="noStrike" cap="none" normalizeH="0" baseline="0" dirty="0" smtClean="0">
-              <a:ln>
-                <a:noFill/>
-              </a:ln>
-              <a:solidFill>
-                <a:schemeClr val="tx1"/>
-              </a:solidFill>
-              <a:effectLst/>
-              <a:latin typeface="Arial" panose="020B0604020202020204" pitchFamily="34" charset="0"/>
-              <a:cs typeface="Arial" panose="020B0604020202020204" pitchFamily="34" charset="0"/>
-            </a:endParaRPr>
-          </a:p>
-          <a:p>
-            <a:pPr marL="0" marR="0" lvl="0" indent="0" algn="l" defTabSz="914400" rtl="0" eaLnBrk="0" fontAlgn="base" latinLnBrk="0" hangingPunct="0">
-              <a:lnSpc>
-                <a:spcPct val="100000"/>
-              </a:lnSpc>
-              <a:spcBef>
-                <a:spcPct val="0"/>
-              </a:spcBef>
-              <a:spcAft>
-                <a:spcPct val="0"/>
-              </a:spcAft>
-              <a:buClrTx/>
-              <a:buSzTx/>
-              <a:buFontTx/>
-              <a:buNone/>
-              <a:tabLst/>
-            </a:pPr>
-            <a:r>
-              <a:rPr kumimoji="0" lang="es-NI" altLang="en-US" sz="2000" b="0" i="0" u="none" strike="noStrike" cap="none" normalizeH="0" baseline="0" dirty="0" smtClean="0">
-                <a:ln>
-                  <a:noFill/>
-                </a:ln>
-                <a:solidFill>
-                  <a:schemeClr val="tx1"/>
-                </a:solidFill>
-                <a:effectLst/>
-                <a:latin typeface="Arial" panose="020B0604020202020204" pitchFamily="34" charset="0"/>
-                <a:ea typeface="Arial" panose="020B0604020202020204" pitchFamily="34" charset="0"/>
-                <a:cs typeface="Arial" panose="020B0604020202020204" pitchFamily="34" charset="0"/>
-              </a:rPr>
-              <a:t>Cálculo de la muestra, se realizó con la siguiente ecuación:</a:t>
-            </a:r>
-            <a:endParaRPr kumimoji="0" lang="en-US" altLang="en-US" sz="2000" b="0" i="0" u="none" strike="noStrike" cap="none" normalizeH="0" baseline="0" dirty="0" smtClean="0">
-              <a:ln>
-                <a:noFill/>
-              </a:ln>
-              <a:solidFill>
-                <a:schemeClr val="tx1"/>
-              </a:solidFill>
-              <a:effectLst/>
-              <a:latin typeface="Arial" panose="020B0604020202020204" pitchFamily="34" charset="0"/>
-              <a:cs typeface="Arial" panose="020B0604020202020204" pitchFamily="34" charset="0"/>
-            </a:endParaRPr>
-          </a:p>
-          <a:p>
-            <a:pPr marL="0" marR="0" lvl="0" indent="0" algn="l" defTabSz="914400" rtl="0" eaLnBrk="0" fontAlgn="base" latinLnBrk="0" hangingPunct="0">
-              <a:lnSpc>
-                <a:spcPct val="100000"/>
-              </a:lnSpc>
-              <a:spcBef>
-                <a:spcPct val="0"/>
-              </a:spcBef>
-              <a:spcAft>
-                <a:spcPct val="0"/>
-              </a:spcAft>
-              <a:buClrTx/>
-              <a:buSzTx/>
-              <a:buFontTx/>
-              <a:buNone/>
-              <a:tabLst/>
-            </a:pPr>
-            <a:endParaRPr kumimoji="0" lang="en-US" altLang="en-US" sz="1800" b="0" i="0" u="none" strike="noStrike" cap="none" normalizeH="0" baseline="0" dirty="0" smtClean="0">
-              <a:ln>
-                <a:noFill/>
-              </a:ln>
-              <a:solidFill>
-                <a:schemeClr val="tx1"/>
-              </a:solidFill>
-              <a:effectLst/>
-              <a:latin typeface="Arial" panose="020B0604020202020204" pitchFamily="34" charset="0"/>
-            </a:endParaRPr>
-          </a:p>
-        </p:txBody>
-      </p:sp>
-      <p:pic>
-        <p:nvPicPr>
-          <p:cNvPr id="1028" name="Imagen 2"/>
-          <p:cNvPicPr>
-            <a:picLocks noChangeAspect="1" noChangeArrowheads="1"/>
-          </p:cNvPicPr>
-          <p:nvPr/>
-        </p:nvPicPr>
-        <p:blipFill>
-          <a:blip r:embed="rId2">
-            <a:extLst>
-              <a:ext uri="{28A0092B-C50C-407E-A947-70E740481C1C}">
-                <a14:useLocalDpi xmlns:a14="http://schemas.microsoft.com/office/drawing/2010/main" val="0"/>
-              </a:ext>
-            </a:extLst>
-          </a:blip>
-          <a:srcRect/>
-          <a:stretch>
-            <a:fillRect/>
-          </a:stretch>
-        </p:blipFill>
-        <p:spPr bwMode="auto">
-          <a:xfrm>
-            <a:off x="4491702" y="5021740"/>
-            <a:ext cx="2505075" cy="923925"/>
-          </a:xfrm>
-          <a:prstGeom prst="rect">
-            <a:avLst/>
-          </a:prstGeom>
-          <a:noFill/>
-          <a:extLst>
-            <a:ext uri="{909E8E84-426E-40DD-AFC4-6F175D3DCCD1}">
-              <a14:hiddenFill xmlns:a14="http://schemas.microsoft.com/office/drawing/2010/main">
-                <a:solidFill>
-                  <a:srgbClr val="FFFFFF"/>
-                </a:solidFill>
-              </a14:hiddenFill>
-            </a:ext>
-          </a:extLst>
-        </p:spPr>
-      </p:pic>
-      <p:sp>
-        <p:nvSpPr>
-          <p:cNvPr id="6" name="Rectangle 6"/>
-          <p:cNvSpPr>
-            <a:spLocks noChangeArrowheads="1"/>
-          </p:cNvSpPr>
-          <p:nvPr/>
-        </p:nvSpPr>
-        <p:spPr bwMode="auto">
-          <a:xfrm>
-            <a:off x="389965" y="3263713"/>
-            <a:ext cx="12192000" cy="0"/>
-          </a:xfrm>
-          <a:prstGeom prst="rect">
-            <a:avLst/>
-          </a:prstGeom>
-          <a:noFill/>
-          <a:ln>
-            <a:noFill/>
-          </a:ln>
-          <a:effectLst/>
-          <a:extLst>
-            <a:ext uri="{909E8E84-426E-40DD-AFC4-6F175D3DCCD1}">
-              <a14:hiddenFill xmlns:a14="http://schemas.microsoft.com/office/drawing/2010/main">
-                <a:solidFill>
-                  <a:schemeClr val="accent1"/>
-                </a:solidFill>
-              </a14:hiddenFill>
-            </a:ext>
-            <a:ext uri="{91240B29-F687-4F45-9708-019B960494DF}">
-              <a14:hiddenLine xmlns:a14="http://schemas.microsoft.com/office/drawing/2010/main" w="9525">
-                <a:solidFill>
-                  <a:schemeClr val="tx1"/>
-                </a:solidFill>
-                <a:miter lim="800000"/>
-                <a:headEnd/>
-                <a:tailEnd/>
-              </a14:hiddenLine>
-            </a:ext>
-            <a:ext uri="{AF507438-7753-43E0-B8FC-AC1667EBCBE1}">
-              <a14:hiddenEffects xmlns:a14="http://schemas.microsoft.com/office/drawing/2010/main">
-                <a:effectLst>
-                  <a:outerShdw dist="35921" dir="2700000" algn="ctr" rotWithShape="0">
-                    <a:schemeClr val="bg2"/>
-                  </a:outerShdw>
-                </a:effectLst>
-              </a14:hiddenEffects>
-            </a:ext>
-          </a:extLst>
-        </p:spPr>
-        <p:txBody>
-          <a:bodyPr vert="horz" wrap="none" lIns="91440" tIns="45720" rIns="91440" bIns="45720" numCol="1" anchor="ctr" anchorCtr="0" compatLnSpc="1">
-            <a:prstTxWarp prst="textNoShape">
-              <a:avLst/>
-            </a:prstTxWarp>
-            <a:spAutoFit/>
-          </a:bodyPr>
-          <a:lstStyle/>
-          <a:p>
-            <a:endParaRPr lang="en-US"/>
-          </a:p>
-        </p:txBody>
-      </p:sp>
-    </p:spTree>
-    <p:extLst>
-      <p:ext uri="{BB962C8B-B14F-4D97-AF65-F5344CB8AC3E}">
-        <p14:creationId xmlns:p14="http://schemas.microsoft.com/office/powerpoint/2010/main" val="470968171"/>
-      </p:ext>
-    </p:extLst>
-  </p:cSld>
-  <p:clrMapOvr>
-    <a:masterClrMapping/>
-  </p:clrMapOvr>
-  <p:timing>
-    <p:tnLst>
-      <p:par>
-        <p:cTn id="1" dur="indefinite" restart="never" nodeType="tmRoot"/>
-      </p:par>
-    </p:tnLst>
-  </p:timing>
-</p:sld>
-</file>
-
-<file path=ppt/slides/slide29.xml><?xml version="1.0" encoding="utf-8"?>
-<p:sld xmlns:a="http://schemas.openxmlformats.org/drawingml/2006/main" xmlns:r="http://schemas.openxmlformats.org/officeDocument/2006/relationships" xmlns:p="http://schemas.openxmlformats.org/presentationml/2006/main">
-  <p:cSld>
-    <p:spTree>
-      <p:nvGrpSpPr>
-        <p:cNvPr id="1" name=""/>
-        <p:cNvGrpSpPr/>
-        <p:nvPr/>
-      </p:nvGrpSpPr>
-      <p:grpSpPr>
-        <a:xfrm>
-          <a:off x="0" y="0"/>
-          <a:ext cx="0" cy="0"/>
-          <a:chOff x="0" y="0"/>
-          <a:chExt cx="0" cy="0"/>
-        </a:xfrm>
-      </p:grpSpPr>
-      <p:sp>
-        <p:nvSpPr>
-          <p:cNvPr id="2" name="Título 1"/>
-          <p:cNvSpPr>
-            <a:spLocks noGrp="1"/>
-          </p:cNvSpPr>
-          <p:nvPr>
-            <p:ph type="title"/>
-          </p:nvPr>
-        </p:nvSpPr>
-        <p:spPr>
-          <a:xfrm>
-            <a:off x="1491343" y="2703377"/>
-            <a:ext cx="10515600" cy="1325563"/>
-          </a:xfrm>
-        </p:spPr>
-        <p:txBody>
-          <a:bodyPr>
-            <a:normAutofit fontScale="90000"/>
-          </a:bodyPr>
-          <a:lstStyle/>
-          <a:p>
-            <a:r>
-              <a:rPr lang="es-ES" sz="6000" dirty="0" smtClean="0"/>
-              <a:t>GRACIAS POR SU ATENCION</a:t>
-            </a:r>
-            <a:endParaRPr lang="en-US" sz="6000" dirty="0"/>
-          </a:p>
-        </p:txBody>
-      </p:sp>
-    </p:spTree>
-    <p:extLst>
-      <p:ext uri="{BB962C8B-B14F-4D97-AF65-F5344CB8AC3E}">
-        <p14:creationId xmlns:p14="http://schemas.microsoft.com/office/powerpoint/2010/main" val="3714943575"/>
-      </p:ext>
-    </p:extLst>
-  </p:cSld>
-  <p:clrMapOvr>
-    <a:masterClrMapping/>
-  </p:clrMapOvr>
-  <p:timing>
-    <p:tnLst>
-      <p:par>
-        <p:cTn id="1" dur="indefinite" restart="never" nodeType="tmRoot"/>
-      </p:par>
-    </p:tnLst>
-  </p:timing>
-</p:sld>
-</file>
-
 <file path=ppt/slides/slide3.xml><?xml version="1.0" encoding="utf-8"?>
 <p:sld xmlns:a="http://schemas.openxmlformats.org/drawingml/2006/main" xmlns:r="http://schemas.openxmlformats.org/officeDocument/2006/relationships" xmlns:p="http://schemas.openxmlformats.org/presentationml/2006/main">
   <p:cSld>
@@ -15118,13 +10160,13 @@
         </p:nvSpPr>
         <p:spPr>
           <a:xfrm>
-            <a:off x="2401978" y="1624148"/>
-            <a:ext cx="8915400" cy="3777622"/>
+            <a:off x="2010092" y="1254035"/>
+            <a:ext cx="8915400" cy="5368833"/>
           </a:xfrm>
         </p:spPr>
         <p:txBody>
           <a:bodyPr>
-            <a:normAutofit fontScale="92500" lnSpcReduction="20000"/>
+            <a:normAutofit fontScale="85000" lnSpcReduction="20000"/>
           </a:bodyPr>
           <a:lstStyle/>
           <a:p>
@@ -15132,42 +10174,112 @@
               <a:buNone/>
             </a:pPr>
             <a:r>
-              <a:rPr lang="es-NI" sz="2000" dirty="0"/>
+              <a:rPr lang="es-NI" sz="2400" dirty="0">
+                <a:latin typeface="Arial" panose="020B0604020202020204" pitchFamily="34" charset="0"/>
+                <a:cs typeface="Arial" panose="020B0604020202020204" pitchFamily="34" charset="0"/>
+              </a:rPr>
+              <a:t>Automatizar procesos y dar la mejor experiencia de usuario al utilizar un sistema, es la mayor satisfacción de un ingeniero de sistemas, por eso el presente documento, permite dar a conocer el trabajo realizado por nuestro equipo.</a:t>
+            </a:r>
+            <a:endParaRPr lang="en-US" sz="2400" dirty="0">
+              <a:latin typeface="Arial" panose="020B0604020202020204" pitchFamily="34" charset="0"/>
+              <a:cs typeface="Arial" panose="020B0604020202020204" pitchFamily="34" charset="0"/>
+            </a:endParaRPr>
+          </a:p>
+          <a:p>
+            <a:pPr marL="0" indent="0">
+              <a:buNone/>
+            </a:pPr>
+            <a:r>
+              <a:rPr lang="es-NI" sz="2400" dirty="0">
+                <a:latin typeface="Arial" panose="020B0604020202020204" pitchFamily="34" charset="0"/>
+                <a:cs typeface="Arial" panose="020B0604020202020204" pitchFamily="34" charset="0"/>
+              </a:rPr>
+              <a:t> </a:t>
+            </a:r>
+            <a:endParaRPr lang="en-US" sz="2400" dirty="0">
+              <a:latin typeface="Arial" panose="020B0604020202020204" pitchFamily="34" charset="0"/>
+              <a:cs typeface="Arial" panose="020B0604020202020204" pitchFamily="34" charset="0"/>
+            </a:endParaRPr>
+          </a:p>
+          <a:p>
+            <a:pPr marL="0" indent="0">
+              <a:buNone/>
+            </a:pPr>
+            <a:r>
+              <a:rPr lang="es-NI" sz="2400" dirty="0">
+                <a:latin typeface="Arial" panose="020B0604020202020204" pitchFamily="34" charset="0"/>
+                <a:cs typeface="Arial" panose="020B0604020202020204" pitchFamily="34" charset="0"/>
+              </a:rPr>
               <a:t>La presente investigación pretende reunir una serie de elementos necesarios en el diseño y construcción de un sistema de calificaciones tan indispensable en la vida laboral y estudiantil de la Universidad Martin Lutero que permitirá satisfacer la demanda de tan importante practica educativa.</a:t>
             </a:r>
-            <a:endParaRPr lang="en-US" sz="2000" dirty="0"/>
+            <a:endParaRPr lang="en-US" sz="2400" dirty="0">
+              <a:latin typeface="Arial" panose="020B0604020202020204" pitchFamily="34" charset="0"/>
+              <a:cs typeface="Arial" panose="020B0604020202020204" pitchFamily="34" charset="0"/>
+            </a:endParaRPr>
           </a:p>
           <a:p>
             <a:pPr marL="0" indent="0">
               <a:buNone/>
             </a:pPr>
-            <a:endParaRPr lang="en-US" sz="2000" dirty="0"/>
+            <a:r>
+              <a:rPr lang="es-NI" sz="2400" dirty="0">
+                <a:latin typeface="Arial" panose="020B0604020202020204" pitchFamily="34" charset="0"/>
+                <a:cs typeface="Arial" panose="020B0604020202020204" pitchFamily="34" charset="0"/>
+              </a:rPr>
+              <a:t> </a:t>
+            </a:r>
+            <a:endParaRPr lang="en-US" sz="2400" dirty="0">
+              <a:latin typeface="Arial" panose="020B0604020202020204" pitchFamily="34" charset="0"/>
+              <a:cs typeface="Arial" panose="020B0604020202020204" pitchFamily="34" charset="0"/>
+            </a:endParaRPr>
           </a:p>
           <a:p>
             <a:pPr marL="0" indent="0">
               <a:buNone/>
             </a:pPr>
             <a:r>
-              <a:rPr lang="es-NI" sz="2000" dirty="0"/>
+              <a:rPr lang="es-NI" sz="2400" dirty="0">
+                <a:latin typeface="Arial" panose="020B0604020202020204" pitchFamily="34" charset="0"/>
+                <a:cs typeface="Arial" panose="020B0604020202020204" pitchFamily="34" charset="0"/>
+              </a:rPr>
               <a:t>Consideramos que este será un elemento positivo tanto para los docentes como para los estudiantes quienes podrán en su momento brindar y acceder a los resultados académicos que necesite.</a:t>
             </a:r>
-            <a:endParaRPr lang="en-US" sz="2000" dirty="0"/>
+            <a:endParaRPr lang="en-US" sz="2400" dirty="0">
+              <a:latin typeface="Arial" panose="020B0604020202020204" pitchFamily="34" charset="0"/>
+              <a:cs typeface="Arial" panose="020B0604020202020204" pitchFamily="34" charset="0"/>
+            </a:endParaRPr>
           </a:p>
           <a:p>
             <a:pPr marL="0" indent="0">
               <a:buNone/>
             </a:pPr>
-            <a:endParaRPr lang="en-US" sz="2000" dirty="0"/>
+            <a:r>
+              <a:rPr lang="es-NI" sz="2400" dirty="0">
+                <a:latin typeface="Arial" panose="020B0604020202020204" pitchFamily="34" charset="0"/>
+                <a:cs typeface="Arial" panose="020B0604020202020204" pitchFamily="34" charset="0"/>
+              </a:rPr>
+              <a:t> </a:t>
+            </a:r>
+            <a:endParaRPr lang="en-US" sz="2400" dirty="0">
+              <a:latin typeface="Arial" panose="020B0604020202020204" pitchFamily="34" charset="0"/>
+              <a:cs typeface="Arial" panose="020B0604020202020204" pitchFamily="34" charset="0"/>
+            </a:endParaRPr>
           </a:p>
           <a:p>
             <a:pPr marL="0" indent="0">
               <a:buNone/>
             </a:pPr>
             <a:r>
-              <a:rPr lang="es-NI" sz="2000" dirty="0"/>
-              <a:t>Ponemos a su disposición este diseño de información automatizado que facilitara el registro académico de la comunicada educativa de tan prestigiosa Universidad.</a:t>
-            </a:r>
-            <a:endParaRPr lang="en-US" sz="2000" dirty="0"/>
+              <a:rPr lang="es-NI" sz="2400" dirty="0">
+                <a:latin typeface="Arial" panose="020B0604020202020204" pitchFamily="34" charset="0"/>
+                <a:cs typeface="Arial" panose="020B0604020202020204" pitchFamily="34" charset="0"/>
+              </a:rPr>
+              <a:t>Ponemos a su disposición este diseño de información automatizado que facilitara el registro académico de la comunidad educativa de tan prestigiosa Universidad.</a:t>
+            </a:r>
+            <a:endParaRPr lang="en-US" sz="2400" dirty="0">
+              <a:latin typeface="Arial" panose="020B0604020202020204" pitchFamily="34" charset="0"/>
+              <a:cs typeface="Arial" panose="020B0604020202020204" pitchFamily="34" charset="0"/>
+            </a:endParaRPr>
           </a:p>
           <a:p>
             <a:endParaRPr lang="en-US" dirty="0"/>
@@ -15252,13 +10364,13 @@
         </p:nvSpPr>
         <p:spPr>
           <a:xfrm>
-            <a:off x="1936069" y="1267097"/>
+            <a:off x="2158138" y="1737360"/>
             <a:ext cx="8915400" cy="4637315"/>
           </a:xfrm>
         </p:spPr>
         <p:txBody>
           <a:bodyPr>
-            <a:normAutofit fontScale="62500" lnSpcReduction="20000"/>
+            <a:normAutofit/>
           </a:bodyPr>
           <a:lstStyle/>
           <a:p>
@@ -15266,76 +10378,30 @@
               <a:buNone/>
             </a:pPr>
             <a:r>
-              <a:rPr lang="es-NI" sz="2400" dirty="0"/>
-              <a:t>Consideramos que el desarrollo de este sistema, será de una gran ayuda ya que permitirá optimizar, agilizar y mejorar todos los procesos administrativos y académicos que se llevan a cabo dentro de la Universidad, con la finalidad de agradar y proporcionar un mejor servicio al alumnado y los docentes; así como también crear una nueva manera en que el control de notas se lleva a cabo dentro del área de registro académico.</a:t>
-            </a:r>
-            <a:endParaRPr lang="en-US" sz="2400" dirty="0"/>
-          </a:p>
-          <a:p>
-            <a:pPr marL="0" indent="0">
-              <a:buNone/>
-            </a:pPr>
-            <a:r>
-              <a:rPr lang="es-NI" sz="2400" dirty="0"/>
-              <a:t> </a:t>
-            </a:r>
-            <a:endParaRPr lang="en-US" sz="2400" dirty="0"/>
-          </a:p>
-          <a:p>
-            <a:pPr marL="0" indent="0">
-              <a:buNone/>
-            </a:pPr>
-            <a:r>
-              <a:rPr lang="es-NI" sz="2400" dirty="0"/>
-              <a:t>Beneficiará a toda la comunidad estudiantil de nuestra universidad; un ejemplo práctico somos nosotros quienes estamos realizando el sistema de notas, aplicando los conocimientos impartidos por nuestros maestros durante los años.</a:t>
-            </a:r>
-            <a:endParaRPr lang="en-US" sz="2400" dirty="0"/>
-          </a:p>
-          <a:p>
-            <a:pPr marL="0" indent="0">
-              <a:buNone/>
-            </a:pPr>
-            <a:r>
-              <a:rPr lang="es-NI" sz="2400" dirty="0"/>
-              <a:t> </a:t>
-            </a:r>
-            <a:endParaRPr lang="en-US" sz="2400" dirty="0"/>
-          </a:p>
-          <a:p>
-            <a:pPr marL="0" indent="0">
-              <a:buNone/>
-            </a:pPr>
-            <a:r>
-              <a:rPr lang="es-NI" sz="2400" dirty="0"/>
-              <a:t>La implementación de este proyecto, servirá para dar un gran paso a la introducción en la tecnología por parte de los estudiantes y personal administrativo, esta experiencia abrirá las puertas para el uso de herramientas en línea, las cuales están muy de moda por el contexto que hemos experimentado por el distanciamiento social.</a:t>
-            </a:r>
-            <a:endParaRPr lang="en-US" sz="2400" dirty="0"/>
-          </a:p>
-          <a:p>
-            <a:pPr marL="0" indent="0">
-              <a:buNone/>
-            </a:pPr>
-            <a:r>
-              <a:rPr lang="es-NI" sz="2400" dirty="0"/>
-              <a:t> </a:t>
-            </a:r>
-            <a:endParaRPr lang="en-US" sz="2400" dirty="0"/>
-          </a:p>
-          <a:p>
-            <a:pPr marL="0" indent="0">
-              <a:buNone/>
-            </a:pPr>
-            <a:r>
-              <a:rPr lang="es-NI" sz="2400" dirty="0"/>
-              <a:t>El sistema una vez puesto en marcha, podrá tener utilidad metodológica, es decir, será capaz de genera informes relacionados a las notas de los estudiantes, los cuales podrán ayudar a la toma de decisiones en lo relacionado a lo académico.</a:t>
-            </a:r>
-            <a:endParaRPr lang="en-US" sz="2400" dirty="0"/>
-          </a:p>
-          <a:p>
-            <a:pPr marL="0" indent="0">
-              <a:buNone/>
-            </a:pPr>
-            <a:endParaRPr lang="en-US" dirty="0"/>
+              <a:rPr lang="es-NI" sz="2000" dirty="0">
+                <a:latin typeface="Arial" panose="020B0604020202020204" pitchFamily="34" charset="0"/>
+                <a:cs typeface="Arial" panose="020B0604020202020204" pitchFamily="34" charset="0"/>
+              </a:rPr>
+              <a:t>Beneficiará a toda la comunidad estudiantil de nuestra universidad; un ejemplo práctico somos nosotros quienes estamos realizando el sistema de notas, aplicando los conocimientos impartidos por nuestros maestros durante los </a:t>
+            </a:r>
+            <a:r>
+              <a:rPr lang="es-NI" sz="2000" dirty="0" smtClean="0">
+                <a:latin typeface="Arial" panose="020B0604020202020204" pitchFamily="34" charset="0"/>
+                <a:cs typeface="Arial" panose="020B0604020202020204" pitchFamily="34" charset="0"/>
+              </a:rPr>
+              <a:t>años</a:t>
+            </a:r>
+            <a:r>
+              <a:rPr lang="es-NI" sz="2000" dirty="0">
+                <a:latin typeface="Arial" panose="020B0604020202020204" pitchFamily="34" charset="0"/>
+                <a:cs typeface="Arial" panose="020B0604020202020204" pitchFamily="34" charset="0"/>
+              </a:rPr>
+              <a:t>.</a:t>
+            </a:r>
+            <a:endParaRPr lang="en-US" sz="2000" dirty="0">
+              <a:latin typeface="Arial" panose="020B0604020202020204" pitchFamily="34" charset="0"/>
+              <a:cs typeface="Arial" panose="020B0604020202020204" pitchFamily="34" charset="0"/>
+            </a:endParaRPr>
           </a:p>
         </p:txBody>
       </p:sp>
@@ -15555,8 +10621,8 @@
         </p:nvSpPr>
         <p:spPr>
           <a:xfrm>
-            <a:off x="2331668" y="663299"/>
-            <a:ext cx="8911687" cy="1280890"/>
+            <a:off x="1822217" y="790302"/>
+            <a:ext cx="8911687" cy="1343298"/>
           </a:xfrm>
         </p:spPr>
         <p:txBody>
@@ -15595,21 +10661,33 @@
           <a:p>
             <a:pPr lvl="0"/>
             <a:r>
-              <a:rPr lang="es-NI" sz="2000" dirty="0"/>
-              <a:t>Mejorar los procesos y el tiempo de atención a estudiantes y docentes en el área de registro académico de Universidad Martin Lutero, sede </a:t>
-            </a:r>
-            <a:r>
-              <a:rPr lang="es-NI" sz="2000" dirty="0" err="1"/>
+              <a:rPr lang="es-NI" sz="2000" dirty="0">
+                <a:latin typeface="Arial" panose="020B0604020202020204" pitchFamily="34" charset="0"/>
+                <a:cs typeface="Arial" panose="020B0604020202020204" pitchFamily="34" charset="0"/>
+              </a:rPr>
+              <a:t>Mejorar el tiempo de atención a docentes y personal administrativo, en el área de registro académico de Universidad Martin Lutero sede </a:t>
+            </a:r>
+            <a:r>
+              <a:rPr lang="es-NI" sz="2000" dirty="0" err="1">
+                <a:latin typeface="Arial" panose="020B0604020202020204" pitchFamily="34" charset="0"/>
+                <a:cs typeface="Arial" panose="020B0604020202020204" pitchFamily="34" charset="0"/>
+              </a:rPr>
               <a:t>Quilalí</a:t>
             </a:r>
             <a:r>
-              <a:rPr lang="es-NI" sz="2000" dirty="0"/>
+              <a:rPr lang="es-NI" sz="2000" dirty="0">
+                <a:latin typeface="Arial" panose="020B0604020202020204" pitchFamily="34" charset="0"/>
+                <a:cs typeface="Arial" panose="020B0604020202020204" pitchFamily="34" charset="0"/>
+              </a:rPr>
               <a:t>, en lo referente al registro y administración de notas de los alumnos.</a:t>
             </a:r>
-            <a:endParaRPr lang="en-US" sz="2000" dirty="0"/>
-          </a:p>
-          <a:p>
-            <a:endParaRPr lang="en-US" sz="2000" dirty="0"/>
+            <a:endParaRPr lang="en-US" sz="2000" dirty="0">
+              <a:latin typeface="Arial" panose="020B0604020202020204" pitchFamily="34" charset="0"/>
+              <a:cs typeface="Arial" panose="020B0604020202020204" pitchFamily="34" charset="0"/>
+            </a:endParaRPr>
+          </a:p>
+          <a:p>
+            <a:endParaRPr lang="en-US" dirty="0"/>
           </a:p>
         </p:txBody>
       </p:sp>
@@ -15662,7 +10740,7 @@
         </p:nvSpPr>
         <p:spPr>
           <a:xfrm>
-            <a:off x="2044285" y="689424"/>
+            <a:off x="1521770" y="846178"/>
             <a:ext cx="8911687" cy="1280890"/>
           </a:xfrm>
         </p:spPr>
@@ -15689,7 +10767,12 @@
             <p:ph idx="1"/>
           </p:nvPr>
         </p:nvSpPr>
-        <p:spPr/>
+        <p:spPr>
+          <a:xfrm>
+            <a:off x="1766251" y="1878873"/>
+            <a:ext cx="8915400" cy="4574177"/>
+          </a:xfrm>
+        </p:spPr>
         <p:txBody>
           <a:bodyPr>
             <a:noAutofit/>
@@ -15715,6 +10798,13 @@
             <a:endParaRPr lang="en-US" sz="2000" dirty="0"/>
           </a:p>
           <a:p>
+            <a:pPr marL="0" indent="0">
+              <a:buNone/>
+            </a:pPr>
+            <a:r>
+              <a:rPr lang="es-NI" sz="2000" dirty="0"/>
+              <a:t> </a:t>
+            </a:r>
             <a:endParaRPr lang="en-US" sz="2000" dirty="0"/>
           </a:p>
           <a:p>
@@ -15724,6 +10814,9 @@
               <a:t>Diseñar un sistema automatizado de registro de notas en línea, mediante el uso de tecnologías web actuales, para que docentes y/o administrativos puedan ingresar las notas desde cualquier lugar.</a:t>
             </a:r>
             <a:endParaRPr lang="en-US" sz="2000" dirty="0"/>
+          </a:p>
+          <a:p>
+            <a:endParaRPr lang="en-US" dirty="0"/>
           </a:p>
           <a:p>
             <a:endParaRPr lang="en-US" sz="2000" dirty="0"/>
@@ -15777,179 +10870,102 @@
             <p:ph type="title"/>
           </p:nvPr>
         </p:nvSpPr>
+        <p:spPr/>
+        <p:txBody>
+          <a:bodyPr/>
+          <a:lstStyle/>
+          <a:p>
+            <a:pPr lvl="0"/>
+            <a:r>
+              <a:rPr lang="es-NI" b="1" dirty="0"/>
+              <a:t>Marco Teórico</a:t>
+            </a:r>
+            <a:r>
+              <a:rPr lang="en-US" b="1" dirty="0"/>
+              <a:t/>
+            </a:r>
+            <a:br>
+              <a:rPr lang="en-US" b="1" dirty="0"/>
+            </a:br>
+            <a:endParaRPr lang="en-US" dirty="0"/>
+          </a:p>
+        </p:txBody>
+      </p:sp>
+      <p:sp>
+        <p:nvSpPr>
+          <p:cNvPr id="3" name="Marcador de contenido 2"/>
+          <p:cNvSpPr>
+            <a:spLocks noGrp="1"/>
+          </p:cNvSpPr>
+          <p:nvPr>
+            <p:ph idx="1"/>
+          </p:nvPr>
+        </p:nvSpPr>
+        <p:spPr/>
+        <p:txBody>
+          <a:bodyPr/>
+          <a:lstStyle/>
+          <a:p>
+            <a:pPr marL="0" indent="0">
+              <a:buNone/>
+            </a:pPr>
+            <a:r>
+              <a:rPr lang="es-NI" dirty="0"/>
+              <a:t>Los sistemas orientados al control de registros de datos, son muy populares desde hace ya varios años a nivel </a:t>
+            </a:r>
+            <a:r>
+              <a:rPr lang="es-NI" dirty="0" smtClean="0"/>
+              <a:t>mundial.</a:t>
+            </a:r>
+          </a:p>
+          <a:p>
+            <a:pPr marL="0" indent="0">
+              <a:buNone/>
+            </a:pPr>
+            <a:endParaRPr lang="en-US" dirty="0"/>
+          </a:p>
+        </p:txBody>
+      </p:sp>
+      <p:pic>
+        <p:nvPicPr>
+          <p:cNvPr id="4" name="Imagen 3"/>
+          <p:cNvPicPr>
+            <a:picLocks noChangeAspect="1"/>
+          </p:cNvPicPr>
+          <p:nvPr/>
+        </p:nvPicPr>
+        <p:blipFill>
+          <a:blip r:embed="rId2">
+            <a:extLst>
+              <a:ext uri="{28A0092B-C50C-407E-A947-70E740481C1C}">
+                <a14:useLocalDpi xmlns:a14="http://schemas.microsoft.com/office/drawing/2010/main" val="0"/>
+              </a:ext>
+            </a:extLst>
+          </a:blip>
+          <a:stretch>
+            <a:fillRect/>
+          </a:stretch>
+        </p:blipFill>
         <p:spPr>
           <a:xfrm>
-            <a:off x="1640156" y="362853"/>
-            <a:ext cx="8911687" cy="1280890"/>
+            <a:off x="2430896" y="3193736"/>
+            <a:ext cx="8385150" cy="2946086"/>
           </a:xfrm>
+          <a:prstGeom prst="rect">
+            <a:avLst/>
+          </a:prstGeom>
         </p:spPr>
-        <p:txBody>
-          <a:bodyPr/>
-          <a:lstStyle/>
-          <a:p>
-            <a:pPr algn="ctr"/>
-            <a:r>
-              <a:rPr lang="es-NI" b="1" dirty="0"/>
-              <a:t>MARCO TEORICO </a:t>
-            </a:r>
-            <a:endParaRPr lang="en-US" dirty="0"/>
-          </a:p>
-        </p:txBody>
-      </p:sp>
-      <p:sp>
-        <p:nvSpPr>
-          <p:cNvPr id="3" name="Marcador de contenido 2"/>
-          <p:cNvSpPr>
-            <a:spLocks noGrp="1"/>
-          </p:cNvSpPr>
-          <p:nvPr>
-            <p:ph idx="1"/>
-          </p:nvPr>
-        </p:nvSpPr>
-        <p:spPr>
-          <a:xfrm>
-            <a:off x="676002" y="1146355"/>
-            <a:ext cx="10839994" cy="5424262"/>
-          </a:xfrm>
-        </p:spPr>
-        <p:txBody>
-          <a:bodyPr>
-            <a:normAutofit fontScale="85000" lnSpcReduction="10000"/>
-          </a:bodyPr>
-          <a:lstStyle/>
-          <a:p>
-            <a:pPr marL="0" indent="0">
-              <a:buNone/>
-            </a:pPr>
-            <a:r>
-              <a:rPr lang="es-NI" dirty="0"/>
-              <a:t>Los sistemas orientados al control de registros de datos, son muy populares desde hace ya varios años a nivel mundial, éstos pueden estar construidos con diferentes tecnologías y orientados a diferentes tipos de bases de datos. Las universidades en lo particular tienen potentes sistemas para este fin.</a:t>
-            </a:r>
-            <a:endParaRPr lang="en-US" dirty="0"/>
-          </a:p>
-          <a:p>
-            <a:pPr marL="0" indent="0">
-              <a:buNone/>
-            </a:pPr>
-            <a:r>
-              <a:rPr lang="es-NI" dirty="0"/>
-              <a:t> </a:t>
-            </a:r>
-            <a:endParaRPr lang="en-US" dirty="0"/>
-          </a:p>
-          <a:p>
-            <a:pPr marL="0" indent="0">
-              <a:buNone/>
-            </a:pPr>
-            <a:r>
-              <a:rPr lang="es-NI" dirty="0"/>
-              <a:t>En Nicaragua existen universidades que tiene ya más de 200 años y éstas han desarrollado controles de registros orientados a las diferentes áreas de sus campus, se conoce de ciertas universidades que son capaces de tener una plataforma completa donde tanto estudiantes, docentes, administrativos y público en general pueden acceder para consumir la información que existe en ellas, claro está con ciertos privilegios para cada quien.</a:t>
-            </a:r>
-            <a:endParaRPr lang="en-US" dirty="0"/>
-          </a:p>
-          <a:p>
-            <a:pPr marL="0" indent="0">
-              <a:buNone/>
-            </a:pPr>
-            <a:r>
-              <a:rPr lang="es-NI" dirty="0"/>
-              <a:t> </a:t>
-            </a:r>
-            <a:endParaRPr lang="en-US" dirty="0"/>
-          </a:p>
-          <a:p>
-            <a:pPr marL="0" indent="0">
-              <a:buNone/>
-            </a:pPr>
-            <a:r>
-              <a:rPr lang="es-NI" dirty="0"/>
-              <a:t>Universidad Martín Lutero a nivel nacional aún no cuenta con alguna plataforma que pueda satisfacer las necesidades informativas y de gestión administrativa de nuestra comunidad universitaria, por lo que es menester iniciar a construirla.</a:t>
-            </a:r>
-            <a:endParaRPr lang="en-US" dirty="0"/>
-          </a:p>
-          <a:p>
-            <a:pPr marL="0" indent="0">
-              <a:buNone/>
-            </a:pPr>
-            <a:r>
-              <a:rPr lang="es-NI" dirty="0"/>
-              <a:t> </a:t>
-            </a:r>
-            <a:endParaRPr lang="en-US" dirty="0"/>
-          </a:p>
-          <a:p>
-            <a:pPr marL="0" indent="0">
-              <a:buNone/>
-            </a:pPr>
-            <a:r>
-              <a:rPr lang="es-NI" dirty="0"/>
-              <a:t>Como parte de esa intención nosotros como egresados de la carrera de ingeniería de sistemas, de Universidad Martín Lutero sede </a:t>
-            </a:r>
-            <a:r>
-              <a:rPr lang="es-NI" dirty="0" err="1"/>
-              <a:t>Quilalí</a:t>
-            </a:r>
-            <a:r>
-              <a:rPr lang="es-NI" dirty="0"/>
-              <a:t>, pretendemos crear lo que consideramos el inicio de esta plataforma, con la esperanza de que pueda ser mejorada con el pasar de los años por nuestros predecesores.</a:t>
-            </a:r>
-            <a:endParaRPr lang="en-US" dirty="0"/>
-          </a:p>
-          <a:p>
-            <a:pPr marL="0" indent="0">
-              <a:buNone/>
-            </a:pPr>
-            <a:r>
-              <a:rPr lang="es-NI" dirty="0"/>
-              <a:t> </a:t>
-            </a:r>
-            <a:endParaRPr lang="en-US" dirty="0"/>
-          </a:p>
-          <a:p>
-            <a:pPr marL="0" indent="0">
-              <a:buNone/>
-            </a:pPr>
-            <a:r>
-              <a:rPr lang="es-NI" dirty="0"/>
-              <a:t>En el siguiente capítulo se presentan todas las bases teóricas que requieren ser dominadas para el entendimiento del proyecto.</a:t>
-            </a:r>
-            <a:endParaRPr lang="en-US" dirty="0"/>
-          </a:p>
-          <a:p>
-            <a:pPr marL="0" indent="0">
-              <a:buNone/>
-            </a:pPr>
-            <a:r>
-              <a:rPr lang="es-NI" dirty="0"/>
-              <a:t> </a:t>
-            </a:r>
-            <a:endParaRPr lang="en-US" dirty="0"/>
-          </a:p>
-          <a:p>
-            <a:pPr marL="0" indent="0">
-              <a:buNone/>
-            </a:pPr>
-            <a:endParaRPr lang="en-US" sz="2400" dirty="0"/>
-          </a:p>
-        </p:txBody>
-      </p:sp>
+      </p:pic>
     </p:spTree>
     <p:extLst>
       <p:ext uri="{BB962C8B-B14F-4D97-AF65-F5344CB8AC3E}">
-        <p14:creationId xmlns:p14="http://schemas.microsoft.com/office/powerpoint/2010/main" val="2424367798"/>
+        <p14:creationId xmlns:p14="http://schemas.microsoft.com/office/powerpoint/2010/main" val="982281611"/>
       </p:ext>
     </p:extLst>
   </p:cSld>
   <p:clrMapOvr>
     <a:masterClrMapping/>
   </p:clrMapOvr>
-  <p:timing>
-    <p:tnLst>
-      <p:par>
-        <p:cTn id="1" dur="indefinite" restart="never" nodeType="tmRoot"/>
-      </p:par>
-    </p:tnLst>
-  </p:timing>
 </p:sld>
 </file>
 
@@ -15982,45 +10998,8 @@
         </p:nvSpPr>
         <p:spPr>
           <a:xfrm>
-            <a:off x="2592925" y="624110"/>
-            <a:ext cx="8911687" cy="969559"/>
-          </a:xfrm>
-        </p:spPr>
-        <p:txBody>
-          <a:bodyPr>
-            <a:normAutofit fontScale="90000"/>
-          </a:bodyPr>
-          <a:lstStyle/>
-          <a:p>
-            <a:r>
-              <a:rPr lang="es-NI" b="1" dirty="0" smtClean="0"/>
-              <a:t>¿Qué es un sistema informático?</a:t>
-            </a:r>
-            <a:r>
-              <a:rPr lang="en-US" b="1" dirty="0" smtClean="0"/>
-              <a:t/>
-            </a:r>
-            <a:br>
-              <a:rPr lang="en-US" b="1" dirty="0" smtClean="0"/>
-            </a:br>
-            <a:endParaRPr lang="en-US" dirty="0"/>
-          </a:p>
-        </p:txBody>
-      </p:sp>
-      <p:sp>
-        <p:nvSpPr>
-          <p:cNvPr id="3" name="Marcador de contenido 2"/>
-          <p:cNvSpPr>
-            <a:spLocks noGrp="1"/>
-          </p:cNvSpPr>
-          <p:nvPr>
-            <p:ph idx="1"/>
-          </p:nvPr>
-        </p:nvSpPr>
-        <p:spPr>
-          <a:xfrm>
-            <a:off x="1828801" y="1476105"/>
-            <a:ext cx="9545183" cy="2063930"/>
+            <a:off x="1978971" y="650236"/>
+            <a:ext cx="8911687" cy="1280890"/>
           </a:xfrm>
         </p:spPr>
         <p:txBody>
@@ -16029,102 +11008,59 @@
           </a:bodyPr>
           <a:lstStyle/>
           <a:p>
-            <a:pPr marL="0" indent="0">
-              <a:buNone/>
-            </a:pPr>
-            <a:r>
-              <a:rPr lang="es-NI" sz="2000" dirty="0" smtClean="0"/>
-              <a:t>es un </a:t>
-            </a:r>
-            <a:r>
-              <a:rPr lang="es-NI" sz="2000" u="sng" dirty="0" smtClean="0">
-                <a:hlinkClick r:id="rId2" tooltip="Teoría de sistemas"/>
+            <a:r>
+              <a:rPr lang="es-NI" sz="2000" dirty="0">
+                <a:latin typeface="Arial" panose="020B0604020202020204" pitchFamily="34" charset="0"/>
+                <a:cs typeface="Arial" panose="020B0604020202020204" pitchFamily="34" charset="0"/>
               </a:rPr>
-              <a:t>sistema</a:t>
-            </a:r>
-            <a:r>
-              <a:rPr lang="es-NI" sz="2000" dirty="0" smtClean="0"/>
-              <a:t> que permite almacenar y procesar </a:t>
-            </a:r>
-            <a:r>
-              <a:rPr lang="es-NI" sz="2000" u="sng" dirty="0" smtClean="0">
-                <a:hlinkClick r:id="rId3" tooltip="Información"/>
-              </a:rPr>
-              <a:t>información</a:t>
-            </a:r>
-            <a:r>
-              <a:rPr lang="es-NI" sz="2000" dirty="0" smtClean="0"/>
-              <a:t>; es el conjunto de partes interrelacionadas: </a:t>
-            </a:r>
-            <a:r>
-              <a:rPr lang="es-NI" sz="2000" i="1" u="sng" dirty="0" smtClean="0">
-                <a:hlinkClick r:id="rId4" tooltip="Hardware"/>
-              </a:rPr>
-              <a:t>hardware</a:t>
-            </a:r>
-            <a:r>
-              <a:rPr lang="es-NI" sz="2000" dirty="0" smtClean="0"/>
-              <a:t>, </a:t>
-            </a:r>
-            <a:r>
-              <a:rPr lang="es-NI" sz="2000" i="1" u="sng" dirty="0" smtClean="0">
-                <a:hlinkClick r:id="rId5" tooltip="Software"/>
-              </a:rPr>
-              <a:t>software</a:t>
-            </a:r>
-            <a:r>
-              <a:rPr lang="es-NI" sz="2000" dirty="0" smtClean="0"/>
-              <a:t> y personal informático. El </a:t>
-            </a:r>
-            <a:r>
-              <a:rPr lang="es-NI" sz="2000" i="1" dirty="0" smtClean="0"/>
-              <a:t>hardware</a:t>
-            </a:r>
-            <a:r>
-              <a:rPr lang="es-NI" sz="2000" dirty="0" smtClean="0"/>
-              <a:t> incluye </a:t>
-            </a:r>
-            <a:r>
-              <a:rPr lang="es-NI" sz="2000" u="sng" dirty="0" smtClean="0">
-                <a:hlinkClick r:id="rId6" tooltip="Computadora"/>
-              </a:rPr>
-              <a:t>computadoras</a:t>
-            </a:r>
-            <a:r>
-              <a:rPr lang="es-NI" sz="2000" dirty="0" smtClean="0"/>
-              <a:t> o cualquier tipo de dispositivo electrónico, que consisten en </a:t>
-            </a:r>
-            <a:r>
-              <a:rPr lang="es-NI" sz="2000" u="sng" dirty="0" smtClean="0">
-                <a:hlinkClick r:id="rId7" tooltip="Unidad central de procesamiento"/>
-              </a:rPr>
-              <a:t>procesadores</a:t>
-            </a:r>
-            <a:r>
-              <a:rPr lang="es-NI" sz="2000" dirty="0" smtClean="0"/>
-              <a:t>, memoria, sistemas de almacenamiento externo, etc. </a:t>
-            </a:r>
-            <a:endParaRPr lang="en-US" sz="2000" dirty="0"/>
-          </a:p>
-        </p:txBody>
-      </p:sp>
+              <a:t>En Nicaragua existen universidades que tiene ya más de 200 años y éstas han desarrollado controles de registros orientados a las diferentes áreas de sus campus</a:t>
+            </a:r>
+            <a:endParaRPr lang="en-US" sz="2000" dirty="0">
+              <a:latin typeface="Arial" panose="020B0604020202020204" pitchFamily="34" charset="0"/>
+              <a:cs typeface="Arial" panose="020B0604020202020204" pitchFamily="34" charset="0"/>
+            </a:endParaRPr>
+          </a:p>
+        </p:txBody>
+      </p:sp>
+      <p:pic>
+        <p:nvPicPr>
+          <p:cNvPr id="4" name="Marcador de contenido 3"/>
+          <p:cNvPicPr>
+            <a:picLocks noGrp="1" noChangeAspect="1"/>
+          </p:cNvPicPr>
+          <p:nvPr>
+            <p:ph idx="1"/>
+          </p:nvPr>
+        </p:nvPicPr>
+        <p:blipFill>
+          <a:blip r:embed="rId2">
+            <a:extLst>
+              <a:ext uri="{28A0092B-C50C-407E-A947-70E740481C1C}">
+                <a14:useLocalDpi xmlns:a14="http://schemas.microsoft.com/office/drawing/2010/main" val="0"/>
+              </a:ext>
+            </a:extLst>
+          </a:blip>
+          <a:stretch>
+            <a:fillRect/>
+          </a:stretch>
+        </p:blipFill>
+        <p:spPr>
+          <a:xfrm>
+            <a:off x="4336869" y="2246811"/>
+            <a:ext cx="4885507" cy="3749039"/>
+          </a:xfrm>
+        </p:spPr>
+      </p:pic>
     </p:spTree>
     <p:extLst>
       <p:ext uri="{BB962C8B-B14F-4D97-AF65-F5344CB8AC3E}">
-        <p14:creationId xmlns:p14="http://schemas.microsoft.com/office/powerpoint/2010/main" val="3622051249"/>
+        <p14:creationId xmlns:p14="http://schemas.microsoft.com/office/powerpoint/2010/main" val="1596949681"/>
       </p:ext>
     </p:extLst>
   </p:cSld>
   <p:clrMapOvr>
     <a:masterClrMapping/>
   </p:clrMapOvr>
-  <p:timing>
-    <p:tnLst>
-      <p:par>
-        <p:cTn id="1" dur="indefinite" restart="never" nodeType="tmRoot"/>
-      </p:par>
-    </p:tnLst>
-  </p:timing>
 </p:sld>
 </file>
 

--- a/Presentacion/El principio de la sabiduría es el temor.pptx
+++ b/Presentacion/El principio de la sabiduría es el temor.pptx
@@ -13,14 +13,13 @@
     <p:sldId id="259" r:id="rId7"/>
     <p:sldId id="260" r:id="rId8"/>
     <p:sldId id="315" r:id="rId9"/>
-    <p:sldId id="316" r:id="rId10"/>
-    <p:sldId id="317" r:id="rId11"/>
-    <p:sldId id="312" r:id="rId12"/>
-    <p:sldId id="313" r:id="rId13"/>
-    <p:sldId id="314" r:id="rId14"/>
-    <p:sldId id="318" r:id="rId15"/>
-    <p:sldId id="319" r:id="rId16"/>
-    <p:sldId id="310" r:id="rId17"/>
+    <p:sldId id="317" r:id="rId10"/>
+    <p:sldId id="312" r:id="rId11"/>
+    <p:sldId id="313" r:id="rId12"/>
+    <p:sldId id="314" r:id="rId13"/>
+    <p:sldId id="318" r:id="rId14"/>
+    <p:sldId id="319" r:id="rId15"/>
+    <p:sldId id="310" r:id="rId16"/>
   </p:sldIdLst>
   <p:sldSz cx="12192000" cy="6858000"/>
   <p:notesSz cx="6858000" cy="9144000"/>
@@ -171,7 +170,7 @@
           </a:lstStyle>
           <a:p>
             <a:r>
-              <a:rPr lang="es-ES" smtClean="0"/>
+              <a:rPr lang="es-ES"/>
               <a:t>Haga clic para modificar el estilo de título del patrón</a:t>
             </a:r>
             <a:endParaRPr lang="en-US" dirty="0"/>
@@ -291,7 +290,7 @@
           </a:lstStyle>
           <a:p>
             <a:r>
-              <a:rPr lang="es-ES" smtClean="0"/>
+              <a:rPr lang="es-ES"/>
               <a:t>Haga clic para editar el estilo de subtítulo del patrón</a:t>
             </a:r>
             <a:endParaRPr lang="en-US" dirty="0"/>
@@ -507,7 +506,7 @@
           </a:lstStyle>
           <a:p>
             <a:r>
-              <a:rPr lang="es-ES" smtClean="0"/>
+              <a:rPr lang="es-ES"/>
               <a:t>Haga clic para modificar el estilo de título del patrón</a:t>
             </a:r>
             <a:endParaRPr lang="en-US" dirty="0"/>
@@ -630,7 +629,7 @@
           <a:p>
             <a:pPr lvl="0"/>
             <a:r>
-              <a:rPr lang="es-ES" smtClean="0"/>
+              <a:rPr lang="es-ES"/>
               <a:t>Editar el estilo de texto del patrón</a:t>
             </a:r>
           </a:p>
@@ -845,7 +844,7 @@
           </a:lstStyle>
           <a:p>
             <a:r>
-              <a:rPr lang="es-ES" smtClean="0"/>
+              <a:rPr lang="es-ES"/>
               <a:t>Haga clic para modificar el estilo de título del patrón</a:t>
             </a:r>
             <a:endParaRPr lang="en-US" dirty="0"/>
@@ -909,7 +908,7 @@
           <a:p>
             <a:pPr lvl="0"/>
             <a:r>
-              <a:rPr lang="es-ES" smtClean="0"/>
+              <a:rPr lang="es-ES"/>
               <a:t>Editar el estilo de texto del patrón</a:t>
             </a:r>
           </a:p>
@@ -1031,7 +1030,7 @@
           <a:p>
             <a:pPr lvl="0"/>
             <a:r>
-              <a:rPr lang="es-ES" smtClean="0"/>
+              <a:rPr lang="es-ES"/>
               <a:t>Editar el estilo de texto del patrón</a:t>
             </a:r>
           </a:p>
@@ -1322,7 +1321,7 @@
           </a:lstStyle>
           <a:p>
             <a:r>
-              <a:rPr lang="es-ES" smtClean="0"/>
+              <a:rPr lang="es-ES"/>
               <a:t>Haga clic para modificar el estilo de título del patrón</a:t>
             </a:r>
             <a:endParaRPr lang="en-US" dirty="0"/>
@@ -1367,7 +1366,7 @@
               <a:buNone/>
             </a:pPr>
             <a:r>
-              <a:rPr lang="es-ES" smtClean="0"/>
+              <a:rPr lang="es-ES"/>
               <a:t>Editar el estilo de texto del patrón</a:t>
             </a:r>
           </a:p>
@@ -1582,7 +1581,7 @@
           </a:lstStyle>
           <a:p>
             <a:r>
-              <a:rPr lang="es-ES" smtClean="0"/>
+              <a:rPr lang="es-ES"/>
               <a:t>Haga clic para modificar el estilo de título del patrón</a:t>
             </a:r>
             <a:endParaRPr lang="en-US" dirty="0"/>
@@ -1643,7 +1642,7 @@
           <a:p>
             <a:pPr lvl="0"/>
             <a:r>
-              <a:rPr lang="es-ES" smtClean="0"/>
+              <a:rPr lang="es-ES"/>
               <a:t>Editar el estilo de texto del patrón</a:t>
             </a:r>
           </a:p>
@@ -1687,7 +1686,7 @@
               <a:buNone/>
             </a:pPr>
             <a:r>
-              <a:rPr lang="es-ES" smtClean="0"/>
+              <a:rPr lang="es-ES"/>
               <a:t>Editar el estilo de texto del patrón</a:t>
             </a:r>
           </a:p>
@@ -1978,7 +1977,7 @@
           </a:lstStyle>
           <a:p>
             <a:r>
-              <a:rPr lang="es-ES" smtClean="0"/>
+              <a:rPr lang="es-ES"/>
               <a:t>Haga clic para modificar el estilo de título del patrón</a:t>
             </a:r>
             <a:endParaRPr lang="en-US" dirty="0"/>
@@ -2039,7 +2038,7 @@
           <a:p>
             <a:pPr lvl="0"/>
             <a:r>
-              <a:rPr lang="es-ES" smtClean="0"/>
+              <a:rPr lang="es-ES"/>
               <a:t>Editar el estilo de texto del patrón</a:t>
             </a:r>
           </a:p>
@@ -2083,7 +2082,7 @@
               <a:buNone/>
             </a:pPr>
             <a:r>
-              <a:rPr lang="es-ES" smtClean="0"/>
+              <a:rPr lang="es-ES"/>
               <a:t>Editar el estilo de texto del patrón</a:t>
             </a:r>
           </a:p>
@@ -2287,7 +2286,7 @@
           <a:lstStyle/>
           <a:p>
             <a:r>
-              <a:rPr lang="es-ES" smtClean="0"/>
+              <a:rPr lang="es-ES"/>
               <a:t>Haga clic para modificar el estilo de título del patrón</a:t>
             </a:r>
             <a:endParaRPr lang="en-US" dirty="0"/>
@@ -2311,35 +2310,35 @@
           <a:p>
             <a:pPr lvl="0"/>
             <a:r>
-              <a:rPr lang="es-ES" smtClean="0"/>
+              <a:rPr lang="es-ES"/>
               <a:t>Editar el estilo de texto del patrón</a:t>
             </a:r>
           </a:p>
           <a:p>
             <a:pPr lvl="1"/>
             <a:r>
-              <a:rPr lang="es-ES" smtClean="0"/>
+              <a:rPr lang="es-ES"/>
               <a:t>Segundo nivel</a:t>
             </a:r>
           </a:p>
           <a:p>
             <a:pPr lvl="2"/>
             <a:r>
-              <a:rPr lang="es-ES" smtClean="0"/>
+              <a:rPr lang="es-ES"/>
               <a:t>Tercer nivel</a:t>
             </a:r>
           </a:p>
           <a:p>
             <a:pPr lvl="3"/>
             <a:r>
-              <a:rPr lang="es-ES" smtClean="0"/>
+              <a:rPr lang="es-ES"/>
               <a:t>Cuarto nivel</a:t>
             </a:r>
           </a:p>
           <a:p>
             <a:pPr lvl="4"/>
             <a:r>
-              <a:rPr lang="es-ES" smtClean="0"/>
+              <a:rPr lang="es-ES"/>
               <a:t>Quinto nivel</a:t>
             </a:r>
             <a:endParaRPr lang="en-US" dirty="0"/>
@@ -2544,7 +2543,7 @@
           <a:lstStyle/>
           <a:p>
             <a:r>
-              <a:rPr lang="es-ES" smtClean="0"/>
+              <a:rPr lang="es-ES"/>
               <a:t>Haga clic para modificar el estilo de título del patrón</a:t>
             </a:r>
             <a:endParaRPr lang="en-US" dirty="0"/>
@@ -2573,35 +2572,35 @@
           <a:p>
             <a:pPr lvl="0"/>
             <a:r>
-              <a:rPr lang="es-ES" smtClean="0"/>
+              <a:rPr lang="es-ES"/>
               <a:t>Editar el estilo de texto del patrón</a:t>
             </a:r>
           </a:p>
           <a:p>
             <a:pPr lvl="1"/>
             <a:r>
-              <a:rPr lang="es-ES" smtClean="0"/>
+              <a:rPr lang="es-ES"/>
               <a:t>Segundo nivel</a:t>
             </a:r>
           </a:p>
           <a:p>
             <a:pPr lvl="2"/>
             <a:r>
-              <a:rPr lang="es-ES" smtClean="0"/>
+              <a:rPr lang="es-ES"/>
               <a:t>Tercer nivel</a:t>
             </a:r>
           </a:p>
           <a:p>
             <a:pPr lvl="3"/>
             <a:r>
-              <a:rPr lang="es-ES" smtClean="0"/>
+              <a:rPr lang="es-ES"/>
               <a:t>Cuarto nivel</a:t>
             </a:r>
           </a:p>
           <a:p>
             <a:pPr lvl="4"/>
             <a:r>
-              <a:rPr lang="es-ES" smtClean="0"/>
+              <a:rPr lang="es-ES"/>
               <a:t>Quinto nivel</a:t>
             </a:r>
             <a:endParaRPr lang="en-US" dirty="0"/>
@@ -2806,7 +2805,7 @@
           <a:lstStyle/>
           <a:p>
             <a:r>
-              <a:rPr lang="es-ES" smtClean="0"/>
+              <a:rPr lang="es-ES"/>
               <a:t>Haga clic para modificar el estilo de título del patrón</a:t>
             </a:r>
             <a:endParaRPr lang="en-US" dirty="0"/>
@@ -2835,35 +2834,35 @@
           <a:p>
             <a:pPr lvl="0"/>
             <a:r>
-              <a:rPr lang="es-ES" smtClean="0"/>
+              <a:rPr lang="es-ES"/>
               <a:t>Editar el estilo de texto del patrón</a:t>
             </a:r>
           </a:p>
           <a:p>
             <a:pPr lvl="1"/>
             <a:r>
-              <a:rPr lang="es-ES" smtClean="0"/>
+              <a:rPr lang="es-ES"/>
               <a:t>Segundo nivel</a:t>
             </a:r>
           </a:p>
           <a:p>
             <a:pPr lvl="2"/>
             <a:r>
-              <a:rPr lang="es-ES" smtClean="0"/>
+              <a:rPr lang="es-ES"/>
               <a:t>Tercer nivel</a:t>
             </a:r>
           </a:p>
           <a:p>
             <a:pPr lvl="3"/>
             <a:r>
-              <a:rPr lang="es-ES" smtClean="0"/>
+              <a:rPr lang="es-ES"/>
               <a:t>Cuarto nivel</a:t>
             </a:r>
           </a:p>
           <a:p>
             <a:pPr lvl="4"/>
             <a:r>
-              <a:rPr lang="es-ES" smtClean="0"/>
+              <a:rPr lang="es-ES"/>
               <a:t>Quinto nivel</a:t>
             </a:r>
             <a:endParaRPr lang="en-US" dirty="0"/>
@@ -3072,7 +3071,7 @@
           </a:lstStyle>
           <a:p>
             <a:r>
-              <a:rPr lang="es-ES" smtClean="0"/>
+              <a:rPr lang="es-ES"/>
               <a:t>Haga clic para modificar el estilo de título del patrón</a:t>
             </a:r>
             <a:endParaRPr lang="en-US" dirty="0"/>
@@ -3193,7 +3192,7 @@
           <a:p>
             <a:pPr lvl="0"/>
             <a:r>
-              <a:rPr lang="es-ES" smtClean="0"/>
+              <a:rPr lang="es-ES"/>
               <a:t>Editar el estilo de texto del patrón</a:t>
             </a:r>
           </a:p>
@@ -3397,7 +3396,7 @@
           <a:lstStyle/>
           <a:p>
             <a:r>
-              <a:rPr lang="es-ES" smtClean="0"/>
+              <a:rPr lang="es-ES"/>
               <a:t>Haga clic para modificar el estilo de título del patrón</a:t>
             </a:r>
             <a:endParaRPr lang="en-US" dirty="0"/>
@@ -3428,35 +3427,35 @@
           <a:p>
             <a:pPr lvl="0"/>
             <a:r>
-              <a:rPr lang="es-ES" smtClean="0"/>
+              <a:rPr lang="es-ES"/>
               <a:t>Editar el estilo de texto del patrón</a:t>
             </a:r>
           </a:p>
           <a:p>
             <a:pPr lvl="1"/>
             <a:r>
-              <a:rPr lang="es-ES" smtClean="0"/>
+              <a:rPr lang="es-ES"/>
               <a:t>Segundo nivel</a:t>
             </a:r>
           </a:p>
           <a:p>
             <a:pPr lvl="2"/>
             <a:r>
-              <a:rPr lang="es-ES" smtClean="0"/>
+              <a:rPr lang="es-ES"/>
               <a:t>Tercer nivel</a:t>
             </a:r>
           </a:p>
           <a:p>
             <a:pPr lvl="3"/>
             <a:r>
-              <a:rPr lang="es-ES" smtClean="0"/>
+              <a:rPr lang="es-ES"/>
               <a:t>Cuarto nivel</a:t>
             </a:r>
           </a:p>
           <a:p>
             <a:pPr lvl="4"/>
             <a:r>
-              <a:rPr lang="es-ES" smtClean="0"/>
+              <a:rPr lang="es-ES"/>
               <a:t>Quinto nivel</a:t>
             </a:r>
             <a:endParaRPr lang="en-US" dirty="0"/>
@@ -3487,35 +3486,35 @@
           <a:p>
             <a:pPr lvl="0"/>
             <a:r>
-              <a:rPr lang="es-ES" smtClean="0"/>
+              <a:rPr lang="es-ES"/>
               <a:t>Editar el estilo de texto del patrón</a:t>
             </a:r>
           </a:p>
           <a:p>
             <a:pPr lvl="1"/>
             <a:r>
-              <a:rPr lang="es-ES" smtClean="0"/>
+              <a:rPr lang="es-ES"/>
               <a:t>Segundo nivel</a:t>
             </a:r>
           </a:p>
           <a:p>
             <a:pPr lvl="2"/>
             <a:r>
-              <a:rPr lang="es-ES" smtClean="0"/>
+              <a:rPr lang="es-ES"/>
               <a:t>Tercer nivel</a:t>
             </a:r>
           </a:p>
           <a:p>
             <a:pPr lvl="3"/>
             <a:r>
-              <a:rPr lang="es-ES" smtClean="0"/>
+              <a:rPr lang="es-ES"/>
               <a:t>Cuarto nivel</a:t>
             </a:r>
           </a:p>
           <a:p>
             <a:pPr lvl="4"/>
             <a:r>
-              <a:rPr lang="es-ES" smtClean="0"/>
+              <a:rPr lang="es-ES"/>
               <a:t>Quinto nivel</a:t>
             </a:r>
             <a:endParaRPr lang="en-US" dirty="0"/>
@@ -3720,7 +3719,7 @@
           <a:lstStyle/>
           <a:p>
             <a:r>
-              <a:rPr lang="es-ES" smtClean="0"/>
+              <a:rPr lang="es-ES"/>
               <a:t>Haga clic para modificar el estilo de título del patrón</a:t>
             </a:r>
             <a:endParaRPr lang="en-US" dirty="0"/>
@@ -3788,7 +3787,7 @@
           <a:p>
             <a:pPr lvl="0"/>
             <a:r>
-              <a:rPr lang="es-ES" smtClean="0"/>
+              <a:rPr lang="es-ES"/>
               <a:t>Editar el estilo de texto del patrón</a:t>
             </a:r>
           </a:p>
@@ -3818,35 +3817,35 @@
           <a:p>
             <a:pPr lvl="0"/>
             <a:r>
-              <a:rPr lang="es-ES" smtClean="0"/>
+              <a:rPr lang="es-ES"/>
               <a:t>Editar el estilo de texto del patrón</a:t>
             </a:r>
           </a:p>
           <a:p>
             <a:pPr lvl="1"/>
             <a:r>
-              <a:rPr lang="es-ES" smtClean="0"/>
+              <a:rPr lang="es-ES"/>
               <a:t>Segundo nivel</a:t>
             </a:r>
           </a:p>
           <a:p>
             <a:pPr lvl="2"/>
             <a:r>
-              <a:rPr lang="es-ES" smtClean="0"/>
+              <a:rPr lang="es-ES"/>
               <a:t>Tercer nivel</a:t>
             </a:r>
           </a:p>
           <a:p>
             <a:pPr lvl="3"/>
             <a:r>
-              <a:rPr lang="es-ES" smtClean="0"/>
+              <a:rPr lang="es-ES"/>
               <a:t>Cuarto nivel</a:t>
             </a:r>
           </a:p>
           <a:p>
             <a:pPr lvl="4"/>
             <a:r>
-              <a:rPr lang="es-ES" smtClean="0"/>
+              <a:rPr lang="es-ES"/>
               <a:t>Quinto nivel</a:t>
             </a:r>
             <a:endParaRPr lang="en-US" dirty="0"/>
@@ -3914,7 +3913,7 @@
           <a:p>
             <a:pPr lvl="0"/>
             <a:r>
-              <a:rPr lang="es-ES" smtClean="0"/>
+              <a:rPr lang="es-ES"/>
               <a:t>Editar el estilo de texto del patrón</a:t>
             </a:r>
           </a:p>
@@ -3944,35 +3943,35 @@
           <a:p>
             <a:pPr lvl="0"/>
             <a:r>
-              <a:rPr lang="es-ES" smtClean="0"/>
+              <a:rPr lang="es-ES"/>
               <a:t>Editar el estilo de texto del patrón</a:t>
             </a:r>
           </a:p>
           <a:p>
             <a:pPr lvl="1"/>
             <a:r>
-              <a:rPr lang="es-ES" smtClean="0"/>
+              <a:rPr lang="es-ES"/>
               <a:t>Segundo nivel</a:t>
             </a:r>
           </a:p>
           <a:p>
             <a:pPr lvl="2"/>
             <a:r>
-              <a:rPr lang="es-ES" smtClean="0"/>
+              <a:rPr lang="es-ES"/>
               <a:t>Tercer nivel</a:t>
             </a:r>
           </a:p>
           <a:p>
             <a:pPr lvl="3"/>
             <a:r>
-              <a:rPr lang="es-ES" smtClean="0"/>
+              <a:rPr lang="es-ES"/>
               <a:t>Cuarto nivel</a:t>
             </a:r>
           </a:p>
           <a:p>
             <a:pPr lvl="4"/>
             <a:r>
-              <a:rPr lang="es-ES" smtClean="0"/>
+              <a:rPr lang="es-ES"/>
               <a:t>Quinto nivel</a:t>
             </a:r>
             <a:endParaRPr lang="en-US" dirty="0"/>
@@ -4177,7 +4176,7 @@
           <a:lstStyle/>
           <a:p>
             <a:r>
-              <a:rPr lang="es-ES" smtClean="0"/>
+              <a:rPr lang="es-ES"/>
               <a:t>Haga clic para modificar el estilo de título del patrón</a:t>
             </a:r>
             <a:endParaRPr lang="en-US" dirty="0"/>
@@ -4563,7 +4562,7 @@
           </a:lstStyle>
           <a:p>
             <a:r>
-              <a:rPr lang="es-ES" smtClean="0"/>
+              <a:rPr lang="es-ES"/>
               <a:t>Haga clic para modificar el estilo de título del patrón</a:t>
             </a:r>
             <a:endParaRPr lang="en-US" dirty="0"/>
@@ -4594,35 +4593,35 @@
           <a:p>
             <a:pPr lvl="0"/>
             <a:r>
-              <a:rPr lang="es-ES" smtClean="0"/>
+              <a:rPr lang="es-ES"/>
               <a:t>Editar el estilo de texto del patrón</a:t>
             </a:r>
           </a:p>
           <a:p>
             <a:pPr lvl="1"/>
             <a:r>
-              <a:rPr lang="es-ES" smtClean="0"/>
+              <a:rPr lang="es-ES"/>
               <a:t>Segundo nivel</a:t>
             </a:r>
           </a:p>
           <a:p>
             <a:pPr lvl="2"/>
             <a:r>
-              <a:rPr lang="es-ES" smtClean="0"/>
+              <a:rPr lang="es-ES"/>
               <a:t>Tercer nivel</a:t>
             </a:r>
           </a:p>
           <a:p>
             <a:pPr lvl="3"/>
             <a:r>
-              <a:rPr lang="es-ES" smtClean="0"/>
+              <a:rPr lang="es-ES"/>
               <a:t>Cuarto nivel</a:t>
             </a:r>
           </a:p>
           <a:p>
             <a:pPr lvl="4"/>
             <a:r>
-              <a:rPr lang="es-ES" smtClean="0"/>
+              <a:rPr lang="es-ES"/>
               <a:t>Quinto nivel</a:t>
             </a:r>
             <a:endParaRPr lang="en-US" dirty="0"/>
@@ -4688,7 +4687,7 @@
           <a:p>
             <a:pPr lvl="0"/>
             <a:r>
-              <a:rPr lang="es-ES" smtClean="0"/>
+              <a:rPr lang="es-ES"/>
               <a:t>Editar el estilo de texto del patrón</a:t>
             </a:r>
           </a:p>
@@ -4898,7 +4897,7 @@
           </a:lstStyle>
           <a:p>
             <a:r>
-              <a:rPr lang="es-ES" smtClean="0"/>
+              <a:rPr lang="es-ES"/>
               <a:t>Haga clic para modificar el estilo de título del patrón</a:t>
             </a:r>
             <a:endParaRPr lang="en-US" dirty="0"/>
@@ -4965,7 +4964,7 @@
           </a:lstStyle>
           <a:p>
             <a:r>
-              <a:rPr lang="es-ES" smtClean="0"/>
+              <a:rPr lang="es-ES"/>
               <a:t>Haga clic en el icono para agregar una imagen</a:t>
             </a:r>
             <a:endParaRPr lang="en-US" dirty="0"/>
@@ -5033,7 +5032,7 @@
           <a:p>
             <a:pPr lvl="0"/>
             <a:r>
-              <a:rPr lang="es-ES" smtClean="0"/>
+              <a:rPr lang="es-ES"/>
               <a:t>Editar el estilo de texto del patrón</a:t>
             </a:r>
           </a:p>
@@ -7069,7 +7068,7 @@
           <a:lstStyle/>
           <a:p>
             <a:r>
-              <a:rPr lang="es-ES" smtClean="0"/>
+              <a:rPr lang="es-ES"/>
               <a:t>Haga clic para modificar el estilo de título del patrón</a:t>
             </a:r>
             <a:endParaRPr lang="en-US" dirty="0"/>
@@ -7103,35 +7102,35 @@
           <a:p>
             <a:pPr lvl="0"/>
             <a:r>
-              <a:rPr lang="es-ES" smtClean="0"/>
+              <a:rPr lang="es-ES"/>
               <a:t>Editar el estilo de texto del patrón</a:t>
             </a:r>
           </a:p>
           <a:p>
             <a:pPr lvl="1"/>
             <a:r>
-              <a:rPr lang="es-ES" smtClean="0"/>
+              <a:rPr lang="es-ES"/>
               <a:t>Segundo nivel</a:t>
             </a:r>
           </a:p>
           <a:p>
             <a:pPr lvl="2"/>
             <a:r>
-              <a:rPr lang="es-ES" smtClean="0"/>
+              <a:rPr lang="es-ES"/>
               <a:t>Tercer nivel</a:t>
             </a:r>
           </a:p>
           <a:p>
             <a:pPr lvl="3"/>
             <a:r>
-              <a:rPr lang="es-ES" smtClean="0"/>
+              <a:rPr lang="es-ES"/>
               <a:t>Cuarto nivel</a:t>
             </a:r>
           </a:p>
           <a:p>
             <a:pPr lvl="4"/>
             <a:r>
-              <a:rPr lang="es-ES" smtClean="0"/>
+              <a:rPr lang="es-ES"/>
               <a:t>Quinto nivel</a:t>
             </a:r>
             <a:endParaRPr lang="en-US" dirty="0"/>
@@ -7713,7 +7712,7 @@
           <a:p>
             <a:pPr algn="ctr"/>
             <a:r>
-              <a:rPr lang="es-ES" dirty="0" smtClean="0"/>
+              <a:rPr lang="es-ES" dirty="0"/>
               <a:t>El principio de la sabiduría es el temor de Jehová. Proverbios 1:7</a:t>
             </a:r>
             <a:endParaRPr lang="en-US" dirty="0"/>
@@ -7730,13 +7729,6 @@
   <p:clrMapOvr>
     <a:masterClrMapping/>
   </p:clrMapOvr>
-  <p:timing>
-    <p:tnLst>
-      <p:par>
-        <p:cTn id="1" dur="indefinite" restart="never" nodeType="tmRoot"/>
-      </p:par>
-    </p:tnLst>
-  </p:timing>
 </p:sld>
 </file>
 
@@ -7769,63 +7761,73 @@
         </p:nvSpPr>
         <p:spPr>
           <a:xfrm>
-            <a:off x="1939782" y="597984"/>
-            <a:ext cx="8911687" cy="1280890"/>
+            <a:off x="2549236" y="1738943"/>
+            <a:ext cx="7453746" cy="2943893"/>
           </a:xfrm>
         </p:spPr>
         <p:txBody>
           <a:bodyPr>
-            <a:normAutofit/>
+            <a:noAutofit/>
           </a:bodyPr>
           <a:lstStyle/>
           <a:p>
             <a:r>
-              <a:rPr lang="es-NI" sz="2000" dirty="0">
+              <a:rPr lang="es-NI" sz="2400" dirty="0">
                 <a:latin typeface="Arial" panose="020B0604020202020204" pitchFamily="34" charset="0"/>
                 <a:cs typeface="Arial" panose="020B0604020202020204" pitchFamily="34" charset="0"/>
               </a:rPr>
-              <a:t>Universidad Martín Lutero a nivel nacional aún no cuenta con alguna plataforma que pueda satisfacer las necesidades informativas </a:t>
-            </a:r>
-            <a:endParaRPr lang="en-US" sz="2000" dirty="0">
+              <a:t>Al hablar de la implementación de nuestro proyecto nos enfocamos en el campo administrativo, en el cual deseamos optimizar los procesos de control de notas, por el cual deducimos que esto mejorara de gran manera la calidad de los procesos mencionados y ayudara a llevar un mejor control de lo anteriormente estipulado.</a:t>
+            </a:r>
+            <a:endParaRPr lang="en-US" sz="2400" dirty="0">
               <a:latin typeface="Arial" panose="020B0604020202020204" pitchFamily="34" charset="0"/>
               <a:cs typeface="Arial" panose="020B0604020202020204" pitchFamily="34" charset="0"/>
             </a:endParaRPr>
           </a:p>
         </p:txBody>
       </p:sp>
-      <p:pic>
-        <p:nvPicPr>
-          <p:cNvPr id="4" name="Marcador de contenido 3"/>
-          <p:cNvPicPr>
-            <a:picLocks noGrp="1" noChangeAspect="1"/>
-          </p:cNvPicPr>
-          <p:nvPr>
-            <p:ph idx="1"/>
-          </p:nvPr>
-        </p:nvPicPr>
-        <p:blipFill>
-          <a:blip r:embed="rId2" cstate="print">
+      <p:sp>
+        <p:nvSpPr>
+          <p:cNvPr id="4" name="CuadroTexto 3">
             <a:extLst>
-              <a:ext uri="{28A0092B-C50C-407E-A947-70E740481C1C}">
-                <a14:useLocalDpi xmlns:a14="http://schemas.microsoft.com/office/drawing/2010/main" val="0"/>
+              <a:ext uri="{FF2B5EF4-FFF2-40B4-BE49-F238E27FC236}">
+                <a16:creationId xmlns:a16="http://schemas.microsoft.com/office/drawing/2014/main" id="{618A05FB-E374-4008-9758-5E4D490FE4A2}"/>
               </a:ext>
             </a:extLst>
-          </a:blip>
-          <a:stretch>
-            <a:fillRect/>
-          </a:stretch>
-        </p:blipFill>
+          </p:cNvPr>
+          <p:cNvSpPr txBox="1"/>
+          <p:nvPr/>
+        </p:nvSpPr>
         <p:spPr>
           <a:xfrm>
-            <a:off x="3722914" y="2265549"/>
-            <a:ext cx="5460275" cy="3873994"/>
+            <a:off x="4821381" y="992424"/>
+            <a:ext cx="2549237" cy="523220"/>
           </a:xfrm>
+          <a:prstGeom prst="rect">
+            <a:avLst/>
+          </a:prstGeom>
+          <a:noFill/>
         </p:spPr>
-      </p:pic>
+        <p:txBody>
+          <a:bodyPr wrap="square">
+            <a:spAutoFit/>
+          </a:bodyPr>
+          <a:lstStyle/>
+          <a:p>
+            <a:r>
+              <a:rPr lang="es-NI" sz="2800" b="1" dirty="0">
+                <a:latin typeface="Arial" panose="020B0604020202020204" pitchFamily="34" charset="0"/>
+                <a:cs typeface="Arial" panose="020B0604020202020204" pitchFamily="34" charset="0"/>
+              </a:rPr>
+              <a:t>Metodología</a:t>
+            </a:r>
+            <a:endParaRPr lang="es-419" sz="2800" dirty="0"/>
+          </a:p>
+        </p:txBody>
+      </p:sp>
     </p:spTree>
     <p:extLst>
       <p:ext uri="{BB962C8B-B14F-4D97-AF65-F5344CB8AC3E}">
-        <p14:creationId xmlns:p14="http://schemas.microsoft.com/office/powerpoint/2010/main" val="3075509817"/>
+        <p14:creationId xmlns:p14="http://schemas.microsoft.com/office/powerpoint/2010/main" val="1223225423"/>
       </p:ext>
     </p:extLst>
   </p:cSld>
@@ -7864,8 +7866,8 @@
         </p:nvSpPr>
         <p:spPr>
           <a:xfrm>
-            <a:off x="1273576" y="1254034"/>
-            <a:ext cx="8911687" cy="2847703"/>
+            <a:off x="2202873" y="1018904"/>
+            <a:ext cx="8165269" cy="1238794"/>
           </a:xfrm>
         </p:spPr>
         <p:txBody>
@@ -7875,18 +7877,11 @@
           <a:lstStyle/>
           <a:p>
             <a:r>
-              <a:rPr lang="es-NI" sz="2200" b="1" dirty="0" smtClean="0">
+              <a:rPr lang="es-NI" sz="2200" b="1" dirty="0">
                 <a:latin typeface="Arial" panose="020B0604020202020204" pitchFamily="34" charset="0"/>
                 <a:cs typeface="Arial" panose="020B0604020202020204" pitchFamily="34" charset="0"/>
               </a:rPr>
-              <a:t>Metodología</a:t>
-            </a:r>
-            <a:r>
-              <a:rPr lang="en-US" sz="2200" b="1" dirty="0">
-                <a:latin typeface="Arial" panose="020B0604020202020204" pitchFamily="34" charset="0"/>
-                <a:cs typeface="Arial" panose="020B0604020202020204" pitchFamily="34" charset="0"/>
-              </a:rPr>
-              <a:t/>
+              <a:t>Tipo de Investigación</a:t>
             </a:r>
             <a:br>
               <a:rPr lang="en-US" sz="2200" b="1" dirty="0">
@@ -7899,14 +7894,7 @@
                 <a:latin typeface="Arial" panose="020B0604020202020204" pitchFamily="34" charset="0"/>
                 <a:cs typeface="Arial" panose="020B0604020202020204" pitchFamily="34" charset="0"/>
               </a:rPr>
-              <a:t>Al hablar de la implementación de nuestro proyecto nos enfocamos en el campo administrativo, en el cual deseamos optimizar los procesos de control de notas, por el cual deducimos que esto mejorara de gran manera la calidad de los procesos mencionados y ayudara a llevar un mejor control de lo anteriormente estipulado.</a:t>
-            </a:r>
-            <a:r>
-              <a:rPr lang="en-US" sz="2200" dirty="0">
-                <a:latin typeface="Arial" panose="020B0604020202020204" pitchFamily="34" charset="0"/>
-                <a:cs typeface="Arial" panose="020B0604020202020204" pitchFamily="34" charset="0"/>
-              </a:rPr>
-              <a:t/>
+              <a:t>El tipo de investigación es Mixta</a:t>
             </a:r>
             <a:br>
               <a:rPr lang="en-US" sz="2200" dirty="0">
@@ -7915,18 +7903,11 @@
               </a:rPr>
             </a:br>
             <a:r>
-              <a:rPr lang="es-NI" sz="2200" b="1" dirty="0">
+              <a:rPr lang="es-NI" sz="2200" dirty="0">
                 <a:latin typeface="Arial" panose="020B0604020202020204" pitchFamily="34" charset="0"/>
                 <a:cs typeface="Arial" panose="020B0604020202020204" pitchFamily="34" charset="0"/>
               </a:rPr>
-              <a:t> </a:t>
-            </a:r>
-            <a:r>
-              <a:rPr lang="en-US" sz="2200" dirty="0">
-                <a:latin typeface="Arial" panose="020B0604020202020204" pitchFamily="34" charset="0"/>
-                <a:cs typeface="Arial" panose="020B0604020202020204" pitchFamily="34" charset="0"/>
-              </a:rPr>
-              <a:t/>
+              <a:t>Por la naturaleza es de tipo exploratorio y descriptivo.</a:t>
             </a:r>
             <a:br>
               <a:rPr lang="en-US" sz="2200" dirty="0">
@@ -7934,30 +7915,121 @@
                 <a:cs typeface="Arial" panose="020B0604020202020204" pitchFamily="34" charset="0"/>
               </a:rPr>
             </a:br>
-            <a:endParaRPr lang="en-US" dirty="0">
-              <a:latin typeface="Arial" panose="020B0604020202020204" pitchFamily="34" charset="0"/>
-              <a:cs typeface="Arial" panose="020B0604020202020204" pitchFamily="34" charset="0"/>
-            </a:endParaRPr>
+            <a:r>
+              <a:rPr lang="es-NI" sz="2200" dirty="0">
+                <a:latin typeface="Arial" panose="020B0604020202020204" pitchFamily="34" charset="0"/>
+                <a:cs typeface="Arial" panose="020B0604020202020204" pitchFamily="34" charset="0"/>
+              </a:rPr>
+              <a:t>Por su aplicación es factible.</a:t>
+            </a:r>
+            <a:br>
+              <a:rPr lang="en-US" sz="2200" dirty="0">
+                <a:latin typeface="Arial" panose="020B0604020202020204" pitchFamily="34" charset="0"/>
+                <a:cs typeface="Arial" panose="020B0604020202020204" pitchFamily="34" charset="0"/>
+              </a:rPr>
+            </a:br>
+            <a:r>
+              <a:rPr lang="es-NI" sz="2200" dirty="0">
+                <a:latin typeface="Arial" panose="020B0604020202020204" pitchFamily="34" charset="0"/>
+                <a:cs typeface="Arial" panose="020B0604020202020204" pitchFamily="34" charset="0"/>
+              </a:rPr>
+              <a:t> </a:t>
+            </a:r>
+            <a:br>
+              <a:rPr lang="en-US" sz="2200" dirty="0">
+                <a:latin typeface="Arial" panose="020B0604020202020204" pitchFamily="34" charset="0"/>
+                <a:cs typeface="Arial" panose="020B0604020202020204" pitchFamily="34" charset="0"/>
+              </a:rPr>
+            </a:br>
+            <a:r>
+              <a:rPr lang="es-NI" sz="2200" dirty="0">
+                <a:latin typeface="Arial" panose="020B0604020202020204" pitchFamily="34" charset="0"/>
+                <a:cs typeface="Arial" panose="020B0604020202020204" pitchFamily="34" charset="0"/>
+              </a:rPr>
+              <a:t>De igual manera, hubo factibilidad en cuanto al tiempo disponible para la investigación y en cuanto a los recursos necesarios para la aplicación de instrumentos de recolección de datos.</a:t>
+            </a:r>
+            <a:br>
+              <a:rPr lang="en-US" sz="2200" dirty="0">
+                <a:latin typeface="Arial" panose="020B0604020202020204" pitchFamily="34" charset="0"/>
+                <a:cs typeface="Arial" panose="020B0604020202020204" pitchFamily="34" charset="0"/>
+              </a:rPr>
+            </a:br>
+            <a:r>
+              <a:rPr lang="es-NI" sz="2200" dirty="0">
+                <a:latin typeface="Arial" panose="020B0604020202020204" pitchFamily="34" charset="0"/>
+                <a:cs typeface="Arial" panose="020B0604020202020204" pitchFamily="34" charset="0"/>
+              </a:rPr>
+              <a:t> </a:t>
+            </a:r>
+            <a:br>
+              <a:rPr lang="en-US" sz="2200" dirty="0">
+                <a:latin typeface="Arial" panose="020B0604020202020204" pitchFamily="34" charset="0"/>
+                <a:cs typeface="Arial" panose="020B0604020202020204" pitchFamily="34" charset="0"/>
+              </a:rPr>
+            </a:br>
+            <a:r>
+              <a:rPr lang="es-NI" sz="2200" b="1" dirty="0">
+                <a:latin typeface="Arial" panose="020B0604020202020204" pitchFamily="34" charset="0"/>
+                <a:cs typeface="Arial" panose="020B0604020202020204" pitchFamily="34" charset="0"/>
+              </a:rPr>
+              <a:t>Métodos</a:t>
+            </a:r>
+            <a:br>
+              <a:rPr lang="en-US" sz="2200" b="1" dirty="0">
+                <a:latin typeface="Arial" panose="020B0604020202020204" pitchFamily="34" charset="0"/>
+                <a:cs typeface="Arial" panose="020B0604020202020204" pitchFamily="34" charset="0"/>
+              </a:rPr>
+            </a:br>
+            <a:r>
+              <a:rPr lang="es-NI" sz="2200" dirty="0">
+                <a:latin typeface="Arial" panose="020B0604020202020204" pitchFamily="34" charset="0"/>
+                <a:cs typeface="Arial" panose="020B0604020202020204" pitchFamily="34" charset="0"/>
+              </a:rPr>
+              <a:t>Método, es poner en relación de manera práctica, pero inteligente los medios y procedimientos con los objetivos propuestos y resultados adquiridos.</a:t>
+            </a:r>
+            <a:br>
+              <a:rPr lang="en-US" sz="2200" dirty="0">
+                <a:latin typeface="Arial" panose="020B0604020202020204" pitchFamily="34" charset="0"/>
+                <a:cs typeface="Arial" panose="020B0604020202020204" pitchFamily="34" charset="0"/>
+              </a:rPr>
+            </a:br>
+            <a:r>
+              <a:rPr lang="es-NI" sz="2200" dirty="0">
+                <a:latin typeface="Arial" panose="020B0604020202020204" pitchFamily="34" charset="0"/>
+                <a:cs typeface="Arial" panose="020B0604020202020204" pitchFamily="34" charset="0"/>
+              </a:rPr>
+              <a:t> </a:t>
+            </a:r>
+            <a:br>
+              <a:rPr lang="en-US" sz="2200" dirty="0">
+                <a:latin typeface="Arial" panose="020B0604020202020204" pitchFamily="34" charset="0"/>
+                <a:cs typeface="Arial" panose="020B0604020202020204" pitchFamily="34" charset="0"/>
+              </a:rPr>
+            </a:br>
+            <a:r>
+              <a:rPr lang="es-NI" sz="2200" dirty="0">
+                <a:latin typeface="Arial" panose="020B0604020202020204" pitchFamily="34" charset="0"/>
+                <a:cs typeface="Arial" panose="020B0604020202020204" pitchFamily="34" charset="0"/>
+              </a:rPr>
+              <a:t>El método nos indica el camino, es más amplio, a diferencia de la técnica que nos enseña a reconocer ese camino.</a:t>
+            </a:r>
+            <a:br>
+              <a:rPr lang="en-US" dirty="0"/>
+            </a:br>
+            <a:endParaRPr lang="en-US" dirty="0"/>
           </a:p>
         </p:txBody>
       </p:sp>
     </p:spTree>
     <p:extLst>
       <p:ext uri="{BB962C8B-B14F-4D97-AF65-F5344CB8AC3E}">
-        <p14:creationId xmlns:p14="http://schemas.microsoft.com/office/powerpoint/2010/main" val="1223225423"/>
+        <p14:creationId xmlns:p14="http://schemas.microsoft.com/office/powerpoint/2010/main" val="1363403946"/>
       </p:ext>
     </p:extLst>
   </p:cSld>
   <p:clrMapOvr>
     <a:masterClrMapping/>
   </p:clrMapOvr>
-  <p:timing>
-    <p:tnLst>
-      <p:par>
-        <p:cTn id="1" dur="indefinite" restart="never" nodeType="tmRoot"/>
-      </p:par>
-    </p:tnLst>
-  </p:timing>
 </p:sld>
 </file>
 
@@ -7980,307 +8052,6 @@
       </p:grpSpPr>
       <p:sp>
         <p:nvSpPr>
-          <p:cNvPr id="2" name="Título 1"/>
-          <p:cNvSpPr>
-            <a:spLocks noGrp="1"/>
-          </p:cNvSpPr>
-          <p:nvPr>
-            <p:ph type="title"/>
-          </p:nvPr>
-        </p:nvSpPr>
-        <p:spPr>
-          <a:xfrm>
-            <a:off x="1456455" y="1018904"/>
-            <a:ext cx="8911687" cy="1238794"/>
-          </a:xfrm>
-        </p:spPr>
-        <p:txBody>
-          <a:bodyPr>
-            <a:normAutofit fontScale="90000"/>
-          </a:bodyPr>
-          <a:lstStyle/>
-          <a:p>
-            <a:r>
-              <a:rPr lang="es-NI" sz="2200" b="1" dirty="0">
-                <a:latin typeface="Arial" panose="020B0604020202020204" pitchFamily="34" charset="0"/>
-                <a:cs typeface="Arial" panose="020B0604020202020204" pitchFamily="34" charset="0"/>
-              </a:rPr>
-              <a:t>Tipo de Investigación</a:t>
-            </a:r>
-            <a:r>
-              <a:rPr lang="en-US" sz="2200" b="1" dirty="0">
-                <a:latin typeface="Arial" panose="020B0604020202020204" pitchFamily="34" charset="0"/>
-                <a:cs typeface="Arial" panose="020B0604020202020204" pitchFamily="34" charset="0"/>
-              </a:rPr>
-              <a:t/>
-            </a:r>
-            <a:br>
-              <a:rPr lang="en-US" sz="2200" b="1" dirty="0">
-                <a:latin typeface="Arial" panose="020B0604020202020204" pitchFamily="34" charset="0"/>
-                <a:cs typeface="Arial" panose="020B0604020202020204" pitchFamily="34" charset="0"/>
-              </a:rPr>
-            </a:br>
-            <a:r>
-              <a:rPr lang="es-NI" sz="2200" dirty="0">
-                <a:latin typeface="Arial" panose="020B0604020202020204" pitchFamily="34" charset="0"/>
-                <a:cs typeface="Arial" panose="020B0604020202020204" pitchFamily="34" charset="0"/>
-              </a:rPr>
-              <a:t>El tipo de investigación es Mixta</a:t>
-            </a:r>
-            <a:r>
-              <a:rPr lang="en-US" sz="2200" dirty="0">
-                <a:latin typeface="Arial" panose="020B0604020202020204" pitchFamily="34" charset="0"/>
-                <a:cs typeface="Arial" panose="020B0604020202020204" pitchFamily="34" charset="0"/>
-              </a:rPr>
-              <a:t/>
-            </a:r>
-            <a:br>
-              <a:rPr lang="en-US" sz="2200" dirty="0">
-                <a:latin typeface="Arial" panose="020B0604020202020204" pitchFamily="34" charset="0"/>
-                <a:cs typeface="Arial" panose="020B0604020202020204" pitchFamily="34" charset="0"/>
-              </a:rPr>
-            </a:br>
-            <a:r>
-              <a:rPr lang="es-NI" sz="2200" dirty="0">
-                <a:latin typeface="Arial" panose="020B0604020202020204" pitchFamily="34" charset="0"/>
-                <a:cs typeface="Arial" panose="020B0604020202020204" pitchFamily="34" charset="0"/>
-              </a:rPr>
-              <a:t>Por la naturaleza es de tipo exploratorio y descriptivo.</a:t>
-            </a:r>
-            <a:r>
-              <a:rPr lang="en-US" sz="2200" dirty="0">
-                <a:latin typeface="Arial" panose="020B0604020202020204" pitchFamily="34" charset="0"/>
-                <a:cs typeface="Arial" panose="020B0604020202020204" pitchFamily="34" charset="0"/>
-              </a:rPr>
-              <a:t/>
-            </a:r>
-            <a:br>
-              <a:rPr lang="en-US" sz="2200" dirty="0">
-                <a:latin typeface="Arial" panose="020B0604020202020204" pitchFamily="34" charset="0"/>
-                <a:cs typeface="Arial" panose="020B0604020202020204" pitchFamily="34" charset="0"/>
-              </a:rPr>
-            </a:br>
-            <a:r>
-              <a:rPr lang="es-NI" sz="2200" dirty="0">
-                <a:latin typeface="Arial" panose="020B0604020202020204" pitchFamily="34" charset="0"/>
-                <a:cs typeface="Arial" panose="020B0604020202020204" pitchFamily="34" charset="0"/>
-              </a:rPr>
-              <a:t>Por su aplicación es factible.</a:t>
-            </a:r>
-            <a:r>
-              <a:rPr lang="en-US" sz="2200" dirty="0">
-                <a:latin typeface="Arial" panose="020B0604020202020204" pitchFamily="34" charset="0"/>
-                <a:cs typeface="Arial" panose="020B0604020202020204" pitchFamily="34" charset="0"/>
-              </a:rPr>
-              <a:t/>
-            </a:r>
-            <a:br>
-              <a:rPr lang="en-US" sz="2200" dirty="0">
-                <a:latin typeface="Arial" panose="020B0604020202020204" pitchFamily="34" charset="0"/>
-                <a:cs typeface="Arial" panose="020B0604020202020204" pitchFamily="34" charset="0"/>
-              </a:rPr>
-            </a:br>
-            <a:r>
-              <a:rPr lang="es-NI" sz="2200" dirty="0">
-                <a:latin typeface="Arial" panose="020B0604020202020204" pitchFamily="34" charset="0"/>
-                <a:cs typeface="Arial" panose="020B0604020202020204" pitchFamily="34" charset="0"/>
-              </a:rPr>
-              <a:t> </a:t>
-            </a:r>
-            <a:r>
-              <a:rPr lang="en-US" sz="2200" dirty="0">
-                <a:latin typeface="Arial" panose="020B0604020202020204" pitchFamily="34" charset="0"/>
-                <a:cs typeface="Arial" panose="020B0604020202020204" pitchFamily="34" charset="0"/>
-              </a:rPr>
-              <a:t/>
-            </a:r>
-            <a:br>
-              <a:rPr lang="en-US" sz="2200" dirty="0">
-                <a:latin typeface="Arial" panose="020B0604020202020204" pitchFamily="34" charset="0"/>
-                <a:cs typeface="Arial" panose="020B0604020202020204" pitchFamily="34" charset="0"/>
-              </a:rPr>
-            </a:br>
-            <a:r>
-              <a:rPr lang="es-NI" sz="2200" dirty="0">
-                <a:latin typeface="Arial" panose="020B0604020202020204" pitchFamily="34" charset="0"/>
-                <a:cs typeface="Arial" panose="020B0604020202020204" pitchFamily="34" charset="0"/>
-              </a:rPr>
-              <a:t>De igual manera, hubo factibilidad en cuanto al tiempo disponible para la investigación y en cuanto a los recursos necesarios para la aplicación de instrumentos de recolección de datos.</a:t>
-            </a:r>
-            <a:r>
-              <a:rPr lang="en-US" sz="2200" dirty="0">
-                <a:latin typeface="Arial" panose="020B0604020202020204" pitchFamily="34" charset="0"/>
-                <a:cs typeface="Arial" panose="020B0604020202020204" pitchFamily="34" charset="0"/>
-              </a:rPr>
-              <a:t/>
-            </a:r>
-            <a:br>
-              <a:rPr lang="en-US" sz="2200" dirty="0">
-                <a:latin typeface="Arial" panose="020B0604020202020204" pitchFamily="34" charset="0"/>
-                <a:cs typeface="Arial" panose="020B0604020202020204" pitchFamily="34" charset="0"/>
-              </a:rPr>
-            </a:br>
-            <a:r>
-              <a:rPr lang="es-NI" sz="2200" dirty="0">
-                <a:latin typeface="Arial" panose="020B0604020202020204" pitchFamily="34" charset="0"/>
-                <a:cs typeface="Arial" panose="020B0604020202020204" pitchFamily="34" charset="0"/>
-              </a:rPr>
-              <a:t> </a:t>
-            </a:r>
-            <a:r>
-              <a:rPr lang="en-US" sz="2200" dirty="0">
-                <a:latin typeface="Arial" panose="020B0604020202020204" pitchFamily="34" charset="0"/>
-                <a:cs typeface="Arial" panose="020B0604020202020204" pitchFamily="34" charset="0"/>
-              </a:rPr>
-              <a:t/>
-            </a:r>
-            <a:br>
-              <a:rPr lang="en-US" sz="2200" dirty="0">
-                <a:latin typeface="Arial" panose="020B0604020202020204" pitchFamily="34" charset="0"/>
-                <a:cs typeface="Arial" panose="020B0604020202020204" pitchFamily="34" charset="0"/>
-              </a:rPr>
-            </a:br>
-            <a:r>
-              <a:rPr lang="es-NI" sz="2200" b="1" dirty="0">
-                <a:latin typeface="Arial" panose="020B0604020202020204" pitchFamily="34" charset="0"/>
-                <a:cs typeface="Arial" panose="020B0604020202020204" pitchFamily="34" charset="0"/>
-              </a:rPr>
-              <a:t>Métodos</a:t>
-            </a:r>
-            <a:r>
-              <a:rPr lang="en-US" sz="2200" b="1" dirty="0">
-                <a:latin typeface="Arial" panose="020B0604020202020204" pitchFamily="34" charset="0"/>
-                <a:cs typeface="Arial" panose="020B0604020202020204" pitchFamily="34" charset="0"/>
-              </a:rPr>
-              <a:t/>
-            </a:r>
-            <a:br>
-              <a:rPr lang="en-US" sz="2200" b="1" dirty="0">
-                <a:latin typeface="Arial" panose="020B0604020202020204" pitchFamily="34" charset="0"/>
-                <a:cs typeface="Arial" panose="020B0604020202020204" pitchFamily="34" charset="0"/>
-              </a:rPr>
-            </a:br>
-            <a:r>
-              <a:rPr lang="es-NI" sz="2200" dirty="0">
-                <a:latin typeface="Arial" panose="020B0604020202020204" pitchFamily="34" charset="0"/>
-                <a:cs typeface="Arial" panose="020B0604020202020204" pitchFamily="34" charset="0"/>
-              </a:rPr>
-              <a:t>Método, es poner en relación de manera práctica, pero inteligente los medios y procedimientos con los objetivos propuestos y resultados adquiridos.</a:t>
-            </a:r>
-            <a:r>
-              <a:rPr lang="en-US" sz="2200" dirty="0">
-                <a:latin typeface="Arial" panose="020B0604020202020204" pitchFamily="34" charset="0"/>
-                <a:cs typeface="Arial" panose="020B0604020202020204" pitchFamily="34" charset="0"/>
-              </a:rPr>
-              <a:t/>
-            </a:r>
-            <a:br>
-              <a:rPr lang="en-US" sz="2200" dirty="0">
-                <a:latin typeface="Arial" panose="020B0604020202020204" pitchFamily="34" charset="0"/>
-                <a:cs typeface="Arial" panose="020B0604020202020204" pitchFamily="34" charset="0"/>
-              </a:rPr>
-            </a:br>
-            <a:r>
-              <a:rPr lang="es-NI" sz="2200" dirty="0">
-                <a:latin typeface="Arial" panose="020B0604020202020204" pitchFamily="34" charset="0"/>
-                <a:cs typeface="Arial" panose="020B0604020202020204" pitchFamily="34" charset="0"/>
-              </a:rPr>
-              <a:t> </a:t>
-            </a:r>
-            <a:r>
-              <a:rPr lang="en-US" sz="2200" dirty="0">
-                <a:latin typeface="Arial" panose="020B0604020202020204" pitchFamily="34" charset="0"/>
-                <a:cs typeface="Arial" panose="020B0604020202020204" pitchFamily="34" charset="0"/>
-              </a:rPr>
-              <a:t/>
-            </a:r>
-            <a:br>
-              <a:rPr lang="en-US" sz="2200" dirty="0">
-                <a:latin typeface="Arial" panose="020B0604020202020204" pitchFamily="34" charset="0"/>
-                <a:cs typeface="Arial" panose="020B0604020202020204" pitchFamily="34" charset="0"/>
-              </a:rPr>
-            </a:br>
-            <a:r>
-              <a:rPr lang="es-NI" sz="2200" dirty="0">
-                <a:latin typeface="Arial" panose="020B0604020202020204" pitchFamily="34" charset="0"/>
-                <a:cs typeface="Arial" panose="020B0604020202020204" pitchFamily="34" charset="0"/>
-              </a:rPr>
-              <a:t>El método nos indica el camino, es más amplio, a diferencia de la técnica que nos enseña a reconocer ese camino.</a:t>
-            </a:r>
-            <a:r>
-              <a:rPr lang="en-US" dirty="0"/>
-              <a:t/>
-            </a:r>
-            <a:br>
-              <a:rPr lang="en-US" dirty="0"/>
-            </a:br>
-            <a:endParaRPr lang="en-US" dirty="0"/>
-          </a:p>
-        </p:txBody>
-      </p:sp>
-    </p:spTree>
-    <p:extLst>
-      <p:ext uri="{BB962C8B-B14F-4D97-AF65-F5344CB8AC3E}">
-        <p14:creationId xmlns:p14="http://schemas.microsoft.com/office/powerpoint/2010/main" val="1363403946"/>
-      </p:ext>
-    </p:extLst>
-  </p:cSld>
-  <p:clrMapOvr>
-    <a:masterClrMapping/>
-  </p:clrMapOvr>
-  <p:timing>
-    <p:tnLst>
-      <p:par>
-        <p:cTn id="1" dur="indefinite" restart="never" nodeType="tmRoot"/>
-      </p:par>
-    </p:tnLst>
-  </p:timing>
-</p:sld>
-</file>
-
-<file path=ppt/slides/slide13.xml><?xml version="1.0" encoding="utf-8"?>
-<p:sld xmlns:a="http://schemas.openxmlformats.org/drawingml/2006/main" xmlns:r="http://schemas.openxmlformats.org/officeDocument/2006/relationships" xmlns:p="http://schemas.openxmlformats.org/presentationml/2006/main">
-  <p:cSld>
-    <p:spTree>
-      <p:nvGrpSpPr>
-        <p:cNvPr id="1" name=""/>
-        <p:cNvGrpSpPr/>
-        <p:nvPr/>
-      </p:nvGrpSpPr>
-      <p:grpSpPr>
-        <a:xfrm>
-          <a:off x="0" y="0"/>
-          <a:ext cx="0" cy="0"/>
-          <a:chOff x="0" y="0"/>
-          <a:chExt cx="0" cy="0"/>
-        </a:xfrm>
-      </p:grpSpPr>
-      <p:sp>
-        <p:nvSpPr>
-          <p:cNvPr id="2" name="Título 1"/>
-          <p:cNvSpPr>
-            <a:spLocks noGrp="1"/>
-          </p:cNvSpPr>
-          <p:nvPr>
-            <p:ph type="title"/>
-          </p:nvPr>
-        </p:nvSpPr>
-        <p:spPr>
-          <a:xfrm>
-            <a:off x="1990112" y="3630103"/>
-            <a:ext cx="8911687" cy="1280890"/>
-          </a:xfrm>
-        </p:spPr>
-        <p:txBody>
-          <a:bodyPr/>
-          <a:lstStyle/>
-          <a:p>
-            <a:endParaRPr lang="en-US" dirty="0"/>
-          </a:p>
-        </p:txBody>
-      </p:sp>
-      <p:sp>
-        <p:nvSpPr>
           <p:cNvPr id="5" name="Rectangle 5"/>
           <p:cNvSpPr>
             <a:spLocks noChangeArrowheads="1"/>
@@ -8289,8 +8060,8 @@
         </p:nvSpPr>
         <p:spPr bwMode="auto">
           <a:xfrm>
-            <a:off x="716537" y="1199393"/>
-            <a:ext cx="11262103" cy="3688181"/>
+            <a:off x="1842654" y="242186"/>
+            <a:ext cx="8853055" cy="5442507"/>
           </a:xfrm>
           <a:prstGeom prst="rect">
             <a:avLst/>
@@ -8355,7 +8126,7 @@
               <a:tabLst/>
             </a:pPr>
             <a:r>
-              <a:rPr kumimoji="0" lang="es-NI" altLang="en-US" sz="2000" b="0" i="0" u="none" strike="noStrike" cap="none" normalizeH="0" baseline="0" dirty="0" smtClean="0">
+              <a:rPr kumimoji="0" lang="es-NI" altLang="en-US" sz="2200" b="0" i="0" u="none" strike="noStrike" cap="none" normalizeH="0" baseline="0" dirty="0">
                 <a:ln>
                   <a:noFill/>
                 </a:ln>
@@ -8369,7 +8140,7 @@
               <a:t>P</a:t>
             </a:r>
             <a:r>
-              <a:rPr kumimoji="0" lang="es-NI" altLang="en-US" sz="2000" b="0" i="0" u="none" strike="noStrike" cap="none" normalizeH="0" baseline="0" dirty="0" smtClean="0" bmk="">
+              <a:rPr kumimoji="0" lang="es-NI" altLang="en-US" sz="2200" b="0" i="0" u="none" strike="noStrike" cap="none" normalizeH="0" baseline="0" dirty="0" bmk="">
                 <a:ln>
                   <a:noFill/>
                 </a:ln>
@@ -8382,7 +8153,7 @@
               </a:rPr>
               <a:t>oblación</a:t>
             </a:r>
-            <a:endParaRPr kumimoji="0" lang="es-NI" altLang="en-US" sz="2000" b="0" i="0" u="none" strike="noStrike" cap="none" normalizeH="0" baseline="0" dirty="0" smtClean="0">
+            <a:endParaRPr kumimoji="0" lang="es-NI" altLang="en-US" sz="2200" b="0" i="0" u="none" strike="noStrike" cap="none" normalizeH="0" baseline="0" dirty="0">
               <a:ln>
                 <a:noFill/>
               </a:ln>
@@ -8412,7 +8183,7 @@
               <a:tabLst/>
             </a:pPr>
             <a:r>
-              <a:rPr kumimoji="0" lang="es-NI" altLang="en-US" sz="2000" b="0" i="0" u="none" strike="noStrike" cap="none" normalizeH="0" baseline="0" dirty="0" smtClean="0">
+              <a:rPr kumimoji="0" lang="es-NI" altLang="en-US" sz="2200" b="0" i="0" u="none" strike="noStrike" cap="none" normalizeH="0" baseline="0" dirty="0">
                 <a:ln>
                   <a:noFill/>
                 </a:ln>
@@ -8426,17 +8197,6 @@
               </a:rPr>
               <a:t>Para realizar una investigación, no es necesario abarcar la totalidad de una población basta con elegir una muestra representativa de la misma. En nuestro caso con fines de incluir a los involucrados en el proceso que tiene que ver con el registro de notas de los estudiantes, entrevistamos a 12 docentes de un total de 12, esto corresponde a una muestra del 100%, administrativos entrevistamos al 100%. </a:t>
             </a:r>
-            <a:endParaRPr kumimoji="0" lang="en-US" altLang="en-US" sz="2000" b="0" i="0" u="none" strike="noStrike" cap="none" normalizeH="0" baseline="0" dirty="0" smtClean="0">
-              <a:ln>
-                <a:noFill/>
-              </a:ln>
-              <a:solidFill>
-                <a:schemeClr val="tx1"/>
-              </a:solidFill>
-              <a:effectLst/>
-              <a:latin typeface="Arial" panose="020B0604020202020204" pitchFamily="34" charset="0"/>
-              <a:cs typeface="Arial" panose="020B0604020202020204" pitchFamily="34" charset="0"/>
-            </a:endParaRPr>
           </a:p>
           <a:p>
             <a:pPr marL="0" marR="0" lvl="0" indent="0" algn="l" defTabSz="914400" rtl="0" eaLnBrk="0" fontAlgn="base" latinLnBrk="0" hangingPunct="0">
@@ -8455,52 +8215,7 @@
               <a:buNone/>
               <a:tabLst/>
             </a:pPr>
-            <a:r>
-              <a:rPr kumimoji="0" lang="es-NI" altLang="en-US" sz="2000" b="0" i="0" u="none" strike="noStrike" cap="none" normalizeH="0" baseline="0" dirty="0" smtClean="0">
-                <a:ln>
-                  <a:noFill/>
-                </a:ln>
-                <a:solidFill>
-                  <a:schemeClr val="tx1"/>
-                </a:solidFill>
-                <a:effectLst/>
-                <a:latin typeface="Arial" panose="020B0604020202020204" pitchFamily="34" charset="0"/>
-                <a:ea typeface="Arial" panose="020B0604020202020204" pitchFamily="34" charset="0"/>
-                <a:cs typeface="Arial" panose="020B0604020202020204" pitchFamily="34" charset="0"/>
-              </a:rPr>
-              <a:t>Las entrevistas se aplicaron a mediados del tercer trimestre del año lectivo 2020, fueron hechas de manera personal en forma de entrevista, a docentes, personal administrativo y a el director de UML </a:t>
-            </a:r>
-            <a:r>
-              <a:rPr kumimoji="0" lang="es-NI" altLang="en-US" sz="2000" b="0" i="0" u="none" strike="noStrike" cap="none" normalizeH="0" baseline="0" dirty="0" err="1" smtClean="0">
-                <a:ln>
-                  <a:noFill/>
-                </a:ln>
-                <a:solidFill>
-                  <a:schemeClr val="tx1"/>
-                </a:solidFill>
-                <a:effectLst/>
-                <a:latin typeface="Arial" panose="020B0604020202020204" pitchFamily="34" charset="0"/>
-                <a:ea typeface="Arial" panose="020B0604020202020204" pitchFamily="34" charset="0"/>
-                <a:cs typeface="Arial" panose="020B0604020202020204" pitchFamily="34" charset="0"/>
-              </a:rPr>
-              <a:t>Quilalí</a:t>
-            </a:r>
-            <a:r>
-              <a:rPr kumimoji="0" lang="es-NI" altLang="en-US" sz="2000" b="0" i="0" u="none" strike="noStrike" cap="none" normalizeH="0" baseline="0" dirty="0" smtClean="0">
-                <a:ln>
-                  <a:noFill/>
-                </a:ln>
-                <a:solidFill>
-                  <a:schemeClr val="tx1"/>
-                </a:solidFill>
-                <a:effectLst/>
-                <a:latin typeface="Arial" panose="020B0604020202020204" pitchFamily="34" charset="0"/>
-                <a:ea typeface="Arial" panose="020B0604020202020204" pitchFamily="34" charset="0"/>
-                <a:cs typeface="Arial" panose="020B0604020202020204" pitchFamily="34" charset="0"/>
-              </a:rPr>
-              <a:t>. </a:t>
-            </a:r>
-            <a:endParaRPr kumimoji="0" lang="en-US" altLang="en-US" sz="2000" b="0" i="0" u="none" strike="noStrike" cap="none" normalizeH="0" baseline="0" dirty="0" smtClean="0">
+            <a:endParaRPr kumimoji="0" lang="en-US" altLang="en-US" sz="2200" b="0" i="0" u="none" strike="noStrike" cap="none" normalizeH="0" baseline="0" dirty="0">
               <a:ln>
                 <a:noFill/>
               </a:ln>
@@ -8530,7 +8245,7 @@
               <a:tabLst/>
             </a:pPr>
             <a:r>
-              <a:rPr kumimoji="0" lang="es-NI" altLang="en-US" sz="2000" b="0" i="0" u="none" strike="noStrike" cap="none" normalizeH="0" baseline="0" dirty="0" smtClean="0">
+              <a:rPr kumimoji="0" lang="es-NI" altLang="en-US" sz="2200" b="0" i="0" u="none" strike="noStrike" cap="none" normalizeH="0" baseline="0" dirty="0">
                 <a:ln>
                   <a:noFill/>
                 </a:ln>
@@ -8542,19 +8257,8 @@
                 <a:ea typeface="Arial" panose="020B0604020202020204" pitchFamily="34" charset="0"/>
                 <a:cs typeface="Arial" panose="020B0604020202020204" pitchFamily="34" charset="0"/>
               </a:rPr>
-              <a:t>De acuerdo a todo esto, se elaboró satisfactoriamente el sistema “SIS Universidad”.</a:t>
-            </a:r>
-            <a:endParaRPr kumimoji="0" lang="en-US" altLang="en-US" sz="2000" b="0" i="0" u="none" strike="noStrike" cap="none" normalizeH="0" baseline="0" dirty="0" smtClean="0">
-              <a:ln>
-                <a:noFill/>
-              </a:ln>
-              <a:solidFill>
-                <a:schemeClr val="tx1"/>
-              </a:solidFill>
-              <a:effectLst/>
-              <a:latin typeface="Arial" panose="020B0604020202020204" pitchFamily="34" charset="0"/>
-              <a:cs typeface="Arial" panose="020B0604020202020204" pitchFamily="34" charset="0"/>
-            </a:endParaRPr>
+              <a:t>Las entrevistas se aplicaron a mediados del tercer trimestre del año lectivo 2020, fueron hechas de manera personal en forma de entrevista, a docentes, personal administrativo y a el director de UML Quilalí. De acuerdo a todo esto, se elaboró satisfactoriamente el sistema “SIS Universidad”.</a:t>
+            </a:r>
           </a:p>
           <a:p>
             <a:pPr marL="0" marR="0" lvl="0" indent="0" algn="l" defTabSz="914400" rtl="0" eaLnBrk="0" fontAlgn="base" latinLnBrk="0" hangingPunct="0">
@@ -8573,22 +8277,7 @@
               <a:buNone/>
               <a:tabLst/>
             </a:pPr>
-            <a:r>
-              <a:rPr kumimoji="0" lang="es-NI" altLang="en-US" sz="2000" b="0" i="0" u="none" strike="noStrike" cap="none" normalizeH="0" baseline="0" dirty="0" smtClean="0">
-                <a:ln>
-                  <a:noFill/>
-                </a:ln>
-                <a:solidFill>
-                  <a:schemeClr val="tx1"/>
-                </a:solidFill>
-                <a:effectLst/>
-                <a:latin typeface="Arial" panose="020B0604020202020204" pitchFamily="34" charset="0"/>
-                <a:ea typeface="Arial" panose="020B0604020202020204" pitchFamily="34" charset="0"/>
-                <a:cs typeface="Arial" panose="020B0604020202020204" pitchFamily="34" charset="0"/>
-              </a:rPr>
-              <a:t>Cálculo de la muestra, se realizó con la siguiente ecuación:</a:t>
-            </a:r>
-            <a:endParaRPr kumimoji="0" lang="en-US" altLang="en-US" sz="2000" b="0" i="0" u="none" strike="noStrike" cap="none" normalizeH="0" baseline="0" dirty="0" smtClean="0">
+            <a:endParaRPr kumimoji="0" lang="en-US" altLang="en-US" sz="2200" b="0" i="0" u="none" strike="noStrike" cap="none" normalizeH="0" baseline="0" dirty="0">
               <a:ln>
                 <a:noFill/>
               </a:ln>
@@ -8617,7 +8306,51 @@
               <a:buNone/>
               <a:tabLst/>
             </a:pPr>
-            <a:endParaRPr kumimoji="0" lang="en-US" altLang="en-US" sz="1800" b="0" i="0" u="none" strike="noStrike" cap="none" normalizeH="0" baseline="0" dirty="0" smtClean="0">
+            <a:r>
+              <a:rPr kumimoji="0" lang="es-NI" altLang="en-US" sz="2200" b="0" i="0" u="none" strike="noStrike" cap="none" normalizeH="0" baseline="0" dirty="0">
+                <a:ln>
+                  <a:noFill/>
+                </a:ln>
+                <a:solidFill>
+                  <a:schemeClr val="tx1"/>
+                </a:solidFill>
+                <a:effectLst/>
+                <a:latin typeface="Arial" panose="020B0604020202020204" pitchFamily="34" charset="0"/>
+                <a:ea typeface="Arial" panose="020B0604020202020204" pitchFamily="34" charset="0"/>
+                <a:cs typeface="Arial" panose="020B0604020202020204" pitchFamily="34" charset="0"/>
+              </a:rPr>
+              <a:t>Cálculo de la muestra, se realizó con la siguiente ecuación:</a:t>
+            </a:r>
+            <a:endParaRPr kumimoji="0" lang="en-US" altLang="en-US" sz="2200" b="0" i="0" u="none" strike="noStrike" cap="none" normalizeH="0" baseline="0" dirty="0">
+              <a:ln>
+                <a:noFill/>
+              </a:ln>
+              <a:solidFill>
+                <a:schemeClr val="tx1"/>
+              </a:solidFill>
+              <a:effectLst/>
+              <a:latin typeface="Arial" panose="020B0604020202020204" pitchFamily="34" charset="0"/>
+              <a:cs typeface="Arial" panose="020B0604020202020204" pitchFamily="34" charset="0"/>
+            </a:endParaRPr>
+          </a:p>
+          <a:p>
+            <a:pPr marL="0" marR="0" lvl="0" indent="0" algn="l" defTabSz="914400" rtl="0" eaLnBrk="0" fontAlgn="base" latinLnBrk="0" hangingPunct="0">
+              <a:lnSpc>
+                <a:spcPct val="100000"/>
+              </a:lnSpc>
+              <a:spcBef>
+                <a:spcPct val="0"/>
+              </a:spcBef>
+              <a:spcAft>
+                <a:spcPct val="0"/>
+              </a:spcAft>
+              <a:buClrTx/>
+              <a:buSzTx/>
+              <a:buFontTx/>
+              <a:buNone/>
+              <a:tabLst/>
+            </a:pPr>
+            <a:endParaRPr kumimoji="0" lang="en-US" altLang="en-US" sz="2200" b="0" i="0" u="none" strike="noStrike" cap="none" normalizeH="0" baseline="0" dirty="0">
               <a:ln>
                 <a:noFill/>
               </a:ln>
@@ -8653,8 +8386,8 @@
         </p:blipFill>
         <p:spPr bwMode="auto">
           <a:xfrm>
-            <a:off x="4491702" y="5021740"/>
-            <a:ext cx="2505075" cy="923925"/>
+            <a:off x="4253345" y="5366498"/>
+            <a:ext cx="3387320" cy="1249316"/>
           </a:xfrm>
           <a:prstGeom prst="rect">
             <a:avLst/>
@@ -8744,13 +8477,123 @@
   <p:clrMapOvr>
     <a:masterClrMapping/>
   </p:clrMapOvr>
-  <p:timing>
-    <p:tnLst>
-      <p:par>
-        <p:cTn id="1" dur="indefinite" restart="never" nodeType="tmRoot"/>
-      </p:par>
-    </p:tnLst>
-  </p:timing>
+</p:sld>
+</file>
+
+<file path=ppt/slides/slide13.xml><?xml version="1.0" encoding="utf-8"?>
+<p:sld xmlns:a="http://schemas.openxmlformats.org/drawingml/2006/main" xmlns:r="http://schemas.openxmlformats.org/officeDocument/2006/relationships" xmlns:p="http://schemas.openxmlformats.org/presentationml/2006/main">
+  <p:cSld>
+    <p:spTree>
+      <p:nvGrpSpPr>
+        <p:cNvPr id="1" name=""/>
+        <p:cNvGrpSpPr/>
+        <p:nvPr/>
+      </p:nvGrpSpPr>
+      <p:grpSpPr>
+        <a:xfrm>
+          <a:off x="0" y="0"/>
+          <a:ext cx="0" cy="0"/>
+          <a:chOff x="0" y="0"/>
+          <a:chExt cx="0" cy="0"/>
+        </a:xfrm>
+      </p:grpSpPr>
+      <p:sp>
+        <p:nvSpPr>
+          <p:cNvPr id="3" name="Título 2"/>
+          <p:cNvSpPr>
+            <a:spLocks noGrp="1"/>
+          </p:cNvSpPr>
+          <p:nvPr>
+            <p:ph type="title"/>
+          </p:nvPr>
+        </p:nvSpPr>
+        <p:spPr/>
+        <p:txBody>
+          <a:bodyPr/>
+          <a:lstStyle/>
+          <a:p>
+            <a:r>
+              <a:rPr lang="es-NI" b="1" dirty="0"/>
+              <a:t>Conclusiones</a:t>
+            </a:r>
+            <a:r>
+              <a:rPr lang="es-NI" dirty="0"/>
+              <a:t> </a:t>
+            </a:r>
+            <a:endParaRPr lang="en-US" dirty="0"/>
+          </a:p>
+        </p:txBody>
+      </p:sp>
+      <p:sp>
+        <p:nvSpPr>
+          <p:cNvPr id="4" name="Marcador de contenido 3"/>
+          <p:cNvSpPr>
+            <a:spLocks noGrp="1"/>
+          </p:cNvSpPr>
+          <p:nvPr>
+            <p:ph idx="1"/>
+          </p:nvPr>
+        </p:nvSpPr>
+        <p:spPr>
+          <a:xfrm>
+            <a:off x="1400492" y="1506583"/>
+            <a:ext cx="8915400" cy="3777622"/>
+          </a:xfrm>
+        </p:spPr>
+        <p:txBody>
+          <a:bodyPr>
+            <a:normAutofit/>
+          </a:bodyPr>
+          <a:lstStyle/>
+          <a:p>
+            <a:pPr marL="0" indent="0" algn="just">
+              <a:buNone/>
+            </a:pPr>
+            <a:r>
+              <a:rPr lang="es-NI" sz="2400" dirty="0">
+                <a:latin typeface="Arial" panose="020B0604020202020204" pitchFamily="34" charset="0"/>
+                <a:cs typeface="Arial" panose="020B0604020202020204" pitchFamily="34" charset="0"/>
+              </a:rPr>
+              <a:t>Concluimos que el sistema de registro de notas fue una excelente experiencia y un buen desafío para nuestros límites</a:t>
+            </a:r>
+          </a:p>
+          <a:p>
+            <a:pPr marL="0" indent="0" algn="just">
+              <a:buNone/>
+            </a:pPr>
+            <a:endParaRPr lang="es-NI" sz="2400" dirty="0">
+              <a:latin typeface="Arial" panose="020B0604020202020204" pitchFamily="34" charset="0"/>
+              <a:cs typeface="Arial" panose="020B0604020202020204" pitchFamily="34" charset="0"/>
+            </a:endParaRPr>
+          </a:p>
+          <a:p>
+            <a:pPr marL="0" indent="0" algn="just">
+              <a:buNone/>
+            </a:pPr>
+            <a:r>
+              <a:rPr lang="es-NI" sz="2400" dirty="0">
+                <a:latin typeface="Arial" panose="020B0604020202020204" pitchFamily="34" charset="0"/>
+                <a:cs typeface="Arial" panose="020B0604020202020204" pitchFamily="34" charset="0"/>
+              </a:rPr>
+              <a:t>Creado el sistema en línea “SIS Universidad”, para que los docentes puedan realizar el registro de notas de los alumnos, inclusive desde su casa, en caso de no tener los medios tecnológicos</a:t>
+            </a:r>
+            <a:endParaRPr lang="en-US" sz="2400" dirty="0">
+              <a:latin typeface="Arial" panose="020B0604020202020204" pitchFamily="34" charset="0"/>
+              <a:cs typeface="Arial" panose="020B0604020202020204" pitchFamily="34" charset="0"/>
+            </a:endParaRPr>
+          </a:p>
+        </p:txBody>
+      </p:sp>
+    </p:spTree>
+    <p:extLst>
+      <p:ext uri="{BB962C8B-B14F-4D97-AF65-F5344CB8AC3E}">
+        <p14:creationId xmlns:p14="http://schemas.microsoft.com/office/powerpoint/2010/main" val="1925791048"/>
+      </p:ext>
+    </p:extLst>
+  </p:cSld>
+  <p:clrMapOvr>
+    <a:masterClrMapping/>
+  </p:clrMapOvr>
 </p:sld>
 </file>
 
@@ -8773,7 +8616,7 @@
       </p:grpSpPr>
       <p:sp>
         <p:nvSpPr>
-          <p:cNvPr id="3" name="Título 2"/>
+          <p:cNvPr id="2" name="Título 1"/>
           <p:cNvSpPr>
             <a:spLocks noGrp="1"/>
           </p:cNvSpPr>
@@ -8788,19 +8631,18 @@
           <a:p>
             <a:r>
               <a:rPr lang="es-NI" b="1" dirty="0"/>
-              <a:t>Conclusiones</a:t>
-            </a:r>
-            <a:r>
-              <a:rPr lang="es-NI" dirty="0"/>
-              <a:t> </a:t>
-            </a:r>
+              <a:t>Recomendaciones</a:t>
+            </a:r>
+            <a:br>
+              <a:rPr lang="en-US" b="1" dirty="0"/>
+            </a:br>
             <a:endParaRPr lang="en-US" dirty="0"/>
           </a:p>
         </p:txBody>
       </p:sp>
       <p:sp>
         <p:nvSpPr>
-          <p:cNvPr id="4" name="Marcador de contenido 3"/>
+          <p:cNvPr id="3" name="Marcador de contenido 2"/>
           <p:cNvSpPr>
             <a:spLocks noGrp="1"/>
           </p:cNvSpPr>
@@ -8810,8 +8652,8 @@
         </p:nvSpPr>
         <p:spPr>
           <a:xfrm>
-            <a:off x="1400492" y="1506583"/>
-            <a:ext cx="8915400" cy="3777622"/>
+            <a:off x="1795941" y="1264555"/>
+            <a:ext cx="8915400" cy="4724400"/>
           </a:xfrm>
         </p:spPr>
         <p:txBody>
@@ -8824,51 +8666,90 @@
               <a:buNone/>
             </a:pPr>
             <a:r>
-              <a:rPr lang="es-NI" sz="2000" dirty="0">
+              <a:rPr lang="es-NI" dirty="0"/>
+              <a:t> </a:t>
+            </a:r>
+            <a:endParaRPr lang="en-US" sz="3200" dirty="0"/>
+          </a:p>
+          <a:p>
+            <a:pPr marL="0" indent="0">
+              <a:buNone/>
+            </a:pPr>
+            <a:r>
+              <a:rPr lang="es-NI" sz="2400" dirty="0">
                 <a:latin typeface="Arial" panose="020B0604020202020204" pitchFamily="34" charset="0"/>
                 <a:cs typeface="Arial" panose="020B0604020202020204" pitchFamily="34" charset="0"/>
               </a:rPr>
-              <a:t>Concluimos que el sistema de registro de notas fue una excelente experiencia y un buen desafío para nuestros </a:t>
-            </a:r>
-            <a:r>
-              <a:rPr lang="es-NI" sz="2000" dirty="0" smtClean="0">
+              <a:t>Se recomienda el uso del sistema “SIS Universidad”, para que digitalicen el registro de notas.</a:t>
+            </a:r>
+            <a:endParaRPr lang="en-US" sz="2400" dirty="0">
+              <a:latin typeface="Arial" panose="020B0604020202020204" pitchFamily="34" charset="0"/>
+              <a:cs typeface="Arial" panose="020B0604020202020204" pitchFamily="34" charset="0"/>
+            </a:endParaRPr>
+          </a:p>
+          <a:p>
+            <a:endParaRPr lang="en-US" sz="2400" dirty="0">
+              <a:latin typeface="Arial" panose="020B0604020202020204" pitchFamily="34" charset="0"/>
+              <a:cs typeface="Arial" panose="020B0604020202020204" pitchFamily="34" charset="0"/>
+            </a:endParaRPr>
+          </a:p>
+          <a:p>
+            <a:pPr marL="0" indent="0">
+              <a:buNone/>
+            </a:pPr>
+            <a:r>
+              <a:rPr lang="es-NI" sz="2400" dirty="0">
                 <a:latin typeface="Arial" panose="020B0604020202020204" pitchFamily="34" charset="0"/>
                 <a:cs typeface="Arial" panose="020B0604020202020204" pitchFamily="34" charset="0"/>
               </a:rPr>
-              <a:t>límites</a:t>
-            </a:r>
-          </a:p>
-          <a:p>
-            <a:pPr marL="0" indent="0">
-              <a:buNone/>
-            </a:pPr>
-            <a:endParaRPr lang="es-NI" sz="2000" dirty="0" smtClean="0">
+              <a:t>Capacitar a docente en el correcto uso del sistema, para que se garantice el ingreso íntegro de los datos.</a:t>
+            </a:r>
+            <a:endParaRPr lang="en-US" sz="2400" dirty="0">
               <a:latin typeface="Arial" panose="020B0604020202020204" pitchFamily="34" charset="0"/>
               <a:cs typeface="Arial" panose="020B0604020202020204" pitchFamily="34" charset="0"/>
             </a:endParaRPr>
           </a:p>
           <a:p>
+            <a:endParaRPr lang="en-US" sz="2400" dirty="0">
+              <a:latin typeface="Arial" panose="020B0604020202020204" pitchFamily="34" charset="0"/>
+              <a:cs typeface="Arial" panose="020B0604020202020204" pitchFamily="34" charset="0"/>
+            </a:endParaRPr>
+          </a:p>
+          <a:p>
             <a:pPr marL="0" indent="0">
               <a:buNone/>
             </a:pPr>
             <a:r>
-              <a:rPr lang="es-NI" sz="2000" dirty="0">
+              <a:rPr lang="es-NI" sz="2400" dirty="0">
                 <a:latin typeface="Arial" panose="020B0604020202020204" pitchFamily="34" charset="0"/>
                 <a:cs typeface="Arial" panose="020B0604020202020204" pitchFamily="34" charset="0"/>
               </a:rPr>
-              <a:t>Creado el sistema en línea “SIS Universidad”, para que los docentes puedan realizar el registro de notas de los alumnos, inclusive desde su casa, en caso de no tener los medios tecnológicos</a:t>
-            </a:r>
-            <a:endParaRPr lang="en-US" sz="2000" dirty="0">
+              <a:t>Establecer respaldo de información digital de la base de datos del sistema periódicamente.</a:t>
+            </a:r>
+            <a:endParaRPr lang="en-US" sz="2400" dirty="0">
               <a:latin typeface="Arial" panose="020B0604020202020204" pitchFamily="34" charset="0"/>
               <a:cs typeface="Arial" panose="020B0604020202020204" pitchFamily="34" charset="0"/>
             </a:endParaRPr>
           </a:p>
+          <a:p>
+            <a:pPr marL="0" indent="0">
+              <a:buNone/>
+            </a:pPr>
+            <a:r>
+              <a:rPr lang="es-NI" sz="3200" dirty="0"/>
+              <a:t> </a:t>
+            </a:r>
+            <a:endParaRPr lang="en-US" sz="3200" dirty="0"/>
+          </a:p>
+          <a:p>
+            <a:endParaRPr lang="en-US" dirty="0"/>
+          </a:p>
         </p:txBody>
       </p:sp>
     </p:spTree>
     <p:extLst>
       <p:ext uri="{BB962C8B-B14F-4D97-AF65-F5344CB8AC3E}">
-        <p14:creationId xmlns:p14="http://schemas.microsoft.com/office/powerpoint/2010/main" val="1925791048"/>
+        <p14:creationId xmlns:p14="http://schemas.microsoft.com/office/powerpoint/2010/main" val="3463648447"/>
       </p:ext>
     </p:extLst>
   </p:cSld>
@@ -8905,172 +8786,6 @@
             <p:ph type="title"/>
           </p:nvPr>
         </p:nvSpPr>
-        <p:spPr/>
-        <p:txBody>
-          <a:bodyPr/>
-          <a:lstStyle/>
-          <a:p>
-            <a:r>
-              <a:rPr lang="es-NI" b="1" dirty="0"/>
-              <a:t>Recomendaciones</a:t>
-            </a:r>
-            <a:r>
-              <a:rPr lang="en-US" b="1" dirty="0"/>
-              <a:t/>
-            </a:r>
-            <a:br>
-              <a:rPr lang="en-US" b="1" dirty="0"/>
-            </a:br>
-            <a:endParaRPr lang="en-US" dirty="0"/>
-          </a:p>
-        </p:txBody>
-      </p:sp>
-      <p:sp>
-        <p:nvSpPr>
-          <p:cNvPr id="3" name="Marcador de contenido 2"/>
-          <p:cNvSpPr>
-            <a:spLocks noGrp="1"/>
-          </p:cNvSpPr>
-          <p:nvPr>
-            <p:ph idx="1"/>
-          </p:nvPr>
-        </p:nvSpPr>
-        <p:spPr>
-          <a:xfrm>
-            <a:off x="1504995" y="1767840"/>
-            <a:ext cx="8915400" cy="4724400"/>
-          </a:xfrm>
-        </p:spPr>
-        <p:txBody>
-          <a:bodyPr>
-            <a:normAutofit/>
-          </a:bodyPr>
-          <a:lstStyle/>
-          <a:p>
-            <a:pPr marL="0" indent="0">
-              <a:buNone/>
-            </a:pPr>
-            <a:r>
-              <a:rPr lang="es-NI" dirty="0"/>
-              <a:t> </a:t>
-            </a:r>
-            <a:endParaRPr lang="en-US" sz="3200" dirty="0"/>
-          </a:p>
-          <a:p>
-            <a:pPr marL="0" indent="0">
-              <a:buNone/>
-            </a:pPr>
-            <a:r>
-              <a:rPr lang="es-NI" sz="2400" dirty="0">
-                <a:latin typeface="Arial" panose="020B0604020202020204" pitchFamily="34" charset="0"/>
-                <a:cs typeface="Arial" panose="020B0604020202020204" pitchFamily="34" charset="0"/>
-              </a:rPr>
-              <a:t>Se recomienda el uso del sistema “SIS Universidad”, para que digitalicen el registro de notas.</a:t>
-            </a:r>
-            <a:endParaRPr lang="en-US" sz="2400" dirty="0">
-              <a:latin typeface="Arial" panose="020B0604020202020204" pitchFamily="34" charset="0"/>
-              <a:cs typeface="Arial" panose="020B0604020202020204" pitchFamily="34" charset="0"/>
-            </a:endParaRPr>
-          </a:p>
-          <a:p>
-            <a:endParaRPr lang="en-US" sz="2400" dirty="0">
-              <a:latin typeface="Arial" panose="020B0604020202020204" pitchFamily="34" charset="0"/>
-              <a:cs typeface="Arial" panose="020B0604020202020204" pitchFamily="34" charset="0"/>
-            </a:endParaRPr>
-          </a:p>
-          <a:p>
-            <a:pPr marL="0" indent="0">
-              <a:buNone/>
-            </a:pPr>
-            <a:r>
-              <a:rPr lang="es-NI" sz="2400" dirty="0">
-                <a:latin typeface="Arial" panose="020B0604020202020204" pitchFamily="34" charset="0"/>
-                <a:cs typeface="Arial" panose="020B0604020202020204" pitchFamily="34" charset="0"/>
-              </a:rPr>
-              <a:t>Capacitar a docente en el correcto uso del sistema, para que se garantice el ingreso íntegro de los datos.</a:t>
-            </a:r>
-            <a:endParaRPr lang="en-US" sz="2400" dirty="0">
-              <a:latin typeface="Arial" panose="020B0604020202020204" pitchFamily="34" charset="0"/>
-              <a:cs typeface="Arial" panose="020B0604020202020204" pitchFamily="34" charset="0"/>
-            </a:endParaRPr>
-          </a:p>
-          <a:p>
-            <a:endParaRPr lang="en-US" sz="2400" dirty="0">
-              <a:latin typeface="Arial" panose="020B0604020202020204" pitchFamily="34" charset="0"/>
-              <a:cs typeface="Arial" panose="020B0604020202020204" pitchFamily="34" charset="0"/>
-            </a:endParaRPr>
-          </a:p>
-          <a:p>
-            <a:pPr marL="0" indent="0">
-              <a:buNone/>
-            </a:pPr>
-            <a:r>
-              <a:rPr lang="es-NI" sz="2400" dirty="0">
-                <a:latin typeface="Arial" panose="020B0604020202020204" pitchFamily="34" charset="0"/>
-                <a:cs typeface="Arial" panose="020B0604020202020204" pitchFamily="34" charset="0"/>
-              </a:rPr>
-              <a:t>Establecer respaldo de información digital de la base de datos del sistema periódicamente.</a:t>
-            </a:r>
-            <a:endParaRPr lang="en-US" sz="2400" dirty="0">
-              <a:latin typeface="Arial" panose="020B0604020202020204" pitchFamily="34" charset="0"/>
-              <a:cs typeface="Arial" panose="020B0604020202020204" pitchFamily="34" charset="0"/>
-            </a:endParaRPr>
-          </a:p>
-          <a:p>
-            <a:pPr marL="0" indent="0">
-              <a:buNone/>
-            </a:pPr>
-            <a:r>
-              <a:rPr lang="es-NI" sz="3200" dirty="0"/>
-              <a:t> </a:t>
-            </a:r>
-            <a:endParaRPr lang="en-US" sz="3200" dirty="0"/>
-          </a:p>
-          <a:p>
-            <a:endParaRPr lang="en-US" dirty="0"/>
-          </a:p>
-        </p:txBody>
-      </p:sp>
-    </p:spTree>
-    <p:extLst>
-      <p:ext uri="{BB962C8B-B14F-4D97-AF65-F5344CB8AC3E}">
-        <p14:creationId xmlns:p14="http://schemas.microsoft.com/office/powerpoint/2010/main" val="3463648447"/>
-      </p:ext>
-    </p:extLst>
-  </p:cSld>
-  <p:clrMapOvr>
-    <a:masterClrMapping/>
-  </p:clrMapOvr>
-</p:sld>
-</file>
-
-<file path=ppt/slides/slide16.xml><?xml version="1.0" encoding="utf-8"?>
-<p:sld xmlns:a="http://schemas.openxmlformats.org/drawingml/2006/main" xmlns:r="http://schemas.openxmlformats.org/officeDocument/2006/relationships" xmlns:p="http://schemas.openxmlformats.org/presentationml/2006/main">
-  <p:cSld>
-    <p:spTree>
-      <p:nvGrpSpPr>
-        <p:cNvPr id="1" name=""/>
-        <p:cNvGrpSpPr/>
-        <p:nvPr/>
-      </p:nvGrpSpPr>
-      <p:grpSpPr>
-        <a:xfrm>
-          <a:off x="0" y="0"/>
-          <a:ext cx="0" cy="0"/>
-          <a:chOff x="0" y="0"/>
-          <a:chExt cx="0" cy="0"/>
-        </a:xfrm>
-      </p:grpSpPr>
-      <p:sp>
-        <p:nvSpPr>
-          <p:cNvPr id="2" name="Título 1"/>
-          <p:cNvSpPr>
-            <a:spLocks noGrp="1"/>
-          </p:cNvSpPr>
-          <p:nvPr>
-            <p:ph type="title"/>
-          </p:nvPr>
-        </p:nvSpPr>
         <p:spPr>
           <a:xfrm>
             <a:off x="1491343" y="2703377"/>
@@ -9084,7 +8799,7 @@
           <a:lstStyle/>
           <a:p>
             <a:r>
-              <a:rPr lang="es-ES" sz="6000" dirty="0" smtClean="0"/>
+              <a:rPr lang="es-ES" sz="6000" dirty="0"/>
               <a:t>GRACIAS POR SU ATENCION</a:t>
             </a:r>
             <a:endParaRPr lang="en-US" sz="6000" dirty="0"/>
@@ -9101,13 +8816,6 @@
   <p:clrMapOvr>
     <a:masterClrMapping/>
   </p:clrMapOvr>
-  <p:timing>
-    <p:tnLst>
-      <p:par>
-        <p:cTn id="1" dur="indefinite" restart="never" nodeType="tmRoot"/>
-      </p:par>
-    </p:tnLst>
-  </p:timing>
 </p:sld>
 </file>
 
@@ -9140,222 +8848,67 @@
         </p:nvSpPr>
         <p:spPr>
           <a:xfrm>
-            <a:off x="1846729" y="1479175"/>
-            <a:ext cx="9758083" cy="5378825"/>
+            <a:off x="1318524" y="4596822"/>
+            <a:ext cx="9758083" cy="2505826"/>
           </a:xfrm>
         </p:spPr>
         <p:txBody>
           <a:bodyPr>
-            <a:normAutofit fontScale="90000"/>
+            <a:normAutofit/>
           </a:bodyPr>
           <a:lstStyle/>
           <a:p>
             <a:pPr algn="ctr"/>
             <a:r>
-              <a:rPr lang="es-NI" sz="2200" b="1" dirty="0" smtClean="0"/>
-              <a:t/>
+              <a:rPr lang="es-NI" sz="2000" dirty="0"/>
+              <a:t>Para optar al título de: Ingeniero de Sistemas.</a:t>
             </a:r>
             <a:br>
-              <a:rPr lang="es-NI" sz="2200" b="1" dirty="0" smtClean="0"/>
+              <a:rPr lang="es-NI" sz="2000" dirty="0"/>
             </a:br>
-            <a:r>
-              <a:rPr lang="es-NI" sz="2200" b="1" dirty="0"/>
-              <a:t/>
-            </a:r>
             <a:br>
-              <a:rPr lang="es-NI" sz="2200" b="1" dirty="0"/>
+              <a:rPr lang="en-US" sz="2000" dirty="0"/>
             </a:br>
             <a:r>
-              <a:rPr lang="es-NI" sz="2200" b="1" dirty="0" smtClean="0"/>
-              <a:t/>
+              <a:rPr lang="es-NI" sz="2000" dirty="0"/>
+              <a:t>Presentado por:</a:t>
             </a:r>
             <a:br>
-              <a:rPr lang="es-NI" sz="2200" b="1" dirty="0" smtClean="0"/>
+              <a:rPr lang="en-US" sz="2000" dirty="0"/>
             </a:br>
             <a:r>
-              <a:rPr lang="es-NI" sz="2200" b="1" dirty="0"/>
-              <a:t/>
+              <a:rPr lang="es-NI" sz="2000" dirty="0"/>
+              <a:t> </a:t>
+            </a:r>
+            <a:r>
+              <a:rPr lang="es-NI" sz="2000" dirty="0" err="1"/>
+              <a:t>Kathin</a:t>
+            </a:r>
+            <a:r>
+              <a:rPr lang="es-NI" sz="2000" dirty="0"/>
+              <a:t> Yahoska Moreno Casco.</a:t>
             </a:r>
             <a:br>
-              <a:rPr lang="es-NI" sz="2200" b="1" dirty="0"/>
+              <a:rPr lang="en-US" sz="2000" dirty="0"/>
             </a:br>
             <a:r>
-              <a:rPr lang="es-NI" sz="2200" b="1" dirty="0" smtClean="0"/>
-              <a:t>TEMA </a:t>
-            </a:r>
-            <a:r>
-              <a:rPr lang="es-NI" sz="2200" b="1" dirty="0"/>
-              <a:t>DE INVESTIGACIÓN:</a:t>
-            </a:r>
-            <a:r>
-              <a:rPr lang="en-US" sz="2200" dirty="0"/>
-              <a:t/>
+              <a:rPr lang="es-NI" sz="2000" dirty="0"/>
+              <a:t>Alba María Bellorín Cerda.</a:t>
             </a:r>
             <a:br>
-              <a:rPr lang="en-US" sz="2200" dirty="0"/>
+              <a:rPr lang="en-US" sz="2000" dirty="0"/>
             </a:br>
             <a:r>
-              <a:rPr lang="es-NI" sz="1800" dirty="0"/>
+              <a:rPr lang="es-NI" sz="2000" dirty="0"/>
+              <a:t>Francis Aradeliz Chavarría Espinoza.</a:t>
+            </a:r>
+            <a:br>
+              <a:rPr lang="en-US" sz="2000" dirty="0"/>
+            </a:br>
+            <a:r>
+              <a:rPr lang="es-NI" sz="2200" dirty="0"/>
               <a:t> </a:t>
             </a:r>
-            <a:r>
-              <a:rPr lang="en-US" sz="1800" dirty="0"/>
-              <a:t/>
-            </a:r>
-            <a:br>
-              <a:rPr lang="en-US" sz="1800" dirty="0"/>
-            </a:br>
-            <a:r>
-              <a:rPr lang="es-NI" sz="1800" dirty="0"/>
-              <a:t>Sistema de notas de la universidad Martin Lutero extensión Quilali, Departamento de Nueva Segovia.</a:t>
-            </a:r>
-            <a:r>
-              <a:rPr lang="en-US" sz="1800" dirty="0"/>
-              <a:t/>
-            </a:r>
-            <a:br>
-              <a:rPr lang="en-US" sz="1800" dirty="0"/>
-            </a:br>
-            <a:r>
-              <a:rPr lang="es-NI" sz="1800" dirty="0"/>
-              <a:t>Para optar al título de: Ingeniero de Sistemas.</a:t>
-            </a:r>
-            <a:r>
-              <a:rPr lang="en-US" sz="1800" dirty="0"/>
-              <a:t/>
-            </a:r>
-            <a:br>
-              <a:rPr lang="en-US" sz="1800" dirty="0"/>
-            </a:br>
-            <a:r>
-              <a:rPr lang="es-NI" sz="1800" dirty="0"/>
-              <a:t>Presentado por:</a:t>
-            </a:r>
-            <a:r>
-              <a:rPr lang="en-US" sz="1800" dirty="0"/>
-              <a:t/>
-            </a:r>
-            <a:br>
-              <a:rPr lang="en-US" sz="1800" dirty="0"/>
-            </a:br>
-            <a:r>
-              <a:rPr lang="es-NI" sz="1800" dirty="0"/>
-              <a:t> </a:t>
-            </a:r>
-            <a:r>
-              <a:rPr lang="en-US" sz="1800" dirty="0"/>
-              <a:t/>
-            </a:r>
-            <a:br>
-              <a:rPr lang="en-US" sz="1800" dirty="0"/>
-            </a:br>
-            <a:r>
-              <a:rPr lang="es-NI" sz="1800" dirty="0"/>
-              <a:t>Kathin Yahoska Moreno Casco.</a:t>
-            </a:r>
-            <a:r>
-              <a:rPr lang="en-US" sz="1800" dirty="0"/>
-              <a:t/>
-            </a:r>
-            <a:br>
-              <a:rPr lang="en-US" sz="1800" dirty="0"/>
-            </a:br>
-            <a:r>
-              <a:rPr lang="es-NI" sz="1800" dirty="0"/>
-              <a:t>Alba María Bellorín Cerda.</a:t>
-            </a:r>
-            <a:r>
-              <a:rPr lang="en-US" sz="1800" dirty="0"/>
-              <a:t/>
-            </a:r>
-            <a:br>
-              <a:rPr lang="en-US" sz="1800" dirty="0"/>
-            </a:br>
-            <a:r>
-              <a:rPr lang="es-NI" sz="1800" dirty="0"/>
-              <a:t>Francis Aradeliz Chavarría Espinoza.</a:t>
-            </a:r>
-            <a:r>
-              <a:rPr lang="en-US" sz="1800" dirty="0"/>
-              <a:t/>
-            </a:r>
-            <a:br>
-              <a:rPr lang="en-US" sz="1800" dirty="0"/>
-            </a:br>
-            <a:r>
-              <a:rPr lang="es-NI" sz="1800" dirty="0"/>
-              <a:t> </a:t>
-            </a:r>
-            <a:r>
-              <a:rPr lang="en-US" sz="1800" dirty="0"/>
-              <a:t/>
-            </a:r>
-            <a:br>
-              <a:rPr lang="en-US" sz="1800" dirty="0"/>
-            </a:br>
-            <a:r>
-              <a:rPr lang="es-NI" sz="1800" dirty="0"/>
-              <a:t> </a:t>
-            </a:r>
-            <a:r>
-              <a:rPr lang="en-US" sz="1800" dirty="0"/>
-              <a:t/>
-            </a:r>
-            <a:br>
-              <a:rPr lang="en-US" sz="1800" dirty="0"/>
-            </a:br>
-            <a:r>
-              <a:rPr lang="es-NI" sz="1800" dirty="0"/>
-              <a:t>Tutor(a):</a:t>
-            </a:r>
-            <a:r>
-              <a:rPr lang="en-US" sz="1800" dirty="0"/>
-              <a:t/>
-            </a:r>
-            <a:br>
-              <a:rPr lang="en-US" sz="1800" dirty="0"/>
-            </a:br>
-            <a:r>
-              <a:rPr lang="es-NI" sz="1800" dirty="0"/>
-              <a:t>Ing. Mario Zapata</a:t>
-            </a:r>
-            <a:r>
-              <a:rPr lang="en-US" sz="1800" dirty="0"/>
-              <a:t/>
-            </a:r>
-            <a:br>
-              <a:rPr lang="en-US" sz="1800" dirty="0"/>
-            </a:br>
-            <a:r>
-              <a:rPr lang="es-NI" sz="1800" dirty="0"/>
-              <a:t> </a:t>
-            </a:r>
-            <a:r>
-              <a:rPr lang="en-US" sz="1800" dirty="0"/>
-              <a:t/>
-            </a:r>
-            <a:br>
-              <a:rPr lang="en-US" sz="1800" dirty="0"/>
-            </a:br>
-            <a:r>
-              <a:rPr lang="es-NI" sz="1800" dirty="0"/>
-              <a:t>Quilali, Nueva Segovia, </a:t>
-            </a:r>
-            <a:r>
-              <a:rPr lang="es-NI" sz="1800" dirty="0" smtClean="0"/>
-              <a:t>Jueves 19 </a:t>
-            </a:r>
-            <a:r>
-              <a:rPr lang="es-NI" sz="1800" dirty="0"/>
-              <a:t>de noviembre 2020.</a:t>
-            </a:r>
-            <a:r>
-              <a:rPr lang="en-US" dirty="0"/>
-              <a:t/>
-            </a:r>
-            <a:br>
-              <a:rPr lang="en-US" dirty="0"/>
-            </a:br>
             <a:endParaRPr lang="en-US" dirty="0"/>
           </a:p>
         </p:txBody>
@@ -9592,7 +9145,7 @@
               </a:tabLst>
             </a:pPr>
             <a:r>
-              <a:rPr kumimoji="0" lang="es-NI" altLang="en-US" sz="2400" b="1" i="0" u="none" strike="noStrike" cap="none" normalizeH="0" baseline="0" dirty="0" smtClean="0">
+              <a:rPr kumimoji="0" lang="es-NI" altLang="en-US" sz="2400" b="1" i="0" u="none" strike="noStrike" cap="none" normalizeH="0" baseline="0" dirty="0">
                 <a:ln>
                   <a:noFill/>
                 </a:ln>
@@ -9606,7 +9159,7 @@
               </a:rPr>
               <a:t>UNIVERSIDAD MARTIN LUTERO</a:t>
             </a:r>
-            <a:endParaRPr kumimoji="0" lang="en-US" altLang="en-US" sz="1100" b="0" i="0" u="none" strike="noStrike" cap="none" normalizeH="0" baseline="0" dirty="0" smtClean="0">
+            <a:endParaRPr kumimoji="0" lang="en-US" altLang="en-US" sz="1100" b="0" i="0" u="none" strike="noStrike" cap="none" normalizeH="0" baseline="0" dirty="0">
               <a:ln>
                 <a:noFill/>
               </a:ln>
@@ -9636,7 +9189,7 @@
               </a:tabLst>
             </a:pPr>
             <a:r>
-              <a:rPr kumimoji="0" lang="es-NI" altLang="en-US" sz="2000" b="0" i="0" u="none" strike="noStrike" cap="none" normalizeH="0" baseline="0" dirty="0" smtClean="0">
+              <a:rPr kumimoji="0" lang="es-NI" altLang="en-US" sz="2000" b="0" i="0" u="none" strike="noStrike" cap="none" normalizeH="0" baseline="0" dirty="0">
                 <a:ln>
                   <a:noFill/>
                 </a:ln>
@@ -9651,7 +9204,7 @@
               <a:t>“</a:t>
             </a:r>
             <a:r>
-              <a:rPr kumimoji="0" lang="es-NI" altLang="en-US" sz="1400" b="0" i="0" u="none" strike="noStrike" cap="none" normalizeH="0" baseline="0" dirty="0" smtClean="0">
+              <a:rPr kumimoji="0" lang="es-NI" altLang="en-US" sz="1400" b="0" i="0" u="none" strike="noStrike" cap="none" normalizeH="0" baseline="0" dirty="0">
                 <a:ln>
                   <a:noFill/>
                 </a:ln>
@@ -9665,7 +9218,7 @@
               </a:rPr>
               <a:t>UN MINISTERIO DE LAS ASAMBLEAS DE DIOS”</a:t>
             </a:r>
-            <a:endParaRPr kumimoji="0" lang="en-US" altLang="en-US" sz="1100" b="0" i="0" u="none" strike="noStrike" cap="none" normalizeH="0" baseline="0" dirty="0" smtClean="0">
+            <a:endParaRPr kumimoji="0" lang="en-US" altLang="en-US" sz="1100" b="0" i="0" u="none" strike="noStrike" cap="none" normalizeH="0" baseline="0" dirty="0">
               <a:ln>
                 <a:noFill/>
               </a:ln>
@@ -9695,7 +9248,7 @@
               </a:tabLst>
             </a:pPr>
             <a:r>
-              <a:rPr kumimoji="0" lang="es-NI" altLang="en-US" sz="1400" b="0" i="0" u="none" strike="noStrike" cap="none" normalizeH="0" baseline="0" dirty="0" smtClean="0">
+              <a:rPr kumimoji="0" lang="es-NI" altLang="en-US" sz="1400" b="0" i="0" u="none" strike="noStrike" cap="none" normalizeH="0" baseline="0" dirty="0">
                 <a:ln>
                   <a:noFill/>
                 </a:ln>
@@ -9709,7 +9262,7 @@
               </a:rPr>
               <a:t>SEDE-QUILALI</a:t>
             </a:r>
-            <a:endParaRPr kumimoji="0" lang="en-US" altLang="en-US" sz="1100" b="0" i="0" u="none" strike="noStrike" cap="none" normalizeH="0" baseline="0" dirty="0" smtClean="0">
+            <a:endParaRPr kumimoji="0" lang="en-US" altLang="en-US" sz="1100" b="0" i="0" u="none" strike="noStrike" cap="none" normalizeH="0" baseline="0" dirty="0">
               <a:ln>
                 <a:noFill/>
               </a:ln>
@@ -9739,7 +9292,7 @@
               </a:tabLst>
             </a:pPr>
             <a:r>
-              <a:rPr kumimoji="0" lang="es-NI" altLang="en-US" sz="1400" b="0" i="0" u="none" strike="noStrike" cap="none" normalizeH="0" baseline="0" dirty="0" smtClean="0">
+              <a:rPr kumimoji="0" lang="es-NI" altLang="en-US" sz="1400" b="0" i="0" u="none" strike="noStrike" cap="none" normalizeH="0" baseline="0" dirty="0">
                 <a:ln>
                   <a:noFill/>
                 </a:ln>
@@ -9753,7 +9306,7 @@
               </a:rPr>
               <a:t>	</a:t>
             </a:r>
-            <a:endParaRPr kumimoji="0" lang="en-US" altLang="en-US" sz="1100" b="0" i="0" u="none" strike="noStrike" cap="none" normalizeH="0" baseline="0" dirty="0" smtClean="0">
+            <a:endParaRPr kumimoji="0" lang="en-US" altLang="en-US" sz="1100" b="0" i="0" u="none" strike="noStrike" cap="none" normalizeH="0" baseline="0" dirty="0">
               <a:ln>
                 <a:noFill/>
               </a:ln>
@@ -9782,7 +9335,7 @@
                 <a:tab pos="3571875" algn="l"/>
               </a:tabLst>
             </a:pPr>
-            <a:endParaRPr kumimoji="0" lang="en-US" altLang="en-US" sz="1800" b="0" i="0" u="none" strike="noStrike" cap="none" normalizeH="0" baseline="0" dirty="0" smtClean="0">
+            <a:endParaRPr kumimoji="0" lang="en-US" altLang="en-US" sz="1800" b="0" i="0" u="none" strike="noStrike" cap="none" normalizeH="0" baseline="0" dirty="0">
               <a:ln>
                 <a:noFill/>
               </a:ln>
@@ -9804,7 +9357,7 @@
           <p:nvPr/>
         </p:nvPicPr>
         <p:blipFill>
-          <a:blip r:embed="rId2">
+          <a:blip r:embed="rId2" cstate="print">
             <a:extLst>
               <a:ext uri="{28A0092B-C50C-407E-A947-70E740481C1C}">
                 <a14:useLocalDpi xmlns:a14="http://schemas.microsoft.com/office/drawing/2010/main" val="0"/>
@@ -9818,8 +9371,8 @@
         </p:blipFill>
         <p:spPr bwMode="auto">
           <a:xfrm>
-            <a:off x="5835089" y="999922"/>
-            <a:ext cx="1104747" cy="1622903"/>
+            <a:off x="5663400" y="1065848"/>
+            <a:ext cx="1068329" cy="1569404"/>
           </a:xfrm>
           <a:prstGeom prst="rect">
             <a:avLst/>
@@ -10039,7 +9592,7 @@
               <a:tabLst/>
             </a:pPr>
             <a:r>
-              <a:rPr kumimoji="0" lang="es-NI" altLang="en-US" sz="1200" b="0" i="0" u="none" strike="noStrike" cap="none" normalizeH="0" baseline="0" dirty="0" smtClean="0">
+              <a:rPr kumimoji="0" lang="es-NI" altLang="en-US" sz="1200" b="0" i="0" u="none" strike="noStrike" cap="none" normalizeH="0" baseline="0" dirty="0">
                 <a:ln>
                   <a:noFill/>
                 </a:ln>
@@ -10053,7 +9606,7 @@
               </a:rPr>
               <a:t>.</a:t>
             </a:r>
-            <a:endParaRPr kumimoji="0" lang="es-NI" altLang="en-US" sz="1800" b="0" i="0" u="none" strike="noStrike" cap="none" normalizeH="0" baseline="0" dirty="0" smtClean="0">
+            <a:endParaRPr kumimoji="0" lang="es-NI" altLang="en-US" sz="1800" b="0" i="0" u="none" strike="noStrike" cap="none" normalizeH="0" baseline="0" dirty="0">
               <a:ln>
                 <a:noFill/>
               </a:ln>
@@ -10063,6 +9616,57 @@
               <a:effectLst/>
               <a:latin typeface="Arial" panose="020B0604020202020204" pitchFamily="34" charset="0"/>
             </a:endParaRPr>
+          </a:p>
+        </p:txBody>
+      </p:sp>
+      <p:sp>
+        <p:nvSpPr>
+          <p:cNvPr id="8" name="CuadroTexto 7">
+            <a:extLst>
+              <a:ext uri="{FF2B5EF4-FFF2-40B4-BE49-F238E27FC236}">
+                <a16:creationId xmlns:a16="http://schemas.microsoft.com/office/drawing/2014/main" id="{E49D3CB5-4B7D-445F-B030-5037D13A9D00}"/>
+              </a:ext>
+            </a:extLst>
+          </p:cNvPr>
+          <p:cNvSpPr txBox="1"/>
+          <p:nvPr/>
+        </p:nvSpPr>
+        <p:spPr>
+          <a:xfrm>
+            <a:off x="3048000" y="2459505"/>
+            <a:ext cx="6096000" cy="1938992"/>
+          </a:xfrm>
+          <a:prstGeom prst="rect">
+            <a:avLst/>
+          </a:prstGeom>
+          <a:noFill/>
+        </p:spPr>
+        <p:txBody>
+          <a:bodyPr wrap="square">
+            <a:spAutoFit/>
+          </a:bodyPr>
+          <a:lstStyle/>
+          <a:p>
+            <a:pPr algn="ctr"/>
+            <a:br>
+              <a:rPr lang="es-NI" sz="2000" b="1" dirty="0"/>
+            </a:br>
+            <a:r>
+              <a:rPr lang="es-NI" sz="2000" b="1" dirty="0"/>
+              <a:t>TEMA DE INVESTIGACIÓN</a:t>
+            </a:r>
+          </a:p>
+          <a:p>
+            <a:pPr algn="ctr"/>
+            <a:endParaRPr lang="es-NI" sz="2000" dirty="0"/>
+          </a:p>
+          <a:p>
+            <a:pPr algn="ctr"/>
+            <a:r>
+              <a:rPr lang="es-NI" sz="2000" dirty="0"/>
+              <a:t>Sistema de Registro de Notas para Universidad Martin Lutero extensión Quilalí, Departamento de Nueva Segovia.</a:t>
+            </a:r>
+            <a:endParaRPr lang="es-419" sz="2000" dirty="0"/>
           </a:p>
         </p:txBody>
       </p:sp>
@@ -10076,13 +9680,6 @@
   <p:clrMapOvr>
     <a:masterClrMapping/>
   </p:clrMapOvr>
-  <p:timing>
-    <p:tnLst>
-      <p:par>
-        <p:cTn id="1" dur="indefinite" restart="never" nodeType="tmRoot"/>
-      </p:par>
-    </p:tnLst>
-  </p:timing>
 </p:sld>
 </file>
 
@@ -10126,20 +9723,12 @@
           <a:lstStyle/>
           <a:p>
             <a:pPr lvl="0" algn="ctr"/>
-            <a:r>
-              <a:rPr lang="es-NI" b="1" dirty="0" smtClean="0"/>
-              <a:t/>
-            </a:r>
             <a:br>
-              <a:rPr lang="es-NI" b="1" dirty="0" smtClean="0"/>
+              <a:rPr lang="es-NI" b="1" dirty="0"/>
             </a:br>
             <a:r>
-              <a:rPr lang="es-NI" b="1" dirty="0" smtClean="0"/>
+              <a:rPr lang="es-NI" b="1" dirty="0"/>
               <a:t>Introducción</a:t>
-            </a:r>
-            <a:r>
-              <a:rPr lang="en-US" b="1" dirty="0"/>
-              <a:t/>
             </a:r>
             <a:br>
               <a:rPr lang="en-US" b="1" dirty="0"/>
@@ -10296,13 +9885,6 @@
   <p:clrMapOvr>
     <a:masterClrMapping/>
   </p:clrMapOvr>
-  <p:timing>
-    <p:tnLst>
-      <p:par>
-        <p:cTn id="1" dur="indefinite" restart="never" nodeType="tmRoot"/>
-      </p:par>
-    </p:tnLst>
-  </p:timing>
 </p:sld>
 </file>
 
@@ -10345,7 +9927,7 @@
           <a:p>
             <a:pPr algn="ctr"/>
             <a:r>
-              <a:rPr lang="es-ES" dirty="0" smtClean="0"/>
+              <a:rPr lang="es-ES" dirty="0"/>
               <a:t>Justificación</a:t>
             </a:r>
             <a:endParaRPr lang="en-US" dirty="0"/>
@@ -10364,8 +9946,8 @@
         </p:nvSpPr>
         <p:spPr>
           <a:xfrm>
-            <a:off x="2158138" y="1737360"/>
-            <a:ext cx="8915400" cy="4637315"/>
+            <a:off x="1678525" y="1267097"/>
+            <a:ext cx="9793039" cy="5136610"/>
           </a:xfrm>
         </p:spPr>
         <p:txBody>
@@ -10374,6 +9956,33 @@
           </a:bodyPr>
           <a:lstStyle/>
           <a:p>
+            <a:pPr marL="0" indent="0" algn="just">
+              <a:buNone/>
+            </a:pPr>
+            <a:r>
+              <a:rPr lang="es-NI" sz="2000" dirty="0">
+                <a:effectLst/>
+                <a:latin typeface="Arial" panose="020B0604020202020204" pitchFamily="34" charset="0"/>
+                <a:ea typeface="Arial" panose="020B0604020202020204" pitchFamily="34" charset="0"/>
+              </a:rPr>
+              <a:t>La implementación de este proyecto, servirá para dar un gran paso a la introducción en la tecnología por parte de los estudiantes y personal administrativo, esta experiencia abrirá las puertas para el uso de herramientas en línea, las cuales están muy de moda por el contexto que hemos experimentado por el distanciamiento social.</a:t>
+            </a:r>
+            <a:endParaRPr lang="es-419" sz="2000" dirty="0">
+              <a:effectLst/>
+              <a:latin typeface="Arial" panose="020B0604020202020204" pitchFamily="34" charset="0"/>
+              <a:ea typeface="Arial" panose="020B0604020202020204" pitchFamily="34" charset="0"/>
+            </a:endParaRPr>
+          </a:p>
+          <a:p>
+            <a:pPr marL="0" indent="0">
+              <a:buNone/>
+            </a:pPr>
+            <a:endParaRPr lang="es-NI" sz="2000" dirty="0">
+              <a:latin typeface="Arial" panose="020B0604020202020204" pitchFamily="34" charset="0"/>
+              <a:cs typeface="Arial" panose="020B0604020202020204" pitchFamily="34" charset="0"/>
+            </a:endParaRPr>
+          </a:p>
+          <a:p>
             <a:pPr marL="0" indent="0">
               <a:buNone/>
             </a:pPr>
@@ -10382,23 +9991,31 @@
                 <a:latin typeface="Arial" panose="020B0604020202020204" pitchFamily="34" charset="0"/>
                 <a:cs typeface="Arial" panose="020B0604020202020204" pitchFamily="34" charset="0"/>
               </a:rPr>
-              <a:t>Beneficiará a toda la comunidad estudiantil de nuestra universidad; un ejemplo práctico somos nosotros quienes estamos realizando el sistema de notas, aplicando los conocimientos impartidos por nuestros maestros durante los </a:t>
-            </a:r>
-            <a:r>
-              <a:rPr lang="es-NI" sz="2000" dirty="0" smtClean="0">
+              <a:t>Beneficiará a toda la comunidad estudiantil de nuestra universidad; un ejemplo práctico somos nosotros quienes estamos realizando el sistema de notas, aplicando los conocimientos impartidos por nuestros maestros durante los años.</a:t>
+            </a:r>
+          </a:p>
+          <a:p>
+            <a:pPr marL="0" indent="0">
+              <a:buNone/>
+            </a:pPr>
+            <a:endParaRPr lang="es-NI" sz="2000" dirty="0">
+              <a:latin typeface="Arial" panose="020B0604020202020204" pitchFamily="34" charset="0"/>
+              <a:cs typeface="Arial" panose="020B0604020202020204" pitchFamily="34" charset="0"/>
+            </a:endParaRPr>
+          </a:p>
+          <a:p>
+            <a:pPr marL="0" indent="0">
+              <a:buNone/>
+            </a:pPr>
+            <a:r>
+              <a:rPr lang="es-NI" sz="2000" dirty="0">
+                <a:effectLst/>
                 <a:latin typeface="Arial" panose="020B0604020202020204" pitchFamily="34" charset="0"/>
-                <a:cs typeface="Arial" panose="020B0604020202020204" pitchFamily="34" charset="0"/>
+                <a:ea typeface="Arial" panose="020B0604020202020204" pitchFamily="34" charset="0"/>
               </a:rPr>
-              <a:t>años</a:t>
-            </a:r>
-            <a:r>
-              <a:rPr lang="es-NI" sz="2000" dirty="0">
-                <a:latin typeface="Arial" panose="020B0604020202020204" pitchFamily="34" charset="0"/>
-                <a:cs typeface="Arial" panose="020B0604020202020204" pitchFamily="34" charset="0"/>
-              </a:rPr>
-              <a:t>.</a:t>
-            </a:r>
-            <a:endParaRPr lang="en-US" sz="2000" dirty="0">
+              <a:t>El sistema una vez puesto en marcha, podrá tener utilidad metodológica, es decir, será capaz de genera informes relacionados a las notas de los estudiantes, los cuales podrán ayudar a la toma de decisiones en lo relacionado a lo académico</a:t>
+            </a:r>
+            <a:endParaRPr lang="en-US" sz="2400" dirty="0">
               <a:latin typeface="Arial" panose="020B0604020202020204" pitchFamily="34" charset="0"/>
               <a:cs typeface="Arial" panose="020B0604020202020204" pitchFamily="34" charset="0"/>
             </a:endParaRPr>
@@ -10415,13 +10032,6 @@
   <p:clrMapOvr>
     <a:masterClrMapping/>
   </p:clrMapOvr>
-  <p:timing>
-    <p:tnLst>
-      <p:par>
-        <p:cTn id="1" dur="indefinite" restart="never" nodeType="tmRoot"/>
-      </p:par>
-    </p:tnLst>
-  </p:timing>
 </p:sld>
 </file>
 
@@ -10496,7 +10106,7 @@
             <a:pPr marL="0" indent="0">
               <a:buNone/>
             </a:pPr>
-            <a:endParaRPr lang="es-NI" dirty="0" smtClean="0"/>
+            <a:endParaRPr lang="es-NI" dirty="0"/>
           </a:p>
           <a:p>
             <a:pPr marL="0" indent="0">
@@ -10582,13 +10192,6 @@
   <p:clrMapOvr>
     <a:masterClrMapping/>
   </p:clrMapOvr>
-  <p:timing>
-    <p:tnLst>
-      <p:par>
-        <p:cTn id="1" dur="indefinite" restart="never" nodeType="tmRoot"/>
-      </p:par>
-    </p:tnLst>
-  </p:timing>
 </p:sld>
 </file>
 
@@ -10631,12 +10234,8 @@
           <a:p>
             <a:pPr algn="ctr"/>
             <a:r>
-              <a:rPr lang="es-NI" b="1" dirty="0" smtClean="0"/>
-              <a:t>Objetivo </a:t>
-            </a:r>
-            <a:r>
               <a:rPr lang="es-NI" b="1" dirty="0"/>
-              <a:t>General:</a:t>
+              <a:t>Objetivo General:</a:t>
             </a:r>
             <a:endParaRPr lang="en-US" dirty="0"/>
           </a:p>
@@ -10652,36 +10251,41 @@
             <p:ph idx="1"/>
           </p:nvPr>
         </p:nvSpPr>
-        <p:spPr/>
+        <p:spPr>
+          <a:xfrm>
+            <a:off x="2589212" y="2133600"/>
+            <a:ext cx="7995661" cy="3034145"/>
+          </a:xfrm>
+        </p:spPr>
         <p:txBody>
           <a:bodyPr>
             <a:normAutofit/>
           </a:bodyPr>
           <a:lstStyle/>
           <a:p>
-            <a:pPr lvl="0"/>
-            <a:r>
-              <a:rPr lang="es-NI" sz="2000" dirty="0">
+            <a:pPr lvl="0" algn="just"/>
+            <a:r>
+              <a:rPr lang="es-NI" sz="2400" dirty="0">
                 <a:latin typeface="Arial" panose="020B0604020202020204" pitchFamily="34" charset="0"/>
                 <a:cs typeface="Arial" panose="020B0604020202020204" pitchFamily="34" charset="0"/>
               </a:rPr>
               <a:t>Mejorar el tiempo de atención a docentes y personal administrativo, en el área de registro académico de Universidad Martin Lutero sede </a:t>
             </a:r>
             <a:r>
-              <a:rPr lang="es-NI" sz="2000" dirty="0" err="1">
+              <a:rPr lang="es-NI" sz="2400" dirty="0" err="1">
                 <a:latin typeface="Arial" panose="020B0604020202020204" pitchFamily="34" charset="0"/>
                 <a:cs typeface="Arial" panose="020B0604020202020204" pitchFamily="34" charset="0"/>
               </a:rPr>
               <a:t>Quilalí</a:t>
             </a:r>
             <a:r>
-              <a:rPr lang="es-NI" sz="2000" dirty="0">
+              <a:rPr lang="es-NI" sz="2400" dirty="0">
                 <a:latin typeface="Arial" panose="020B0604020202020204" pitchFamily="34" charset="0"/>
                 <a:cs typeface="Arial" panose="020B0604020202020204" pitchFamily="34" charset="0"/>
               </a:rPr>
               <a:t>, en lo referente al registro y administración de notas de los alumnos.</a:t>
             </a:r>
-            <a:endParaRPr lang="en-US" sz="2000" dirty="0">
+            <a:endParaRPr lang="en-US" sz="2400" dirty="0">
               <a:latin typeface="Arial" panose="020B0604020202020204" pitchFamily="34" charset="0"/>
               <a:cs typeface="Arial" panose="020B0604020202020204" pitchFamily="34" charset="0"/>
             </a:endParaRPr>
@@ -10701,13 +10305,6 @@
   <p:clrMapOvr>
     <a:masterClrMapping/>
   </p:clrMapOvr>
-  <p:timing>
-    <p:tnLst>
-      <p:par>
-        <p:cTn id="1" dur="indefinite" restart="never" nodeType="tmRoot"/>
-      </p:par>
-    </p:tnLst>
-  </p:timing>
 </p:sld>
 </file>
 
@@ -10833,13 +10430,6 @@
   <p:clrMapOvr>
     <a:masterClrMapping/>
   </p:clrMapOvr>
-  <p:timing>
-    <p:tnLst>
-      <p:par>
-        <p:cTn id="1" dur="indefinite" restart="never" nodeType="tmRoot"/>
-      </p:par>
-    </p:tnLst>
-  </p:timing>
 </p:sld>
 </file>
 
@@ -10870,19 +10460,22 @@
             <p:ph type="title"/>
           </p:nvPr>
         </p:nvSpPr>
-        <p:spPr/>
-        <p:txBody>
-          <a:bodyPr/>
+        <p:spPr>
+          <a:xfrm>
+            <a:off x="2353685" y="175819"/>
+            <a:ext cx="8911687" cy="641599"/>
+          </a:xfrm>
+        </p:spPr>
+        <p:txBody>
+          <a:bodyPr>
+            <a:normAutofit fontScale="90000"/>
+          </a:bodyPr>
           <a:lstStyle/>
           <a:p>
             <a:pPr lvl="0"/>
             <a:r>
               <a:rPr lang="es-NI" b="1" dirty="0"/>
               <a:t>Marco Teórico</a:t>
-            </a:r>
-            <a:r>
-              <a:rPr lang="en-US" b="1" dirty="0"/>
-              <a:t/>
             </a:r>
             <a:br>
               <a:rPr lang="en-US" b="1" dirty="0"/>
@@ -10901,21 +10494,39 @@
             <p:ph idx="1"/>
           </p:nvPr>
         </p:nvSpPr>
-        <p:spPr/>
-        <p:txBody>
-          <a:bodyPr/>
+        <p:spPr>
+          <a:xfrm>
+            <a:off x="1796308" y="1758901"/>
+            <a:ext cx="4254933" cy="1621607"/>
+          </a:xfrm>
+        </p:spPr>
+        <p:txBody>
+          <a:bodyPr>
+            <a:normAutofit fontScale="92500" lnSpcReduction="10000"/>
+          </a:bodyPr>
           <a:lstStyle/>
           <a:p>
-            <a:pPr marL="0" indent="0">
+            <a:pPr marL="0" indent="0" algn="just">
               <a:buNone/>
             </a:pPr>
             <a:r>
-              <a:rPr lang="es-NI" dirty="0"/>
-              <a:t>Los sistemas orientados al control de registros de datos, son muy populares desde hace ya varios años a nivel </a:t>
-            </a:r>
-            <a:r>
-              <a:rPr lang="es-NI" dirty="0" smtClean="0"/>
-              <a:t>mundial.</a:t>
+              <a:rPr lang="es-NI" sz="2000" b="1" dirty="0">
+                <a:latin typeface="Arial" panose="020B0604020202020204" pitchFamily="34" charset="0"/>
+                <a:cs typeface="Arial" panose="020B0604020202020204" pitchFamily="34" charset="0"/>
+              </a:rPr>
+              <a:t>NIVEL MUNDIAL</a:t>
+            </a:r>
+          </a:p>
+          <a:p>
+            <a:pPr marL="0" indent="0" algn="just">
+              <a:buNone/>
+            </a:pPr>
+            <a:r>
+              <a:rPr lang="es-NI" sz="2000" dirty="0">
+                <a:latin typeface="Arial" panose="020B0604020202020204" pitchFamily="34" charset="0"/>
+                <a:cs typeface="Arial" panose="020B0604020202020204" pitchFamily="34" charset="0"/>
+              </a:rPr>
+              <a:t>Los sistemas orientados al control de registros de datos, son muy populares desde hace ya varios años a nivel mundial.</a:t>
             </a:r>
           </a:p>
           <a:p>
@@ -10934,8 +10545,176 @@
           </p:cNvPicPr>
           <p:nvPr/>
         </p:nvPicPr>
+        <p:blipFill rotWithShape="1">
+          <a:blip r:embed="rId2">
+            <a:extLst>
+              <a:ext uri="{28A0092B-C50C-407E-A947-70E740481C1C}">
+                <a14:useLocalDpi xmlns:a14="http://schemas.microsoft.com/office/drawing/2010/main" val="0"/>
+              </a:ext>
+            </a:extLst>
+          </a:blip>
+          <a:srcRect l="18758" r="32017"/>
+          <a:stretch/>
+        </p:blipFill>
+        <p:spPr>
+          <a:xfrm>
+            <a:off x="1908715" y="3805457"/>
+            <a:ext cx="2587104" cy="2030007"/>
+          </a:xfrm>
+          <a:prstGeom prst="rect">
+            <a:avLst/>
+          </a:prstGeom>
+        </p:spPr>
+      </p:pic>
+      <p:sp>
+        <p:nvSpPr>
+          <p:cNvPr id="5" name="Título 1">
+            <a:extLst>
+              <a:ext uri="{FF2B5EF4-FFF2-40B4-BE49-F238E27FC236}">
+                <a16:creationId xmlns:a16="http://schemas.microsoft.com/office/drawing/2014/main" id="{942F2581-BE86-4FB8-9844-6B46D2742147}"/>
+              </a:ext>
+            </a:extLst>
+          </p:cNvPr>
+          <p:cNvSpPr txBox="1">
+            <a:spLocks/>
+          </p:cNvSpPr>
+          <p:nvPr/>
+        </p:nvSpPr>
+        <p:spPr>
+          <a:xfrm>
+            <a:off x="7161177" y="1633681"/>
+            <a:ext cx="3699164" cy="2010064"/>
+          </a:xfrm>
+          <a:prstGeom prst="rect">
+            <a:avLst/>
+          </a:prstGeom>
+        </p:spPr>
+        <p:txBody>
+          <a:bodyPr vert="horz" lIns="91440" tIns="45720" rIns="91440" bIns="45720" rtlCol="0" anchor="t">
+            <a:normAutofit fontScale="70000" lnSpcReduction="20000"/>
+          </a:bodyPr>
+          <a:lstStyle>
+            <a:lvl1pPr algn="l" defTabSz="457200" rtl="0" eaLnBrk="1" latinLnBrk="0" hangingPunct="1">
+              <a:spcBef>
+                <a:spcPct val="0"/>
+              </a:spcBef>
+              <a:buNone/>
+              <a:defRPr sz="3600" kern="1200">
+                <a:solidFill>
+                  <a:schemeClr val="tx1">
+                    <a:lumMod val="85000"/>
+                    <a:lumOff val="15000"/>
+                  </a:schemeClr>
+                </a:solidFill>
+                <a:latin typeface="+mj-lt"/>
+                <a:ea typeface="+mj-ea"/>
+                <a:cs typeface="+mj-cs"/>
+              </a:defRPr>
+            </a:lvl1pPr>
+            <a:lvl2pPr eaLnBrk="1" hangingPunct="1">
+              <a:defRPr>
+                <a:solidFill>
+                  <a:schemeClr val="tx2"/>
+                </a:solidFill>
+              </a:defRPr>
+            </a:lvl2pPr>
+            <a:lvl3pPr eaLnBrk="1" hangingPunct="1">
+              <a:defRPr>
+                <a:solidFill>
+                  <a:schemeClr val="tx2"/>
+                </a:solidFill>
+              </a:defRPr>
+            </a:lvl3pPr>
+            <a:lvl4pPr eaLnBrk="1" hangingPunct="1">
+              <a:defRPr>
+                <a:solidFill>
+                  <a:schemeClr val="tx2"/>
+                </a:solidFill>
+              </a:defRPr>
+            </a:lvl4pPr>
+            <a:lvl5pPr eaLnBrk="1" hangingPunct="1">
+              <a:defRPr>
+                <a:solidFill>
+                  <a:schemeClr val="tx2"/>
+                </a:solidFill>
+              </a:defRPr>
+            </a:lvl5pPr>
+            <a:lvl6pPr eaLnBrk="1" hangingPunct="1">
+              <a:defRPr>
+                <a:solidFill>
+                  <a:schemeClr val="tx2"/>
+                </a:solidFill>
+              </a:defRPr>
+            </a:lvl6pPr>
+            <a:lvl7pPr eaLnBrk="1" hangingPunct="1">
+              <a:defRPr>
+                <a:solidFill>
+                  <a:schemeClr val="tx2"/>
+                </a:solidFill>
+              </a:defRPr>
+            </a:lvl7pPr>
+            <a:lvl8pPr eaLnBrk="1" hangingPunct="1">
+              <a:defRPr>
+                <a:solidFill>
+                  <a:schemeClr val="tx2"/>
+                </a:solidFill>
+              </a:defRPr>
+            </a:lvl8pPr>
+            <a:lvl9pPr eaLnBrk="1" hangingPunct="1">
+              <a:defRPr>
+                <a:solidFill>
+                  <a:schemeClr val="tx2"/>
+                </a:solidFill>
+              </a:defRPr>
+            </a:lvl9pPr>
+          </a:lstStyle>
+          <a:p>
+            <a:r>
+              <a:rPr lang="es-NI" sz="2900" dirty="0">
+                <a:latin typeface="Arial" panose="020B0604020202020204" pitchFamily="34" charset="0"/>
+                <a:cs typeface="Arial" panose="020B0604020202020204" pitchFamily="34" charset="0"/>
+              </a:rPr>
+              <a:t>NIVEL NACIONAL</a:t>
+            </a:r>
+          </a:p>
+          <a:p>
+            <a:endParaRPr lang="es-NI" sz="2000" dirty="0">
+              <a:latin typeface="Arial" panose="020B0604020202020204" pitchFamily="34" charset="0"/>
+              <a:cs typeface="Arial" panose="020B0604020202020204" pitchFamily="34" charset="0"/>
+            </a:endParaRPr>
+          </a:p>
+          <a:p>
+            <a:pPr algn="just"/>
+            <a:r>
+              <a:rPr lang="es-NI" sz="2700" dirty="0">
+                <a:latin typeface="Arial" panose="020B0604020202020204" pitchFamily="34" charset="0"/>
+                <a:cs typeface="Arial" panose="020B0604020202020204" pitchFamily="34" charset="0"/>
+              </a:rPr>
+              <a:t>En Nicaragua existen universidades que tiene ya más de 200 años y éstas han desarrollado controles de registros orientados a las diferentes áreas de sus campus</a:t>
+            </a:r>
+            <a:endParaRPr lang="en-US" sz="2700" dirty="0">
+              <a:latin typeface="Arial" panose="020B0604020202020204" pitchFamily="34" charset="0"/>
+              <a:cs typeface="Arial" panose="020B0604020202020204" pitchFamily="34" charset="0"/>
+            </a:endParaRPr>
+          </a:p>
+        </p:txBody>
+      </p:sp>
+      <p:pic>
+        <p:nvPicPr>
+          <p:cNvPr id="6" name="Marcador de contenido 3">
+            <a:extLst>
+              <a:ext uri="{FF2B5EF4-FFF2-40B4-BE49-F238E27FC236}">
+                <a16:creationId xmlns:a16="http://schemas.microsoft.com/office/drawing/2014/main" id="{94386B29-A0B9-40BE-BD28-0FF981223962}"/>
+              </a:ext>
+            </a:extLst>
+          </p:cNvPr>
+          <p:cNvPicPr>
+            <a:picLocks noChangeAspect="1"/>
+          </p:cNvPicPr>
+          <p:nvPr/>
+        </p:nvPicPr>
         <p:blipFill>
-          <a:blip r:embed="rId2">
+          <a:blip r:embed="rId3">
             <a:extLst>
               <a:ext uri="{28A0092B-C50C-407E-A947-70E740481C1C}">
                 <a14:useLocalDpi xmlns:a14="http://schemas.microsoft.com/office/drawing/2010/main" val="0"/>
@@ -10948,14 +10727,126 @@
         </p:blipFill>
         <p:spPr>
           <a:xfrm>
-            <a:off x="2430896" y="3193736"/>
-            <a:ext cx="8385150" cy="2946086"/>
+            <a:off x="7713770" y="3643745"/>
+            <a:ext cx="2427721" cy="2181792"/>
           </a:xfrm>
           <a:prstGeom prst="rect">
             <a:avLst/>
           </a:prstGeom>
         </p:spPr>
       </p:pic>
+      <p:sp>
+        <p:nvSpPr>
+          <p:cNvPr id="7" name="Título 1">
+            <a:extLst>
+              <a:ext uri="{FF2B5EF4-FFF2-40B4-BE49-F238E27FC236}">
+                <a16:creationId xmlns:a16="http://schemas.microsoft.com/office/drawing/2014/main" id="{FBF9EB9F-85A5-4E91-AD6E-DA9676B179DF}"/>
+              </a:ext>
+            </a:extLst>
+          </p:cNvPr>
+          <p:cNvSpPr txBox="1">
+            <a:spLocks/>
+          </p:cNvSpPr>
+          <p:nvPr/>
+        </p:nvSpPr>
+        <p:spPr>
+          <a:xfrm>
+            <a:off x="3503575" y="992081"/>
+            <a:ext cx="5555673" cy="641599"/>
+          </a:xfrm>
+          <a:prstGeom prst="rect">
+            <a:avLst/>
+          </a:prstGeom>
+        </p:spPr>
+        <p:txBody>
+          <a:bodyPr vert="horz" lIns="91440" tIns="45720" rIns="91440" bIns="45720" rtlCol="0" anchor="t">
+            <a:normAutofit fontScale="97500"/>
+          </a:bodyPr>
+          <a:lstStyle>
+            <a:lvl1pPr algn="l" defTabSz="457200" rtl="0" eaLnBrk="1" latinLnBrk="0" hangingPunct="1">
+              <a:spcBef>
+                <a:spcPct val="0"/>
+              </a:spcBef>
+              <a:buNone/>
+              <a:defRPr sz="3600" kern="1200">
+                <a:solidFill>
+                  <a:schemeClr val="tx1">
+                    <a:lumMod val="85000"/>
+                    <a:lumOff val="15000"/>
+                  </a:schemeClr>
+                </a:solidFill>
+                <a:latin typeface="+mj-lt"/>
+                <a:ea typeface="+mj-ea"/>
+                <a:cs typeface="+mj-cs"/>
+              </a:defRPr>
+            </a:lvl1pPr>
+            <a:lvl2pPr eaLnBrk="1" hangingPunct="1">
+              <a:defRPr>
+                <a:solidFill>
+                  <a:schemeClr val="tx2"/>
+                </a:solidFill>
+              </a:defRPr>
+            </a:lvl2pPr>
+            <a:lvl3pPr eaLnBrk="1" hangingPunct="1">
+              <a:defRPr>
+                <a:solidFill>
+                  <a:schemeClr val="tx2"/>
+                </a:solidFill>
+              </a:defRPr>
+            </a:lvl3pPr>
+            <a:lvl4pPr eaLnBrk="1" hangingPunct="1">
+              <a:defRPr>
+                <a:solidFill>
+                  <a:schemeClr val="tx2"/>
+                </a:solidFill>
+              </a:defRPr>
+            </a:lvl4pPr>
+            <a:lvl5pPr eaLnBrk="1" hangingPunct="1">
+              <a:defRPr>
+                <a:solidFill>
+                  <a:schemeClr val="tx2"/>
+                </a:solidFill>
+              </a:defRPr>
+            </a:lvl5pPr>
+            <a:lvl6pPr eaLnBrk="1" hangingPunct="1">
+              <a:defRPr>
+                <a:solidFill>
+                  <a:schemeClr val="tx2"/>
+                </a:solidFill>
+              </a:defRPr>
+            </a:lvl6pPr>
+            <a:lvl7pPr eaLnBrk="1" hangingPunct="1">
+              <a:defRPr>
+                <a:solidFill>
+                  <a:schemeClr val="tx2"/>
+                </a:solidFill>
+              </a:defRPr>
+            </a:lvl7pPr>
+            <a:lvl8pPr eaLnBrk="1" hangingPunct="1">
+              <a:defRPr>
+                <a:solidFill>
+                  <a:schemeClr val="tx2"/>
+                </a:solidFill>
+              </a:defRPr>
+            </a:lvl8pPr>
+            <a:lvl9pPr eaLnBrk="1" hangingPunct="1">
+              <a:defRPr>
+                <a:solidFill>
+                  <a:schemeClr val="tx2"/>
+                </a:solidFill>
+              </a:defRPr>
+            </a:lvl9pPr>
+          </a:lstStyle>
+          <a:p>
+            <a:pPr algn="ctr"/>
+            <a:r>
+              <a:rPr lang="es-419" sz="2400" b="1" dirty="0"/>
+              <a:t>Criterios de Carácter General</a:t>
+            </a:r>
+            <a:endParaRPr lang="en-US" dirty="0"/>
+          </a:p>
+        </p:txBody>
+      </p:sp>
     </p:spTree>
     <p:extLst>
       <p:ext uri="{BB962C8B-B14F-4D97-AF65-F5344CB8AC3E}">
@@ -10998,8 +10889,8 @@
         </p:nvSpPr>
         <p:spPr>
           <a:xfrm>
-            <a:off x="1978971" y="650236"/>
-            <a:ext cx="8911687" cy="1280890"/>
+            <a:off x="1738918" y="1657858"/>
+            <a:ext cx="3837563" cy="2311471"/>
           </a:xfrm>
         </p:spPr>
         <p:txBody>
@@ -11013,9 +10904,28 @@
                 <a:latin typeface="Arial" panose="020B0604020202020204" pitchFamily="34" charset="0"/>
                 <a:cs typeface="Arial" panose="020B0604020202020204" pitchFamily="34" charset="0"/>
               </a:rPr>
-              <a:t>En Nicaragua existen universidades que tiene ya más de 200 años y éstas han desarrollado controles de registros orientados a las diferentes áreas de sus campus</a:t>
-            </a:r>
-            <a:endParaRPr lang="en-US" sz="2000" dirty="0">
+              <a:t>NIVEL LOCAL</a:t>
+            </a:r>
+            <a:br>
+              <a:rPr lang="es-NI" sz="2000" dirty="0">
+                <a:latin typeface="Arial" panose="020B0604020202020204" pitchFamily="34" charset="0"/>
+                <a:cs typeface="Arial" panose="020B0604020202020204" pitchFamily="34" charset="0"/>
+              </a:rPr>
+            </a:br>
+            <a:br>
+              <a:rPr lang="es-NI" sz="1050" dirty="0">
+                <a:latin typeface="Arial" panose="020B0604020202020204" pitchFamily="34" charset="0"/>
+                <a:cs typeface="Arial" panose="020B0604020202020204" pitchFamily="34" charset="0"/>
+              </a:rPr>
+            </a:br>
+            <a:r>
+              <a:rPr lang="es-NI" sz="1900" dirty="0">
+                <a:latin typeface="Arial" panose="020B0604020202020204" pitchFamily="34" charset="0"/>
+                <a:cs typeface="Arial" panose="020B0604020202020204" pitchFamily="34" charset="0"/>
+              </a:rPr>
+              <a:t>Universidad Martín Lutero a nivel nacional aún no cuenta con alguna plataforma que pueda satisfacer las necesidades informativas. </a:t>
+            </a:r>
+            <a:endParaRPr lang="en-US" sz="1900" dirty="0">
               <a:latin typeface="Arial" panose="020B0604020202020204" pitchFamily="34" charset="0"/>
               <a:cs typeface="Arial" panose="020B0604020202020204" pitchFamily="34" charset="0"/>
             </a:endParaRPr>
@@ -11033,7 +10943,7 @@
           </p:nvPr>
         </p:nvPicPr>
         <p:blipFill>
-          <a:blip r:embed="rId2">
+          <a:blip r:embed="rId2" cstate="print">
             <a:extLst>
               <a:ext uri="{28A0092B-C50C-407E-A947-70E740481C1C}">
                 <a14:useLocalDpi xmlns:a14="http://schemas.microsoft.com/office/drawing/2010/main" val="0"/>
@@ -11046,15 +10956,429 @@
         </p:blipFill>
         <p:spPr>
           <a:xfrm>
-            <a:off x="4336869" y="2246811"/>
-            <a:ext cx="4885507" cy="3749039"/>
+            <a:off x="2331918" y="4273351"/>
+            <a:ext cx="1549668" cy="2313665"/>
           </a:xfrm>
+        </p:spPr>
+      </p:pic>
+      <p:sp>
+        <p:nvSpPr>
+          <p:cNvPr id="5" name="Título 1">
+            <a:extLst>
+              <a:ext uri="{FF2B5EF4-FFF2-40B4-BE49-F238E27FC236}">
+                <a16:creationId xmlns:a16="http://schemas.microsoft.com/office/drawing/2014/main" id="{5FCBD5EA-E7DA-4694-BBF3-5629A39D5D95}"/>
+              </a:ext>
+            </a:extLst>
+          </p:cNvPr>
+          <p:cNvSpPr txBox="1">
+            <a:spLocks/>
+          </p:cNvSpPr>
+          <p:nvPr/>
+        </p:nvSpPr>
+        <p:spPr>
+          <a:xfrm>
+            <a:off x="2353685" y="175819"/>
+            <a:ext cx="8911687" cy="1280890"/>
+          </a:xfrm>
+          <a:prstGeom prst="rect">
+            <a:avLst/>
+          </a:prstGeom>
+        </p:spPr>
+        <p:txBody>
+          <a:bodyPr vert="horz" lIns="91440" tIns="45720" rIns="91440" bIns="45720" rtlCol="0" anchor="t">
+            <a:normAutofit/>
+          </a:bodyPr>
+          <a:lstStyle>
+            <a:lvl1pPr algn="l" defTabSz="457200" rtl="0" eaLnBrk="1" latinLnBrk="0" hangingPunct="1">
+              <a:spcBef>
+                <a:spcPct val="0"/>
+              </a:spcBef>
+              <a:buNone/>
+              <a:defRPr sz="3600" kern="1200">
+                <a:solidFill>
+                  <a:schemeClr val="tx1">
+                    <a:lumMod val="85000"/>
+                    <a:lumOff val="15000"/>
+                  </a:schemeClr>
+                </a:solidFill>
+                <a:latin typeface="+mj-lt"/>
+                <a:ea typeface="+mj-ea"/>
+                <a:cs typeface="+mj-cs"/>
+              </a:defRPr>
+            </a:lvl1pPr>
+            <a:lvl2pPr eaLnBrk="1" hangingPunct="1">
+              <a:defRPr>
+                <a:solidFill>
+                  <a:schemeClr val="tx2"/>
+                </a:solidFill>
+              </a:defRPr>
+            </a:lvl2pPr>
+            <a:lvl3pPr eaLnBrk="1" hangingPunct="1">
+              <a:defRPr>
+                <a:solidFill>
+                  <a:schemeClr val="tx2"/>
+                </a:solidFill>
+              </a:defRPr>
+            </a:lvl3pPr>
+            <a:lvl4pPr eaLnBrk="1" hangingPunct="1">
+              <a:defRPr>
+                <a:solidFill>
+                  <a:schemeClr val="tx2"/>
+                </a:solidFill>
+              </a:defRPr>
+            </a:lvl4pPr>
+            <a:lvl5pPr eaLnBrk="1" hangingPunct="1">
+              <a:defRPr>
+                <a:solidFill>
+                  <a:schemeClr val="tx2"/>
+                </a:solidFill>
+              </a:defRPr>
+            </a:lvl5pPr>
+            <a:lvl6pPr eaLnBrk="1" hangingPunct="1">
+              <a:defRPr>
+                <a:solidFill>
+                  <a:schemeClr val="tx2"/>
+                </a:solidFill>
+              </a:defRPr>
+            </a:lvl6pPr>
+            <a:lvl7pPr eaLnBrk="1" hangingPunct="1">
+              <a:defRPr>
+                <a:solidFill>
+                  <a:schemeClr val="tx2"/>
+                </a:solidFill>
+              </a:defRPr>
+            </a:lvl7pPr>
+            <a:lvl8pPr eaLnBrk="1" hangingPunct="1">
+              <a:defRPr>
+                <a:solidFill>
+                  <a:schemeClr val="tx2"/>
+                </a:solidFill>
+              </a:defRPr>
+            </a:lvl8pPr>
+            <a:lvl9pPr eaLnBrk="1" hangingPunct="1">
+              <a:defRPr>
+                <a:solidFill>
+                  <a:schemeClr val="tx2"/>
+                </a:solidFill>
+              </a:defRPr>
+            </a:lvl9pPr>
+          </a:lstStyle>
+          <a:p>
+            <a:r>
+              <a:rPr lang="es-NI" b="1"/>
+              <a:t>Marco Teórico</a:t>
+            </a:r>
+            <a:br>
+              <a:rPr lang="en-US" b="1"/>
+            </a:br>
+            <a:endParaRPr lang="en-US" dirty="0"/>
+          </a:p>
+        </p:txBody>
+      </p:sp>
+      <p:sp>
+        <p:nvSpPr>
+          <p:cNvPr id="6" name="Título 1">
+            <a:extLst>
+              <a:ext uri="{FF2B5EF4-FFF2-40B4-BE49-F238E27FC236}">
+                <a16:creationId xmlns:a16="http://schemas.microsoft.com/office/drawing/2014/main" id="{55F4C0B1-86AA-4F91-A34E-7D9578E075AE}"/>
+              </a:ext>
+            </a:extLst>
+          </p:cNvPr>
+          <p:cNvSpPr txBox="1">
+            <a:spLocks/>
+          </p:cNvSpPr>
+          <p:nvPr/>
+        </p:nvSpPr>
+        <p:spPr>
+          <a:xfrm>
+            <a:off x="3503575" y="992081"/>
+            <a:ext cx="5555673" cy="641599"/>
+          </a:xfrm>
+          <a:prstGeom prst="rect">
+            <a:avLst/>
+          </a:prstGeom>
+        </p:spPr>
+        <p:txBody>
+          <a:bodyPr vert="horz" lIns="91440" tIns="45720" rIns="91440" bIns="45720" rtlCol="0" anchor="t">
+            <a:normAutofit fontScale="97500"/>
+          </a:bodyPr>
+          <a:lstStyle>
+            <a:lvl1pPr algn="l" defTabSz="457200" rtl="0" eaLnBrk="1" latinLnBrk="0" hangingPunct="1">
+              <a:spcBef>
+                <a:spcPct val="0"/>
+              </a:spcBef>
+              <a:buNone/>
+              <a:defRPr sz="3600" kern="1200">
+                <a:solidFill>
+                  <a:schemeClr val="tx1">
+                    <a:lumMod val="85000"/>
+                    <a:lumOff val="15000"/>
+                  </a:schemeClr>
+                </a:solidFill>
+                <a:latin typeface="+mj-lt"/>
+                <a:ea typeface="+mj-ea"/>
+                <a:cs typeface="+mj-cs"/>
+              </a:defRPr>
+            </a:lvl1pPr>
+            <a:lvl2pPr eaLnBrk="1" hangingPunct="1">
+              <a:defRPr>
+                <a:solidFill>
+                  <a:schemeClr val="tx2"/>
+                </a:solidFill>
+              </a:defRPr>
+            </a:lvl2pPr>
+            <a:lvl3pPr eaLnBrk="1" hangingPunct="1">
+              <a:defRPr>
+                <a:solidFill>
+                  <a:schemeClr val="tx2"/>
+                </a:solidFill>
+              </a:defRPr>
+            </a:lvl3pPr>
+            <a:lvl4pPr eaLnBrk="1" hangingPunct="1">
+              <a:defRPr>
+                <a:solidFill>
+                  <a:schemeClr val="tx2"/>
+                </a:solidFill>
+              </a:defRPr>
+            </a:lvl4pPr>
+            <a:lvl5pPr eaLnBrk="1" hangingPunct="1">
+              <a:defRPr>
+                <a:solidFill>
+                  <a:schemeClr val="tx2"/>
+                </a:solidFill>
+              </a:defRPr>
+            </a:lvl5pPr>
+            <a:lvl6pPr eaLnBrk="1" hangingPunct="1">
+              <a:defRPr>
+                <a:solidFill>
+                  <a:schemeClr val="tx2"/>
+                </a:solidFill>
+              </a:defRPr>
+            </a:lvl6pPr>
+            <a:lvl7pPr eaLnBrk="1" hangingPunct="1">
+              <a:defRPr>
+                <a:solidFill>
+                  <a:schemeClr val="tx2"/>
+                </a:solidFill>
+              </a:defRPr>
+            </a:lvl7pPr>
+            <a:lvl8pPr eaLnBrk="1" hangingPunct="1">
+              <a:defRPr>
+                <a:solidFill>
+                  <a:schemeClr val="tx2"/>
+                </a:solidFill>
+              </a:defRPr>
+            </a:lvl8pPr>
+            <a:lvl9pPr eaLnBrk="1" hangingPunct="1">
+              <a:defRPr>
+                <a:solidFill>
+                  <a:schemeClr val="tx2"/>
+                </a:solidFill>
+              </a:defRPr>
+            </a:lvl9pPr>
+          </a:lstStyle>
+          <a:p>
+            <a:pPr algn="ctr"/>
+            <a:r>
+              <a:rPr lang="es-419" sz="2400" b="1" dirty="0"/>
+              <a:t>Criterios de Carácter Particular</a:t>
+            </a:r>
+            <a:endParaRPr lang="en-US" dirty="0"/>
+          </a:p>
+        </p:txBody>
+      </p:sp>
+      <p:sp>
+        <p:nvSpPr>
+          <p:cNvPr id="7" name="Título 1">
+            <a:extLst>
+              <a:ext uri="{FF2B5EF4-FFF2-40B4-BE49-F238E27FC236}">
+                <a16:creationId xmlns:a16="http://schemas.microsoft.com/office/drawing/2014/main" id="{A023153E-9665-4407-B228-17A90EEE4262}"/>
+              </a:ext>
+            </a:extLst>
+          </p:cNvPr>
+          <p:cNvSpPr txBox="1">
+            <a:spLocks/>
+          </p:cNvSpPr>
+          <p:nvPr/>
+        </p:nvSpPr>
+        <p:spPr>
+          <a:xfrm>
+            <a:off x="6371574" y="1633680"/>
+            <a:ext cx="5058425" cy="2593510"/>
+          </a:xfrm>
+          <a:prstGeom prst="rect">
+            <a:avLst/>
+          </a:prstGeom>
+        </p:spPr>
+        <p:txBody>
+          <a:bodyPr vert="horz" lIns="91440" tIns="45720" rIns="91440" bIns="45720" rtlCol="0" anchor="t">
+            <a:normAutofit/>
+          </a:bodyPr>
+          <a:lstStyle>
+            <a:lvl1pPr algn="l" defTabSz="457200" rtl="0" eaLnBrk="1" latinLnBrk="0" hangingPunct="1">
+              <a:spcBef>
+                <a:spcPct val="0"/>
+              </a:spcBef>
+              <a:buNone/>
+              <a:defRPr sz="3600" kern="1200">
+                <a:solidFill>
+                  <a:schemeClr val="tx1">
+                    <a:lumMod val="85000"/>
+                    <a:lumOff val="15000"/>
+                  </a:schemeClr>
+                </a:solidFill>
+                <a:latin typeface="+mj-lt"/>
+                <a:ea typeface="+mj-ea"/>
+                <a:cs typeface="+mj-cs"/>
+              </a:defRPr>
+            </a:lvl1pPr>
+            <a:lvl2pPr eaLnBrk="1" hangingPunct="1">
+              <a:defRPr>
+                <a:solidFill>
+                  <a:schemeClr val="tx2"/>
+                </a:solidFill>
+              </a:defRPr>
+            </a:lvl2pPr>
+            <a:lvl3pPr eaLnBrk="1" hangingPunct="1">
+              <a:defRPr>
+                <a:solidFill>
+                  <a:schemeClr val="tx2"/>
+                </a:solidFill>
+              </a:defRPr>
+            </a:lvl3pPr>
+            <a:lvl4pPr eaLnBrk="1" hangingPunct="1">
+              <a:defRPr>
+                <a:solidFill>
+                  <a:schemeClr val="tx2"/>
+                </a:solidFill>
+              </a:defRPr>
+            </a:lvl4pPr>
+            <a:lvl5pPr eaLnBrk="1" hangingPunct="1">
+              <a:defRPr>
+                <a:solidFill>
+                  <a:schemeClr val="tx2"/>
+                </a:solidFill>
+              </a:defRPr>
+            </a:lvl5pPr>
+            <a:lvl6pPr eaLnBrk="1" hangingPunct="1">
+              <a:defRPr>
+                <a:solidFill>
+                  <a:schemeClr val="tx2"/>
+                </a:solidFill>
+              </a:defRPr>
+            </a:lvl6pPr>
+            <a:lvl7pPr eaLnBrk="1" hangingPunct="1">
+              <a:defRPr>
+                <a:solidFill>
+                  <a:schemeClr val="tx2"/>
+                </a:solidFill>
+              </a:defRPr>
+            </a:lvl7pPr>
+            <a:lvl8pPr eaLnBrk="1" hangingPunct="1">
+              <a:defRPr>
+                <a:solidFill>
+                  <a:schemeClr val="tx2"/>
+                </a:solidFill>
+              </a:defRPr>
+            </a:lvl8pPr>
+            <a:lvl9pPr eaLnBrk="1" hangingPunct="1">
+              <a:defRPr>
+                <a:solidFill>
+                  <a:schemeClr val="tx2"/>
+                </a:solidFill>
+              </a:defRPr>
+            </a:lvl9pPr>
+          </a:lstStyle>
+          <a:p>
+            <a:r>
+              <a:rPr lang="es-NI" sz="2000" dirty="0">
+                <a:latin typeface="Arial" panose="020B0604020202020204" pitchFamily="34" charset="0"/>
+                <a:cs typeface="Arial" panose="020B0604020202020204" pitchFamily="34" charset="0"/>
+              </a:rPr>
+              <a:t>NIVEL ESPECÍFICO</a:t>
+            </a:r>
+            <a:br>
+              <a:rPr lang="es-NI" sz="2000" dirty="0">
+                <a:latin typeface="Arial" panose="020B0604020202020204" pitchFamily="34" charset="0"/>
+                <a:cs typeface="Arial" panose="020B0604020202020204" pitchFamily="34" charset="0"/>
+              </a:rPr>
+            </a:br>
+            <a:br>
+              <a:rPr lang="es-NI" sz="1050" dirty="0">
+                <a:latin typeface="Arial" panose="020B0604020202020204" pitchFamily="34" charset="0"/>
+                <a:cs typeface="Arial" panose="020B0604020202020204" pitchFamily="34" charset="0"/>
+              </a:rPr>
+            </a:br>
+            <a:r>
+              <a:rPr lang="es-NI" sz="1900" dirty="0">
+                <a:effectLst/>
+                <a:latin typeface="Arial" panose="020B0604020202020204" pitchFamily="34" charset="0"/>
+                <a:ea typeface="Arial" panose="020B0604020202020204" pitchFamily="34" charset="0"/>
+              </a:rPr>
+              <a:t>Como egresados de la carrera de ingeniería de sistemas, de Universidad Martín Lutero sede Quilalí, pretendemos crear lo que consideramos el inicio de esta plataforma, con la esperanza de que pueda ser mejorada con el pasar de los años por nuestros predecesores</a:t>
+            </a:r>
+            <a:r>
+              <a:rPr lang="es-NI" sz="1800" dirty="0">
+                <a:effectLst/>
+                <a:latin typeface="Arial" panose="020B0604020202020204" pitchFamily="34" charset="0"/>
+                <a:ea typeface="Arial" panose="020B0604020202020204" pitchFamily="34" charset="0"/>
+              </a:rPr>
+              <a:t>.</a:t>
+            </a:r>
+            <a:endParaRPr lang="es-419" sz="1800" dirty="0">
+              <a:effectLst/>
+              <a:latin typeface="Arial" panose="020B0604020202020204" pitchFamily="34" charset="0"/>
+              <a:ea typeface="Arial" panose="020B0604020202020204" pitchFamily="34" charset="0"/>
+            </a:endParaRPr>
+          </a:p>
+          <a:p>
+            <a:endParaRPr lang="en-US" sz="1900" dirty="0">
+              <a:latin typeface="Arial" panose="020B0604020202020204" pitchFamily="34" charset="0"/>
+              <a:cs typeface="Arial" panose="020B0604020202020204" pitchFamily="34" charset="0"/>
+            </a:endParaRPr>
+          </a:p>
+        </p:txBody>
+      </p:sp>
+      <p:pic>
+        <p:nvPicPr>
+          <p:cNvPr id="8" name="Marcador de contenido 3">
+            <a:extLst>
+              <a:ext uri="{FF2B5EF4-FFF2-40B4-BE49-F238E27FC236}">
+                <a16:creationId xmlns:a16="http://schemas.microsoft.com/office/drawing/2014/main" id="{1DED83A8-796C-4E8B-8817-D849A861178E}"/>
+              </a:ext>
+            </a:extLst>
+          </p:cNvPr>
+          <p:cNvPicPr>
+            <a:picLocks noChangeAspect="1"/>
+          </p:cNvPicPr>
+          <p:nvPr/>
+        </p:nvPicPr>
+        <p:blipFill>
+          <a:blip r:embed="rId3" cstate="print">
+            <a:extLst>
+              <a:ext uri="{28A0092B-C50C-407E-A947-70E740481C1C}">
+                <a14:useLocalDpi xmlns:a14="http://schemas.microsoft.com/office/drawing/2010/main" val="0"/>
+              </a:ext>
+            </a:extLst>
+          </a:blip>
+          <a:stretch>
+            <a:fillRect/>
+          </a:stretch>
+        </p:blipFill>
+        <p:spPr>
+          <a:xfrm>
+            <a:off x="8101212" y="4273352"/>
+            <a:ext cx="1329842" cy="1985464"/>
+          </a:xfrm>
+          <a:prstGeom prst="rect">
+            <a:avLst/>
+          </a:prstGeom>
         </p:spPr>
       </p:pic>
     </p:spTree>
     <p:extLst>
       <p:ext uri="{BB962C8B-B14F-4D97-AF65-F5344CB8AC3E}">
-        <p14:creationId xmlns:p14="http://schemas.microsoft.com/office/powerpoint/2010/main" val="1596949681"/>
+        <p14:creationId xmlns:p14="http://schemas.microsoft.com/office/powerpoint/2010/main" val="3075509817"/>
       </p:ext>
     </p:extLst>
   </p:cSld>

--- a/Presentacion/El principio de la sabiduría es el temor.pptx
+++ b/Presentacion/El principio de la sabiduría es el temor.pptx
@@ -16,9 +16,11 @@
     <p:sldId id="264" r:id="rId10"/>
     <p:sldId id="265" r:id="rId11"/>
     <p:sldId id="311" r:id="rId12"/>
-    <p:sldId id="301" r:id="rId13"/>
-    <p:sldId id="302" r:id="rId14"/>
-    <p:sldId id="310" r:id="rId15"/>
+    <p:sldId id="312" r:id="rId13"/>
+    <p:sldId id="313" r:id="rId14"/>
+    <p:sldId id="301" r:id="rId15"/>
+    <p:sldId id="302" r:id="rId16"/>
+    <p:sldId id="310" r:id="rId17"/>
   </p:sldIdLst>
   <p:sldSz cx="12192000" cy="6858000"/>
   <p:notesSz cx="6858000" cy="9144000"/>
@@ -313,7 +315,7 @@
           <a:p>
             <a:fld id="{F2C0BB60-5A00-4D40-9B24-E1B8CD33CB7F}" type="datetimeFigureOut">
               <a:rPr lang="en-US" smtClean="0"/>
-              <a:t>11/22/2020</a:t>
+              <a:t>11/23/2020</a:t>
             </a:fld>
             <a:endParaRPr lang="en-US"/>
           </a:p>
@@ -651,7 +653,7 @@
           <a:p>
             <a:fld id="{F2C0BB60-5A00-4D40-9B24-E1B8CD33CB7F}" type="datetimeFigureOut">
               <a:rPr lang="en-US" smtClean="0"/>
-              <a:t>11/22/2020</a:t>
+              <a:t>11/23/2020</a:t>
             </a:fld>
             <a:endParaRPr lang="en-US"/>
           </a:p>
@@ -1052,7 +1054,7 @@
           <a:p>
             <a:fld id="{F2C0BB60-5A00-4D40-9B24-E1B8CD33CB7F}" type="datetimeFigureOut">
               <a:rPr lang="en-US" smtClean="0"/>
-              <a:t>11/22/2020</a:t>
+              <a:t>11/23/2020</a:t>
             </a:fld>
             <a:endParaRPr lang="en-US"/>
           </a:p>
@@ -1388,7 +1390,7 @@
           <a:p>
             <a:fld id="{F2C0BB60-5A00-4D40-9B24-E1B8CD33CB7F}" type="datetimeFigureOut">
               <a:rPr lang="en-US" smtClean="0"/>
-              <a:t>11/22/2020</a:t>
+              <a:t>11/23/2020</a:t>
             </a:fld>
             <a:endParaRPr lang="en-US"/>
           </a:p>
@@ -1708,7 +1710,7 @@
           <a:p>
             <a:fld id="{F2C0BB60-5A00-4D40-9B24-E1B8CD33CB7F}" type="datetimeFigureOut">
               <a:rPr lang="en-US" smtClean="0"/>
-              <a:t>11/22/2020</a:t>
+              <a:t>11/23/2020</a:t>
             </a:fld>
             <a:endParaRPr lang="en-US"/>
           </a:p>
@@ -2104,7 +2106,7 @@
           <a:p>
             <a:fld id="{F2C0BB60-5A00-4D40-9B24-E1B8CD33CB7F}" type="datetimeFigureOut">
               <a:rPr lang="en-US" smtClean="0"/>
-              <a:t>11/22/2020</a:t>
+              <a:t>11/23/2020</a:t>
             </a:fld>
             <a:endParaRPr lang="en-US"/>
           </a:p>
@@ -2361,7 +2363,7 @@
           <a:p>
             <a:fld id="{F2C0BB60-5A00-4D40-9B24-E1B8CD33CB7F}" type="datetimeFigureOut">
               <a:rPr lang="en-US" smtClean="0"/>
-              <a:t>11/22/2020</a:t>
+              <a:t>11/23/2020</a:t>
             </a:fld>
             <a:endParaRPr lang="en-US"/>
           </a:p>
@@ -2623,7 +2625,7 @@
           <a:p>
             <a:fld id="{F2C0BB60-5A00-4D40-9B24-E1B8CD33CB7F}" type="datetimeFigureOut">
               <a:rPr lang="en-US" smtClean="0"/>
-              <a:t>11/22/2020</a:t>
+              <a:t>11/23/2020</a:t>
             </a:fld>
             <a:endParaRPr lang="en-US"/>
           </a:p>
@@ -2885,7 +2887,7 @@
           <a:p>
             <a:fld id="{F2C0BB60-5A00-4D40-9B24-E1B8CD33CB7F}" type="datetimeFigureOut">
               <a:rPr lang="en-US" smtClean="0"/>
-              <a:t>11/22/2020</a:t>
+              <a:t>11/23/2020</a:t>
             </a:fld>
             <a:endParaRPr lang="en-US"/>
           </a:p>
@@ -3214,7 +3216,7 @@
           <a:p>
             <a:fld id="{F2C0BB60-5A00-4D40-9B24-E1B8CD33CB7F}" type="datetimeFigureOut">
               <a:rPr lang="en-US" smtClean="0"/>
-              <a:t>11/22/2020</a:t>
+              <a:t>11/23/2020</a:t>
             </a:fld>
             <a:endParaRPr lang="en-US"/>
           </a:p>
@@ -3537,7 +3539,7 @@
           <a:p>
             <a:fld id="{F2C0BB60-5A00-4D40-9B24-E1B8CD33CB7F}" type="datetimeFigureOut">
               <a:rPr lang="en-US" smtClean="0"/>
-              <a:t>11/22/2020</a:t>
+              <a:t>11/23/2020</a:t>
             </a:fld>
             <a:endParaRPr lang="en-US"/>
           </a:p>
@@ -3994,7 +3996,7 @@
           <a:p>
             <a:fld id="{F2C0BB60-5A00-4D40-9B24-E1B8CD33CB7F}" type="datetimeFigureOut">
               <a:rPr lang="en-US" smtClean="0"/>
-              <a:t>11/22/2020</a:t>
+              <a:t>11/23/2020</a:t>
             </a:fld>
             <a:endParaRPr lang="en-US"/>
           </a:p>
@@ -4199,7 +4201,7 @@
           <a:p>
             <a:fld id="{F2C0BB60-5A00-4D40-9B24-E1B8CD33CB7F}" type="datetimeFigureOut">
               <a:rPr lang="en-US" smtClean="0"/>
-              <a:t>11/22/2020</a:t>
+              <a:t>11/23/2020</a:t>
             </a:fld>
             <a:endParaRPr lang="en-US"/>
           </a:p>
@@ -4376,7 +4378,7 @@
           <a:p>
             <a:fld id="{F2C0BB60-5A00-4D40-9B24-E1B8CD33CB7F}" type="datetimeFigureOut">
               <a:rPr lang="en-US" smtClean="0"/>
-              <a:t>11/22/2020</a:t>
+              <a:t>11/23/2020</a:t>
             </a:fld>
             <a:endParaRPr lang="en-US"/>
           </a:p>
@@ -4709,7 +4711,7 @@
           <a:p>
             <a:fld id="{F2C0BB60-5A00-4D40-9B24-E1B8CD33CB7F}" type="datetimeFigureOut">
               <a:rPr lang="en-US" smtClean="0"/>
-              <a:t>11/22/2020</a:t>
+              <a:t>11/23/2020</a:t>
             </a:fld>
             <a:endParaRPr lang="en-US"/>
           </a:p>
@@ -5054,7 +5056,7 @@
           <a:p>
             <a:fld id="{F2C0BB60-5A00-4D40-9B24-E1B8CD33CB7F}" type="datetimeFigureOut">
               <a:rPr lang="en-US" smtClean="0"/>
-              <a:t>11/22/2020</a:t>
+              <a:t>11/23/2020</a:t>
             </a:fld>
             <a:endParaRPr lang="en-US"/>
           </a:p>
@@ -7171,7 +7173,7 @@
           <a:p>
             <a:fld id="{F2C0BB60-5A00-4D40-9B24-E1B8CD33CB7F}" type="datetimeFigureOut">
               <a:rPr lang="en-US" smtClean="0"/>
-              <a:t>11/22/2020</a:t>
+              <a:t>11/23/2020</a:t>
             </a:fld>
             <a:endParaRPr lang="en-US"/>
           </a:p>
@@ -7767,7 +7769,7 @@
         </p:nvSpPr>
         <p:spPr>
           <a:xfrm>
-            <a:off x="1640156" y="362853"/>
+            <a:off x="1640154" y="104474"/>
             <a:ext cx="8911687" cy="615715"/>
           </a:xfrm>
         </p:spPr>
@@ -7779,8 +7781,8 @@
           <a:p>
             <a:pPr algn="ctr"/>
             <a:r>
-              <a:rPr lang="es-NI" b="1" dirty="0"/>
-              <a:t>MARCO </a:t>
+              <a:rPr lang="es-NI" b="1" dirty="0" smtClean="0"/>
+              <a:t>ESQUEMA DEL MARCO </a:t>
             </a:r>
             <a:r>
               <a:rPr lang="es-NI" b="1" dirty="0" smtClean="0"/>
@@ -7812,7 +7814,7 @@
         </p:blipFill>
         <p:spPr>
           <a:xfrm>
-            <a:off x="2267728" y="2050232"/>
+            <a:off x="2254665" y="1746557"/>
             <a:ext cx="2708355" cy="2708355"/>
           </a:xfrm>
           <a:prstGeom prst="rect">
@@ -7828,8 +7830,8 @@
         </p:nvSpPr>
         <p:spPr>
           <a:xfrm>
-            <a:off x="1640156" y="4919008"/>
-            <a:ext cx="4215212" cy="1200329"/>
+            <a:off x="1640154" y="4723065"/>
+            <a:ext cx="4215212" cy="1524007"/>
           </a:xfrm>
           <a:prstGeom prst="rect">
             <a:avLst/>
@@ -7849,6 +7851,52 @@
                 <a:spcPts val="0"/>
               </a:spcAft>
             </a:pPr>
+            <a:r>
+              <a:rPr lang="es-NI" sz="1600" dirty="0" smtClean="0">
+                <a:ln w="0"/>
+                <a:solidFill>
+                  <a:schemeClr val="accent1"/>
+                </a:solidFill>
+                <a:effectLst>
+                  <a:outerShdw blurRad="38100" dist="25400" dir="5400000" algn="ctr" rotWithShape="0">
+                    <a:srgbClr val="6E747A">
+                      <a:alpha val="43000"/>
+                    </a:srgbClr>
+                  </a:outerShdw>
+                </a:effectLst>
+                <a:latin typeface="Arial" panose="020B0604020202020204" pitchFamily="34" charset="0"/>
+                <a:ea typeface="Arial" panose="020B0604020202020204" pitchFamily="34" charset="0"/>
+              </a:rPr>
+              <a:t>NIVEL MUNDIAL</a:t>
+            </a:r>
+          </a:p>
+          <a:p>
+            <a:pPr algn="just">
+              <a:lnSpc>
+                <a:spcPct val="150000"/>
+              </a:lnSpc>
+              <a:spcAft>
+                <a:spcPts val="0"/>
+              </a:spcAft>
+            </a:pPr>
+            <a:r>
+              <a:rPr lang="es-NI" sz="1600" dirty="0" smtClean="0">
+                <a:ln w="0"/>
+                <a:solidFill>
+                  <a:schemeClr val="accent1"/>
+                </a:solidFill>
+                <a:effectLst>
+                  <a:outerShdw blurRad="38100" dist="25400" dir="5400000" algn="ctr" rotWithShape="0">
+                    <a:srgbClr val="6E747A">
+                      <a:alpha val="43000"/>
+                    </a:srgbClr>
+                  </a:outerShdw>
+                </a:effectLst>
+                <a:latin typeface="Arial" panose="020B0604020202020204" pitchFamily="34" charset="0"/>
+                <a:ea typeface="Arial" panose="020B0604020202020204" pitchFamily="34" charset="0"/>
+              </a:rPr>
+              <a:t>Los </a:t>
+            </a:r>
             <a:r>
               <a:rPr lang="es-NI" sz="1600" dirty="0">
                 <a:ln w="0"/>
@@ -7865,7 +7913,7 @@
                 <a:latin typeface="Arial" panose="020B0604020202020204" pitchFamily="34" charset="0"/>
                 <a:ea typeface="Arial" panose="020B0604020202020204" pitchFamily="34" charset="0"/>
               </a:rPr>
-              <a:t>Los sistemas orientados al control de registros de datos, son muy populares desde hace ya varios años a nivel </a:t>
+              <a:t>sistemas orientados al control de registros de datos, son muy populares desde hace ya varios años a nivel </a:t>
             </a:r>
             <a:r>
               <a:rPr lang="es-NI" sz="1600" dirty="0" smtClean="0">
@@ -7925,7 +7973,7 @@
         </p:blipFill>
         <p:spPr>
           <a:xfrm>
-            <a:off x="8147163" y="2050232"/>
+            <a:off x="8147161" y="1746557"/>
             <a:ext cx="2404680" cy="2404680"/>
           </a:xfrm>
           <a:prstGeom prst="rect">
@@ -7941,8 +7989,8 @@
         </p:nvSpPr>
         <p:spPr>
           <a:xfrm>
-            <a:off x="7438561" y="4919008"/>
-            <a:ext cx="3821883" cy="1938992"/>
+            <a:off x="7438559" y="4602703"/>
+            <a:ext cx="3821883" cy="2262671"/>
           </a:xfrm>
           <a:prstGeom prst="rect">
             <a:avLst/>
@@ -7962,6 +8010,52 @@
                 <a:spcPts val="0"/>
               </a:spcAft>
             </a:pPr>
+            <a:r>
+              <a:rPr lang="es-NI" sz="1600" dirty="0" smtClean="0">
+                <a:ln w="0"/>
+                <a:solidFill>
+                  <a:schemeClr val="accent1"/>
+                </a:solidFill>
+                <a:effectLst>
+                  <a:outerShdw blurRad="38100" dist="25400" dir="5400000" algn="ctr" rotWithShape="0">
+                    <a:srgbClr val="6E747A">
+                      <a:alpha val="43000"/>
+                    </a:srgbClr>
+                  </a:outerShdw>
+                </a:effectLst>
+                <a:latin typeface="Arial" panose="020B0604020202020204" pitchFamily="34" charset="0"/>
+                <a:ea typeface="Arial" panose="020B0604020202020204" pitchFamily="34" charset="0"/>
+              </a:rPr>
+              <a:t>NIVEL NACIONAL</a:t>
+            </a:r>
+          </a:p>
+          <a:p>
+            <a:pPr algn="just">
+              <a:lnSpc>
+                <a:spcPct val="150000"/>
+              </a:lnSpc>
+              <a:spcAft>
+                <a:spcPts val="0"/>
+              </a:spcAft>
+            </a:pPr>
+            <a:r>
+              <a:rPr lang="es-NI" sz="1600" dirty="0" smtClean="0">
+                <a:ln w="0"/>
+                <a:solidFill>
+                  <a:schemeClr val="accent1"/>
+                </a:solidFill>
+                <a:effectLst>
+                  <a:outerShdw blurRad="38100" dist="25400" dir="5400000" algn="ctr" rotWithShape="0">
+                    <a:srgbClr val="6E747A">
+                      <a:alpha val="43000"/>
+                    </a:srgbClr>
+                  </a:outerShdw>
+                </a:effectLst>
+                <a:latin typeface="Arial" panose="020B0604020202020204" pitchFamily="34" charset="0"/>
+                <a:ea typeface="Arial" panose="020B0604020202020204" pitchFamily="34" charset="0"/>
+              </a:rPr>
+              <a:t>En </a:t>
+            </a:r>
             <a:r>
               <a:rPr lang="es-NI" sz="1600" dirty="0">
                 <a:ln w="0"/>
@@ -7978,25 +8072,7 @@
                 <a:latin typeface="Arial" panose="020B0604020202020204" pitchFamily="34" charset="0"/>
                 <a:ea typeface="Arial" panose="020B0604020202020204" pitchFamily="34" charset="0"/>
               </a:rPr>
-              <a:t>En Nicaragua existen universidades que tiene ya más de 200 años y éstas han desarrollado controles de registros orientados a las diferentes áreas de sus </a:t>
-            </a:r>
-            <a:r>
-              <a:rPr lang="es-NI" sz="1600" dirty="0">
-                <a:ln w="0"/>
-                <a:solidFill>
-                  <a:schemeClr val="accent1"/>
-                </a:solidFill>
-                <a:effectLst>
-                  <a:outerShdw blurRad="38100" dist="25400" dir="5400000" algn="ctr" rotWithShape="0">
-                    <a:srgbClr val="6E747A">
-                      <a:alpha val="43000"/>
-                    </a:srgbClr>
-                  </a:outerShdw>
-                </a:effectLst>
-                <a:latin typeface="Arial" panose="020B0604020202020204" pitchFamily="34" charset="0"/>
-                <a:ea typeface="Arial" panose="020B0604020202020204" pitchFamily="34" charset="0"/>
-              </a:rPr>
-              <a:t>campus…</a:t>
+              <a:t>Nicaragua existen universidades que tiene ya más de 200 años y éstas han desarrollado controles de registros orientados a las diferentes áreas de sus campus…</a:t>
             </a:r>
             <a:endParaRPr lang="en-US" sz="1600" dirty="0">
               <a:ln w="0"/>
@@ -8026,8 +8102,8 @@
         </p:nvSpPr>
         <p:spPr>
           <a:xfrm>
-            <a:off x="1640155" y="1184285"/>
-            <a:ext cx="8911687" cy="615715"/>
+            <a:off x="1410788" y="1056847"/>
+            <a:ext cx="9141053" cy="832964"/>
           </a:xfrm>
           <a:prstGeom prst="rect">
             <a:avLst/>
@@ -8115,10 +8191,10 @@
           <a:p>
             <a:pPr algn="ctr"/>
             <a:r>
-              <a:rPr lang="es-NI" sz="2800" b="1" dirty="0" smtClean="0"/>
+              <a:rPr lang="es-NI" sz="2400" b="1" dirty="0" smtClean="0"/>
               <a:t>CRITERIOS GENERALES</a:t>
             </a:r>
-            <a:endParaRPr lang="en-US" sz="2800" dirty="0"/>
+            <a:endParaRPr lang="en-US" sz="2400" dirty="0"/>
           </a:p>
         </p:txBody>
       </p:sp>
@@ -8183,8 +8259,8 @@
           <a:p>
             <a:pPr algn="ctr"/>
             <a:r>
-              <a:rPr lang="es-NI" b="1" dirty="0"/>
-              <a:t>MARCO </a:t>
+              <a:rPr lang="es-NI" b="1" dirty="0" smtClean="0"/>
+              <a:t>ESQUEMA DEL MARCO </a:t>
             </a:r>
             <a:r>
               <a:rPr lang="es-NI" b="1" dirty="0" smtClean="0"/>
@@ -8202,8 +8278,8 @@
         </p:nvSpPr>
         <p:spPr>
           <a:xfrm>
-            <a:off x="1640156" y="4070169"/>
-            <a:ext cx="4487928" cy="2262671"/>
+            <a:off x="1640156" y="4044043"/>
+            <a:ext cx="4487928" cy="2677656"/>
           </a:xfrm>
           <a:prstGeom prst="rect">
             <a:avLst/>
@@ -8220,6 +8296,49 @@
                 <a:spcPct val="150000"/>
               </a:lnSpc>
             </a:pPr>
+            <a:r>
+              <a:rPr lang="es-NI" sz="1600" dirty="0" smtClean="0">
+                <a:ln w="0"/>
+                <a:solidFill>
+                  <a:schemeClr val="accent1"/>
+                </a:solidFill>
+                <a:effectLst>
+                  <a:outerShdw blurRad="38100" dist="25400" dir="5400000" algn="ctr" rotWithShape="0">
+                    <a:srgbClr val="6E747A">
+                      <a:alpha val="43000"/>
+                    </a:srgbClr>
+                  </a:outerShdw>
+                </a:effectLst>
+                <a:latin typeface="Arial" panose="020B0604020202020204" pitchFamily="34" charset="0"/>
+                <a:ea typeface="Arial" panose="020B0604020202020204" pitchFamily="34" charset="0"/>
+              </a:rPr>
+              <a:t>NIVEL LOCAL</a:t>
+            </a:r>
+          </a:p>
+          <a:p>
+            <a:pPr algn="just">
+              <a:lnSpc>
+                <a:spcPct val="150000"/>
+              </a:lnSpc>
+            </a:pPr>
+            <a:r>
+              <a:rPr lang="es-NI" sz="1600" dirty="0" smtClean="0">
+                <a:ln w="0"/>
+                <a:solidFill>
+                  <a:schemeClr val="accent1"/>
+                </a:solidFill>
+                <a:effectLst>
+                  <a:outerShdw blurRad="38100" dist="25400" dir="5400000" algn="ctr" rotWithShape="0">
+                    <a:srgbClr val="6E747A">
+                      <a:alpha val="43000"/>
+                    </a:srgbClr>
+                  </a:outerShdw>
+                </a:effectLst>
+                <a:latin typeface="Arial" panose="020B0604020202020204" pitchFamily="34" charset="0"/>
+                <a:ea typeface="Arial" panose="020B0604020202020204" pitchFamily="34" charset="0"/>
+              </a:rPr>
+              <a:t>Universidad </a:t>
+            </a:r>
             <a:r>
               <a:rPr lang="es-NI" sz="1600" dirty="0">
                 <a:ln w="0"/>
@@ -8236,7 +8355,43 @@
                 <a:latin typeface="Arial" panose="020B0604020202020204" pitchFamily="34" charset="0"/>
                 <a:ea typeface="Arial" panose="020B0604020202020204" pitchFamily="34" charset="0"/>
               </a:rPr>
-              <a:t>Universidad Martín Lutero a nivel nacional aún no cuenta con alguna plataforma que pueda satisfacer las necesidades informativas y de gestión administrativa de nuestra comunidad universitaria, por lo que es menester iniciar a construirla.</a:t>
+              <a:t>Martín Lutero </a:t>
+            </a:r>
+            <a:r>
+              <a:rPr lang="es-NI" sz="1600" dirty="0" smtClean="0">
+                <a:ln w="0"/>
+                <a:solidFill>
+                  <a:schemeClr val="accent1"/>
+                </a:solidFill>
+                <a:effectLst>
+                  <a:outerShdw blurRad="38100" dist="25400" dir="5400000" algn="ctr" rotWithShape="0">
+                    <a:srgbClr val="6E747A">
+                      <a:alpha val="43000"/>
+                    </a:srgbClr>
+                  </a:outerShdw>
+                </a:effectLst>
+                <a:latin typeface="Arial" panose="020B0604020202020204" pitchFamily="34" charset="0"/>
+                <a:ea typeface="Arial" panose="020B0604020202020204" pitchFamily="34" charset="0"/>
+              </a:rPr>
+              <a:t>aún </a:t>
+            </a:r>
+            <a:r>
+              <a:rPr lang="es-NI" sz="1600" dirty="0">
+                <a:ln w="0"/>
+                <a:solidFill>
+                  <a:schemeClr val="accent1"/>
+                </a:solidFill>
+                <a:effectLst>
+                  <a:outerShdw blurRad="38100" dist="25400" dir="5400000" algn="ctr" rotWithShape="0">
+                    <a:srgbClr val="6E747A">
+                      <a:alpha val="43000"/>
+                    </a:srgbClr>
+                  </a:outerShdw>
+                </a:effectLst>
+                <a:latin typeface="Arial" panose="020B0604020202020204" pitchFamily="34" charset="0"/>
+                <a:ea typeface="Arial" panose="020B0604020202020204" pitchFamily="34" charset="0"/>
+              </a:rPr>
+              <a:t>no cuenta con alguna plataforma que pueda satisfacer las necesidades informativas y de gestión administrativa de nuestra comunidad universitaria, por lo que es menester iniciar a construirla.</a:t>
             </a:r>
             <a:endParaRPr lang="en-US" sz="1600" dirty="0">
               <a:ln w="0"/>
@@ -8264,8 +8419,8 @@
         </p:nvSpPr>
         <p:spPr>
           <a:xfrm>
-            <a:off x="7230014" y="4070169"/>
-            <a:ext cx="4448639" cy="2473306"/>
+            <a:off x="7230014" y="4017917"/>
+            <a:ext cx="4448639" cy="2819554"/>
           </a:xfrm>
           <a:prstGeom prst="rect">
             <a:avLst/>
@@ -8276,6 +8431,31 @@
             <a:spAutoFit/>
           </a:bodyPr>
           <a:lstStyle/>
+          <a:p>
+            <a:pPr algn="just">
+              <a:lnSpc>
+                <a:spcPct val="150000"/>
+              </a:lnSpc>
+            </a:pPr>
+            <a:r>
+              <a:rPr lang="es-NI" sz="1500" dirty="0" smtClean="0">
+                <a:ln w="0"/>
+                <a:solidFill>
+                  <a:schemeClr val="accent1"/>
+                </a:solidFill>
+                <a:effectLst>
+                  <a:outerShdw blurRad="38100" dist="25400" dir="5400000" algn="ctr" rotWithShape="0">
+                    <a:srgbClr val="6E747A">
+                      <a:alpha val="43000"/>
+                    </a:srgbClr>
+                  </a:outerShdw>
+                </a:effectLst>
+                <a:latin typeface="Arial" panose="020B0604020202020204" pitchFamily="34" charset="0"/>
+                <a:ea typeface="Arial" panose="020B0604020202020204" pitchFamily="34" charset="0"/>
+              </a:rPr>
+              <a:t>NIVEL ESPECÍFICO</a:t>
+            </a:r>
+          </a:p>
           <a:p>
             <a:pPr algn="just">
               <a:lnSpc>
@@ -8593,8 +8773,39 @@
         </p:nvSpPr>
         <p:spPr>
           <a:xfrm>
-            <a:off x="1549066" y="986589"/>
-            <a:ext cx="10507578" cy="5414211"/>
+            <a:off x="1640156" y="362853"/>
+            <a:ext cx="8911687" cy="615715"/>
+          </a:xfrm>
+        </p:spPr>
+        <p:txBody>
+          <a:bodyPr>
+            <a:normAutofit fontScale="90000"/>
+          </a:bodyPr>
+          <a:lstStyle/>
+          <a:p>
+            <a:pPr algn="ctr"/>
+            <a:r>
+              <a:rPr lang="es-NI" b="1" dirty="0" smtClean="0"/>
+              <a:t>METODOLOGÍA</a:t>
+            </a:r>
+            <a:endParaRPr lang="en-US" dirty="0"/>
+          </a:p>
+        </p:txBody>
+      </p:sp>
+      <p:sp>
+        <p:nvSpPr>
+          <p:cNvPr id="8" name="Marcador de contenido 2"/>
+          <p:cNvSpPr>
+            <a:spLocks noGrp="1"/>
+          </p:cNvSpPr>
+          <p:nvPr>
+            <p:ph idx="1"/>
+          </p:nvPr>
+        </p:nvSpPr>
+        <p:spPr>
+          <a:xfrm>
+            <a:off x="1640156" y="978568"/>
+            <a:ext cx="9751631" cy="5879432"/>
           </a:xfrm>
         </p:spPr>
         <p:txBody>
@@ -8603,154 +8814,187 @@
           </a:bodyPr>
           <a:lstStyle/>
           <a:p>
-            <a:r>
-              <a:rPr lang="es-NI" sz="2000" dirty="0" smtClean="0">
+            <a:pPr>
+              <a:lnSpc>
+                <a:spcPct val="150000"/>
+              </a:lnSpc>
+            </a:pPr>
+            <a:r>
+              <a:rPr lang="es-NI" dirty="0">
                 <a:latin typeface="Arial" panose="020B0604020202020204" pitchFamily="34" charset="0"/>
                 <a:cs typeface="Arial" panose="020B0604020202020204" pitchFamily="34" charset="0"/>
               </a:rPr>
-              <a:t>Concluimos </a:t>
-            </a:r>
-            <a:r>
-              <a:rPr lang="es-NI" sz="2000" dirty="0">
+              <a:t>Al hablar de la implementación de nuestro proyecto nos enfocamos en el campo administrativo, en el cual deseamos optimizar los procesos de control de notas, por el cual deducimos que esto </a:t>
+            </a:r>
+            <a:r>
+              <a:rPr lang="es-NI" dirty="0" smtClean="0">
                 <a:latin typeface="Arial" panose="020B0604020202020204" pitchFamily="34" charset="0"/>
                 <a:cs typeface="Arial" panose="020B0604020202020204" pitchFamily="34" charset="0"/>
               </a:rPr>
-              <a:t>que el sistema de registro de notas fue una excelente experiencia y un buen desafío para nuestros límites, nuestras indagaciones sobre apropiarnos de la forma de trabajo tradicional que realiza el área de registro académico, fue de mucha ayuda ya que de esta forma pudimos tener una visión más clara del objetivo que debíamos alcanzar, ya que pudimos observar la dificultad y lo tedioso que resulta manejar ese gran volumen de datos.</a:t>
-            </a:r>
-            <a:r>
-              <a:rPr lang="en-US" sz="2000" dirty="0">
+              <a:t>mejorará </a:t>
+            </a:r>
+            <a:r>
+              <a:rPr lang="es-NI" dirty="0">
                 <a:latin typeface="Arial" panose="020B0604020202020204" pitchFamily="34" charset="0"/>
                 <a:cs typeface="Arial" panose="020B0604020202020204" pitchFamily="34" charset="0"/>
               </a:rPr>
-              <a:t/>
-            </a:r>
-            <a:br>
-              <a:rPr lang="en-US" sz="2000" dirty="0">
+              <a:t>de gran manera la calidad de los procesos mencionados y ayudara a llevar un mejor control de lo anteriormente </a:t>
+            </a:r>
+            <a:r>
+              <a:rPr lang="es-NI" dirty="0" smtClean="0">
                 <a:latin typeface="Arial" panose="020B0604020202020204" pitchFamily="34" charset="0"/>
                 <a:cs typeface="Arial" panose="020B0604020202020204" pitchFamily="34" charset="0"/>
               </a:rPr>
-            </a:br>
-            <a:r>
-              <a:rPr lang="es-NI" sz="2000" dirty="0">
-                <a:latin typeface="Arial" panose="020B0604020202020204" pitchFamily="34" charset="0"/>
-                <a:cs typeface="Arial" panose="020B0604020202020204" pitchFamily="34" charset="0"/>
-              </a:rPr>
-              <a:t> </a:t>
-            </a:r>
-            <a:r>
-              <a:rPr lang="en-US" sz="2000" dirty="0">
-                <a:latin typeface="Arial" panose="020B0604020202020204" pitchFamily="34" charset="0"/>
-                <a:cs typeface="Arial" panose="020B0604020202020204" pitchFamily="34" charset="0"/>
-              </a:rPr>
-              <a:t/>
-            </a:r>
-            <a:br>
-              <a:rPr lang="en-US" sz="2000" dirty="0">
-                <a:latin typeface="Arial" panose="020B0604020202020204" pitchFamily="34" charset="0"/>
-                <a:cs typeface="Arial" panose="020B0604020202020204" pitchFamily="34" charset="0"/>
-              </a:rPr>
-            </a:br>
-            <a:r>
-              <a:rPr lang="es-NI" sz="2000" dirty="0">
-                <a:latin typeface="Arial" panose="020B0604020202020204" pitchFamily="34" charset="0"/>
-                <a:cs typeface="Arial" panose="020B0604020202020204" pitchFamily="34" charset="0"/>
-              </a:rPr>
-              <a:t>Encontramos que el personal administrativo como los docentes hacen un esfuerzo muy grande por garantizar de manera física (escrita en formato de notas) los resultados académicos de los estudiantes de cada corte evaluativo.</a:t>
-            </a:r>
-            <a:r>
-              <a:rPr lang="en-US" sz="2000" dirty="0">
-                <a:latin typeface="Arial" panose="020B0604020202020204" pitchFamily="34" charset="0"/>
-                <a:cs typeface="Arial" panose="020B0604020202020204" pitchFamily="34" charset="0"/>
-              </a:rPr>
-              <a:t/>
-            </a:r>
-            <a:br>
-              <a:rPr lang="en-US" sz="2000" dirty="0">
-                <a:latin typeface="Arial" panose="020B0604020202020204" pitchFamily="34" charset="0"/>
-                <a:cs typeface="Arial" panose="020B0604020202020204" pitchFamily="34" charset="0"/>
-              </a:rPr>
-            </a:br>
-            <a:r>
-              <a:rPr lang="es-NI" sz="2000" dirty="0">
-                <a:latin typeface="Arial" panose="020B0604020202020204" pitchFamily="34" charset="0"/>
-                <a:cs typeface="Arial" panose="020B0604020202020204" pitchFamily="34" charset="0"/>
-              </a:rPr>
-              <a:t> </a:t>
-            </a:r>
-            <a:r>
-              <a:rPr lang="en-US" sz="2000" dirty="0">
-                <a:latin typeface="Arial" panose="020B0604020202020204" pitchFamily="34" charset="0"/>
-                <a:cs typeface="Arial" panose="020B0604020202020204" pitchFamily="34" charset="0"/>
-              </a:rPr>
-              <a:t/>
-            </a:r>
-            <a:br>
-              <a:rPr lang="en-US" sz="2000" dirty="0">
-                <a:latin typeface="Arial" panose="020B0604020202020204" pitchFamily="34" charset="0"/>
-                <a:cs typeface="Arial" panose="020B0604020202020204" pitchFamily="34" charset="0"/>
-              </a:rPr>
-            </a:br>
-            <a:r>
-              <a:rPr lang="es-NI" sz="2000" dirty="0">
-                <a:latin typeface="Arial" panose="020B0604020202020204" pitchFamily="34" charset="0"/>
-                <a:cs typeface="Arial" panose="020B0604020202020204" pitchFamily="34" charset="0"/>
-              </a:rPr>
-              <a:t>Creado el sistema en línea “SIS Universidad”, para que los docentes puedan realizar el registro de notas de los alumnos, inclusive desde su casa, en caso de no tener los medios tecnológicos, pueden hacerlo desde las instalaciones de la universidad o en último caso, pueden entregar su formato en físico para que el personal de registro académico pueda ingresar las notas al sistema. Los reportes de notas se pueden generar de forma inmediata por los usuarios administrativos que le consulten</a:t>
-            </a:r>
-            <a:r>
-              <a:rPr lang="es-NI" sz="2000" dirty="0" smtClean="0">
-                <a:latin typeface="Arial" panose="020B0604020202020204" pitchFamily="34" charset="0"/>
-                <a:cs typeface="Arial" panose="020B0604020202020204" pitchFamily="34" charset="0"/>
-              </a:rPr>
+              <a:t>expuesto.</a:t>
+            </a:r>
+          </a:p>
+          <a:p>
+            <a:pPr marL="0" indent="0">
+              <a:lnSpc>
+                <a:spcPct val="150000"/>
+              </a:lnSpc>
+              <a:buNone/>
+            </a:pPr>
+            <a:endParaRPr lang="en-US" sz="100" dirty="0"/>
+          </a:p>
+          <a:p>
+            <a:r>
+              <a:rPr lang="es-NI" b="1" dirty="0"/>
+              <a:t>Tipo de Investigación</a:t>
+            </a:r>
+            <a:endParaRPr lang="en-US" b="1" dirty="0"/>
+          </a:p>
+          <a:p>
+            <a:pPr marL="0" indent="0">
+              <a:buNone/>
+            </a:pPr>
+            <a:r>
+              <a:rPr lang="es-NI" dirty="0"/>
+              <a:t>El tipo de investigación es Mixta</a:t>
+            </a:r>
+            <a:endParaRPr lang="en-US" dirty="0"/>
+          </a:p>
+          <a:p>
+            <a:pPr marL="0" indent="0">
+              <a:buNone/>
+            </a:pPr>
+            <a:r>
+              <a:rPr lang="es-NI" dirty="0"/>
+              <a:t>Por la naturaleza es de tipo exploratorio y descriptivo</a:t>
+            </a:r>
+            <a:r>
+              <a:rPr lang="es-NI" dirty="0" smtClean="0"/>
               <a:t>.</a:t>
             </a:r>
-            <a:r>
-              <a:rPr lang="es-NI" sz="1400" dirty="0" smtClean="0">
-                <a:latin typeface="Arial" panose="020B0604020202020204" pitchFamily="34" charset="0"/>
-                <a:cs typeface="Arial" panose="020B0604020202020204" pitchFamily="34" charset="0"/>
-              </a:rPr>
-              <a:t> </a:t>
-            </a:r>
-            <a:endParaRPr lang="en-US" sz="1500" dirty="0">
-              <a:latin typeface="Arial" panose="020B0604020202020204" pitchFamily="34" charset="0"/>
-              <a:cs typeface="Arial" panose="020B0604020202020204" pitchFamily="34" charset="0"/>
-            </a:endParaRPr>
-          </a:p>
-        </p:txBody>
-      </p:sp>
-      <p:sp>
-        <p:nvSpPr>
-          <p:cNvPr id="3" name="Rectángulo 2"/>
-          <p:cNvSpPr/>
-          <p:nvPr/>
-        </p:nvSpPr>
-        <p:spPr>
-          <a:xfrm>
-            <a:off x="1549066" y="158234"/>
-            <a:ext cx="2927404" cy="523220"/>
-          </a:xfrm>
-          <a:prstGeom prst="rect">
-            <a:avLst/>
-          </a:prstGeom>
-        </p:spPr>
-        <p:txBody>
-          <a:bodyPr wrap="none">
-            <a:spAutoFit/>
-          </a:bodyPr>
-          <a:lstStyle/>
-          <a:p>
-            <a:r>
-              <a:rPr lang="es-NI" sz="2800" b="1" dirty="0" smtClean="0"/>
-              <a:t>CONCLUSIONES</a:t>
-            </a:r>
-            <a:endParaRPr lang="en-US" sz="2800" dirty="0"/>
+          </a:p>
+          <a:p>
+            <a:pPr marL="0" indent="0">
+              <a:buNone/>
+            </a:pPr>
+            <a:endParaRPr lang="en-US" sz="800" dirty="0"/>
+          </a:p>
+          <a:p>
+            <a:r>
+              <a:rPr lang="es-NI" b="1" dirty="0"/>
+              <a:t>Métodos</a:t>
+            </a:r>
+            <a:endParaRPr lang="en-US" b="1" dirty="0"/>
+          </a:p>
+          <a:p>
+            <a:pPr marL="0" indent="0">
+              <a:buNone/>
+            </a:pPr>
+            <a:r>
+              <a:rPr lang="es-NI" dirty="0"/>
+              <a:t>En el presente proyecto, se ha utilizado diversos métodos para las prácticas de </a:t>
+            </a:r>
+            <a:r>
+              <a:rPr lang="es-NI" dirty="0" smtClean="0"/>
+              <a:t>investigación, </a:t>
+            </a:r>
+            <a:r>
+              <a:rPr lang="es-NI" dirty="0"/>
+              <a:t>e</a:t>
+            </a:r>
+            <a:r>
+              <a:rPr lang="es-NI" dirty="0" smtClean="0"/>
+              <a:t>n </a:t>
+            </a:r>
+            <a:r>
+              <a:rPr lang="es-NI" dirty="0"/>
+              <a:t>resumen, los métodos </a:t>
+            </a:r>
+            <a:r>
+              <a:rPr lang="es-NI" dirty="0" smtClean="0"/>
+              <a:t>empleados fueron:</a:t>
+            </a:r>
+            <a:endParaRPr lang="en-US" dirty="0"/>
+          </a:p>
+          <a:p>
+            <a:pPr marL="0" indent="0">
+              <a:buNone/>
+            </a:pPr>
+            <a:r>
+              <a:rPr lang="es-NI" dirty="0"/>
+              <a:t>Observación</a:t>
+            </a:r>
+            <a:r>
+              <a:rPr lang="es-NI" dirty="0" smtClean="0"/>
+              <a:t>:  Identificamos </a:t>
+            </a:r>
+            <a:r>
+              <a:rPr lang="es-NI" dirty="0"/>
+              <a:t>el problema y elaboramos el objetivo y la </a:t>
+            </a:r>
+            <a:r>
+              <a:rPr lang="es-NI" dirty="0" smtClean="0"/>
+              <a:t>propuesta.</a:t>
+            </a:r>
+          </a:p>
+          <a:p>
+            <a:pPr marL="0" indent="0">
+              <a:buNone/>
+            </a:pPr>
+            <a:r>
+              <a:rPr lang="es-NI" dirty="0" smtClean="0"/>
+              <a:t>Científico: </a:t>
+            </a:r>
+            <a:r>
+              <a:rPr lang="es-NI" dirty="0"/>
+              <a:t>S</a:t>
+            </a:r>
+            <a:r>
+              <a:rPr lang="es-NI" dirty="0" smtClean="0"/>
+              <a:t>irvió </a:t>
+            </a:r>
+            <a:r>
+              <a:rPr lang="es-NI" dirty="0"/>
+              <a:t>para la definición del problema y la formulación del mismo.</a:t>
+            </a:r>
+            <a:endParaRPr lang="es-NI" dirty="0" smtClean="0"/>
+          </a:p>
+          <a:p>
+            <a:pPr marL="0" indent="0">
+              <a:buNone/>
+            </a:pPr>
+            <a:r>
+              <a:rPr lang="es-NI" dirty="0" smtClean="0"/>
+              <a:t>Técnicas: Se utilizó el instrumento de La entrevista.</a:t>
+            </a:r>
+            <a:endParaRPr lang="en-US" dirty="0"/>
+          </a:p>
+          <a:p>
+            <a:pPr marL="0" indent="0">
+              <a:buNone/>
+            </a:pPr>
+            <a:endParaRPr lang="en-US" dirty="0"/>
           </a:p>
         </p:txBody>
       </p:sp>
     </p:spTree>
     <p:extLst>
       <p:ext uri="{BB962C8B-B14F-4D97-AF65-F5344CB8AC3E}">
-        <p14:creationId xmlns:p14="http://schemas.microsoft.com/office/powerpoint/2010/main" val="2342696254"/>
+        <p14:creationId xmlns:p14="http://schemas.microsoft.com/office/powerpoint/2010/main" val="1814829229"/>
       </p:ext>
     </p:extLst>
   </p:cSld>
@@ -8796,6 +9040,415 @@
         </p:nvSpPr>
         <p:spPr>
           <a:xfrm>
+            <a:off x="1640156" y="362853"/>
+            <a:ext cx="8911687" cy="615715"/>
+          </a:xfrm>
+        </p:spPr>
+        <p:txBody>
+          <a:bodyPr>
+            <a:normAutofit fontScale="90000"/>
+          </a:bodyPr>
+          <a:lstStyle/>
+          <a:p>
+            <a:pPr algn="ctr"/>
+            <a:r>
+              <a:rPr lang="es-NI" b="1" dirty="0" smtClean="0"/>
+              <a:t>METODOLOGÍA</a:t>
+            </a:r>
+            <a:endParaRPr lang="en-US" dirty="0"/>
+          </a:p>
+        </p:txBody>
+      </p:sp>
+      <p:sp>
+        <p:nvSpPr>
+          <p:cNvPr id="8" name="Marcador de contenido 2"/>
+          <p:cNvSpPr>
+            <a:spLocks noGrp="1"/>
+          </p:cNvSpPr>
+          <p:nvPr>
+            <p:ph idx="1"/>
+          </p:nvPr>
+        </p:nvSpPr>
+        <p:spPr>
+          <a:xfrm>
+            <a:off x="1640156" y="978568"/>
+            <a:ext cx="9751631" cy="5677039"/>
+          </a:xfrm>
+        </p:spPr>
+        <p:txBody>
+          <a:bodyPr>
+            <a:noAutofit/>
+          </a:bodyPr>
+          <a:lstStyle/>
+          <a:p>
+            <a:r>
+              <a:rPr lang="es-NI" b="1" dirty="0"/>
+              <a:t>Población</a:t>
+            </a:r>
+            <a:endParaRPr lang="en-US" b="1" dirty="0"/>
+          </a:p>
+          <a:p>
+            <a:pPr marL="400050" lvl="1" indent="0">
+              <a:lnSpc>
+                <a:spcPct val="150000"/>
+              </a:lnSpc>
+              <a:buNone/>
+            </a:pPr>
+            <a:r>
+              <a:rPr lang="es-NI" sz="1800" dirty="0" smtClean="0">
+                <a:latin typeface="Arial" panose="020B0604020202020204" pitchFamily="34" charset="0"/>
+                <a:cs typeface="Arial" panose="020B0604020202020204" pitchFamily="34" charset="0"/>
+              </a:rPr>
+              <a:t>Para realizar una investigación, no es necesario abarcar la totalidad de una población basta con elegir una muestra representativa de la misma. En nuestro caso con fines de incluir a los involucrados en el proceso que tiene que ver con el registro de notas de los estudiantes, entrevistamos a 12 docentes de un total de 12, esto corresponde a una muestra del 100%, administrativos entrevistamos al 100%. </a:t>
+            </a:r>
+          </a:p>
+          <a:p>
+            <a:pPr>
+              <a:lnSpc>
+                <a:spcPct val="150000"/>
+              </a:lnSpc>
+            </a:pPr>
+            <a:r>
+              <a:rPr lang="es-NI" dirty="0" smtClean="0">
+                <a:latin typeface="Arial" panose="020B0604020202020204" pitchFamily="34" charset="0"/>
+                <a:cs typeface="Arial" panose="020B0604020202020204" pitchFamily="34" charset="0"/>
+              </a:rPr>
+              <a:t>Las entrevistas se aplicaron a mediados del tercer trimestre del año lectivo 2020, fueron hechas de manera personal en forma de entrevista, a docentes, personal administrativo y a el director de UML </a:t>
+            </a:r>
+            <a:r>
+              <a:rPr lang="es-NI" dirty="0" err="1" smtClean="0">
+                <a:latin typeface="Arial" panose="020B0604020202020204" pitchFamily="34" charset="0"/>
+                <a:cs typeface="Arial" panose="020B0604020202020204" pitchFamily="34" charset="0"/>
+              </a:rPr>
+              <a:t>Quilalí</a:t>
+            </a:r>
+            <a:r>
+              <a:rPr lang="es-NI" dirty="0" smtClean="0">
+                <a:latin typeface="Arial" panose="020B0604020202020204" pitchFamily="34" charset="0"/>
+                <a:cs typeface="Arial" panose="020B0604020202020204" pitchFamily="34" charset="0"/>
+              </a:rPr>
+              <a:t>. </a:t>
+            </a:r>
+            <a:endParaRPr lang="en-US" dirty="0">
+              <a:latin typeface="Arial" panose="020B0604020202020204" pitchFamily="34" charset="0"/>
+              <a:cs typeface="Arial" panose="020B0604020202020204" pitchFamily="34" charset="0"/>
+            </a:endParaRPr>
+          </a:p>
+          <a:p>
+            <a:pPr>
+              <a:lnSpc>
+                <a:spcPct val="150000"/>
+              </a:lnSpc>
+            </a:pPr>
+            <a:r>
+              <a:rPr lang="es-NI" dirty="0"/>
+              <a:t> </a:t>
+            </a:r>
+            <a:r>
+              <a:rPr lang="es-NI" dirty="0">
+                <a:latin typeface="Arial" panose="020B0604020202020204" pitchFamily="34" charset="0"/>
+                <a:cs typeface="Arial" panose="020B0604020202020204" pitchFamily="34" charset="0"/>
+              </a:rPr>
+              <a:t>De </a:t>
+            </a:r>
+            <a:r>
+              <a:rPr lang="es-NI" dirty="0">
+                <a:latin typeface="Arial" panose="020B0604020202020204" pitchFamily="34" charset="0"/>
+                <a:cs typeface="Arial" panose="020B0604020202020204" pitchFamily="34" charset="0"/>
+              </a:rPr>
+              <a:t>acuerdo a todo esto, se elaboró satisfactoriamente el sistema “SIS Universidad”.</a:t>
+            </a:r>
+            <a:endParaRPr lang="en-US" dirty="0">
+              <a:latin typeface="Arial" panose="020B0604020202020204" pitchFamily="34" charset="0"/>
+              <a:cs typeface="Arial" panose="020B0604020202020204" pitchFamily="34" charset="0"/>
+            </a:endParaRPr>
+          </a:p>
+          <a:p>
+            <a:pPr marL="400050" lvl="1" indent="0">
+              <a:lnSpc>
+                <a:spcPct val="150000"/>
+              </a:lnSpc>
+              <a:buNone/>
+            </a:pPr>
+            <a:endParaRPr lang="en-US" sz="1800" dirty="0">
+              <a:latin typeface="Arial" panose="020B0604020202020204" pitchFamily="34" charset="0"/>
+              <a:cs typeface="Arial" panose="020B0604020202020204" pitchFamily="34" charset="0"/>
+            </a:endParaRPr>
+          </a:p>
+          <a:p>
+            <a:pPr marL="0" indent="0">
+              <a:buNone/>
+            </a:pPr>
+            <a:endParaRPr lang="en-US" dirty="0"/>
+          </a:p>
+        </p:txBody>
+      </p:sp>
+    </p:spTree>
+    <p:extLst>
+      <p:ext uri="{BB962C8B-B14F-4D97-AF65-F5344CB8AC3E}">
+        <p14:creationId xmlns:p14="http://schemas.microsoft.com/office/powerpoint/2010/main" val="3049012013"/>
+      </p:ext>
+    </p:extLst>
+  </p:cSld>
+  <p:clrMapOvr>
+    <a:masterClrMapping/>
+  </p:clrMapOvr>
+  <p:timing>
+    <p:tnLst>
+      <p:par>
+        <p:cTn id="1" dur="indefinite" restart="never" nodeType="tmRoot"/>
+      </p:par>
+    </p:tnLst>
+  </p:timing>
+</p:sld>
+</file>
+
+<file path=ppt/slides/slide14.xml><?xml version="1.0" encoding="utf-8"?>
+<p:sld xmlns:a="http://schemas.openxmlformats.org/drawingml/2006/main" xmlns:r="http://schemas.openxmlformats.org/officeDocument/2006/relationships" xmlns:p="http://schemas.openxmlformats.org/presentationml/2006/main">
+  <p:cSld>
+    <p:spTree>
+      <p:nvGrpSpPr>
+        <p:cNvPr id="1" name=""/>
+        <p:cNvGrpSpPr/>
+        <p:nvPr/>
+      </p:nvGrpSpPr>
+      <p:grpSpPr>
+        <a:xfrm>
+          <a:off x="0" y="0"/>
+          <a:ext cx="0" cy="0"/>
+          <a:chOff x="0" y="0"/>
+          <a:chExt cx="0" cy="0"/>
+        </a:xfrm>
+      </p:grpSpPr>
+      <p:sp>
+        <p:nvSpPr>
+          <p:cNvPr id="2" name="Título 1"/>
+          <p:cNvSpPr>
+            <a:spLocks noGrp="1"/>
+          </p:cNvSpPr>
+          <p:nvPr>
+            <p:ph type="title"/>
+          </p:nvPr>
+        </p:nvSpPr>
+        <p:spPr>
+          <a:xfrm>
+            <a:off x="1549066" y="986589"/>
+            <a:ext cx="10507578" cy="5414211"/>
+          </a:xfrm>
+        </p:spPr>
+        <p:txBody>
+          <a:bodyPr>
+            <a:noAutofit/>
+          </a:bodyPr>
+          <a:lstStyle/>
+          <a:p>
+            <a:r>
+              <a:rPr lang="es-NI" sz="2000" dirty="0" smtClean="0">
+                <a:latin typeface="Arial" panose="020B0604020202020204" pitchFamily="34" charset="0"/>
+                <a:cs typeface="Arial" panose="020B0604020202020204" pitchFamily="34" charset="0"/>
+              </a:rPr>
+              <a:t>Concluimos </a:t>
+            </a:r>
+            <a:r>
+              <a:rPr lang="es-NI" sz="2000" dirty="0">
+                <a:latin typeface="Arial" panose="020B0604020202020204" pitchFamily="34" charset="0"/>
+                <a:cs typeface="Arial" panose="020B0604020202020204" pitchFamily="34" charset="0"/>
+              </a:rPr>
+              <a:t>que el sistema de registro de notas fue una excelente experiencia y un buen desafío para nuestros límites, nuestras indagaciones sobre apropiarnos de la forma de trabajo tradicional que realiza el área de registro académico, fue de mucha ayuda ya que de esta forma pudimos tener una visión más clara del objetivo que debíamos alcanzar, ya que pudimos observar la dificultad y lo tedioso que resulta manejar ese gran volumen de datos.</a:t>
+            </a:r>
+            <a:r>
+              <a:rPr lang="en-US" sz="2000" dirty="0">
+                <a:latin typeface="Arial" panose="020B0604020202020204" pitchFamily="34" charset="0"/>
+                <a:cs typeface="Arial" panose="020B0604020202020204" pitchFamily="34" charset="0"/>
+              </a:rPr>
+              <a:t/>
+            </a:r>
+            <a:br>
+              <a:rPr lang="en-US" sz="2000" dirty="0">
+                <a:latin typeface="Arial" panose="020B0604020202020204" pitchFamily="34" charset="0"/>
+                <a:cs typeface="Arial" panose="020B0604020202020204" pitchFamily="34" charset="0"/>
+              </a:rPr>
+            </a:br>
+            <a:r>
+              <a:rPr lang="es-NI" sz="2000" dirty="0">
+                <a:latin typeface="Arial" panose="020B0604020202020204" pitchFamily="34" charset="0"/>
+                <a:cs typeface="Arial" panose="020B0604020202020204" pitchFamily="34" charset="0"/>
+              </a:rPr>
+              <a:t> </a:t>
+            </a:r>
+            <a:r>
+              <a:rPr lang="en-US" sz="2000" dirty="0">
+                <a:latin typeface="Arial" panose="020B0604020202020204" pitchFamily="34" charset="0"/>
+                <a:cs typeface="Arial" panose="020B0604020202020204" pitchFamily="34" charset="0"/>
+              </a:rPr>
+              <a:t/>
+            </a:r>
+            <a:br>
+              <a:rPr lang="en-US" sz="2000" dirty="0">
+                <a:latin typeface="Arial" panose="020B0604020202020204" pitchFamily="34" charset="0"/>
+                <a:cs typeface="Arial" panose="020B0604020202020204" pitchFamily="34" charset="0"/>
+              </a:rPr>
+            </a:br>
+            <a:r>
+              <a:rPr lang="es-NI" sz="2000" dirty="0">
+                <a:latin typeface="Arial" panose="020B0604020202020204" pitchFamily="34" charset="0"/>
+                <a:cs typeface="Arial" panose="020B0604020202020204" pitchFamily="34" charset="0"/>
+              </a:rPr>
+              <a:t>Encontramos que el personal administrativo como los docentes hacen un esfuerzo muy grande por garantizar de manera física (escrita en formato de notas) los resultados académicos de los estudiantes de cada corte evaluativo.</a:t>
+            </a:r>
+            <a:r>
+              <a:rPr lang="en-US" sz="2000" dirty="0">
+                <a:latin typeface="Arial" panose="020B0604020202020204" pitchFamily="34" charset="0"/>
+                <a:cs typeface="Arial" panose="020B0604020202020204" pitchFamily="34" charset="0"/>
+              </a:rPr>
+              <a:t/>
+            </a:r>
+            <a:br>
+              <a:rPr lang="en-US" sz="2000" dirty="0">
+                <a:latin typeface="Arial" panose="020B0604020202020204" pitchFamily="34" charset="0"/>
+                <a:cs typeface="Arial" panose="020B0604020202020204" pitchFamily="34" charset="0"/>
+              </a:rPr>
+            </a:br>
+            <a:r>
+              <a:rPr lang="es-NI" sz="2000" dirty="0">
+                <a:latin typeface="Arial" panose="020B0604020202020204" pitchFamily="34" charset="0"/>
+                <a:cs typeface="Arial" panose="020B0604020202020204" pitchFamily="34" charset="0"/>
+              </a:rPr>
+              <a:t> </a:t>
+            </a:r>
+            <a:r>
+              <a:rPr lang="en-US" sz="2000" dirty="0">
+                <a:latin typeface="Arial" panose="020B0604020202020204" pitchFamily="34" charset="0"/>
+                <a:cs typeface="Arial" panose="020B0604020202020204" pitchFamily="34" charset="0"/>
+              </a:rPr>
+              <a:t/>
+            </a:r>
+            <a:br>
+              <a:rPr lang="en-US" sz="2000" dirty="0">
+                <a:latin typeface="Arial" panose="020B0604020202020204" pitchFamily="34" charset="0"/>
+                <a:cs typeface="Arial" panose="020B0604020202020204" pitchFamily="34" charset="0"/>
+              </a:rPr>
+            </a:br>
+            <a:r>
+              <a:rPr lang="es-NI" sz="2000" dirty="0">
+                <a:latin typeface="Arial" panose="020B0604020202020204" pitchFamily="34" charset="0"/>
+                <a:cs typeface="Arial" panose="020B0604020202020204" pitchFamily="34" charset="0"/>
+              </a:rPr>
+              <a:t>Creado el sistema en línea “SIS Universidad”, para que los docentes puedan realizar el registro de notas de los alumnos, inclusive desde su casa, en caso de no tener los medios tecnológicos, pueden hacerlo desde las instalaciones de la universidad o en último caso, pueden entregar su formato en físico para que el personal de registro académico </a:t>
+            </a:r>
+            <a:r>
+              <a:rPr lang="es-NI" sz="2000" dirty="0" smtClean="0">
+                <a:latin typeface="Arial" panose="020B0604020202020204" pitchFamily="34" charset="0"/>
+                <a:cs typeface="Arial" panose="020B0604020202020204" pitchFamily="34" charset="0"/>
+              </a:rPr>
+              <a:t>ingrese </a:t>
+            </a:r>
+            <a:r>
+              <a:rPr lang="es-NI" sz="2000" dirty="0">
+                <a:latin typeface="Arial" panose="020B0604020202020204" pitchFamily="34" charset="0"/>
+                <a:cs typeface="Arial" panose="020B0604020202020204" pitchFamily="34" charset="0"/>
+              </a:rPr>
+              <a:t>las notas al sistema. Los reportes de notas se pueden generar de forma inmediata por los usuarios administrativos que le consulten</a:t>
+            </a:r>
+            <a:r>
+              <a:rPr lang="es-NI" sz="2000" dirty="0" smtClean="0">
+                <a:latin typeface="Arial" panose="020B0604020202020204" pitchFamily="34" charset="0"/>
+                <a:cs typeface="Arial" panose="020B0604020202020204" pitchFamily="34" charset="0"/>
+              </a:rPr>
+              <a:t>.</a:t>
+            </a:r>
+            <a:r>
+              <a:rPr lang="es-NI" sz="1400" dirty="0" smtClean="0">
+                <a:latin typeface="Arial" panose="020B0604020202020204" pitchFamily="34" charset="0"/>
+                <a:cs typeface="Arial" panose="020B0604020202020204" pitchFamily="34" charset="0"/>
+              </a:rPr>
+              <a:t> </a:t>
+            </a:r>
+            <a:endParaRPr lang="en-US" sz="1500" dirty="0">
+              <a:latin typeface="Arial" panose="020B0604020202020204" pitchFamily="34" charset="0"/>
+              <a:cs typeface="Arial" panose="020B0604020202020204" pitchFamily="34" charset="0"/>
+            </a:endParaRPr>
+          </a:p>
+        </p:txBody>
+      </p:sp>
+      <p:sp>
+        <p:nvSpPr>
+          <p:cNvPr id="3" name="Rectángulo 2"/>
+          <p:cNvSpPr/>
+          <p:nvPr/>
+        </p:nvSpPr>
+        <p:spPr>
+          <a:xfrm>
+            <a:off x="1549066" y="158234"/>
+            <a:ext cx="2927404" cy="523220"/>
+          </a:xfrm>
+          <a:prstGeom prst="rect">
+            <a:avLst/>
+          </a:prstGeom>
+        </p:spPr>
+        <p:txBody>
+          <a:bodyPr wrap="none">
+            <a:spAutoFit/>
+          </a:bodyPr>
+          <a:lstStyle/>
+          <a:p>
+            <a:r>
+              <a:rPr lang="es-NI" sz="2800" b="1" dirty="0" smtClean="0"/>
+              <a:t>CONCLUSIONES</a:t>
+            </a:r>
+            <a:endParaRPr lang="en-US" sz="2800" dirty="0"/>
+          </a:p>
+        </p:txBody>
+      </p:sp>
+    </p:spTree>
+    <p:extLst>
+      <p:ext uri="{BB962C8B-B14F-4D97-AF65-F5344CB8AC3E}">
+        <p14:creationId xmlns:p14="http://schemas.microsoft.com/office/powerpoint/2010/main" val="2342696254"/>
+      </p:ext>
+    </p:extLst>
+  </p:cSld>
+  <p:clrMapOvr>
+    <a:masterClrMapping/>
+  </p:clrMapOvr>
+  <p:timing>
+    <p:tnLst>
+      <p:par>
+        <p:cTn id="1" dur="indefinite" restart="never" nodeType="tmRoot"/>
+      </p:par>
+    </p:tnLst>
+  </p:timing>
+</p:sld>
+</file>
+
+<file path=ppt/slides/slide15.xml><?xml version="1.0" encoding="utf-8"?>
+<p:sld xmlns:a="http://schemas.openxmlformats.org/drawingml/2006/main" xmlns:r="http://schemas.openxmlformats.org/officeDocument/2006/relationships" xmlns:p="http://schemas.openxmlformats.org/presentationml/2006/main">
+  <p:cSld>
+    <p:spTree>
+      <p:nvGrpSpPr>
+        <p:cNvPr id="1" name=""/>
+        <p:cNvGrpSpPr/>
+        <p:nvPr/>
+      </p:nvGrpSpPr>
+      <p:grpSpPr>
+        <a:xfrm>
+          <a:off x="0" y="0"/>
+          <a:ext cx="0" cy="0"/>
+          <a:chOff x="0" y="0"/>
+          <a:chExt cx="0" cy="0"/>
+        </a:xfrm>
+      </p:grpSpPr>
+      <p:sp>
+        <p:nvSpPr>
+          <p:cNvPr id="2" name="Título 1"/>
+          <p:cNvSpPr>
+            <a:spLocks noGrp="1"/>
+          </p:cNvSpPr>
+          <p:nvPr>
+            <p:ph type="title"/>
+          </p:nvPr>
+        </p:nvSpPr>
+        <p:spPr>
+          <a:xfrm>
             <a:off x="1676400" y="910499"/>
             <a:ext cx="10515600" cy="5509351"/>
           </a:xfrm>
@@ -8929,7 +9582,7 @@
 </p:sld>
 </file>
 
-<file path=ppt/slides/slide14.xml><?xml version="1.0" encoding="utf-8"?>
+<file path=ppt/slides/slide16.xml><?xml version="1.0" encoding="utf-8"?>
 <p:sld xmlns:a="http://schemas.openxmlformats.org/drawingml/2006/main" xmlns:r="http://schemas.openxmlformats.org/officeDocument/2006/relationships" xmlns:p="http://schemas.openxmlformats.org/presentationml/2006/main">
   <p:cSld>
     <p:spTree>
@@ -9118,8 +9771,8 @@
               <a:rPr lang="en-US" sz="1900" dirty="0"/>
             </a:br>
             <a:r>
-              <a:rPr lang="es-NI" sz="1900" dirty="0"/>
-              <a:t>Tutor(a):</a:t>
+              <a:rPr lang="es-NI" sz="1900" dirty="0" smtClean="0"/>
+              <a:t>Tutor:</a:t>
             </a:r>
             <a:r>
               <a:rPr lang="en-US" sz="1900" dirty="0"/>
@@ -9899,15 +10552,27 @@
             <a:pPr algn="ctr"/>
             <a:r>
               <a:rPr lang="es-NI" sz="2000" dirty="0"/>
-              <a:t>Sistema de notas de la universidad Martin Lutero extensión </a:t>
-            </a:r>
-            <a:r>
-              <a:rPr lang="es-NI" sz="2000" dirty="0" err="1"/>
-              <a:t>Quilali</a:t>
+              <a:t>Sistema de notas de la </a:t>
+            </a:r>
+            <a:r>
+              <a:rPr lang="es-NI" sz="2000" dirty="0" smtClean="0"/>
+              <a:t>Universidad Martín </a:t>
             </a:r>
             <a:r>
               <a:rPr lang="es-NI" sz="2000" dirty="0"/>
-              <a:t>, Departamento de Nueva Segovia.</a:t>
+              <a:t>Lutero extensión </a:t>
+            </a:r>
+            <a:r>
+              <a:rPr lang="es-NI" sz="2000" dirty="0" err="1" smtClean="0"/>
+              <a:t>Quilalí</a:t>
+            </a:r>
+            <a:r>
+              <a:rPr lang="es-NI" sz="2000" dirty="0" smtClean="0"/>
+              <a:t>, </a:t>
+            </a:r>
+            <a:r>
+              <a:rPr lang="es-NI" sz="2000" dirty="0"/>
+              <a:t>Departamento de Nueva Segovia.</a:t>
             </a:r>
             <a:endParaRPr lang="en-US" sz="2000" dirty="0"/>
           </a:p>
@@ -10156,7 +10821,23 @@
             <a:pPr lvl="0" algn="just"/>
             <a:r>
               <a:rPr lang="es-NI" sz="2400" dirty="0"/>
-              <a:t>Mejorar los procesos y el tiempo de atención a estudiantes y docentes en el área de registro académico de Universidad Martin Lutero, sede </a:t>
+              <a:t>Mejorar </a:t>
+            </a:r>
+            <a:r>
+              <a:rPr lang="es-NI" sz="2400" dirty="0" smtClean="0"/>
+              <a:t>el </a:t>
+            </a:r>
+            <a:r>
+              <a:rPr lang="es-NI" sz="2400" dirty="0"/>
+              <a:t>tiempo de atención a estudiantes y docentes en el área de registro académico de Universidad </a:t>
+            </a:r>
+            <a:r>
+              <a:rPr lang="es-NI" sz="2400" dirty="0" smtClean="0"/>
+              <a:t>Martín </a:t>
+            </a:r>
+            <a:r>
+              <a:rPr lang="es-NI" sz="2400" dirty="0"/>
+              <a:t>Lutero, sede </a:t>
             </a:r>
             <a:r>
               <a:rPr lang="es-NI" sz="2400" dirty="0" err="1"/>
@@ -10429,7 +11110,15 @@
             </a:r>
             <a:r>
               <a:rPr lang="es-NI" sz="2000" dirty="0"/>
-              <a:t>el año 2014 un grupo de jóvenes egresados de la universidad Martin Lutero en la ciudad de Managua crearon un sistema llamado SAU (Servicio Académico Universitario) el cual tiene la capacidad de funcionar en una red local, pero lamentablemente no pudo ser funcional ya que no se tenía el personal técnico para configurarlo en el área de registro académico de UML </a:t>
+              <a:t>el año 2014 un grupo de jóvenes egresados de la universidad Martin Lutero en la ciudad de Managua crearon un sistema llamado SAU </a:t>
+            </a:r>
+            <a:r>
+              <a:rPr lang="es-NI" sz="2000" dirty="0" smtClean="0"/>
+              <a:t>(Sistema de Administración Universitaria) </a:t>
+            </a:r>
+            <a:r>
+              <a:rPr lang="es-NI" sz="2000" dirty="0"/>
+              <a:t>el cual tiene la capacidad de funcionar en una red local, pero lamentablemente no pudo ser funcional ya que no se tenía el personal técnico para configurarlo en el área de registro académico de UML </a:t>
             </a:r>
             <a:r>
               <a:rPr lang="es-NI" sz="2000" dirty="0" err="1"/>
@@ -10828,7 +11517,15 @@
             </a:r>
             <a:r>
               <a:rPr lang="es-NI" sz="2000" dirty="0"/>
-              <a:t>propuesta consiste en la programación del sistema de notas para optimizar, agilizar y mejorar todos los procesos administrativos y académicos que se llevan a cabo dentro de la Universidad con la finalidad de agradar y proporcionar un mejor servicio mejorado a los representantes del alumnado; así como también optimizar la manera en que el que control de notas se lleva a cabo.</a:t>
+              <a:t>propuesta consiste en la programación del sistema de notas para optimizar, agilizar y mejorar todos los procesos administrativos y académicos que se llevan a cabo dentro de la </a:t>
+            </a:r>
+            <a:r>
+              <a:rPr lang="es-NI" sz="2000" dirty="0" smtClean="0"/>
+              <a:t>Universidad, </a:t>
+            </a:r>
+            <a:r>
+              <a:rPr lang="es-NI" sz="2000" dirty="0"/>
+              <a:t>con la finalidad de agradar y proporcionar un mejor servicio mejorado a los representantes del alumnado; así como también optimizar la manera en que el que control de notas se lleva a cabo.</a:t>
             </a:r>
             <a:endParaRPr lang="en-US" sz="2000" dirty="0"/>
           </a:p>
@@ -10852,7 +11549,15 @@
             </a:r>
             <a:r>
               <a:rPr lang="es-NI" sz="2000" dirty="0"/>
-              <a:t>a toda la Universidad; nosotros mismos realizamos el sistema de notas aplicando los conocimientos impartidos por nuestros maestros durante los años.</a:t>
+              <a:t>a toda la Universidad; </a:t>
+            </a:r>
+            <a:r>
+              <a:rPr lang="es-NI" sz="2000" dirty="0" smtClean="0"/>
+              <a:t>se realizó </a:t>
+            </a:r>
+            <a:r>
+              <a:rPr lang="es-NI" sz="2000" dirty="0"/>
+              <a:t>el sistema de notas aplicando los conocimientos impartidos por nuestros maestros durante los años.</a:t>
             </a:r>
             <a:endParaRPr lang="en-US" sz="2000" dirty="0"/>
           </a:p>
